--- a/Documentacion/Presentación/Presentación de la aplicación.pptx
+++ b/Documentacion/Presentación/Presentación de la aplicación.pptx
@@ -8,6 +8,14 @@
     <p:sldId id="256" r:id="rId2"/>
     <p:sldId id="257" r:id="rId3"/>
     <p:sldId id="258" r:id="rId4"/>
+    <p:sldId id="259" r:id="rId5"/>
+    <p:sldId id="263" r:id="rId6"/>
+    <p:sldId id="266" r:id="rId7"/>
+    <p:sldId id="264" r:id="rId8"/>
+    <p:sldId id="265" r:id="rId9"/>
+    <p:sldId id="260" r:id="rId10"/>
+    <p:sldId id="261" r:id="rId11"/>
+    <p:sldId id="262" r:id="rId12"/>
   </p:sldIdLst>
   <p:sldSz cx="12192000" cy="6858000"/>
   <p:notesSz cx="6858000" cy="9144000"/>
@@ -106,6 +114,11 @@
       </a:defRPr>
     </a:lvl9pPr>
   </p:defaultTextStyle>
+  <p:extLst>
+    <p:ext uri="{EFAFB233-063F-42B5-8137-9DF3F51BA10A}">
+      <p15:sldGuideLst xmlns:p15="http://schemas.microsoft.com/office/powerpoint/2012/main"/>
+    </p:ext>
+  </p:extLst>
 </p:presentation>
 </file>
 
@@ -166,7 +179,7 @@
           <a:noFill/>
           <a:extLst>
             <a:ext uri="{909E8E84-426E-40dd-AFC4-6F175D3DCCD1}">
-              <a14:hiddenFill xmlns:a14="http://schemas.microsoft.com/office/drawing/2010/main" xmlns="">
+              <a14:hiddenFill xmlns="" xmlns:a14="http://schemas.microsoft.com/office/drawing/2010/main">
                 <a:solidFill>
                   <a:srgbClr val="FFFFFF"/>
                 </a:solidFill>
@@ -225,7 +238,7 @@
             </a:ln>
             <a:extLst>
               <a:ext uri="{91240B29-F687-4f45-9708-019B960494DF}">
-                <a14:hiddenLine xmlns:a14="http://schemas.microsoft.com/office/drawing/2010/main" xmlns="" w="9525">
+                <a14:hiddenLine xmlns="" xmlns:a14="http://schemas.microsoft.com/office/drawing/2010/main" w="9525">
                   <a:solidFill>
                     <a:srgbClr val="000000"/>
                   </a:solidFill>
@@ -315,7 +328,7 @@
             </a:ln>
             <a:extLst>
               <a:ext uri="{91240B29-F687-4f45-9708-019B960494DF}">
-                <a14:hiddenLine xmlns:a14="http://schemas.microsoft.com/office/drawing/2010/main" xmlns="" w="9525">
+                <a14:hiddenLine xmlns="" xmlns:a14="http://schemas.microsoft.com/office/drawing/2010/main" w="9525">
                   <a:solidFill>
                     <a:srgbClr val="000000"/>
                   </a:solidFill>
@@ -405,7 +418,7 @@
             </a:ln>
             <a:extLst>
               <a:ext uri="{91240B29-F687-4f45-9708-019B960494DF}">
-                <a14:hiddenLine xmlns:a14="http://schemas.microsoft.com/office/drawing/2010/main" xmlns="" w="9525">
+                <a14:hiddenLine xmlns="" xmlns:a14="http://schemas.microsoft.com/office/drawing/2010/main" w="9525">
                   <a:solidFill>
                     <a:srgbClr val="000000"/>
                   </a:solidFill>
@@ -439,7 +452,7 @@
             </a:ln>
             <a:extLst>
               <a:ext uri="{91240B29-F687-4f45-9708-019B960494DF}">
-                <a14:hiddenLine xmlns:a14="http://schemas.microsoft.com/office/drawing/2010/main" xmlns="" w="9525">
+                <a14:hiddenLine xmlns="" xmlns:a14="http://schemas.microsoft.com/office/drawing/2010/main" w="9525">
                   <a:solidFill>
                     <a:srgbClr val="000000"/>
                   </a:solidFill>
@@ -529,7 +542,7 @@
             </a:ln>
             <a:extLst>
               <a:ext uri="{91240B29-F687-4f45-9708-019B960494DF}">
-                <a14:hiddenLine xmlns:a14="http://schemas.microsoft.com/office/drawing/2010/main" xmlns="" w="9525">
+                <a14:hiddenLine xmlns="" xmlns:a14="http://schemas.microsoft.com/office/drawing/2010/main" w="9525">
                   <a:solidFill>
                     <a:srgbClr val="000000"/>
                   </a:solidFill>
@@ -591,7 +604,7 @@
             </a:ln>
             <a:extLst>
               <a:ext uri="{91240B29-F687-4f45-9708-019B960494DF}">
-                <a14:hiddenLine xmlns:a14="http://schemas.microsoft.com/office/drawing/2010/main" xmlns="" w="9525">
+                <a14:hiddenLine xmlns="" xmlns:a14="http://schemas.microsoft.com/office/drawing/2010/main" w="9525">
                   <a:solidFill>
                     <a:srgbClr val="000000"/>
                   </a:solidFill>
@@ -653,7 +666,7 @@
             </a:ln>
             <a:extLst>
               <a:ext uri="{91240B29-F687-4f45-9708-019B960494DF}">
-                <a14:hiddenLine xmlns:a14="http://schemas.microsoft.com/office/drawing/2010/main" xmlns="" w="9525">
+                <a14:hiddenLine xmlns="" xmlns:a14="http://schemas.microsoft.com/office/drawing/2010/main" w="9525">
                   <a:solidFill>
                     <a:srgbClr val="000000"/>
                   </a:solidFill>
@@ -743,7 +756,7 @@
             </a:ln>
             <a:extLst>
               <a:ext uri="{91240B29-F687-4f45-9708-019B960494DF}">
-                <a14:hiddenLine xmlns:a14="http://schemas.microsoft.com/office/drawing/2010/main" xmlns="" w="9525">
+                <a14:hiddenLine xmlns="" xmlns:a14="http://schemas.microsoft.com/office/drawing/2010/main" w="9525">
                   <a:solidFill>
                     <a:srgbClr val="000000"/>
                   </a:solidFill>
@@ -805,7 +818,7 @@
             </a:ln>
             <a:extLst>
               <a:ext uri="{91240B29-F687-4f45-9708-019B960494DF}">
-                <a14:hiddenLine xmlns:a14="http://schemas.microsoft.com/office/drawing/2010/main" xmlns="" w="9525">
+                <a14:hiddenLine xmlns="" xmlns:a14="http://schemas.microsoft.com/office/drawing/2010/main" w="9525">
                   <a:solidFill>
                     <a:srgbClr val="000000"/>
                   </a:solidFill>
@@ -867,7 +880,7 @@
             </a:ln>
             <a:extLst>
               <a:ext uri="{91240B29-F687-4f45-9708-019B960494DF}">
-                <a14:hiddenLine xmlns:a14="http://schemas.microsoft.com/office/drawing/2010/main" xmlns="" w="9525">
+                <a14:hiddenLine xmlns="" xmlns:a14="http://schemas.microsoft.com/office/drawing/2010/main" w="9525">
                   <a:solidFill>
                     <a:srgbClr val="000000"/>
                   </a:solidFill>
@@ -957,7 +970,7 @@
             </a:ln>
             <a:extLst>
               <a:ext uri="{91240B29-F687-4f45-9708-019B960494DF}">
-                <a14:hiddenLine xmlns:a14="http://schemas.microsoft.com/office/drawing/2010/main" xmlns="" w="9525">
+                <a14:hiddenLine xmlns="" xmlns:a14="http://schemas.microsoft.com/office/drawing/2010/main" w="9525">
                   <a:solidFill>
                     <a:srgbClr val="000000"/>
                   </a:solidFill>
@@ -1047,7 +1060,7 @@
             </a:ln>
             <a:extLst>
               <a:ext uri="{91240B29-F687-4f45-9708-019B960494DF}">
-                <a14:hiddenLine xmlns:a14="http://schemas.microsoft.com/office/drawing/2010/main" xmlns="" w="9525">
+                <a14:hiddenLine xmlns="" xmlns:a14="http://schemas.microsoft.com/office/drawing/2010/main" w="9525">
                   <a:solidFill>
                     <a:srgbClr val="000000"/>
                   </a:solidFill>
@@ -1109,7 +1122,7 @@
             </a:ln>
             <a:extLst>
               <a:ext uri="{91240B29-F687-4f45-9708-019B960494DF}">
-                <a14:hiddenLine xmlns:a14="http://schemas.microsoft.com/office/drawing/2010/main" xmlns="" w="9525">
+                <a14:hiddenLine xmlns="" xmlns:a14="http://schemas.microsoft.com/office/drawing/2010/main" w="9525">
                   <a:solidFill>
                     <a:srgbClr val="000000"/>
                   </a:solidFill>
@@ -1219,7 +1232,7 @@
             </a:ln>
             <a:extLst>
               <a:ext uri="{91240B29-F687-4f45-9708-019B960494DF}">
-                <a14:hiddenLine xmlns:a14="http://schemas.microsoft.com/office/drawing/2010/main" xmlns="" w="9525">
+                <a14:hiddenLine xmlns="" xmlns:a14="http://schemas.microsoft.com/office/drawing/2010/main" w="9525">
                   <a:solidFill>
                     <a:srgbClr val="000000"/>
                   </a:solidFill>
@@ -1281,7 +1294,7 @@
             </a:ln>
             <a:extLst>
               <a:ext uri="{91240B29-F687-4f45-9708-019B960494DF}">
-                <a14:hiddenLine xmlns:a14="http://schemas.microsoft.com/office/drawing/2010/main" xmlns="" w="9525">
+                <a14:hiddenLine xmlns="" xmlns:a14="http://schemas.microsoft.com/office/drawing/2010/main" w="9525">
                   <a:solidFill>
                     <a:srgbClr val="000000"/>
                   </a:solidFill>
@@ -1371,7 +1384,7 @@
             </a:ln>
             <a:extLst>
               <a:ext uri="{91240B29-F687-4f45-9708-019B960494DF}">
-                <a14:hiddenLine xmlns:a14="http://schemas.microsoft.com/office/drawing/2010/main" xmlns="" w="9525">
+                <a14:hiddenLine xmlns="" xmlns:a14="http://schemas.microsoft.com/office/drawing/2010/main" w="9525">
                   <a:solidFill>
                     <a:srgbClr val="000000"/>
                   </a:solidFill>
@@ -1461,7 +1474,7 @@
             </a:ln>
             <a:extLst>
               <a:ext uri="{91240B29-F687-4f45-9708-019B960494DF}">
-                <a14:hiddenLine xmlns:a14="http://schemas.microsoft.com/office/drawing/2010/main" xmlns="" w="9525">
+                <a14:hiddenLine xmlns="" xmlns:a14="http://schemas.microsoft.com/office/drawing/2010/main" w="9525">
                   <a:solidFill>
                     <a:srgbClr val="000000"/>
                   </a:solidFill>
@@ -1523,7 +1536,7 @@
             </a:ln>
             <a:extLst>
               <a:ext uri="{91240B29-F687-4f45-9708-019B960494DF}">
-                <a14:hiddenLine xmlns:a14="http://schemas.microsoft.com/office/drawing/2010/main" xmlns="" w="9525">
+                <a14:hiddenLine xmlns="" xmlns:a14="http://schemas.microsoft.com/office/drawing/2010/main" w="9525">
                   <a:solidFill>
                     <a:srgbClr val="000000"/>
                   </a:solidFill>
@@ -1613,7 +1626,7 @@
             </a:ln>
             <a:extLst>
               <a:ext uri="{91240B29-F687-4f45-9708-019B960494DF}">
-                <a14:hiddenLine xmlns:a14="http://schemas.microsoft.com/office/drawing/2010/main" xmlns="" w="9525">
+                <a14:hiddenLine xmlns="" xmlns:a14="http://schemas.microsoft.com/office/drawing/2010/main" w="9525">
                   <a:solidFill>
                     <a:srgbClr val="000000"/>
                   </a:solidFill>
@@ -1703,7 +1716,7 @@
             </a:ln>
             <a:extLst>
               <a:ext uri="{91240B29-F687-4f45-9708-019B960494DF}">
-                <a14:hiddenLine xmlns:a14="http://schemas.microsoft.com/office/drawing/2010/main" xmlns="" w="9525">
+                <a14:hiddenLine xmlns="" xmlns:a14="http://schemas.microsoft.com/office/drawing/2010/main" w="9525">
                   <a:solidFill>
                     <a:srgbClr val="000000"/>
                   </a:solidFill>
@@ -1759,7 +1772,7 @@
             </a:ln>
             <a:extLst>
               <a:ext uri="{91240B29-F687-4f45-9708-019B960494DF}">
-                <a14:hiddenLine xmlns:a14="http://schemas.microsoft.com/office/drawing/2010/main" xmlns="" w="9525">
+                <a14:hiddenLine xmlns="" xmlns:a14="http://schemas.microsoft.com/office/drawing/2010/main" w="9525">
                   <a:solidFill>
                     <a:srgbClr val="000000"/>
                   </a:solidFill>
@@ -1849,7 +1862,7 @@
             </a:ln>
             <a:extLst>
               <a:ext uri="{91240B29-F687-4f45-9708-019B960494DF}">
-                <a14:hiddenLine xmlns:a14="http://schemas.microsoft.com/office/drawing/2010/main" xmlns="" w="9525">
+                <a14:hiddenLine xmlns="" xmlns:a14="http://schemas.microsoft.com/office/drawing/2010/main" w="9525">
                   <a:solidFill>
                     <a:srgbClr val="000000"/>
                   </a:solidFill>
@@ -1905,7 +1918,7 @@
             </a:ln>
             <a:extLst>
               <a:ext uri="{91240B29-F687-4f45-9708-019B960494DF}">
-                <a14:hiddenLine xmlns:a14="http://schemas.microsoft.com/office/drawing/2010/main" xmlns="" w="9525">
+                <a14:hiddenLine xmlns="" xmlns:a14="http://schemas.microsoft.com/office/drawing/2010/main" w="9525">
                   <a:solidFill>
                     <a:srgbClr val="000000"/>
                   </a:solidFill>
@@ -1995,7 +2008,7 @@
             </a:ln>
             <a:extLst>
               <a:ext uri="{91240B29-F687-4f45-9708-019B960494DF}">
-                <a14:hiddenLine xmlns:a14="http://schemas.microsoft.com/office/drawing/2010/main" xmlns="" w="9525">
+                <a14:hiddenLine xmlns="" xmlns:a14="http://schemas.microsoft.com/office/drawing/2010/main" w="9525">
                   <a:solidFill>
                     <a:srgbClr val="000000"/>
                   </a:solidFill>
@@ -2063,7 +2076,7 @@
             </a:ln>
             <a:extLst>
               <a:ext uri="{91240B29-F687-4f45-9708-019B960494DF}">
-                <a14:hiddenLine xmlns:a14="http://schemas.microsoft.com/office/drawing/2010/main" xmlns="" w="9525">
+                <a14:hiddenLine xmlns="" xmlns:a14="http://schemas.microsoft.com/office/drawing/2010/main" w="9525">
                   <a:solidFill>
                     <a:srgbClr val="000000"/>
                   </a:solidFill>
@@ -2153,7 +2166,7 @@
             </a:ln>
             <a:extLst>
               <a:ext uri="{91240B29-F687-4f45-9708-019B960494DF}">
-                <a14:hiddenLine xmlns:a14="http://schemas.microsoft.com/office/drawing/2010/main" xmlns="" w="9525">
+                <a14:hiddenLine xmlns="" xmlns:a14="http://schemas.microsoft.com/office/drawing/2010/main" w="9525">
                   <a:solidFill>
                     <a:srgbClr val="000000"/>
                   </a:solidFill>
@@ -2221,7 +2234,7 @@
             </a:ln>
             <a:extLst>
               <a:ext uri="{91240B29-F687-4f45-9708-019B960494DF}">
-                <a14:hiddenLine xmlns:a14="http://schemas.microsoft.com/office/drawing/2010/main" xmlns="" w="9525">
+                <a14:hiddenLine xmlns="" xmlns:a14="http://schemas.microsoft.com/office/drawing/2010/main" w="9525">
                   <a:solidFill>
                     <a:srgbClr val="000000"/>
                   </a:solidFill>
@@ -2311,7 +2324,7 @@
             </a:ln>
             <a:extLst>
               <a:ext uri="{91240B29-F687-4f45-9708-019B960494DF}">
-                <a14:hiddenLine xmlns:a14="http://schemas.microsoft.com/office/drawing/2010/main" xmlns="" w="9525">
+                <a14:hiddenLine xmlns="" xmlns:a14="http://schemas.microsoft.com/office/drawing/2010/main" w="9525">
                   <a:solidFill>
                     <a:srgbClr val="000000"/>
                   </a:solidFill>
@@ -2345,7 +2358,7 @@
             </a:ln>
             <a:extLst>
               <a:ext uri="{91240B29-F687-4f45-9708-019B960494DF}">
-                <a14:hiddenLine xmlns:a14="http://schemas.microsoft.com/office/drawing/2010/main" xmlns="" w="9525">
+                <a14:hiddenLine xmlns="" xmlns:a14="http://schemas.microsoft.com/office/drawing/2010/main" w="9525">
                   <a:solidFill>
                     <a:srgbClr val="000000"/>
                   </a:solidFill>
@@ -2435,7 +2448,7 @@
             </a:ln>
             <a:extLst>
               <a:ext uri="{91240B29-F687-4f45-9708-019B960494DF}">
-                <a14:hiddenLine xmlns:a14="http://schemas.microsoft.com/office/drawing/2010/main" xmlns="" w="9525">
+                <a14:hiddenLine xmlns="" xmlns:a14="http://schemas.microsoft.com/office/drawing/2010/main" w="9525">
                   <a:solidFill>
                     <a:srgbClr val="000000"/>
                   </a:solidFill>
@@ -2497,7 +2510,7 @@
             </a:ln>
             <a:extLst>
               <a:ext uri="{91240B29-F687-4f45-9708-019B960494DF}">
-                <a14:hiddenLine xmlns:a14="http://schemas.microsoft.com/office/drawing/2010/main" xmlns="" w="9525">
+                <a14:hiddenLine xmlns="" xmlns:a14="http://schemas.microsoft.com/office/drawing/2010/main" w="9525">
                   <a:solidFill>
                     <a:srgbClr val="000000"/>
                   </a:solidFill>
@@ -2559,7 +2572,7 @@
             </a:ln>
             <a:extLst>
               <a:ext uri="{91240B29-F687-4f45-9708-019B960494DF}">
-                <a14:hiddenLine xmlns:a14="http://schemas.microsoft.com/office/drawing/2010/main" xmlns="" w="9525">
+                <a14:hiddenLine xmlns="" xmlns:a14="http://schemas.microsoft.com/office/drawing/2010/main" w="9525">
                   <a:solidFill>
                     <a:srgbClr val="000000"/>
                   </a:solidFill>
@@ -2649,7 +2662,7 @@
             </a:ln>
             <a:extLst>
               <a:ext uri="{91240B29-F687-4f45-9708-019B960494DF}">
-                <a14:hiddenLine xmlns:a14="http://schemas.microsoft.com/office/drawing/2010/main" xmlns="" w="9525">
+                <a14:hiddenLine xmlns="" xmlns:a14="http://schemas.microsoft.com/office/drawing/2010/main" w="9525">
                   <a:solidFill>
                     <a:srgbClr val="000000"/>
                   </a:solidFill>
@@ -2717,7 +2730,7 @@
             </a:ln>
             <a:extLst>
               <a:ext uri="{91240B29-F687-4f45-9708-019B960494DF}">
-                <a14:hiddenLine xmlns:a14="http://schemas.microsoft.com/office/drawing/2010/main" xmlns="" w="9525">
+                <a14:hiddenLine xmlns="" xmlns:a14="http://schemas.microsoft.com/office/drawing/2010/main" w="9525">
                   <a:solidFill>
                     <a:srgbClr val="000000"/>
                   </a:solidFill>
@@ -2779,7 +2792,7 @@
             </a:ln>
             <a:extLst>
               <a:ext uri="{91240B29-F687-4f45-9708-019B960494DF}">
-                <a14:hiddenLine xmlns:a14="http://schemas.microsoft.com/office/drawing/2010/main" xmlns="" w="9525">
+                <a14:hiddenLine xmlns="" xmlns:a14="http://schemas.microsoft.com/office/drawing/2010/main" w="9525">
                   <a:solidFill>
                     <a:srgbClr val="000000"/>
                   </a:solidFill>
@@ -2869,7 +2882,7 @@
             </a:ln>
             <a:extLst>
               <a:ext uri="{91240B29-F687-4f45-9708-019B960494DF}">
-                <a14:hiddenLine xmlns:a14="http://schemas.microsoft.com/office/drawing/2010/main" xmlns="" w="9525">
+                <a14:hiddenLine xmlns="" xmlns:a14="http://schemas.microsoft.com/office/drawing/2010/main" w="9525">
                   <a:solidFill>
                     <a:srgbClr val="000000"/>
                   </a:solidFill>
@@ -2931,7 +2944,7 @@
             </a:ln>
             <a:extLst>
               <a:ext uri="{91240B29-F687-4f45-9708-019B960494DF}">
-                <a14:hiddenLine xmlns:a14="http://schemas.microsoft.com/office/drawing/2010/main" xmlns="" w="9525">
+                <a14:hiddenLine xmlns="" xmlns:a14="http://schemas.microsoft.com/office/drawing/2010/main" w="9525">
                   <a:solidFill>
                     <a:srgbClr val="000000"/>
                   </a:solidFill>
@@ -3021,7 +3034,7 @@
             </a:ln>
             <a:extLst>
               <a:ext uri="{91240B29-F687-4f45-9708-019B960494DF}">
-                <a14:hiddenLine xmlns:a14="http://schemas.microsoft.com/office/drawing/2010/main" xmlns="" w="9525">
+                <a14:hiddenLine xmlns="" xmlns:a14="http://schemas.microsoft.com/office/drawing/2010/main" w="9525">
                   <a:solidFill>
                     <a:srgbClr val="000000"/>
                   </a:solidFill>
@@ -3083,7 +3096,7 @@
             </a:ln>
             <a:extLst>
               <a:ext uri="{91240B29-F687-4f45-9708-019B960494DF}">
-                <a14:hiddenLine xmlns:a14="http://schemas.microsoft.com/office/drawing/2010/main" xmlns="" w="9525">
+                <a14:hiddenLine xmlns="" xmlns:a14="http://schemas.microsoft.com/office/drawing/2010/main" w="9525">
                   <a:solidFill>
                     <a:srgbClr val="000000"/>
                   </a:solidFill>
@@ -3173,7 +3186,7 @@
             </a:ln>
             <a:extLst>
               <a:ext uri="{91240B29-F687-4f45-9708-019B960494DF}">
-                <a14:hiddenLine xmlns:a14="http://schemas.microsoft.com/office/drawing/2010/main" xmlns="" w="9525">
+                <a14:hiddenLine xmlns="" xmlns:a14="http://schemas.microsoft.com/office/drawing/2010/main" w="9525">
                   <a:solidFill>
                     <a:srgbClr val="000000"/>
                   </a:solidFill>
@@ -3207,7 +3220,7 @@
             </a:ln>
             <a:extLst>
               <a:ext uri="{91240B29-F687-4f45-9708-019B960494DF}">
-                <a14:hiddenLine xmlns:a14="http://schemas.microsoft.com/office/drawing/2010/main" xmlns="" w="9525">
+                <a14:hiddenLine xmlns="" xmlns:a14="http://schemas.microsoft.com/office/drawing/2010/main" w="9525">
                   <a:solidFill>
                     <a:srgbClr val="000000"/>
                   </a:solidFill>
@@ -3272,7 +3285,7 @@
             </a:ln>
             <a:extLst>
               <a:ext uri="{91240B29-F687-4f45-9708-019B960494DF}">
-                <a14:hiddenLine xmlns:a14="http://schemas.microsoft.com/office/drawing/2010/main" xmlns="" w="9525">
+                <a14:hiddenLine xmlns="" xmlns:a14="http://schemas.microsoft.com/office/drawing/2010/main" w="9525">
                   <a:solidFill>
                     <a:srgbClr val="000000"/>
                   </a:solidFill>
@@ -3362,7 +3375,7 @@
             </a:ln>
             <a:extLst>
               <a:ext uri="{91240B29-F687-4f45-9708-019B960494DF}">
-                <a14:hiddenLine xmlns:a14="http://schemas.microsoft.com/office/drawing/2010/main" xmlns="" w="9525">
+                <a14:hiddenLine xmlns="" xmlns:a14="http://schemas.microsoft.com/office/drawing/2010/main" w="9525">
                   <a:solidFill>
                     <a:srgbClr val="000000"/>
                   </a:solidFill>
@@ -3424,7 +3437,7 @@
             </a:ln>
             <a:extLst>
               <a:ext uri="{91240B29-F687-4f45-9708-019B960494DF}">
-                <a14:hiddenLine xmlns:a14="http://schemas.microsoft.com/office/drawing/2010/main" xmlns="" w="9525">
+                <a14:hiddenLine xmlns="" xmlns:a14="http://schemas.microsoft.com/office/drawing/2010/main" w="9525">
                   <a:solidFill>
                     <a:srgbClr val="000000"/>
                   </a:solidFill>
@@ -3514,7 +3527,7 @@
             </a:ln>
             <a:extLst>
               <a:ext uri="{91240B29-F687-4f45-9708-019B960494DF}">
-                <a14:hiddenLine xmlns:a14="http://schemas.microsoft.com/office/drawing/2010/main" xmlns="" w="9525">
+                <a14:hiddenLine xmlns="" xmlns:a14="http://schemas.microsoft.com/office/drawing/2010/main" w="9525">
                   <a:solidFill>
                     <a:srgbClr val="000000"/>
                   </a:solidFill>
@@ -3604,7 +3617,7 @@
             </a:ln>
             <a:extLst>
               <a:ext uri="{91240B29-F687-4f45-9708-019B960494DF}">
-                <a14:hiddenLine xmlns:a14="http://schemas.microsoft.com/office/drawing/2010/main" xmlns="" w="9525">
+                <a14:hiddenLine xmlns="" xmlns:a14="http://schemas.microsoft.com/office/drawing/2010/main" w="9525">
                   <a:solidFill>
                     <a:srgbClr val="000000"/>
                   </a:solidFill>
@@ -3669,7 +3682,7 @@
             </a:ln>
             <a:extLst>
               <a:ext uri="{91240B29-F687-4f45-9708-019B960494DF}">
-                <a14:hiddenLine xmlns:a14="http://schemas.microsoft.com/office/drawing/2010/main" xmlns="" w="9525">
+                <a14:hiddenLine xmlns="" xmlns:a14="http://schemas.microsoft.com/office/drawing/2010/main" w="9525">
                   <a:solidFill>
                     <a:srgbClr val="000000"/>
                   </a:solidFill>
@@ -3731,7 +3744,7 @@
             </a:ln>
             <a:extLst>
               <a:ext uri="{91240B29-F687-4f45-9708-019B960494DF}">
-                <a14:hiddenLine xmlns:a14="http://schemas.microsoft.com/office/drawing/2010/main" xmlns="" w="9525">
+                <a14:hiddenLine xmlns="" xmlns:a14="http://schemas.microsoft.com/office/drawing/2010/main" w="9525">
                   <a:solidFill>
                     <a:srgbClr val="000000"/>
                   </a:solidFill>
@@ -3821,7 +3834,7 @@
             </a:ln>
             <a:extLst>
               <a:ext uri="{91240B29-F687-4f45-9708-019B960494DF}">
-                <a14:hiddenLine xmlns:a14="http://schemas.microsoft.com/office/drawing/2010/main" xmlns="" w="9525">
+                <a14:hiddenLine xmlns="" xmlns:a14="http://schemas.microsoft.com/office/drawing/2010/main" w="9525">
                   <a:solidFill>
                     <a:srgbClr val="000000"/>
                   </a:solidFill>
@@ -3911,7 +3924,7 @@
             </a:ln>
             <a:extLst>
               <a:ext uri="{91240B29-F687-4f45-9708-019B960494DF}">
-                <a14:hiddenLine xmlns:a14="http://schemas.microsoft.com/office/drawing/2010/main" xmlns="" w="9525">
+                <a14:hiddenLine xmlns="" xmlns:a14="http://schemas.microsoft.com/office/drawing/2010/main" w="9525">
                   <a:solidFill>
                     <a:srgbClr val="000000"/>
                   </a:solidFill>
@@ -3973,7 +3986,7 @@
             </a:ln>
             <a:extLst>
               <a:ext uri="{91240B29-F687-4f45-9708-019B960494DF}">
-                <a14:hiddenLine xmlns:a14="http://schemas.microsoft.com/office/drawing/2010/main" xmlns="" w="9525">
+                <a14:hiddenLine xmlns="" xmlns:a14="http://schemas.microsoft.com/office/drawing/2010/main" w="9525">
                   <a:solidFill>
                     <a:srgbClr val="000000"/>
                   </a:solidFill>
@@ -4093,7 +4106,7 @@
             </a:ln>
             <a:extLst>
               <a:ext uri="{91240B29-F687-4f45-9708-019B960494DF}">
-                <a14:hiddenLine xmlns:a14="http://schemas.microsoft.com/office/drawing/2010/main" xmlns="" w="9525">
+                <a14:hiddenLine xmlns="" xmlns:a14="http://schemas.microsoft.com/office/drawing/2010/main" w="9525">
                   <a:solidFill>
                     <a:srgbClr val="000000"/>
                   </a:solidFill>
@@ -4161,7 +4174,7 @@
             </a:ln>
             <a:extLst>
               <a:ext uri="{91240B29-F687-4f45-9708-019B960494DF}">
-                <a14:hiddenLine xmlns:a14="http://schemas.microsoft.com/office/drawing/2010/main" xmlns="" w="9525">
+                <a14:hiddenLine xmlns="" xmlns:a14="http://schemas.microsoft.com/office/drawing/2010/main" w="9525">
                   <a:solidFill>
                     <a:srgbClr val="000000"/>
                   </a:solidFill>
@@ -4251,7 +4264,7 @@
             </a:ln>
             <a:extLst>
               <a:ext uri="{91240B29-F687-4f45-9708-019B960494DF}">
-                <a14:hiddenLine xmlns:a14="http://schemas.microsoft.com/office/drawing/2010/main" xmlns="" w="9525">
+                <a14:hiddenLine xmlns="" xmlns:a14="http://schemas.microsoft.com/office/drawing/2010/main" w="9525">
                   <a:solidFill>
                     <a:srgbClr val="000000"/>
                   </a:solidFill>
@@ -4391,7 +4404,7 @@
           <a:p>
             <a:fld id="{45B796A2-5E01-4D06-BA9F-584E67CC9556}" type="datetimeFigureOut">
               <a:rPr lang="en-US" smtClean="0"/>
-              <a:t>10-May-18</a:t>
+              <a:t>20-May-18</a:t>
             </a:fld>
             <a:endParaRPr lang="en-US"/>
           </a:p>
@@ -4658,7 +4671,7 @@
           <a:p>
             <a:fld id="{45B796A2-5E01-4D06-BA9F-584E67CC9556}" type="datetimeFigureOut">
               <a:rPr lang="en-US" smtClean="0"/>
-              <a:t>10-May-18</a:t>
+              <a:t>20-May-18</a:t>
             </a:fld>
             <a:endParaRPr lang="en-US"/>
           </a:p>
@@ -4854,7 +4867,7 @@
           <a:p>
             <a:fld id="{45B796A2-5E01-4D06-BA9F-584E67CC9556}" type="datetimeFigureOut">
               <a:rPr lang="en-US" smtClean="0"/>
-              <a:t>10-May-18</a:t>
+              <a:t>20-May-18</a:t>
             </a:fld>
             <a:endParaRPr lang="en-US"/>
           </a:p>
@@ -5117,7 +5130,7 @@
           <a:p>
             <a:fld id="{45B796A2-5E01-4D06-BA9F-584E67CC9556}" type="datetimeFigureOut">
               <a:rPr lang="en-US" smtClean="0"/>
-              <a:t>10-May-18</a:t>
+              <a:t>20-May-18</a:t>
             </a:fld>
             <a:endParaRPr lang="en-US"/>
           </a:p>
@@ -5551,7 +5564,7 @@
           <a:p>
             <a:fld id="{45B796A2-5E01-4D06-BA9F-584E67CC9556}" type="datetimeFigureOut">
               <a:rPr lang="en-US" smtClean="0"/>
-              <a:t>10-May-18</a:t>
+              <a:t>20-May-18</a:t>
             </a:fld>
             <a:endParaRPr lang="en-US"/>
           </a:p>
@@ -6097,7 +6110,7 @@
           <a:p>
             <a:fld id="{45B796A2-5E01-4D06-BA9F-584E67CC9556}" type="datetimeFigureOut">
               <a:rPr lang="en-US" smtClean="0"/>
-              <a:t>10-May-18</a:t>
+              <a:t>20-May-18</a:t>
             </a:fld>
             <a:endParaRPr lang="en-US"/>
           </a:p>
@@ -6817,7 +6830,7 @@
           <a:p>
             <a:fld id="{45B796A2-5E01-4D06-BA9F-584E67CC9556}" type="datetimeFigureOut">
               <a:rPr lang="en-US" smtClean="0"/>
-              <a:t>10-May-18</a:t>
+              <a:t>20-May-18</a:t>
             </a:fld>
             <a:endParaRPr lang="en-US"/>
           </a:p>
@@ -6987,7 +7000,7 @@
           <a:p>
             <a:fld id="{45B796A2-5E01-4D06-BA9F-584E67CC9556}" type="datetimeFigureOut">
               <a:rPr lang="en-US" smtClean="0"/>
-              <a:t>10-May-18</a:t>
+              <a:t>20-May-18</a:t>
             </a:fld>
             <a:endParaRPr lang="en-US"/>
           </a:p>
@@ -7167,7 +7180,7 @@
           <a:p>
             <a:fld id="{45B796A2-5E01-4D06-BA9F-584E67CC9556}" type="datetimeFigureOut">
               <a:rPr lang="en-US" smtClean="0"/>
-              <a:t>10-May-18</a:t>
+              <a:t>20-May-18</a:t>
             </a:fld>
             <a:endParaRPr lang="en-US"/>
           </a:p>
@@ -7337,7 +7350,7 @@
           <a:p>
             <a:fld id="{45B796A2-5E01-4D06-BA9F-584E67CC9556}" type="datetimeFigureOut">
               <a:rPr lang="en-US" smtClean="0"/>
-              <a:t>10-May-18</a:t>
+              <a:t>20-May-18</a:t>
             </a:fld>
             <a:endParaRPr lang="en-US"/>
           </a:p>
@@ -7587,7 +7600,7 @@
           <a:p>
             <a:fld id="{45B796A2-5E01-4D06-BA9F-584E67CC9556}" type="datetimeFigureOut">
               <a:rPr lang="en-US" smtClean="0"/>
-              <a:t>10-May-18</a:t>
+              <a:t>20-May-18</a:t>
             </a:fld>
             <a:endParaRPr lang="en-US"/>
           </a:p>
@@ -7819,7 +7832,7 @@
           <a:p>
             <a:fld id="{45B796A2-5E01-4D06-BA9F-584E67CC9556}" type="datetimeFigureOut">
               <a:rPr lang="en-US" smtClean="0"/>
-              <a:t>10-May-18</a:t>
+              <a:t>20-May-18</a:t>
             </a:fld>
             <a:endParaRPr lang="en-US"/>
           </a:p>
@@ -8200,7 +8213,7 @@
           <a:p>
             <a:fld id="{45B796A2-5E01-4D06-BA9F-584E67CC9556}" type="datetimeFigureOut">
               <a:rPr lang="en-US" smtClean="0"/>
-              <a:t>10-May-18</a:t>
+              <a:t>20-May-18</a:t>
             </a:fld>
             <a:endParaRPr lang="en-US"/>
           </a:p>
@@ -8318,7 +8331,7 @@
           <a:p>
             <a:fld id="{45B796A2-5E01-4D06-BA9F-584E67CC9556}" type="datetimeFigureOut">
               <a:rPr lang="en-US" smtClean="0"/>
-              <a:t>10-May-18</a:t>
+              <a:t>20-May-18</a:t>
             </a:fld>
             <a:endParaRPr lang="en-US"/>
           </a:p>
@@ -8413,7 +8426,7 @@
           <a:p>
             <a:fld id="{45B796A2-5E01-4D06-BA9F-584E67CC9556}" type="datetimeFigureOut">
               <a:rPr lang="en-US" smtClean="0"/>
-              <a:t>10-May-18</a:t>
+              <a:t>20-May-18</a:t>
             </a:fld>
             <a:endParaRPr lang="en-US"/>
           </a:p>
@@ -8662,7 +8675,7 @@
           <a:p>
             <a:fld id="{45B796A2-5E01-4D06-BA9F-584E67CC9556}" type="datetimeFigureOut">
               <a:rPr lang="en-US" smtClean="0"/>
-              <a:t>10-May-18</a:t>
+              <a:t>20-May-18</a:t>
             </a:fld>
             <a:endParaRPr lang="en-US"/>
           </a:p>
@@ -8942,7 +8955,7 @@
           <a:p>
             <a:fld id="{45B796A2-5E01-4D06-BA9F-584E67CC9556}" type="datetimeFigureOut">
               <a:rPr lang="en-US" smtClean="0"/>
-              <a:t>10-May-18</a:t>
+              <a:t>20-May-18</a:t>
             </a:fld>
             <a:endParaRPr lang="en-US"/>
           </a:p>
@@ -9065,7 +9078,7 @@
           <a:noFill/>
           <a:extLst>
             <a:ext uri="{909E8E84-426E-40dd-AFC4-6F175D3DCCD1}">
-              <a14:hiddenFill xmlns:a14="http://schemas.microsoft.com/office/drawing/2010/main" xmlns="">
+              <a14:hiddenFill xmlns="" xmlns:a14="http://schemas.microsoft.com/office/drawing/2010/main">
                 <a:solidFill>
                   <a:srgbClr val="FFFFFF"/>
                 </a:solidFill>
@@ -9139,7 +9152,7 @@
               </a:ln>
               <a:extLst>
                 <a:ext uri="{91240B29-F687-4f45-9708-019B960494DF}">
-                  <a14:hiddenLine xmlns:a14="http://schemas.microsoft.com/office/drawing/2010/main" xmlns="" w="9525">
+                  <a14:hiddenLine xmlns="" xmlns:a14="http://schemas.microsoft.com/office/drawing/2010/main" w="9525">
                     <a:solidFill>
                       <a:srgbClr val="000000"/>
                     </a:solidFill>
@@ -9229,7 +9242,7 @@
               </a:ln>
               <a:extLst>
                 <a:ext uri="{91240B29-F687-4f45-9708-019B960494DF}">
-                  <a14:hiddenLine xmlns:a14="http://schemas.microsoft.com/office/drawing/2010/main" xmlns="" w="9525">
+                  <a14:hiddenLine xmlns="" xmlns:a14="http://schemas.microsoft.com/office/drawing/2010/main" w="9525">
                     <a:solidFill>
                       <a:srgbClr val="000000"/>
                     </a:solidFill>
@@ -9319,7 +9332,7 @@
               </a:ln>
               <a:extLst>
                 <a:ext uri="{91240B29-F687-4f45-9708-019B960494DF}">
-                  <a14:hiddenLine xmlns:a14="http://schemas.microsoft.com/office/drawing/2010/main" xmlns="" w="9525">
+                  <a14:hiddenLine xmlns="" xmlns:a14="http://schemas.microsoft.com/office/drawing/2010/main" w="9525">
                     <a:solidFill>
                       <a:srgbClr val="000000"/>
                     </a:solidFill>
@@ -9381,7 +9394,7 @@
               </a:ln>
               <a:extLst>
                 <a:ext uri="{91240B29-F687-4f45-9708-019B960494DF}">
-                  <a14:hiddenLine xmlns:a14="http://schemas.microsoft.com/office/drawing/2010/main" xmlns="" w="9525">
+                  <a14:hiddenLine xmlns="" xmlns:a14="http://schemas.microsoft.com/office/drawing/2010/main" w="9525">
                     <a:solidFill>
                       <a:srgbClr val="000000"/>
                     </a:solidFill>
@@ -9471,7 +9484,7 @@
               </a:ln>
               <a:extLst>
                 <a:ext uri="{91240B29-F687-4f45-9708-019B960494DF}">
-                  <a14:hiddenLine xmlns:a14="http://schemas.microsoft.com/office/drawing/2010/main" xmlns="" w="9525">
+                  <a14:hiddenLine xmlns="" xmlns:a14="http://schemas.microsoft.com/office/drawing/2010/main" w="9525">
                     <a:solidFill>
                       <a:srgbClr val="000000"/>
                     </a:solidFill>
@@ -9533,7 +9546,7 @@
               </a:ln>
               <a:extLst>
                 <a:ext uri="{91240B29-F687-4f45-9708-019B960494DF}">
-                  <a14:hiddenLine xmlns:a14="http://schemas.microsoft.com/office/drawing/2010/main" xmlns="" w="9525">
+                  <a14:hiddenLine xmlns="" xmlns:a14="http://schemas.microsoft.com/office/drawing/2010/main" w="9525">
                     <a:solidFill>
                       <a:srgbClr val="000000"/>
                     </a:solidFill>
@@ -9595,7 +9608,7 @@
               </a:ln>
               <a:extLst>
                 <a:ext uri="{91240B29-F687-4f45-9708-019B960494DF}">
-                  <a14:hiddenLine xmlns:a14="http://schemas.microsoft.com/office/drawing/2010/main" xmlns="" w="9525">
+                  <a14:hiddenLine xmlns="" xmlns:a14="http://schemas.microsoft.com/office/drawing/2010/main" w="9525">
                     <a:solidFill>
                       <a:srgbClr val="000000"/>
                     </a:solidFill>
@@ -9685,7 +9698,7 @@
               </a:ln>
               <a:extLst>
                 <a:ext uri="{91240B29-F687-4f45-9708-019B960494DF}">
-                  <a14:hiddenLine xmlns:a14="http://schemas.microsoft.com/office/drawing/2010/main" xmlns="" w="9525">
+                  <a14:hiddenLine xmlns="" xmlns:a14="http://schemas.microsoft.com/office/drawing/2010/main" w="9525">
                     <a:solidFill>
                       <a:srgbClr val="000000"/>
                     </a:solidFill>
@@ -9775,7 +9788,7 @@
               </a:ln>
               <a:extLst>
                 <a:ext uri="{91240B29-F687-4f45-9708-019B960494DF}">
-                  <a14:hiddenLine xmlns:a14="http://schemas.microsoft.com/office/drawing/2010/main" xmlns="" w="9525">
+                  <a14:hiddenLine xmlns="" xmlns:a14="http://schemas.microsoft.com/office/drawing/2010/main" w="9525">
                     <a:solidFill>
                       <a:srgbClr val="000000"/>
                     </a:solidFill>
@@ -9837,7 +9850,7 @@
               </a:ln>
               <a:extLst>
                 <a:ext uri="{91240B29-F687-4f45-9708-019B960494DF}">
-                  <a14:hiddenLine xmlns:a14="http://schemas.microsoft.com/office/drawing/2010/main" xmlns="" w="9525">
+                  <a14:hiddenLine xmlns="" xmlns:a14="http://schemas.microsoft.com/office/drawing/2010/main" w="9525">
                     <a:solidFill>
                       <a:srgbClr val="000000"/>
                     </a:solidFill>
@@ -9947,7 +9960,7 @@
               </a:ln>
               <a:extLst>
                 <a:ext uri="{91240B29-F687-4f45-9708-019B960494DF}">
-                  <a14:hiddenLine xmlns:a14="http://schemas.microsoft.com/office/drawing/2010/main" xmlns="" w="9525">
+                  <a14:hiddenLine xmlns="" xmlns:a14="http://schemas.microsoft.com/office/drawing/2010/main" w="9525">
                     <a:solidFill>
                       <a:srgbClr val="000000"/>
                     </a:solidFill>
@@ -10031,7 +10044,7 @@
               </a:ln>
               <a:extLst>
                 <a:ext uri="{91240B29-F687-4f45-9708-019B960494DF}">
-                  <a14:hiddenLine xmlns:a14="http://schemas.microsoft.com/office/drawing/2010/main" xmlns="" w="9525">
+                  <a14:hiddenLine xmlns="" xmlns:a14="http://schemas.microsoft.com/office/drawing/2010/main" w="9525">
                     <a:solidFill>
                       <a:srgbClr val="000000"/>
                     </a:solidFill>
@@ -10093,7 +10106,7 @@
               </a:ln>
               <a:extLst>
                 <a:ext uri="{91240B29-F687-4f45-9708-019B960494DF}">
-                  <a14:hiddenLine xmlns:a14="http://schemas.microsoft.com/office/drawing/2010/main" xmlns="" w="9525">
+                  <a14:hiddenLine xmlns="" xmlns:a14="http://schemas.microsoft.com/office/drawing/2010/main" w="9525">
                     <a:solidFill>
                       <a:srgbClr val="000000"/>
                     </a:solidFill>
@@ -10155,7 +10168,7 @@
               </a:ln>
               <a:extLst>
                 <a:ext uri="{91240B29-F687-4f45-9708-019B960494DF}">
-                  <a14:hiddenLine xmlns:a14="http://schemas.microsoft.com/office/drawing/2010/main" xmlns="" w="9525">
+                  <a14:hiddenLine xmlns="" xmlns:a14="http://schemas.microsoft.com/office/drawing/2010/main" w="9525">
                     <a:solidFill>
                       <a:srgbClr val="000000"/>
                     </a:solidFill>
@@ -10245,7 +10258,7 @@
               </a:ln>
               <a:extLst>
                 <a:ext uri="{91240B29-F687-4f45-9708-019B960494DF}">
-                  <a14:hiddenLine xmlns:a14="http://schemas.microsoft.com/office/drawing/2010/main" xmlns="" w="9525">
+                  <a14:hiddenLine xmlns="" xmlns:a14="http://schemas.microsoft.com/office/drawing/2010/main" w="9525">
                     <a:solidFill>
                       <a:srgbClr val="000000"/>
                     </a:solidFill>
@@ -10279,7 +10292,7 @@
               </a:ln>
               <a:extLst>
                 <a:ext uri="{91240B29-F687-4f45-9708-019B960494DF}">
-                  <a14:hiddenLine xmlns:a14="http://schemas.microsoft.com/office/drawing/2010/main" xmlns="" w="9525">
+                  <a14:hiddenLine xmlns="" xmlns:a14="http://schemas.microsoft.com/office/drawing/2010/main" w="9525">
                     <a:solidFill>
                       <a:srgbClr val="000000"/>
                     </a:solidFill>
@@ -10344,7 +10357,7 @@
               </a:ln>
               <a:extLst>
                 <a:ext uri="{91240B29-F687-4f45-9708-019B960494DF}">
-                  <a14:hiddenLine xmlns:a14="http://schemas.microsoft.com/office/drawing/2010/main" xmlns="" w="9525">
+                  <a14:hiddenLine xmlns="" xmlns:a14="http://schemas.microsoft.com/office/drawing/2010/main" w="9525">
                     <a:solidFill>
                       <a:srgbClr val="000000"/>
                     </a:solidFill>
@@ -10434,7 +10447,7 @@
               </a:ln>
               <a:extLst>
                 <a:ext uri="{91240B29-F687-4f45-9708-019B960494DF}">
-                  <a14:hiddenLine xmlns:a14="http://schemas.microsoft.com/office/drawing/2010/main" xmlns="" w="9525">
+                  <a14:hiddenLine xmlns="" xmlns:a14="http://schemas.microsoft.com/office/drawing/2010/main" w="9525">
                     <a:solidFill>
                       <a:srgbClr val="000000"/>
                     </a:solidFill>
@@ -10496,7 +10509,7 @@
               </a:ln>
               <a:extLst>
                 <a:ext uri="{91240B29-F687-4f45-9708-019B960494DF}">
-                  <a14:hiddenLine xmlns:a14="http://schemas.microsoft.com/office/drawing/2010/main" xmlns="" w="9525">
+                  <a14:hiddenLine xmlns="" xmlns:a14="http://schemas.microsoft.com/office/drawing/2010/main" w="9525">
                     <a:solidFill>
                       <a:srgbClr val="000000"/>
                     </a:solidFill>
@@ -10586,7 +10599,7 @@
               </a:ln>
               <a:extLst>
                 <a:ext uri="{91240B29-F687-4f45-9708-019B960494DF}">
-                  <a14:hiddenLine xmlns:a14="http://schemas.microsoft.com/office/drawing/2010/main" xmlns="" w="9525">
+                  <a14:hiddenLine xmlns="" xmlns:a14="http://schemas.microsoft.com/office/drawing/2010/main" w="9525">
                     <a:solidFill>
                       <a:srgbClr val="000000"/>
                     </a:solidFill>
@@ -10651,7 +10664,7 @@
               </a:ln>
               <a:extLst>
                 <a:ext uri="{91240B29-F687-4f45-9708-019B960494DF}">
-                  <a14:hiddenLine xmlns:a14="http://schemas.microsoft.com/office/drawing/2010/main" xmlns="" w="9525">
+                  <a14:hiddenLine xmlns="" xmlns:a14="http://schemas.microsoft.com/office/drawing/2010/main" w="9525">
                     <a:solidFill>
                       <a:srgbClr val="000000"/>
                     </a:solidFill>
@@ -10713,7 +10726,7 @@
               </a:ln>
               <a:extLst>
                 <a:ext uri="{91240B29-F687-4f45-9708-019B960494DF}">
-                  <a14:hiddenLine xmlns:a14="http://schemas.microsoft.com/office/drawing/2010/main" xmlns="" w="9525">
+                  <a14:hiddenLine xmlns="" xmlns:a14="http://schemas.microsoft.com/office/drawing/2010/main" w="9525">
                     <a:solidFill>
                       <a:srgbClr val="000000"/>
                     </a:solidFill>
@@ -10803,7 +10816,7 @@
               </a:ln>
               <a:extLst>
                 <a:ext uri="{91240B29-F687-4f45-9708-019B960494DF}">
-                  <a14:hiddenLine xmlns:a14="http://schemas.microsoft.com/office/drawing/2010/main" xmlns="" w="9525">
+                  <a14:hiddenLine xmlns="" xmlns:a14="http://schemas.microsoft.com/office/drawing/2010/main" w="9525">
                     <a:solidFill>
                       <a:srgbClr val="000000"/>
                     </a:solidFill>
@@ -10893,7 +10906,7 @@
               </a:ln>
               <a:extLst>
                 <a:ext uri="{91240B29-F687-4f45-9708-019B960494DF}">
-                  <a14:hiddenLine xmlns:a14="http://schemas.microsoft.com/office/drawing/2010/main" xmlns="" w="9525">
+                  <a14:hiddenLine xmlns="" xmlns:a14="http://schemas.microsoft.com/office/drawing/2010/main" w="9525">
                     <a:solidFill>
                       <a:srgbClr val="000000"/>
                     </a:solidFill>
@@ -10958,7 +10971,7 @@
               </a:ln>
               <a:extLst>
                 <a:ext uri="{91240B29-F687-4f45-9708-019B960494DF}">
-                  <a14:hiddenLine xmlns:a14="http://schemas.microsoft.com/office/drawing/2010/main" xmlns="" w="9525">
+                  <a14:hiddenLine xmlns="" xmlns:a14="http://schemas.microsoft.com/office/drawing/2010/main" w="9525">
                     <a:solidFill>
                       <a:srgbClr val="000000"/>
                     </a:solidFill>
@@ -11078,7 +11091,7 @@
               </a:ln>
               <a:extLst>
                 <a:ext uri="{91240B29-F687-4f45-9708-019B960494DF}">
-                  <a14:hiddenLine xmlns:a14="http://schemas.microsoft.com/office/drawing/2010/main" xmlns="" w="9525">
+                  <a14:hiddenLine xmlns="" xmlns:a14="http://schemas.microsoft.com/office/drawing/2010/main" w="9525">
                     <a:solidFill>
                       <a:srgbClr val="000000"/>
                     </a:solidFill>
@@ -11159,7 +11172,7 @@
               </a:ln>
               <a:extLst>
                 <a:ext uri="{91240B29-F687-4f45-9708-019B960494DF}">
-                  <a14:hiddenLine xmlns:a14="http://schemas.microsoft.com/office/drawing/2010/main" xmlns="" w="9525">
+                  <a14:hiddenLine xmlns="" xmlns:a14="http://schemas.microsoft.com/office/drawing/2010/main" w="9525">
                     <a:solidFill>
                       <a:srgbClr val="000000"/>
                     </a:solidFill>
@@ -11274,7 +11287,7 @@
               </a:ln>
               <a:extLst>
                 <a:ext uri="{91240B29-F687-4f45-9708-019B960494DF}">
-                  <a14:hiddenLine xmlns:a14="http://schemas.microsoft.com/office/drawing/2010/main" xmlns="" w="9525">
+                  <a14:hiddenLine xmlns="" xmlns:a14="http://schemas.microsoft.com/office/drawing/2010/main" w="9525">
                     <a:solidFill>
                       <a:srgbClr val="000000"/>
                     </a:solidFill>
@@ -11364,7 +11377,7 @@
               </a:ln>
               <a:extLst>
                 <a:ext uri="{91240B29-F687-4f45-9708-019B960494DF}">
-                  <a14:hiddenLine xmlns:a14="http://schemas.microsoft.com/office/drawing/2010/main" xmlns="" w="9525">
+                  <a14:hiddenLine xmlns="" xmlns:a14="http://schemas.microsoft.com/office/drawing/2010/main" w="9525">
                     <a:solidFill>
                       <a:srgbClr val="000000"/>
                     </a:solidFill>
@@ -11429,7 +11442,7 @@
               </a:ln>
               <a:extLst>
                 <a:ext uri="{91240B29-F687-4f45-9708-019B960494DF}">
-                  <a14:hiddenLine xmlns:a14="http://schemas.microsoft.com/office/drawing/2010/main" xmlns="" w="9525">
+                  <a14:hiddenLine xmlns="" xmlns:a14="http://schemas.microsoft.com/office/drawing/2010/main" w="9525">
                     <a:solidFill>
                       <a:srgbClr val="000000"/>
                     </a:solidFill>
@@ -11519,7 +11532,7 @@
               </a:ln>
               <a:extLst>
                 <a:ext uri="{91240B29-F687-4f45-9708-019B960494DF}">
-                  <a14:hiddenLine xmlns:a14="http://schemas.microsoft.com/office/drawing/2010/main" xmlns="" w="9525">
+                  <a14:hiddenLine xmlns="" xmlns:a14="http://schemas.microsoft.com/office/drawing/2010/main" w="9525">
                     <a:solidFill>
                       <a:srgbClr val="000000"/>
                     </a:solidFill>
@@ -11587,7 +11600,7 @@
               </a:ln>
               <a:extLst>
                 <a:ext uri="{91240B29-F687-4f45-9708-019B960494DF}">
-                  <a14:hiddenLine xmlns:a14="http://schemas.microsoft.com/office/drawing/2010/main" xmlns="" w="9525">
+                  <a14:hiddenLine xmlns="" xmlns:a14="http://schemas.microsoft.com/office/drawing/2010/main" w="9525">
                     <a:solidFill>
                       <a:srgbClr val="000000"/>
                     </a:solidFill>
@@ -11677,7 +11690,7 @@
               </a:ln>
               <a:extLst>
                 <a:ext uri="{91240B29-F687-4f45-9708-019B960494DF}">
-                  <a14:hiddenLine xmlns:a14="http://schemas.microsoft.com/office/drawing/2010/main" xmlns="" w="9525">
+                  <a14:hiddenLine xmlns="" xmlns:a14="http://schemas.microsoft.com/office/drawing/2010/main" w="9525">
                     <a:solidFill>
                       <a:srgbClr val="000000"/>
                     </a:solidFill>
@@ -11745,7 +11758,7 @@
               </a:ln>
               <a:extLst>
                 <a:ext uri="{91240B29-F687-4f45-9708-019B960494DF}">
-                  <a14:hiddenLine xmlns:a14="http://schemas.microsoft.com/office/drawing/2010/main" xmlns="" w="9525">
+                  <a14:hiddenLine xmlns="" xmlns:a14="http://schemas.microsoft.com/office/drawing/2010/main" w="9525">
                     <a:solidFill>
                       <a:srgbClr val="000000"/>
                     </a:solidFill>
@@ -11835,7 +11848,7 @@
               </a:ln>
               <a:extLst>
                 <a:ext uri="{91240B29-F687-4f45-9708-019B960494DF}">
-                  <a14:hiddenLine xmlns:a14="http://schemas.microsoft.com/office/drawing/2010/main" xmlns="" w="9525">
+                  <a14:hiddenLine xmlns="" xmlns:a14="http://schemas.microsoft.com/office/drawing/2010/main" w="9525">
                     <a:solidFill>
                       <a:srgbClr val="000000"/>
                     </a:solidFill>
@@ -11869,7 +11882,7 @@
               </a:ln>
               <a:extLst>
                 <a:ext uri="{91240B29-F687-4f45-9708-019B960494DF}">
-                  <a14:hiddenLine xmlns:a14="http://schemas.microsoft.com/office/drawing/2010/main" xmlns="" w="9525">
+                  <a14:hiddenLine xmlns="" xmlns:a14="http://schemas.microsoft.com/office/drawing/2010/main" w="9525">
                     <a:solidFill>
                       <a:srgbClr val="000000"/>
                     </a:solidFill>
@@ -12009,7 +12022,7 @@
           <a:p>
             <a:fld id="{45B796A2-5E01-4D06-BA9F-584E67CC9556}" type="datetimeFigureOut">
               <a:rPr lang="en-US" smtClean="0"/>
-              <a:t>10-May-18</a:t>
+              <a:t>20-May-18</a:t>
             </a:fld>
             <a:endParaRPr lang="en-US"/>
           </a:p>
@@ -12460,7 +12473,7 @@
         </p:nvSpPr>
         <p:spPr>
           <a:xfrm>
-            <a:off x="3313340" y="4068357"/>
+            <a:off x="4985657" y="4068357"/>
             <a:ext cx="2782660" cy="540755"/>
           </a:xfrm>
         </p:spPr>
@@ -12523,6 +12536,174 @@
 </p:sld>
 </file>
 
+<file path=ppt/slides/slide10.xml><?xml version="1.0" encoding="utf-8"?>
+<p:sld xmlns:a="http://schemas.openxmlformats.org/drawingml/2006/main" xmlns:r="http://schemas.openxmlformats.org/officeDocument/2006/relationships" xmlns:p="http://schemas.openxmlformats.org/presentationml/2006/main">
+  <p:cSld>
+    <p:spTree>
+      <p:nvGrpSpPr>
+        <p:cNvPr id="1" name=""/>
+        <p:cNvGrpSpPr/>
+        <p:nvPr/>
+      </p:nvGrpSpPr>
+      <p:grpSpPr>
+        <a:xfrm>
+          <a:off x="0" y="0"/>
+          <a:ext cx="0" cy="0"/>
+          <a:chOff x="0" y="0"/>
+          <a:chExt cx="0" cy="0"/>
+        </a:xfrm>
+      </p:grpSpPr>
+      <p:sp>
+        <p:nvSpPr>
+          <p:cNvPr id="2" name="Title 1">
+            <a:extLst>
+              <a:ext uri="{FF2B5EF4-FFF2-40B4-BE49-F238E27FC236}">
+                <a16:creationId xmlns:a16="http://schemas.microsoft.com/office/drawing/2014/main" id="{C5BCAB64-65EC-44B3-A65F-AB53AE7EECBE}"/>
+              </a:ext>
+            </a:extLst>
+          </p:cNvPr>
+          <p:cNvSpPr>
+            <a:spLocks noGrp="1"/>
+          </p:cNvSpPr>
+          <p:nvPr>
+            <p:ph type="title"/>
+          </p:nvPr>
+        </p:nvSpPr>
+        <p:spPr/>
+        <p:txBody>
+          <a:bodyPr/>
+          <a:lstStyle/>
+          <a:p>
+            <a:r>
+              <a:rPr lang="es-ES" dirty="0"/>
+              <a:t>Ventajas de nuestra aplicación</a:t>
+            </a:r>
+            <a:endParaRPr lang="en-US" dirty="0"/>
+          </a:p>
+        </p:txBody>
+      </p:sp>
+      <p:sp>
+        <p:nvSpPr>
+          <p:cNvPr id="3" name="Content Placeholder 2">
+            <a:extLst>
+              <a:ext uri="{FF2B5EF4-FFF2-40B4-BE49-F238E27FC236}">
+                <a16:creationId xmlns:a16="http://schemas.microsoft.com/office/drawing/2014/main" id="{AE4DBB16-7EEC-4056-B994-2F54E967CB11}"/>
+              </a:ext>
+            </a:extLst>
+          </p:cNvPr>
+          <p:cNvSpPr>
+            <a:spLocks noGrp="1"/>
+          </p:cNvSpPr>
+          <p:nvPr>
+            <p:ph idx="1"/>
+          </p:nvPr>
+        </p:nvSpPr>
+        <p:spPr/>
+        <p:txBody>
+          <a:bodyPr/>
+          <a:lstStyle/>
+          <a:p>
+            <a:endParaRPr lang="en-US" dirty="0"/>
+          </a:p>
+        </p:txBody>
+      </p:sp>
+    </p:spTree>
+    <p:extLst>
+      <p:ext uri="{BB962C8B-B14F-4D97-AF65-F5344CB8AC3E}">
+        <p14:creationId xmlns:p14="http://schemas.microsoft.com/office/powerpoint/2010/main" val="1921515607"/>
+      </p:ext>
+    </p:extLst>
+  </p:cSld>
+  <p:clrMapOvr>
+    <a:masterClrMapping/>
+  </p:clrMapOvr>
+</p:sld>
+</file>
+
+<file path=ppt/slides/slide11.xml><?xml version="1.0" encoding="utf-8"?>
+<p:sld xmlns:a="http://schemas.openxmlformats.org/drawingml/2006/main" xmlns:r="http://schemas.openxmlformats.org/officeDocument/2006/relationships" xmlns:p="http://schemas.openxmlformats.org/presentationml/2006/main">
+  <p:cSld>
+    <p:spTree>
+      <p:nvGrpSpPr>
+        <p:cNvPr id="1" name=""/>
+        <p:cNvGrpSpPr/>
+        <p:nvPr/>
+      </p:nvGrpSpPr>
+      <p:grpSpPr>
+        <a:xfrm>
+          <a:off x="0" y="0"/>
+          <a:ext cx="0" cy="0"/>
+          <a:chOff x="0" y="0"/>
+          <a:chExt cx="0" cy="0"/>
+        </a:xfrm>
+      </p:grpSpPr>
+      <p:sp>
+        <p:nvSpPr>
+          <p:cNvPr id="2" name="Title 1">
+            <a:extLst>
+              <a:ext uri="{FF2B5EF4-FFF2-40B4-BE49-F238E27FC236}">
+                <a16:creationId xmlns:a16="http://schemas.microsoft.com/office/drawing/2014/main" id="{CEEFD6C7-645A-44D1-A8E1-FA231F258927}"/>
+              </a:ext>
+            </a:extLst>
+          </p:cNvPr>
+          <p:cNvSpPr>
+            <a:spLocks noGrp="1"/>
+          </p:cNvSpPr>
+          <p:nvPr>
+            <p:ph type="title"/>
+          </p:nvPr>
+        </p:nvSpPr>
+        <p:spPr/>
+        <p:txBody>
+          <a:bodyPr/>
+          <a:lstStyle/>
+          <a:p>
+            <a:r>
+              <a:rPr lang="es-ES" dirty="0"/>
+              <a:t>Demo</a:t>
+            </a:r>
+            <a:endParaRPr lang="en-US" dirty="0"/>
+          </a:p>
+        </p:txBody>
+      </p:sp>
+      <p:sp>
+        <p:nvSpPr>
+          <p:cNvPr id="3" name="Content Placeholder 2">
+            <a:extLst>
+              <a:ext uri="{FF2B5EF4-FFF2-40B4-BE49-F238E27FC236}">
+                <a16:creationId xmlns:a16="http://schemas.microsoft.com/office/drawing/2014/main" id="{72D17A9C-1BD8-4306-93F1-F52AA96F89D0}"/>
+              </a:ext>
+            </a:extLst>
+          </p:cNvPr>
+          <p:cNvSpPr>
+            <a:spLocks noGrp="1"/>
+          </p:cNvSpPr>
+          <p:nvPr>
+            <p:ph idx="1"/>
+          </p:nvPr>
+        </p:nvSpPr>
+        <p:spPr/>
+        <p:txBody>
+          <a:bodyPr/>
+          <a:lstStyle/>
+          <a:p>
+            <a:endParaRPr lang="en-US"/>
+          </a:p>
+        </p:txBody>
+      </p:sp>
+    </p:spTree>
+    <p:extLst>
+      <p:ext uri="{BB962C8B-B14F-4D97-AF65-F5344CB8AC3E}">
+        <p14:creationId xmlns:p14="http://schemas.microsoft.com/office/powerpoint/2010/main" val="1068326611"/>
+      </p:ext>
+    </p:extLst>
+  </p:cSld>
+  <p:clrMapOvr>
+    <a:masterClrMapping/>
+  </p:clrMapOvr>
+</p:sld>
+</file>
+
 <file path=ppt/slides/slide2.xml><?xml version="1.0" encoding="utf-8"?>
 <p:sld xmlns:a="http://schemas.openxmlformats.org/drawingml/2006/main" xmlns:r="http://schemas.openxmlformats.org/officeDocument/2006/relationships" xmlns:p="http://schemas.openxmlformats.org/presentationml/2006/main">
   <p:cSld>
@@ -12561,7 +12742,10 @@
           <a:bodyPr/>
           <a:lstStyle/>
           <a:p>
-            <a:endParaRPr lang="en-US" dirty="0"/>
+            <a:r>
+              <a:rPr lang="en-US" dirty="0"/>
+              <a:t>About us</a:t>
+            </a:r>
           </a:p>
         </p:txBody>
       </p:sp>
@@ -12587,9 +12771,34 @@
           <a:lstStyle/>
           <a:p>
             <a:r>
-              <a:rPr lang="en-US" dirty="0" err="1"/>
-              <a:t>sadf</a:t>
+              <a:rPr lang="en-US" dirty="0"/>
+              <a:t>Founded in 2018</a:t>
             </a:r>
+          </a:p>
+          <a:p>
+            <a:r>
+              <a:rPr lang="en-US" dirty="0"/>
+              <a:t>Scrum methodology: </a:t>
+            </a:r>
+          </a:p>
+          <a:p>
+            <a:pPr lvl="1"/>
+            <a:r>
+              <a:rPr lang="en-US" dirty="0"/>
+              <a:t>Each week was a Sprint</a:t>
+            </a:r>
+          </a:p>
+          <a:p>
+            <a:pPr lvl="1"/>
+            <a:r>
+              <a:rPr lang="en-US" dirty="0"/>
+              <a:t>Each day we had a meeting to check the status of the project </a:t>
+            </a:r>
+          </a:p>
+          <a:p>
+            <a:endParaRPr lang="en-US" dirty="0"/>
+          </a:p>
+          <a:p>
             <a:endParaRPr lang="en-US" dirty="0"/>
           </a:p>
         </p:txBody>
@@ -12645,7 +12854,10 @@
           <a:bodyPr/>
           <a:lstStyle/>
           <a:p>
-            <a:endParaRPr lang="en-US"/>
+            <a:r>
+              <a:rPr lang="en-US" dirty="0"/>
+              <a:t>How we decided to solve the problem	</a:t>
+            </a:r>
           </a:p>
         </p:txBody>
       </p:sp>
@@ -12670,6 +12882,5596 @@
           <a:bodyPr/>
           <a:lstStyle/>
           <a:p>
+            <a:r>
+              <a:rPr lang="en-US" dirty="0"/>
+              <a:t>Focus on the usability and the user friendliness </a:t>
+            </a:r>
+          </a:p>
+          <a:p>
+            <a:r>
+              <a:rPr lang="en-US" dirty="0"/>
+              <a:t>Reuse and recycle</a:t>
+            </a:r>
+          </a:p>
+          <a:p>
+            <a:r>
+              <a:rPr lang="en-US" dirty="0"/>
+              <a:t>MIT license</a:t>
+            </a:r>
+          </a:p>
+        </p:txBody>
+      </p:sp>
+      <p:pic>
+        <p:nvPicPr>
+          <p:cNvPr id="6" name="Picture 5" descr="A drawing of a face&#10;&#10;Description generated with high confidence">
+            <a:extLst>
+              <a:ext uri="{FF2B5EF4-FFF2-40B4-BE49-F238E27FC236}">
+                <a16:creationId xmlns:a16="http://schemas.microsoft.com/office/drawing/2014/main" id="{611393FA-F7EB-43E4-B2A1-D10BA28D1ABC}"/>
+              </a:ext>
+            </a:extLst>
+          </p:cNvPr>
+          <p:cNvPicPr>
+            <a:picLocks noChangeAspect="1"/>
+          </p:cNvPicPr>
+          <p:nvPr/>
+        </p:nvPicPr>
+        <p:blipFill>
+          <a:blip r:embed="rId2">
+            <a:extLst>
+              <a:ext uri="{28A0092B-C50C-407E-A947-70E740481C1C}">
+                <a14:useLocalDpi xmlns:a14="http://schemas.microsoft.com/office/drawing/2010/main" val="0"/>
+              </a:ext>
+            </a:extLst>
+          </a:blip>
+          <a:stretch>
+            <a:fillRect/>
+          </a:stretch>
+        </p:blipFill>
+        <p:spPr>
+          <a:xfrm>
+            <a:off x="4405482" y="3720932"/>
+            <a:ext cx="3377858" cy="2518550"/>
+          </a:xfrm>
+          <a:prstGeom prst="rect">
+            <a:avLst/>
+          </a:prstGeom>
+        </p:spPr>
+      </p:pic>
+    </p:spTree>
+    <p:extLst>
+      <p:ext uri="{BB962C8B-B14F-4D97-AF65-F5344CB8AC3E}">
+        <p14:creationId xmlns:p14="http://schemas.microsoft.com/office/powerpoint/2010/main" val="2567482157"/>
+      </p:ext>
+    </p:extLst>
+  </p:cSld>
+  <p:clrMapOvr>
+    <a:masterClrMapping/>
+  </p:clrMapOvr>
+</p:sld>
+</file>
+
+<file path=ppt/slides/slide4.xml><?xml version="1.0" encoding="utf-8"?>
+<p:sld xmlns:a="http://schemas.openxmlformats.org/drawingml/2006/main" xmlns:r="http://schemas.openxmlformats.org/officeDocument/2006/relationships" xmlns:p="http://schemas.openxmlformats.org/presentationml/2006/main">
+  <p:cSld>
+    <p:bg>
+      <p:bgPr>
+        <a:blipFill>
+          <a:blip r:embed="rId2">
+            <a:duotone>
+              <a:schemeClr val="bg2">
+                <a:shade val="48000"/>
+                <a:hueMod val="106000"/>
+                <a:satMod val="140000"/>
+                <a:lumMod val="42000"/>
+              </a:schemeClr>
+              <a:schemeClr val="bg2">
+                <a:tint val="98000"/>
+                <a:hueMod val="92000"/>
+                <a:satMod val="220000"/>
+                <a:lumMod val="90000"/>
+              </a:schemeClr>
+            </a:duotone>
+            <a:extLst/>
+          </a:blip>
+          <a:stretch/>
+        </a:blipFill>
+        <a:effectLst/>
+      </p:bgPr>
+    </p:bg>
+    <p:spTree>
+      <p:nvGrpSpPr>
+        <p:cNvPr id="1" name=""/>
+        <p:cNvGrpSpPr/>
+        <p:nvPr/>
+      </p:nvGrpSpPr>
+      <p:grpSpPr>
+        <a:xfrm>
+          <a:off x="0" y="0"/>
+          <a:ext cx="0" cy="0"/>
+          <a:chOff x="0" y="0"/>
+          <a:chExt cx="0" cy="0"/>
+        </a:xfrm>
+      </p:grpSpPr>
+      <p:grpSp>
+        <p:nvGrpSpPr>
+          <p:cNvPr id="15" name="Group 14">
+            <a:extLst>
+              <a:ext uri="{FF2B5EF4-FFF2-40B4-BE49-F238E27FC236}">
+                <a16:creationId xmlns:a16="http://schemas.microsoft.com/office/drawing/2014/main" id="{A7D6E840-9DD4-473E-ABC8-0FC9062FD76C}"/>
+              </a:ext>
+              <a:ext uri="{C183D7F6-B498-43B3-948B-1728B52AA6E4}">
+                <adec:decorative xmlns:adec="http://schemas.microsoft.com/office/drawing/2017/decorative" val="1"/>
+              </a:ext>
+            </a:extLst>
+          </p:cNvPr>
+          <p:cNvGrpSpPr>
+            <a:grpSpLocks noGrp="1" noUngrp="1" noRot="1" noChangeAspect="1" noMove="1" noResize="1"/>
+          </p:cNvGrpSpPr>
+          <p:nvPr>
+            <p:extLst>
+              <p:ext uri="{386F3935-93C4-4BCD-93E2-E3B085C9AB24}">
+                <p16:designElem xmlns:p16="http://schemas.microsoft.com/office/powerpoint/2015/main" val="1"/>
+              </p:ext>
+            </p:extLst>
+          </p:nvPr>
+        </p:nvGrpSpPr>
+        <p:grpSpPr>
+          <a:xfrm>
+            <a:off x="0" y="-1"/>
+            <a:ext cx="12192003" cy="6858001"/>
+            <a:chOff x="0" y="-1"/>
+            <a:chExt cx="12192003" cy="6858001"/>
+          </a:xfrm>
+        </p:grpSpPr>
+        <p:sp useBgFill="1">
+          <p:nvSpPr>
+            <p:cNvPr id="16" name="Rectangle 15">
+              <a:extLst>
+                <a:ext uri="{FF2B5EF4-FFF2-40B4-BE49-F238E27FC236}">
+                  <a16:creationId xmlns:a16="http://schemas.microsoft.com/office/drawing/2014/main" id="{02950B47-A4A4-40A4-BA35-D2459B5AE0BF}"/>
+                </a:ext>
+                <a:ext uri="{C183D7F6-B498-43B3-948B-1728B52AA6E4}">
+                  <adec:decorative xmlns:adec="http://schemas.microsoft.com/office/drawing/2017/decorative" val="1"/>
+                </a:ext>
+              </a:extLst>
+            </p:cNvPr>
+            <p:cNvSpPr/>
+            <p:nvPr>
+              <p:extLst>
+                <p:ext uri="{386F3935-93C4-4BCD-93E2-E3B085C9AB24}">
+                  <p16:designElem xmlns:p16="http://schemas.microsoft.com/office/powerpoint/2015/main" val="1"/>
+                </p:ext>
+              </p:extLst>
+            </p:nvPr>
+          </p:nvSpPr>
+          <p:spPr>
+            <a:xfrm>
+              <a:off x="1" y="-1"/>
+              <a:ext cx="12192000" cy="6858000"/>
+            </a:xfrm>
+            <a:prstGeom prst="rect">
+              <a:avLst/>
+            </a:prstGeom>
+            <a:ln>
+              <a:noFill/>
+            </a:ln>
+          </p:spPr>
+          <p:style>
+            <a:lnRef idx="2">
+              <a:schemeClr val="accent1">
+                <a:shade val="50000"/>
+              </a:schemeClr>
+            </a:lnRef>
+            <a:fillRef idx="1">
+              <a:schemeClr val="accent1"/>
+            </a:fillRef>
+            <a:effectRef idx="0">
+              <a:schemeClr val="accent1"/>
+            </a:effectRef>
+            <a:fontRef idx="minor">
+              <a:schemeClr val="lt1"/>
+            </a:fontRef>
+          </p:style>
+          <p:txBody>
+            <a:bodyPr rtlCol="0" anchor="ctr"/>
+            <a:lstStyle/>
+            <a:p>
+              <a:pPr algn="ctr"/>
+              <a:endParaRPr lang="en-US"/>
+            </a:p>
+          </p:txBody>
+        </p:sp>
+        <p:pic>
+          <p:nvPicPr>
+            <p:cNvPr id="17" name="Picture 2">
+              <a:extLst>
+                <a:ext uri="{FF2B5EF4-FFF2-40B4-BE49-F238E27FC236}">
+                  <a16:creationId xmlns:a16="http://schemas.microsoft.com/office/drawing/2014/main" id="{3DFEB33D-BD06-44EF-A9E8-DAB1E3F1C9A9}"/>
+                </a:ext>
+                <a:ext uri="{C183D7F6-B498-43B3-948B-1728B52AA6E4}">
+                  <adec:decorative xmlns:adec="http://schemas.microsoft.com/office/drawing/2017/decorative" val="1"/>
+                </a:ext>
+              </a:extLst>
+            </p:cNvPr>
+            <p:cNvPicPr>
+              <a:picLocks noChangeAspect="1" noChangeArrowheads="1"/>
+            </p:cNvPicPr>
+            <p:nvPr>
+              <p:extLst>
+                <p:ext uri="{386F3935-93C4-4BCD-93E2-E3B085C9AB24}">
+                  <p16:designElem xmlns:p16="http://schemas.microsoft.com/office/powerpoint/2015/main" val="1"/>
+                </p:ext>
+              </p:extLst>
+            </p:nvPr>
+          </p:nvPicPr>
+          <p:blipFill>
+            <a:blip r:embed="rId3">
+              <a:alphaModFix amt="30000"/>
+              <a:duotone>
+                <a:prstClr val="black"/>
+                <a:schemeClr val="tx2">
+                  <a:tint val="45000"/>
+                  <a:satMod val="400000"/>
+                </a:schemeClr>
+              </a:duotone>
+              <a:extLst>
+                <a:ext uri="{28A0092B-C50C-407E-A947-70E740481C1C}">
+                  <a14:useLocalDpi xmlns:a14="http://schemas.microsoft.com/office/drawing/2010/main" val="0"/>
+                </a:ext>
+              </a:extLst>
+            </a:blip>
+            <a:srcRect/>
+            <a:stretch>
+              <a:fillRect/>
+            </a:stretch>
+          </p:blipFill>
+          <p:spPr bwMode="auto">
+            <a:xfrm>
+              <a:off x="0" y="-1"/>
+              <a:ext cx="12192003" cy="6858001"/>
+            </a:xfrm>
+            <a:prstGeom prst="rect">
+              <a:avLst/>
+            </a:prstGeom>
+            <a:noFill/>
+            <a:extLst>
+              <a:ext uri="{909E8E84-426E-40dd-AFC4-6F175D3DCCD1}">
+                <a14:hiddenFill xmlns:a14="http://schemas.microsoft.com/office/drawing/2010/main" xmlns:p14="http://schemas.microsoft.com/office/powerpoint/2010/main" xmlns="">
+                  <a:solidFill>
+                    <a:srgbClr val="FFFFFF"/>
+                  </a:solidFill>
+                </a14:hiddenFill>
+              </a:ext>
+            </a:extLst>
+          </p:spPr>
+        </p:pic>
+      </p:grpSp>
+      <p:grpSp>
+        <p:nvGrpSpPr>
+          <p:cNvPr id="19" name="Group 18">
+            <a:extLst>
+              <a:ext uri="{FF2B5EF4-FFF2-40B4-BE49-F238E27FC236}">
+                <a16:creationId xmlns:a16="http://schemas.microsoft.com/office/drawing/2014/main" id="{1F9514F9-0FC6-47CE-9741-227EF8E360CB}"/>
+              </a:ext>
+              <a:ext uri="{C183D7F6-B498-43B3-948B-1728B52AA6E4}">
+                <adec:decorative xmlns:adec="http://schemas.microsoft.com/office/drawing/2017/decorative" val="1"/>
+              </a:ext>
+            </a:extLst>
+          </p:cNvPr>
+          <p:cNvGrpSpPr>
+            <a:grpSpLocks noGrp="1" noUngrp="1" noRot="1" noChangeAspect="1" noMove="1" noResize="1"/>
+          </p:cNvGrpSpPr>
+          <p:nvPr>
+            <p:extLst>
+              <p:ext uri="{386F3935-93C4-4BCD-93E2-E3B085C9AB24}">
+                <p16:designElem xmlns:p16="http://schemas.microsoft.com/office/powerpoint/2015/main" val="1"/>
+              </p:ext>
+            </p:extLst>
+          </p:nvPr>
+        </p:nvGrpSpPr>
+        <p:grpSpPr>
+          <a:xfrm>
+            <a:off x="6101133" y="0"/>
+            <a:ext cx="2305051" cy="6858001"/>
+            <a:chOff x="0" y="0"/>
+            <a:chExt cx="2305051" cy="6858001"/>
+          </a:xfrm>
+          <a:gradFill flip="none" rotWithShape="1">
+            <a:gsLst>
+              <a:gs pos="0">
+                <a:schemeClr val="tx2"/>
+              </a:gs>
+              <a:gs pos="100000">
+                <a:schemeClr val="bg2">
+                  <a:lumMod val="60000"/>
+                  <a:lumOff val="40000"/>
+                </a:schemeClr>
+              </a:gs>
+            </a:gsLst>
+            <a:lin ang="5400000" scaled="0"/>
+            <a:tileRect/>
+          </a:gradFill>
+        </p:grpSpPr>
+        <p:sp>
+          <p:nvSpPr>
+            <p:cNvPr id="20" name="Rectangle 5">
+              <a:extLst>
+                <a:ext uri="{FF2B5EF4-FFF2-40B4-BE49-F238E27FC236}">
+                  <a16:creationId xmlns:a16="http://schemas.microsoft.com/office/drawing/2014/main" id="{DEA9E922-4B56-4398-8F49-18BB2FF1959D}"/>
+                </a:ext>
+                <a:ext uri="{C183D7F6-B498-43B3-948B-1728B52AA6E4}">
+                  <adec:decorative xmlns:adec="http://schemas.microsoft.com/office/drawing/2017/decorative" val="1"/>
+                </a:ext>
+              </a:extLst>
+            </p:cNvPr>
+            <p:cNvSpPr>
+              <a:spLocks noChangeArrowheads="1"/>
+            </p:cNvSpPr>
+            <p:nvPr>
+              <p:extLst>
+                <p:ext uri="{386F3935-93C4-4BCD-93E2-E3B085C9AB24}">
+                  <p16:designElem xmlns:p16="http://schemas.microsoft.com/office/powerpoint/2015/main" val="1"/>
+                </p:ext>
+              </p:extLst>
+            </p:nvPr>
+          </p:nvSpPr>
+          <p:spPr bwMode="auto">
+            <a:xfrm>
+              <a:off x="1209675" y="4763"/>
+              <a:ext cx="23813" cy="2181225"/>
+            </a:xfrm>
+            <a:prstGeom prst="rect">
+              <a:avLst/>
+            </a:prstGeom>
+            <a:grpFill/>
+            <a:ln>
+              <a:noFill/>
+            </a:ln>
+            <a:extLst>
+              <a:ext uri="{91240B29-F687-4f45-9708-019B960494DF}">
+                <a14:hiddenLine xmlns:a14="http://schemas.microsoft.com/office/drawing/2010/main" xmlns:p14="http://schemas.microsoft.com/office/powerpoint/2010/main" xmlns="" w="9525">
+                  <a:solidFill>
+                    <a:srgbClr val="000000"/>
+                  </a:solidFill>
+                  <a:miter lim="800000"/>
+                  <a:headEnd/>
+                  <a:tailEnd/>
+                </a14:hiddenLine>
+              </a:ext>
+            </a:extLst>
+          </p:spPr>
+        </p:sp>
+        <p:sp>
+          <p:nvSpPr>
+            <p:cNvPr id="21" name="Freeform 6">
+              <a:extLst>
+                <a:ext uri="{FF2B5EF4-FFF2-40B4-BE49-F238E27FC236}">
+                  <a16:creationId xmlns:a16="http://schemas.microsoft.com/office/drawing/2014/main" id="{7B7E94F6-7C72-4170-B7C8-B18165607307}"/>
+                </a:ext>
+                <a:ext uri="{C183D7F6-B498-43B3-948B-1728B52AA6E4}">
+                  <adec:decorative xmlns:adec="http://schemas.microsoft.com/office/drawing/2017/decorative" val="1"/>
+                </a:ext>
+              </a:extLst>
+            </p:cNvPr>
+            <p:cNvSpPr>
+              <a:spLocks noEditPoints="1"/>
+            </p:cNvSpPr>
+            <p:nvPr>
+              <p:extLst>
+                <p:ext uri="{386F3935-93C4-4BCD-93E2-E3B085C9AB24}">
+                  <p16:designElem xmlns:p16="http://schemas.microsoft.com/office/powerpoint/2015/main" val="1"/>
+                </p:ext>
+              </p:extLst>
+            </p:nvPr>
+          </p:nvSpPr>
+          <p:spPr bwMode="auto">
+            <a:xfrm>
+              <a:off x="1128713" y="2176463"/>
+              <a:ext cx="190500" cy="190500"/>
+            </a:xfrm>
+            <a:custGeom>
+              <a:avLst/>
+              <a:gdLst/>
+              <a:ahLst/>
+              <a:cxnLst/>
+              <a:rect l="0" t="0" r="r" b="b"/>
+              <a:pathLst>
+                <a:path w="40" h="40">
+                  <a:moveTo>
+                    <a:pt x="20" y="40"/>
+                  </a:moveTo>
+                  <a:cubicBezTo>
+                    <a:pt x="9" y="40"/>
+                    <a:pt x="0" y="31"/>
+                    <a:pt x="0" y="20"/>
+                  </a:cubicBezTo>
+                  <a:cubicBezTo>
+                    <a:pt x="0" y="9"/>
+                    <a:pt x="9" y="0"/>
+                    <a:pt x="20" y="0"/>
+                  </a:cubicBezTo>
+                  <a:cubicBezTo>
+                    <a:pt x="31" y="0"/>
+                    <a:pt x="40" y="9"/>
+                    <a:pt x="40" y="20"/>
+                  </a:cubicBezTo>
+                  <a:cubicBezTo>
+                    <a:pt x="40" y="31"/>
+                    <a:pt x="31" y="40"/>
+                    <a:pt x="20" y="40"/>
+                  </a:cubicBezTo>
+                  <a:close/>
+                  <a:moveTo>
+                    <a:pt x="20" y="4"/>
+                  </a:moveTo>
+                  <a:cubicBezTo>
+                    <a:pt x="11" y="4"/>
+                    <a:pt x="4" y="11"/>
+                    <a:pt x="4" y="20"/>
+                  </a:cubicBezTo>
+                  <a:cubicBezTo>
+                    <a:pt x="4" y="29"/>
+                    <a:pt x="11" y="36"/>
+                    <a:pt x="20" y="36"/>
+                  </a:cubicBezTo>
+                  <a:cubicBezTo>
+                    <a:pt x="28" y="36"/>
+                    <a:pt x="36" y="29"/>
+                    <a:pt x="36" y="20"/>
+                  </a:cubicBezTo>
+                  <a:cubicBezTo>
+                    <a:pt x="36" y="11"/>
+                    <a:pt x="28" y="4"/>
+                    <a:pt x="20" y="4"/>
+                  </a:cubicBezTo>
+                  <a:close/>
+                </a:path>
+              </a:pathLst>
+            </a:custGeom>
+            <a:grpFill/>
+            <a:ln>
+              <a:noFill/>
+            </a:ln>
+            <a:extLst>
+              <a:ext uri="{91240B29-F687-4f45-9708-019B960494DF}">
+                <a14:hiddenLine xmlns:a14="http://schemas.microsoft.com/office/drawing/2010/main" xmlns:p14="http://schemas.microsoft.com/office/powerpoint/2010/main" xmlns="" w="9525">
+                  <a:solidFill>
+                    <a:srgbClr val="000000"/>
+                  </a:solidFill>
+                  <a:round/>
+                  <a:headEnd/>
+                  <a:tailEnd/>
+                </a14:hiddenLine>
+              </a:ext>
+            </a:extLst>
+          </p:spPr>
+        </p:sp>
+        <p:sp>
+          <p:nvSpPr>
+            <p:cNvPr id="22" name="Freeform 7">
+              <a:extLst>
+                <a:ext uri="{FF2B5EF4-FFF2-40B4-BE49-F238E27FC236}">
+                  <a16:creationId xmlns:a16="http://schemas.microsoft.com/office/drawing/2014/main" id="{1D7E1780-5D15-4A89-A802-0BC222EB004F}"/>
+                </a:ext>
+                <a:ext uri="{C183D7F6-B498-43B3-948B-1728B52AA6E4}">
+                  <adec:decorative xmlns:adec="http://schemas.microsoft.com/office/drawing/2017/decorative" val="1"/>
+                </a:ext>
+              </a:extLst>
+            </p:cNvPr>
+            <p:cNvSpPr>
+              <a:spLocks noEditPoints="1"/>
+            </p:cNvSpPr>
+            <p:nvPr>
+              <p:extLst>
+                <p:ext uri="{386F3935-93C4-4BCD-93E2-E3B085C9AB24}">
+                  <p16:designElem xmlns:p16="http://schemas.microsoft.com/office/powerpoint/2015/main" val="1"/>
+                </p:ext>
+              </p:extLst>
+            </p:nvPr>
+          </p:nvSpPr>
+          <p:spPr bwMode="auto">
+            <a:xfrm>
+              <a:off x="1123950" y="4021138"/>
+              <a:ext cx="190500" cy="188913"/>
+            </a:xfrm>
+            <a:custGeom>
+              <a:avLst/>
+              <a:gdLst/>
+              <a:ahLst/>
+              <a:cxnLst/>
+              <a:rect l="0" t="0" r="r" b="b"/>
+              <a:pathLst>
+                <a:path w="40" h="40">
+                  <a:moveTo>
+                    <a:pt x="20" y="40"/>
+                  </a:moveTo>
+                  <a:cubicBezTo>
+                    <a:pt x="9" y="40"/>
+                    <a:pt x="0" y="31"/>
+                    <a:pt x="0" y="20"/>
+                  </a:cubicBezTo>
+                  <a:cubicBezTo>
+                    <a:pt x="0" y="9"/>
+                    <a:pt x="9" y="0"/>
+                    <a:pt x="20" y="0"/>
+                  </a:cubicBezTo>
+                  <a:cubicBezTo>
+                    <a:pt x="31" y="0"/>
+                    <a:pt x="40" y="9"/>
+                    <a:pt x="40" y="20"/>
+                  </a:cubicBezTo>
+                  <a:cubicBezTo>
+                    <a:pt x="40" y="31"/>
+                    <a:pt x="31" y="40"/>
+                    <a:pt x="20" y="40"/>
+                  </a:cubicBezTo>
+                  <a:close/>
+                  <a:moveTo>
+                    <a:pt x="20" y="4"/>
+                  </a:moveTo>
+                  <a:cubicBezTo>
+                    <a:pt x="11" y="4"/>
+                    <a:pt x="4" y="11"/>
+                    <a:pt x="4" y="20"/>
+                  </a:cubicBezTo>
+                  <a:cubicBezTo>
+                    <a:pt x="4" y="29"/>
+                    <a:pt x="11" y="36"/>
+                    <a:pt x="20" y="36"/>
+                  </a:cubicBezTo>
+                  <a:cubicBezTo>
+                    <a:pt x="29" y="36"/>
+                    <a:pt x="36" y="29"/>
+                    <a:pt x="36" y="20"/>
+                  </a:cubicBezTo>
+                  <a:cubicBezTo>
+                    <a:pt x="36" y="11"/>
+                    <a:pt x="29" y="4"/>
+                    <a:pt x="20" y="4"/>
+                  </a:cubicBezTo>
+                  <a:close/>
+                </a:path>
+              </a:pathLst>
+            </a:custGeom>
+            <a:grpFill/>
+            <a:ln>
+              <a:noFill/>
+            </a:ln>
+            <a:extLst>
+              <a:ext uri="{91240B29-F687-4f45-9708-019B960494DF}">
+                <a14:hiddenLine xmlns:a14="http://schemas.microsoft.com/office/drawing/2010/main" xmlns:p14="http://schemas.microsoft.com/office/powerpoint/2010/main" xmlns="" w="9525">
+                  <a:solidFill>
+                    <a:srgbClr val="000000"/>
+                  </a:solidFill>
+                  <a:round/>
+                  <a:headEnd/>
+                  <a:tailEnd/>
+                </a14:hiddenLine>
+              </a:ext>
+            </a:extLst>
+          </p:spPr>
+        </p:sp>
+        <p:sp>
+          <p:nvSpPr>
+            <p:cNvPr id="23" name="Rectangle 8">
+              <a:extLst>
+                <a:ext uri="{FF2B5EF4-FFF2-40B4-BE49-F238E27FC236}">
+                  <a16:creationId xmlns:a16="http://schemas.microsoft.com/office/drawing/2014/main" id="{DFF82D39-403D-4749-B519-F20431BEBD40}"/>
+                </a:ext>
+                <a:ext uri="{C183D7F6-B498-43B3-948B-1728B52AA6E4}">
+                  <adec:decorative xmlns:adec="http://schemas.microsoft.com/office/drawing/2017/decorative" val="1"/>
+                </a:ext>
+              </a:extLst>
+            </p:cNvPr>
+            <p:cNvSpPr>
+              <a:spLocks noChangeArrowheads="1"/>
+            </p:cNvSpPr>
+            <p:nvPr>
+              <p:extLst>
+                <p:ext uri="{386F3935-93C4-4BCD-93E2-E3B085C9AB24}">
+                  <p16:designElem xmlns:p16="http://schemas.microsoft.com/office/powerpoint/2015/main" val="1"/>
+                </p:ext>
+              </p:extLst>
+            </p:nvPr>
+          </p:nvSpPr>
+          <p:spPr bwMode="auto">
+            <a:xfrm>
+              <a:off x="414338" y="9525"/>
+              <a:ext cx="28575" cy="4481513"/>
+            </a:xfrm>
+            <a:prstGeom prst="rect">
+              <a:avLst/>
+            </a:prstGeom>
+            <a:grpFill/>
+            <a:ln>
+              <a:noFill/>
+            </a:ln>
+            <a:extLst>
+              <a:ext uri="{91240B29-F687-4f45-9708-019B960494DF}">
+                <a14:hiddenLine xmlns:a14="http://schemas.microsoft.com/office/drawing/2010/main" xmlns:p14="http://schemas.microsoft.com/office/powerpoint/2010/main" xmlns="" w="9525">
+                  <a:solidFill>
+                    <a:srgbClr val="000000"/>
+                  </a:solidFill>
+                  <a:miter lim="800000"/>
+                  <a:headEnd/>
+                  <a:tailEnd/>
+                </a14:hiddenLine>
+              </a:ext>
+            </a:extLst>
+          </p:spPr>
+        </p:sp>
+        <p:sp>
+          <p:nvSpPr>
+            <p:cNvPr id="24" name="Freeform 9">
+              <a:extLst>
+                <a:ext uri="{FF2B5EF4-FFF2-40B4-BE49-F238E27FC236}">
+                  <a16:creationId xmlns:a16="http://schemas.microsoft.com/office/drawing/2014/main" id="{3B4AD3D7-29AD-4887-9422-E6FB71E41C39}"/>
+                </a:ext>
+                <a:ext uri="{C183D7F6-B498-43B3-948B-1728B52AA6E4}">
+                  <adec:decorative xmlns:adec="http://schemas.microsoft.com/office/drawing/2017/decorative" val="1"/>
+                </a:ext>
+              </a:extLst>
+            </p:cNvPr>
+            <p:cNvSpPr>
+              <a:spLocks noEditPoints="1"/>
+            </p:cNvSpPr>
+            <p:nvPr>
+              <p:extLst>
+                <p:ext uri="{386F3935-93C4-4BCD-93E2-E3B085C9AB24}">
+                  <p16:designElem xmlns:p16="http://schemas.microsoft.com/office/powerpoint/2015/main" val="1"/>
+                </p:ext>
+              </p:extLst>
+            </p:nvPr>
+          </p:nvSpPr>
+          <p:spPr bwMode="auto">
+            <a:xfrm>
+              <a:off x="333375" y="4481513"/>
+              <a:ext cx="190500" cy="190500"/>
+            </a:xfrm>
+            <a:custGeom>
+              <a:avLst/>
+              <a:gdLst/>
+              <a:ahLst/>
+              <a:cxnLst/>
+              <a:rect l="0" t="0" r="r" b="b"/>
+              <a:pathLst>
+                <a:path w="40" h="40">
+                  <a:moveTo>
+                    <a:pt x="20" y="40"/>
+                  </a:moveTo>
+                  <a:cubicBezTo>
+                    <a:pt x="9" y="40"/>
+                    <a:pt x="0" y="31"/>
+                    <a:pt x="0" y="20"/>
+                  </a:cubicBezTo>
+                  <a:cubicBezTo>
+                    <a:pt x="0" y="9"/>
+                    <a:pt x="9" y="0"/>
+                    <a:pt x="20" y="0"/>
+                  </a:cubicBezTo>
+                  <a:cubicBezTo>
+                    <a:pt x="31" y="0"/>
+                    <a:pt x="40" y="9"/>
+                    <a:pt x="40" y="20"/>
+                  </a:cubicBezTo>
+                  <a:cubicBezTo>
+                    <a:pt x="40" y="31"/>
+                    <a:pt x="31" y="40"/>
+                    <a:pt x="20" y="40"/>
+                  </a:cubicBezTo>
+                  <a:close/>
+                  <a:moveTo>
+                    <a:pt x="20" y="4"/>
+                  </a:moveTo>
+                  <a:cubicBezTo>
+                    <a:pt x="11" y="4"/>
+                    <a:pt x="4" y="11"/>
+                    <a:pt x="4" y="20"/>
+                  </a:cubicBezTo>
+                  <a:cubicBezTo>
+                    <a:pt x="4" y="29"/>
+                    <a:pt x="11" y="36"/>
+                    <a:pt x="20" y="36"/>
+                  </a:cubicBezTo>
+                  <a:cubicBezTo>
+                    <a:pt x="29" y="36"/>
+                    <a:pt x="36" y="29"/>
+                    <a:pt x="36" y="20"/>
+                  </a:cubicBezTo>
+                  <a:cubicBezTo>
+                    <a:pt x="36" y="11"/>
+                    <a:pt x="29" y="4"/>
+                    <a:pt x="20" y="4"/>
+                  </a:cubicBezTo>
+                  <a:close/>
+                </a:path>
+              </a:pathLst>
+            </a:custGeom>
+            <a:grpFill/>
+            <a:ln>
+              <a:noFill/>
+            </a:ln>
+            <a:extLst>
+              <a:ext uri="{91240B29-F687-4f45-9708-019B960494DF}">
+                <a14:hiddenLine xmlns:a14="http://schemas.microsoft.com/office/drawing/2010/main" xmlns:p14="http://schemas.microsoft.com/office/powerpoint/2010/main" xmlns="" w="9525">
+                  <a:solidFill>
+                    <a:srgbClr val="000000"/>
+                  </a:solidFill>
+                  <a:round/>
+                  <a:headEnd/>
+                  <a:tailEnd/>
+                </a14:hiddenLine>
+              </a:ext>
+            </a:extLst>
+          </p:spPr>
+        </p:sp>
+        <p:sp>
+          <p:nvSpPr>
+            <p:cNvPr id="25" name="Freeform 10">
+              <a:extLst>
+                <a:ext uri="{FF2B5EF4-FFF2-40B4-BE49-F238E27FC236}">
+                  <a16:creationId xmlns:a16="http://schemas.microsoft.com/office/drawing/2014/main" id="{7C219CF0-C7E9-460C-B243-95F00D0430F9}"/>
+                </a:ext>
+                <a:ext uri="{C183D7F6-B498-43B3-948B-1728B52AA6E4}">
+                  <adec:decorative xmlns:adec="http://schemas.microsoft.com/office/drawing/2017/decorative" val="1"/>
+                </a:ext>
+              </a:extLst>
+            </p:cNvPr>
+            <p:cNvSpPr/>
+            <p:nvPr>
+              <p:extLst>
+                <p:ext uri="{386F3935-93C4-4BCD-93E2-E3B085C9AB24}">
+                  <p16:designElem xmlns:p16="http://schemas.microsoft.com/office/powerpoint/2015/main" val="1"/>
+                </p:ext>
+              </p:extLst>
+            </p:nvPr>
+          </p:nvSpPr>
+          <p:spPr bwMode="auto">
+            <a:xfrm>
+              <a:off x="190500" y="9525"/>
+              <a:ext cx="152400" cy="908050"/>
+            </a:xfrm>
+            <a:custGeom>
+              <a:avLst/>
+              <a:gdLst/>
+              <a:ahLst/>
+              <a:cxnLst/>
+              <a:rect l="0" t="0" r="r" b="b"/>
+              <a:pathLst>
+                <a:path w="96" h="572">
+                  <a:moveTo>
+                    <a:pt x="15" y="572"/>
+                  </a:moveTo>
+                  <a:lnTo>
+                    <a:pt x="0" y="566"/>
+                  </a:lnTo>
+                  <a:lnTo>
+                    <a:pt x="81" y="380"/>
+                  </a:lnTo>
+                  <a:lnTo>
+                    <a:pt x="81" y="0"/>
+                  </a:lnTo>
+                  <a:lnTo>
+                    <a:pt x="96" y="0"/>
+                  </a:lnTo>
+                  <a:lnTo>
+                    <a:pt x="96" y="383"/>
+                  </a:lnTo>
+                  <a:lnTo>
+                    <a:pt x="15" y="572"/>
+                  </a:lnTo>
+                  <a:close/>
+                </a:path>
+              </a:pathLst>
+            </a:custGeom>
+            <a:grpFill/>
+            <a:ln>
+              <a:noFill/>
+            </a:ln>
+            <a:extLst>
+              <a:ext uri="{91240B29-F687-4f45-9708-019B960494DF}">
+                <a14:hiddenLine xmlns:a14="http://schemas.microsoft.com/office/drawing/2010/main" xmlns:p14="http://schemas.microsoft.com/office/powerpoint/2010/main" xmlns="" w="9525">
+                  <a:solidFill>
+                    <a:srgbClr val="000000"/>
+                  </a:solidFill>
+                  <a:round/>
+                  <a:headEnd/>
+                  <a:tailEnd/>
+                </a14:hiddenLine>
+              </a:ext>
+            </a:extLst>
+          </p:spPr>
+        </p:sp>
+        <p:sp>
+          <p:nvSpPr>
+            <p:cNvPr id="26" name="Freeform 11">
+              <a:extLst>
+                <a:ext uri="{FF2B5EF4-FFF2-40B4-BE49-F238E27FC236}">
+                  <a16:creationId xmlns:a16="http://schemas.microsoft.com/office/drawing/2014/main" id="{F2B36BC7-A8D7-4170-A4C2-5D5FB5703C21}"/>
+                </a:ext>
+                <a:ext uri="{C183D7F6-B498-43B3-948B-1728B52AA6E4}">
+                  <adec:decorative xmlns:adec="http://schemas.microsoft.com/office/drawing/2017/decorative" val="1"/>
+                </a:ext>
+              </a:extLst>
+            </p:cNvPr>
+            <p:cNvSpPr/>
+            <p:nvPr>
+              <p:extLst>
+                <p:ext uri="{386F3935-93C4-4BCD-93E2-E3B085C9AB24}">
+                  <p16:designElem xmlns:p16="http://schemas.microsoft.com/office/powerpoint/2015/main" val="1"/>
+                </p:ext>
+              </p:extLst>
+            </p:nvPr>
+          </p:nvSpPr>
+          <p:spPr bwMode="auto">
+            <a:xfrm>
+              <a:off x="1290638" y="14288"/>
+              <a:ext cx="376238" cy="1801813"/>
+            </a:xfrm>
+            <a:custGeom>
+              <a:avLst/>
+              <a:gdLst/>
+              <a:ahLst/>
+              <a:cxnLst/>
+              <a:rect l="0" t="0" r="r" b="b"/>
+              <a:pathLst>
+                <a:path w="237" h="1135">
+                  <a:moveTo>
+                    <a:pt x="222" y="1135"/>
+                  </a:moveTo>
+                  <a:lnTo>
+                    <a:pt x="0" y="620"/>
+                  </a:lnTo>
+                  <a:lnTo>
+                    <a:pt x="0" y="0"/>
+                  </a:lnTo>
+                  <a:lnTo>
+                    <a:pt x="18" y="0"/>
+                  </a:lnTo>
+                  <a:lnTo>
+                    <a:pt x="18" y="617"/>
+                  </a:lnTo>
+                  <a:lnTo>
+                    <a:pt x="237" y="1129"/>
+                  </a:lnTo>
+                  <a:lnTo>
+                    <a:pt x="222" y="1135"/>
+                  </a:lnTo>
+                  <a:close/>
+                </a:path>
+              </a:pathLst>
+            </a:custGeom>
+            <a:grpFill/>
+            <a:ln>
+              <a:noFill/>
+            </a:ln>
+            <a:extLst>
+              <a:ext uri="{91240B29-F687-4f45-9708-019B960494DF}">
+                <a14:hiddenLine xmlns:a14="http://schemas.microsoft.com/office/drawing/2010/main" xmlns:p14="http://schemas.microsoft.com/office/powerpoint/2010/main" xmlns="" w="9525">
+                  <a:solidFill>
+                    <a:srgbClr val="000000"/>
+                  </a:solidFill>
+                  <a:round/>
+                  <a:headEnd/>
+                  <a:tailEnd/>
+                </a14:hiddenLine>
+              </a:ext>
+            </a:extLst>
+          </p:spPr>
+        </p:sp>
+        <p:sp>
+          <p:nvSpPr>
+            <p:cNvPr id="27" name="Freeform 12">
+              <a:extLst>
+                <a:ext uri="{FF2B5EF4-FFF2-40B4-BE49-F238E27FC236}">
+                  <a16:creationId xmlns:a16="http://schemas.microsoft.com/office/drawing/2014/main" id="{693BE217-57A9-410A-8C6E-DD49C9542FD6}"/>
+                </a:ext>
+                <a:ext uri="{C183D7F6-B498-43B3-948B-1728B52AA6E4}">
+                  <adec:decorative xmlns:adec="http://schemas.microsoft.com/office/drawing/2017/decorative" val="1"/>
+                </a:ext>
+              </a:extLst>
+            </p:cNvPr>
+            <p:cNvSpPr>
+              <a:spLocks noEditPoints="1"/>
+            </p:cNvSpPr>
+            <p:nvPr>
+              <p:extLst>
+                <p:ext uri="{386F3935-93C4-4BCD-93E2-E3B085C9AB24}">
+                  <p16:designElem xmlns:p16="http://schemas.microsoft.com/office/powerpoint/2015/main" val="1"/>
+                </p:ext>
+              </p:extLst>
+            </p:nvPr>
+          </p:nvSpPr>
+          <p:spPr bwMode="auto">
+            <a:xfrm>
+              <a:off x="1600200" y="1801813"/>
+              <a:ext cx="190500" cy="188913"/>
+            </a:xfrm>
+            <a:custGeom>
+              <a:avLst/>
+              <a:gdLst/>
+              <a:ahLst/>
+              <a:cxnLst/>
+              <a:rect l="0" t="0" r="r" b="b"/>
+              <a:pathLst>
+                <a:path w="40" h="40">
+                  <a:moveTo>
+                    <a:pt x="20" y="40"/>
+                  </a:moveTo>
+                  <a:cubicBezTo>
+                    <a:pt x="9" y="40"/>
+                    <a:pt x="0" y="31"/>
+                    <a:pt x="0" y="20"/>
+                  </a:cubicBezTo>
+                  <a:cubicBezTo>
+                    <a:pt x="0" y="9"/>
+                    <a:pt x="9" y="0"/>
+                    <a:pt x="20" y="0"/>
+                  </a:cubicBezTo>
+                  <a:cubicBezTo>
+                    <a:pt x="31" y="0"/>
+                    <a:pt x="40" y="9"/>
+                    <a:pt x="40" y="20"/>
+                  </a:cubicBezTo>
+                  <a:cubicBezTo>
+                    <a:pt x="40" y="31"/>
+                    <a:pt x="31" y="40"/>
+                    <a:pt x="20" y="40"/>
+                  </a:cubicBezTo>
+                  <a:close/>
+                  <a:moveTo>
+                    <a:pt x="20" y="4"/>
+                  </a:moveTo>
+                  <a:cubicBezTo>
+                    <a:pt x="11" y="4"/>
+                    <a:pt x="4" y="11"/>
+                    <a:pt x="4" y="20"/>
+                  </a:cubicBezTo>
+                  <a:cubicBezTo>
+                    <a:pt x="4" y="29"/>
+                    <a:pt x="11" y="36"/>
+                    <a:pt x="20" y="36"/>
+                  </a:cubicBezTo>
+                  <a:cubicBezTo>
+                    <a:pt x="28" y="36"/>
+                    <a:pt x="36" y="29"/>
+                    <a:pt x="36" y="20"/>
+                  </a:cubicBezTo>
+                  <a:cubicBezTo>
+                    <a:pt x="36" y="11"/>
+                    <a:pt x="28" y="4"/>
+                    <a:pt x="20" y="4"/>
+                  </a:cubicBezTo>
+                  <a:close/>
+                </a:path>
+              </a:pathLst>
+            </a:custGeom>
+            <a:grpFill/>
+            <a:ln>
+              <a:noFill/>
+            </a:ln>
+            <a:extLst>
+              <a:ext uri="{91240B29-F687-4f45-9708-019B960494DF}">
+                <a14:hiddenLine xmlns:a14="http://schemas.microsoft.com/office/drawing/2010/main" xmlns:p14="http://schemas.microsoft.com/office/powerpoint/2010/main" xmlns="" w="9525">
+                  <a:solidFill>
+                    <a:srgbClr val="000000"/>
+                  </a:solidFill>
+                  <a:round/>
+                  <a:headEnd/>
+                  <a:tailEnd/>
+                </a14:hiddenLine>
+              </a:ext>
+            </a:extLst>
+          </p:spPr>
+        </p:sp>
+        <p:sp>
+          <p:nvSpPr>
+            <p:cNvPr id="28" name="Freeform 13">
+              <a:extLst>
+                <a:ext uri="{FF2B5EF4-FFF2-40B4-BE49-F238E27FC236}">
+                  <a16:creationId xmlns:a16="http://schemas.microsoft.com/office/drawing/2014/main" id="{E137D9FE-3450-4F53-AB48-B83574DEB7D6}"/>
+                </a:ext>
+                <a:ext uri="{C183D7F6-B498-43B3-948B-1728B52AA6E4}">
+                  <adec:decorative xmlns:adec="http://schemas.microsoft.com/office/drawing/2017/decorative" val="1"/>
+                </a:ext>
+              </a:extLst>
+            </p:cNvPr>
+            <p:cNvSpPr/>
+            <p:nvPr>
+              <p:extLst>
+                <p:ext uri="{386F3935-93C4-4BCD-93E2-E3B085C9AB24}">
+                  <p16:designElem xmlns:p16="http://schemas.microsoft.com/office/powerpoint/2015/main" val="1"/>
+                </p:ext>
+              </p:extLst>
+            </p:nvPr>
+          </p:nvSpPr>
+          <p:spPr bwMode="auto">
+            <a:xfrm>
+              <a:off x="1381125" y="9525"/>
+              <a:ext cx="371475" cy="1425575"/>
+            </a:xfrm>
+            <a:custGeom>
+              <a:avLst/>
+              <a:gdLst/>
+              <a:ahLst/>
+              <a:cxnLst/>
+              <a:rect l="0" t="0" r="r" b="b"/>
+              <a:pathLst>
+                <a:path w="234" h="898">
+                  <a:moveTo>
+                    <a:pt x="219" y="898"/>
+                  </a:moveTo>
+                  <a:lnTo>
+                    <a:pt x="0" y="383"/>
+                  </a:lnTo>
+                  <a:lnTo>
+                    <a:pt x="0" y="0"/>
+                  </a:lnTo>
+                  <a:lnTo>
+                    <a:pt x="15" y="0"/>
+                  </a:lnTo>
+                  <a:lnTo>
+                    <a:pt x="15" y="380"/>
+                  </a:lnTo>
+                  <a:lnTo>
+                    <a:pt x="234" y="892"/>
+                  </a:lnTo>
+                  <a:lnTo>
+                    <a:pt x="219" y="898"/>
+                  </a:lnTo>
+                  <a:close/>
+                </a:path>
+              </a:pathLst>
+            </a:custGeom>
+            <a:grpFill/>
+            <a:ln>
+              <a:noFill/>
+            </a:ln>
+            <a:extLst>
+              <a:ext uri="{91240B29-F687-4f45-9708-019B960494DF}">
+                <a14:hiddenLine xmlns:a14="http://schemas.microsoft.com/office/drawing/2010/main" xmlns:p14="http://schemas.microsoft.com/office/powerpoint/2010/main" xmlns="" w="9525">
+                  <a:solidFill>
+                    <a:srgbClr val="000000"/>
+                  </a:solidFill>
+                  <a:round/>
+                  <a:headEnd/>
+                  <a:tailEnd/>
+                </a14:hiddenLine>
+              </a:ext>
+            </a:extLst>
+          </p:spPr>
+        </p:sp>
+        <p:sp>
+          <p:nvSpPr>
+            <p:cNvPr id="29" name="Freeform 14">
+              <a:extLst>
+                <a:ext uri="{FF2B5EF4-FFF2-40B4-BE49-F238E27FC236}">
+                  <a16:creationId xmlns:a16="http://schemas.microsoft.com/office/drawing/2014/main" id="{2CBA01D9-742E-437F-B4A4-F21067DB3B8E}"/>
+                </a:ext>
+                <a:ext uri="{C183D7F6-B498-43B3-948B-1728B52AA6E4}">
+                  <adec:decorative xmlns:adec="http://schemas.microsoft.com/office/drawing/2017/decorative" val="1"/>
+                </a:ext>
+              </a:extLst>
+            </p:cNvPr>
+            <p:cNvSpPr/>
+            <p:nvPr>
+              <p:extLst>
+                <p:ext uri="{386F3935-93C4-4BCD-93E2-E3B085C9AB24}">
+                  <p16:designElem xmlns:p16="http://schemas.microsoft.com/office/powerpoint/2015/main" val="1"/>
+                </p:ext>
+              </p:extLst>
+            </p:nvPr>
+          </p:nvSpPr>
+          <p:spPr bwMode="auto">
+            <a:xfrm>
+              <a:off x="1643063" y="0"/>
+              <a:ext cx="152400" cy="912813"/>
+            </a:xfrm>
+            <a:custGeom>
+              <a:avLst/>
+              <a:gdLst/>
+              <a:ahLst/>
+              <a:cxnLst/>
+              <a:rect l="0" t="0" r="r" b="b"/>
+              <a:pathLst>
+                <a:path w="96" h="575">
+                  <a:moveTo>
+                    <a:pt x="96" y="575"/>
+                  </a:moveTo>
+                  <a:lnTo>
+                    <a:pt x="78" y="575"/>
+                  </a:lnTo>
+                  <a:lnTo>
+                    <a:pt x="78" y="192"/>
+                  </a:lnTo>
+                  <a:lnTo>
+                    <a:pt x="0" y="6"/>
+                  </a:lnTo>
+                  <a:lnTo>
+                    <a:pt x="15" y="0"/>
+                  </a:lnTo>
+                  <a:lnTo>
+                    <a:pt x="96" y="189"/>
+                  </a:lnTo>
+                  <a:lnTo>
+                    <a:pt x="96" y="575"/>
+                  </a:lnTo>
+                  <a:close/>
+                </a:path>
+              </a:pathLst>
+            </a:custGeom>
+            <a:grpFill/>
+            <a:ln>
+              <a:noFill/>
+            </a:ln>
+            <a:extLst>
+              <a:ext uri="{91240B29-F687-4f45-9708-019B960494DF}">
+                <a14:hiddenLine xmlns:a14="http://schemas.microsoft.com/office/drawing/2010/main" xmlns:p14="http://schemas.microsoft.com/office/powerpoint/2010/main" xmlns="" w="9525">
+                  <a:solidFill>
+                    <a:srgbClr val="000000"/>
+                  </a:solidFill>
+                  <a:round/>
+                  <a:headEnd/>
+                  <a:tailEnd/>
+                </a14:hiddenLine>
+              </a:ext>
+            </a:extLst>
+          </p:spPr>
+        </p:sp>
+        <p:sp>
+          <p:nvSpPr>
+            <p:cNvPr id="30" name="Freeform 15">
+              <a:extLst>
+                <a:ext uri="{FF2B5EF4-FFF2-40B4-BE49-F238E27FC236}">
+                  <a16:creationId xmlns:a16="http://schemas.microsoft.com/office/drawing/2014/main" id="{CF7E3F29-AF56-4664-899B-EAAB5BEB1858}"/>
+                </a:ext>
+                <a:ext uri="{C183D7F6-B498-43B3-948B-1728B52AA6E4}">
+                  <adec:decorative xmlns:adec="http://schemas.microsoft.com/office/drawing/2017/decorative" val="1"/>
+                </a:ext>
+              </a:extLst>
+            </p:cNvPr>
+            <p:cNvSpPr>
+              <a:spLocks noEditPoints="1"/>
+            </p:cNvSpPr>
+            <p:nvPr>
+              <p:extLst>
+                <p:ext uri="{386F3935-93C4-4BCD-93E2-E3B085C9AB24}">
+                  <p16:designElem xmlns:p16="http://schemas.microsoft.com/office/powerpoint/2015/main" val="1"/>
+                </p:ext>
+              </p:extLst>
+            </p:nvPr>
+          </p:nvSpPr>
+          <p:spPr bwMode="auto">
+            <a:xfrm>
+              <a:off x="1685925" y="1420813"/>
+              <a:ext cx="190500" cy="190500"/>
+            </a:xfrm>
+            <a:custGeom>
+              <a:avLst/>
+              <a:gdLst/>
+              <a:ahLst/>
+              <a:cxnLst/>
+              <a:rect l="0" t="0" r="r" b="b"/>
+              <a:pathLst>
+                <a:path w="40" h="40">
+                  <a:moveTo>
+                    <a:pt x="20" y="40"/>
+                  </a:moveTo>
+                  <a:cubicBezTo>
+                    <a:pt x="9" y="40"/>
+                    <a:pt x="0" y="31"/>
+                    <a:pt x="0" y="20"/>
+                  </a:cubicBezTo>
+                  <a:cubicBezTo>
+                    <a:pt x="0" y="9"/>
+                    <a:pt x="9" y="0"/>
+                    <a:pt x="20" y="0"/>
+                  </a:cubicBezTo>
+                  <a:cubicBezTo>
+                    <a:pt x="31" y="0"/>
+                    <a:pt x="40" y="9"/>
+                    <a:pt x="40" y="20"/>
+                  </a:cubicBezTo>
+                  <a:cubicBezTo>
+                    <a:pt x="40" y="31"/>
+                    <a:pt x="31" y="40"/>
+                    <a:pt x="20" y="40"/>
+                  </a:cubicBezTo>
+                  <a:close/>
+                  <a:moveTo>
+                    <a:pt x="20" y="4"/>
+                  </a:moveTo>
+                  <a:cubicBezTo>
+                    <a:pt x="11" y="4"/>
+                    <a:pt x="4" y="11"/>
+                    <a:pt x="4" y="20"/>
+                  </a:cubicBezTo>
+                  <a:cubicBezTo>
+                    <a:pt x="4" y="29"/>
+                    <a:pt x="11" y="36"/>
+                    <a:pt x="20" y="36"/>
+                  </a:cubicBezTo>
+                  <a:cubicBezTo>
+                    <a:pt x="29" y="36"/>
+                    <a:pt x="36" y="29"/>
+                    <a:pt x="36" y="20"/>
+                  </a:cubicBezTo>
+                  <a:cubicBezTo>
+                    <a:pt x="36" y="11"/>
+                    <a:pt x="29" y="4"/>
+                    <a:pt x="20" y="4"/>
+                  </a:cubicBezTo>
+                  <a:close/>
+                </a:path>
+              </a:pathLst>
+            </a:custGeom>
+            <a:grpFill/>
+            <a:ln>
+              <a:noFill/>
+            </a:ln>
+            <a:extLst>
+              <a:ext uri="{91240B29-F687-4f45-9708-019B960494DF}">
+                <a14:hiddenLine xmlns:a14="http://schemas.microsoft.com/office/drawing/2010/main" xmlns:p14="http://schemas.microsoft.com/office/powerpoint/2010/main" xmlns="" w="9525">
+                  <a:solidFill>
+                    <a:srgbClr val="000000"/>
+                  </a:solidFill>
+                  <a:round/>
+                  <a:headEnd/>
+                  <a:tailEnd/>
+                </a14:hiddenLine>
+              </a:ext>
+            </a:extLst>
+          </p:spPr>
+        </p:sp>
+        <p:sp>
+          <p:nvSpPr>
+            <p:cNvPr id="31" name="Freeform 16">
+              <a:extLst>
+                <a:ext uri="{FF2B5EF4-FFF2-40B4-BE49-F238E27FC236}">
+                  <a16:creationId xmlns:a16="http://schemas.microsoft.com/office/drawing/2014/main" id="{134A0AFD-4F49-418F-89C2-2BF954837F4F}"/>
+                </a:ext>
+                <a:ext uri="{C183D7F6-B498-43B3-948B-1728B52AA6E4}">
+                  <adec:decorative xmlns:adec="http://schemas.microsoft.com/office/drawing/2017/decorative" val="1"/>
+                </a:ext>
+              </a:extLst>
+            </p:cNvPr>
+            <p:cNvSpPr>
+              <a:spLocks noEditPoints="1"/>
+            </p:cNvSpPr>
+            <p:nvPr>
+              <p:extLst>
+                <p:ext uri="{386F3935-93C4-4BCD-93E2-E3B085C9AB24}">
+                  <p16:designElem xmlns:p16="http://schemas.microsoft.com/office/powerpoint/2015/main" val="1"/>
+                </p:ext>
+              </p:extLst>
+            </p:nvPr>
+          </p:nvSpPr>
+          <p:spPr bwMode="auto">
+            <a:xfrm>
+              <a:off x="1685925" y="903288"/>
+              <a:ext cx="190500" cy="190500"/>
+            </a:xfrm>
+            <a:custGeom>
+              <a:avLst/>
+              <a:gdLst/>
+              <a:ahLst/>
+              <a:cxnLst/>
+              <a:rect l="0" t="0" r="r" b="b"/>
+              <a:pathLst>
+                <a:path w="40" h="40">
+                  <a:moveTo>
+                    <a:pt x="20" y="40"/>
+                  </a:moveTo>
+                  <a:cubicBezTo>
+                    <a:pt x="9" y="40"/>
+                    <a:pt x="0" y="31"/>
+                    <a:pt x="0" y="20"/>
+                  </a:cubicBezTo>
+                  <a:cubicBezTo>
+                    <a:pt x="0" y="9"/>
+                    <a:pt x="9" y="0"/>
+                    <a:pt x="20" y="0"/>
+                  </a:cubicBezTo>
+                  <a:cubicBezTo>
+                    <a:pt x="31" y="0"/>
+                    <a:pt x="40" y="9"/>
+                    <a:pt x="40" y="20"/>
+                  </a:cubicBezTo>
+                  <a:cubicBezTo>
+                    <a:pt x="40" y="31"/>
+                    <a:pt x="31" y="40"/>
+                    <a:pt x="20" y="40"/>
+                  </a:cubicBezTo>
+                  <a:close/>
+                  <a:moveTo>
+                    <a:pt x="20" y="4"/>
+                  </a:moveTo>
+                  <a:cubicBezTo>
+                    <a:pt x="11" y="4"/>
+                    <a:pt x="4" y="11"/>
+                    <a:pt x="4" y="20"/>
+                  </a:cubicBezTo>
+                  <a:cubicBezTo>
+                    <a:pt x="4" y="29"/>
+                    <a:pt x="11" y="36"/>
+                    <a:pt x="20" y="36"/>
+                  </a:cubicBezTo>
+                  <a:cubicBezTo>
+                    <a:pt x="29" y="36"/>
+                    <a:pt x="36" y="29"/>
+                    <a:pt x="36" y="20"/>
+                  </a:cubicBezTo>
+                  <a:cubicBezTo>
+                    <a:pt x="36" y="11"/>
+                    <a:pt x="29" y="4"/>
+                    <a:pt x="20" y="4"/>
+                  </a:cubicBezTo>
+                  <a:close/>
+                </a:path>
+              </a:pathLst>
+            </a:custGeom>
+            <a:grpFill/>
+            <a:ln>
+              <a:noFill/>
+            </a:ln>
+            <a:extLst>
+              <a:ext uri="{91240B29-F687-4f45-9708-019B960494DF}">
+                <a14:hiddenLine xmlns:a14="http://schemas.microsoft.com/office/drawing/2010/main" xmlns:p14="http://schemas.microsoft.com/office/powerpoint/2010/main" xmlns="" w="9525">
+                  <a:solidFill>
+                    <a:srgbClr val="000000"/>
+                  </a:solidFill>
+                  <a:round/>
+                  <a:headEnd/>
+                  <a:tailEnd/>
+                </a14:hiddenLine>
+              </a:ext>
+            </a:extLst>
+          </p:spPr>
+        </p:sp>
+        <p:sp>
+          <p:nvSpPr>
+            <p:cNvPr id="32" name="Freeform 17">
+              <a:extLst>
+                <a:ext uri="{FF2B5EF4-FFF2-40B4-BE49-F238E27FC236}">
+                  <a16:creationId xmlns:a16="http://schemas.microsoft.com/office/drawing/2014/main" id="{491FBEA5-6E19-4D74-AF8F-7801D642FDE7}"/>
+                </a:ext>
+                <a:ext uri="{C183D7F6-B498-43B3-948B-1728B52AA6E4}">
+                  <adec:decorative xmlns:adec="http://schemas.microsoft.com/office/drawing/2017/decorative" val="1"/>
+                </a:ext>
+              </a:extLst>
+            </p:cNvPr>
+            <p:cNvSpPr/>
+            <p:nvPr>
+              <p:extLst>
+                <p:ext uri="{386F3935-93C4-4BCD-93E2-E3B085C9AB24}">
+                  <p16:designElem xmlns:p16="http://schemas.microsoft.com/office/powerpoint/2015/main" val="1"/>
+                </p:ext>
+              </p:extLst>
+            </p:nvPr>
+          </p:nvSpPr>
+          <p:spPr bwMode="auto">
+            <a:xfrm>
+              <a:off x="1743075" y="4763"/>
+              <a:ext cx="419100" cy="522288"/>
+            </a:xfrm>
+            <a:custGeom>
+              <a:avLst/>
+              <a:gdLst/>
+              <a:ahLst/>
+              <a:cxnLst/>
+              <a:rect l="0" t="0" r="r" b="b"/>
+              <a:pathLst>
+                <a:path w="264" h="329">
+                  <a:moveTo>
+                    <a:pt x="252" y="329"/>
+                  </a:moveTo>
+                  <a:lnTo>
+                    <a:pt x="45" y="120"/>
+                  </a:lnTo>
+                  <a:lnTo>
+                    <a:pt x="0" y="6"/>
+                  </a:lnTo>
+                  <a:lnTo>
+                    <a:pt x="15" y="0"/>
+                  </a:lnTo>
+                  <a:lnTo>
+                    <a:pt x="60" y="111"/>
+                  </a:lnTo>
+                  <a:lnTo>
+                    <a:pt x="264" y="317"/>
+                  </a:lnTo>
+                  <a:lnTo>
+                    <a:pt x="252" y="329"/>
+                  </a:lnTo>
+                  <a:close/>
+                </a:path>
+              </a:pathLst>
+            </a:custGeom>
+            <a:grpFill/>
+            <a:ln>
+              <a:noFill/>
+            </a:ln>
+            <a:extLst>
+              <a:ext uri="{91240B29-F687-4f45-9708-019B960494DF}">
+                <a14:hiddenLine xmlns:a14="http://schemas.microsoft.com/office/drawing/2010/main" xmlns:p14="http://schemas.microsoft.com/office/powerpoint/2010/main" xmlns="" w="9525">
+                  <a:solidFill>
+                    <a:srgbClr val="000000"/>
+                  </a:solidFill>
+                  <a:round/>
+                  <a:headEnd/>
+                  <a:tailEnd/>
+                </a14:hiddenLine>
+              </a:ext>
+            </a:extLst>
+          </p:spPr>
+        </p:sp>
+        <p:sp>
+          <p:nvSpPr>
+            <p:cNvPr id="33" name="Freeform 18">
+              <a:extLst>
+                <a:ext uri="{FF2B5EF4-FFF2-40B4-BE49-F238E27FC236}">
+                  <a16:creationId xmlns:a16="http://schemas.microsoft.com/office/drawing/2014/main" id="{F6FE013A-FBF0-4582-8BF5-C66A87656BE6}"/>
+                </a:ext>
+                <a:ext uri="{C183D7F6-B498-43B3-948B-1728B52AA6E4}">
+                  <adec:decorative xmlns:adec="http://schemas.microsoft.com/office/drawing/2017/decorative" val="1"/>
+                </a:ext>
+              </a:extLst>
+            </p:cNvPr>
+            <p:cNvSpPr>
+              <a:spLocks noEditPoints="1"/>
+            </p:cNvSpPr>
+            <p:nvPr>
+              <p:extLst>
+                <p:ext uri="{386F3935-93C4-4BCD-93E2-E3B085C9AB24}">
+                  <p16:designElem xmlns:p16="http://schemas.microsoft.com/office/powerpoint/2015/main" val="1"/>
+                </p:ext>
+              </p:extLst>
+            </p:nvPr>
+          </p:nvSpPr>
+          <p:spPr bwMode="auto">
+            <a:xfrm>
+              <a:off x="2119313" y="488950"/>
+              <a:ext cx="161925" cy="147638"/>
+            </a:xfrm>
+            <a:custGeom>
+              <a:avLst/>
+              <a:gdLst/>
+              <a:ahLst/>
+              <a:cxnLst/>
+              <a:rect l="0" t="0" r="r" b="b"/>
+              <a:pathLst>
+                <a:path w="34" h="31">
+                  <a:moveTo>
+                    <a:pt x="17" y="31"/>
+                  </a:moveTo>
+                  <a:cubicBezTo>
+                    <a:pt x="13" y="31"/>
+                    <a:pt x="9" y="30"/>
+                    <a:pt x="6" y="27"/>
+                  </a:cubicBezTo>
+                  <a:cubicBezTo>
+                    <a:pt x="0" y="20"/>
+                    <a:pt x="0" y="10"/>
+                    <a:pt x="6" y="4"/>
+                  </a:cubicBezTo>
+                  <a:cubicBezTo>
+                    <a:pt x="9" y="1"/>
+                    <a:pt x="13" y="0"/>
+                    <a:pt x="17" y="0"/>
+                  </a:cubicBezTo>
+                  <a:cubicBezTo>
+                    <a:pt x="21" y="0"/>
+                    <a:pt x="25" y="1"/>
+                    <a:pt x="28" y="4"/>
+                  </a:cubicBezTo>
+                  <a:cubicBezTo>
+                    <a:pt x="34" y="10"/>
+                    <a:pt x="34" y="20"/>
+                    <a:pt x="28" y="27"/>
+                  </a:cubicBezTo>
+                  <a:cubicBezTo>
+                    <a:pt x="25" y="30"/>
+                    <a:pt x="21" y="31"/>
+                    <a:pt x="17" y="31"/>
+                  </a:cubicBezTo>
+                  <a:close/>
+                  <a:moveTo>
+                    <a:pt x="17" y="4"/>
+                  </a:moveTo>
+                  <a:cubicBezTo>
+                    <a:pt x="14" y="4"/>
+                    <a:pt x="11" y="5"/>
+                    <a:pt x="9" y="7"/>
+                  </a:cubicBezTo>
+                  <a:cubicBezTo>
+                    <a:pt x="4" y="12"/>
+                    <a:pt x="4" y="19"/>
+                    <a:pt x="9" y="24"/>
+                  </a:cubicBezTo>
+                  <a:cubicBezTo>
+                    <a:pt x="11" y="26"/>
+                    <a:pt x="14" y="27"/>
+                    <a:pt x="17" y="27"/>
+                  </a:cubicBezTo>
+                  <a:cubicBezTo>
+                    <a:pt x="20" y="27"/>
+                    <a:pt x="23" y="26"/>
+                    <a:pt x="25" y="24"/>
+                  </a:cubicBezTo>
+                  <a:cubicBezTo>
+                    <a:pt x="30" y="19"/>
+                    <a:pt x="30" y="12"/>
+                    <a:pt x="25" y="7"/>
+                  </a:cubicBezTo>
+                  <a:cubicBezTo>
+                    <a:pt x="23" y="5"/>
+                    <a:pt x="20" y="4"/>
+                    <a:pt x="17" y="4"/>
+                  </a:cubicBezTo>
+                  <a:close/>
+                </a:path>
+              </a:pathLst>
+            </a:custGeom>
+            <a:grpFill/>
+            <a:ln>
+              <a:noFill/>
+            </a:ln>
+            <a:extLst>
+              <a:ext uri="{91240B29-F687-4f45-9708-019B960494DF}">
+                <a14:hiddenLine xmlns:a14="http://schemas.microsoft.com/office/drawing/2010/main" xmlns:p14="http://schemas.microsoft.com/office/powerpoint/2010/main" xmlns="" w="9525">
+                  <a:solidFill>
+                    <a:srgbClr val="000000"/>
+                  </a:solidFill>
+                  <a:round/>
+                  <a:headEnd/>
+                  <a:tailEnd/>
+                </a14:hiddenLine>
+              </a:ext>
+            </a:extLst>
+          </p:spPr>
+        </p:sp>
+        <p:sp>
+          <p:nvSpPr>
+            <p:cNvPr id="34" name="Freeform 19">
+              <a:extLst>
+                <a:ext uri="{FF2B5EF4-FFF2-40B4-BE49-F238E27FC236}">
+                  <a16:creationId xmlns:a16="http://schemas.microsoft.com/office/drawing/2014/main" id="{2A8BBFC9-C135-43D6-B658-BEAFBCB68739}"/>
+                </a:ext>
+                <a:ext uri="{C183D7F6-B498-43B3-948B-1728B52AA6E4}">
+                  <adec:decorative xmlns:adec="http://schemas.microsoft.com/office/drawing/2017/decorative" val="1"/>
+                </a:ext>
+              </a:extLst>
+            </p:cNvPr>
+            <p:cNvSpPr/>
+            <p:nvPr>
+              <p:extLst>
+                <p:ext uri="{386F3935-93C4-4BCD-93E2-E3B085C9AB24}">
+                  <p16:designElem xmlns:p16="http://schemas.microsoft.com/office/powerpoint/2015/main" val="1"/>
+                </p:ext>
+              </p:extLst>
+            </p:nvPr>
+          </p:nvSpPr>
+          <p:spPr bwMode="auto">
+            <a:xfrm>
+              <a:off x="952500" y="4763"/>
+              <a:ext cx="152400" cy="908050"/>
+            </a:xfrm>
+            <a:custGeom>
+              <a:avLst/>
+              <a:gdLst/>
+              <a:ahLst/>
+              <a:cxnLst/>
+              <a:rect l="0" t="0" r="r" b="b"/>
+              <a:pathLst>
+                <a:path w="96" h="572">
+                  <a:moveTo>
+                    <a:pt x="15" y="572"/>
+                  </a:moveTo>
+                  <a:lnTo>
+                    <a:pt x="0" y="572"/>
+                  </a:lnTo>
+                  <a:lnTo>
+                    <a:pt x="0" y="189"/>
+                  </a:lnTo>
+                  <a:lnTo>
+                    <a:pt x="81" y="0"/>
+                  </a:lnTo>
+                  <a:lnTo>
+                    <a:pt x="96" y="6"/>
+                  </a:lnTo>
+                  <a:lnTo>
+                    <a:pt x="15" y="192"/>
+                  </a:lnTo>
+                  <a:lnTo>
+                    <a:pt x="15" y="572"/>
+                  </a:lnTo>
+                  <a:close/>
+                </a:path>
+              </a:pathLst>
+            </a:custGeom>
+            <a:grpFill/>
+            <a:ln>
+              <a:noFill/>
+            </a:ln>
+            <a:extLst>
+              <a:ext uri="{91240B29-F687-4f45-9708-019B960494DF}">
+                <a14:hiddenLine xmlns:a14="http://schemas.microsoft.com/office/drawing/2010/main" xmlns:p14="http://schemas.microsoft.com/office/powerpoint/2010/main" xmlns="" w="9525">
+                  <a:solidFill>
+                    <a:srgbClr val="000000"/>
+                  </a:solidFill>
+                  <a:round/>
+                  <a:headEnd/>
+                  <a:tailEnd/>
+                </a14:hiddenLine>
+              </a:ext>
+            </a:extLst>
+          </p:spPr>
+        </p:sp>
+        <p:sp>
+          <p:nvSpPr>
+            <p:cNvPr id="35" name="Freeform 20">
+              <a:extLst>
+                <a:ext uri="{FF2B5EF4-FFF2-40B4-BE49-F238E27FC236}">
+                  <a16:creationId xmlns:a16="http://schemas.microsoft.com/office/drawing/2014/main" id="{0A91FF15-5B35-4788-9504-75DAF1624F9F}"/>
+                </a:ext>
+                <a:ext uri="{C183D7F6-B498-43B3-948B-1728B52AA6E4}">
+                  <adec:decorative xmlns:adec="http://schemas.microsoft.com/office/drawing/2017/decorative" val="1"/>
+                </a:ext>
+              </a:extLst>
+            </p:cNvPr>
+            <p:cNvSpPr>
+              <a:spLocks noEditPoints="1"/>
+            </p:cNvSpPr>
+            <p:nvPr>
+              <p:extLst>
+                <p:ext uri="{386F3935-93C4-4BCD-93E2-E3B085C9AB24}">
+                  <p16:designElem xmlns:p16="http://schemas.microsoft.com/office/powerpoint/2015/main" val="1"/>
+                </p:ext>
+              </p:extLst>
+            </p:nvPr>
+          </p:nvSpPr>
+          <p:spPr bwMode="auto">
+            <a:xfrm>
+              <a:off x="866775" y="903288"/>
+              <a:ext cx="190500" cy="190500"/>
+            </a:xfrm>
+            <a:custGeom>
+              <a:avLst/>
+              <a:gdLst/>
+              <a:ahLst/>
+              <a:cxnLst/>
+              <a:rect l="0" t="0" r="r" b="b"/>
+              <a:pathLst>
+                <a:path w="40" h="40">
+                  <a:moveTo>
+                    <a:pt x="20" y="40"/>
+                  </a:moveTo>
+                  <a:cubicBezTo>
+                    <a:pt x="9" y="40"/>
+                    <a:pt x="0" y="31"/>
+                    <a:pt x="0" y="20"/>
+                  </a:cubicBezTo>
+                  <a:cubicBezTo>
+                    <a:pt x="0" y="9"/>
+                    <a:pt x="9" y="0"/>
+                    <a:pt x="20" y="0"/>
+                  </a:cubicBezTo>
+                  <a:cubicBezTo>
+                    <a:pt x="31" y="0"/>
+                    <a:pt x="40" y="9"/>
+                    <a:pt x="40" y="20"/>
+                  </a:cubicBezTo>
+                  <a:cubicBezTo>
+                    <a:pt x="40" y="31"/>
+                    <a:pt x="31" y="40"/>
+                    <a:pt x="20" y="40"/>
+                  </a:cubicBezTo>
+                  <a:close/>
+                  <a:moveTo>
+                    <a:pt x="20" y="4"/>
+                  </a:moveTo>
+                  <a:cubicBezTo>
+                    <a:pt x="11" y="4"/>
+                    <a:pt x="4" y="12"/>
+                    <a:pt x="4" y="20"/>
+                  </a:cubicBezTo>
+                  <a:cubicBezTo>
+                    <a:pt x="4" y="29"/>
+                    <a:pt x="11" y="36"/>
+                    <a:pt x="20" y="36"/>
+                  </a:cubicBezTo>
+                  <a:cubicBezTo>
+                    <a:pt x="29" y="36"/>
+                    <a:pt x="36" y="29"/>
+                    <a:pt x="36" y="20"/>
+                  </a:cubicBezTo>
+                  <a:cubicBezTo>
+                    <a:pt x="36" y="12"/>
+                    <a:pt x="29" y="4"/>
+                    <a:pt x="20" y="4"/>
+                  </a:cubicBezTo>
+                  <a:close/>
+                </a:path>
+              </a:pathLst>
+            </a:custGeom>
+            <a:grpFill/>
+            <a:ln>
+              <a:noFill/>
+            </a:ln>
+            <a:extLst>
+              <a:ext uri="{91240B29-F687-4f45-9708-019B960494DF}">
+                <a14:hiddenLine xmlns:a14="http://schemas.microsoft.com/office/drawing/2010/main" xmlns:p14="http://schemas.microsoft.com/office/powerpoint/2010/main" xmlns="" w="9525">
+                  <a:solidFill>
+                    <a:srgbClr val="000000"/>
+                  </a:solidFill>
+                  <a:round/>
+                  <a:headEnd/>
+                  <a:tailEnd/>
+                </a14:hiddenLine>
+              </a:ext>
+            </a:extLst>
+          </p:spPr>
+        </p:sp>
+        <p:sp>
+          <p:nvSpPr>
+            <p:cNvPr id="36" name="Freeform 21">
+              <a:extLst>
+                <a:ext uri="{FF2B5EF4-FFF2-40B4-BE49-F238E27FC236}">
+                  <a16:creationId xmlns:a16="http://schemas.microsoft.com/office/drawing/2014/main" id="{AF45E1F0-943D-45E4-B027-8E5DD5294836}"/>
+                </a:ext>
+                <a:ext uri="{C183D7F6-B498-43B3-948B-1728B52AA6E4}">
+                  <adec:decorative xmlns:adec="http://schemas.microsoft.com/office/drawing/2017/decorative" val="1"/>
+                </a:ext>
+              </a:extLst>
+            </p:cNvPr>
+            <p:cNvSpPr>
+              <a:spLocks noEditPoints="1"/>
+            </p:cNvSpPr>
+            <p:nvPr>
+              <p:extLst>
+                <p:ext uri="{386F3935-93C4-4BCD-93E2-E3B085C9AB24}">
+                  <p16:designElem xmlns:p16="http://schemas.microsoft.com/office/powerpoint/2015/main" val="1"/>
+                </p:ext>
+              </p:extLst>
+            </p:nvPr>
+          </p:nvSpPr>
+          <p:spPr bwMode="auto">
+            <a:xfrm>
+              <a:off x="890588" y="1554163"/>
+              <a:ext cx="190500" cy="190500"/>
+            </a:xfrm>
+            <a:custGeom>
+              <a:avLst/>
+              <a:gdLst/>
+              <a:ahLst/>
+              <a:cxnLst/>
+              <a:rect l="0" t="0" r="r" b="b"/>
+              <a:pathLst>
+                <a:path w="40" h="40">
+                  <a:moveTo>
+                    <a:pt x="20" y="40"/>
+                  </a:moveTo>
+                  <a:cubicBezTo>
+                    <a:pt x="9" y="40"/>
+                    <a:pt x="0" y="31"/>
+                    <a:pt x="0" y="20"/>
+                  </a:cubicBezTo>
+                  <a:cubicBezTo>
+                    <a:pt x="0" y="9"/>
+                    <a:pt x="9" y="0"/>
+                    <a:pt x="20" y="0"/>
+                  </a:cubicBezTo>
+                  <a:cubicBezTo>
+                    <a:pt x="31" y="0"/>
+                    <a:pt x="40" y="9"/>
+                    <a:pt x="40" y="20"/>
+                  </a:cubicBezTo>
+                  <a:cubicBezTo>
+                    <a:pt x="40" y="31"/>
+                    <a:pt x="31" y="40"/>
+                    <a:pt x="20" y="40"/>
+                  </a:cubicBezTo>
+                  <a:close/>
+                  <a:moveTo>
+                    <a:pt x="20" y="4"/>
+                  </a:moveTo>
+                  <a:cubicBezTo>
+                    <a:pt x="11" y="4"/>
+                    <a:pt x="4" y="11"/>
+                    <a:pt x="4" y="20"/>
+                  </a:cubicBezTo>
+                  <a:cubicBezTo>
+                    <a:pt x="4" y="28"/>
+                    <a:pt x="11" y="36"/>
+                    <a:pt x="20" y="36"/>
+                  </a:cubicBezTo>
+                  <a:cubicBezTo>
+                    <a:pt x="29" y="36"/>
+                    <a:pt x="36" y="28"/>
+                    <a:pt x="36" y="20"/>
+                  </a:cubicBezTo>
+                  <a:cubicBezTo>
+                    <a:pt x="36" y="11"/>
+                    <a:pt x="29" y="4"/>
+                    <a:pt x="20" y="4"/>
+                  </a:cubicBezTo>
+                  <a:close/>
+                </a:path>
+              </a:pathLst>
+            </a:custGeom>
+            <a:grpFill/>
+            <a:ln>
+              <a:noFill/>
+            </a:ln>
+            <a:extLst>
+              <a:ext uri="{91240B29-F687-4f45-9708-019B960494DF}">
+                <a14:hiddenLine xmlns:a14="http://schemas.microsoft.com/office/drawing/2010/main" xmlns:p14="http://schemas.microsoft.com/office/powerpoint/2010/main" xmlns="" w="9525">
+                  <a:solidFill>
+                    <a:srgbClr val="000000"/>
+                  </a:solidFill>
+                  <a:round/>
+                  <a:headEnd/>
+                  <a:tailEnd/>
+                </a14:hiddenLine>
+              </a:ext>
+            </a:extLst>
+          </p:spPr>
+        </p:sp>
+        <p:sp>
+          <p:nvSpPr>
+            <p:cNvPr id="37" name="Freeform 22">
+              <a:extLst>
+                <a:ext uri="{FF2B5EF4-FFF2-40B4-BE49-F238E27FC236}">
+                  <a16:creationId xmlns:a16="http://schemas.microsoft.com/office/drawing/2014/main" id="{1B4E3D75-576B-4EAB-8767-A2692E89E0B3}"/>
+                </a:ext>
+                <a:ext uri="{C183D7F6-B498-43B3-948B-1728B52AA6E4}">
+                  <adec:decorative xmlns:adec="http://schemas.microsoft.com/office/drawing/2017/decorative" val="1"/>
+                </a:ext>
+              </a:extLst>
+            </p:cNvPr>
+            <p:cNvSpPr/>
+            <p:nvPr>
+              <p:extLst>
+                <p:ext uri="{386F3935-93C4-4BCD-93E2-E3B085C9AB24}">
+                  <p16:designElem xmlns:p16="http://schemas.microsoft.com/office/powerpoint/2015/main" val="1"/>
+                </p:ext>
+              </p:extLst>
+            </p:nvPr>
+          </p:nvSpPr>
+          <p:spPr bwMode="auto">
+            <a:xfrm>
+              <a:off x="738188" y="5622925"/>
+              <a:ext cx="338138" cy="1216025"/>
+            </a:xfrm>
+            <a:custGeom>
+              <a:avLst/>
+              <a:gdLst/>
+              <a:ahLst/>
+              <a:cxnLst/>
+              <a:rect l="0" t="0" r="r" b="b"/>
+              <a:pathLst>
+                <a:path w="213" h="766">
+                  <a:moveTo>
+                    <a:pt x="213" y="766"/>
+                  </a:moveTo>
+                  <a:lnTo>
+                    <a:pt x="195" y="766"/>
+                  </a:lnTo>
+                  <a:lnTo>
+                    <a:pt x="195" y="464"/>
+                  </a:lnTo>
+                  <a:lnTo>
+                    <a:pt x="0" y="6"/>
+                  </a:lnTo>
+                  <a:lnTo>
+                    <a:pt x="12" y="0"/>
+                  </a:lnTo>
+                  <a:lnTo>
+                    <a:pt x="213" y="461"/>
+                  </a:lnTo>
+                  <a:lnTo>
+                    <a:pt x="213" y="766"/>
+                  </a:lnTo>
+                  <a:close/>
+                </a:path>
+              </a:pathLst>
+            </a:custGeom>
+            <a:grpFill/>
+            <a:ln>
+              <a:noFill/>
+            </a:ln>
+            <a:extLst>
+              <a:ext uri="{91240B29-F687-4f45-9708-019B960494DF}">
+                <a14:hiddenLine xmlns:a14="http://schemas.microsoft.com/office/drawing/2010/main" xmlns:p14="http://schemas.microsoft.com/office/powerpoint/2010/main" xmlns="" w="9525">
+                  <a:solidFill>
+                    <a:srgbClr val="000000"/>
+                  </a:solidFill>
+                  <a:round/>
+                  <a:headEnd/>
+                  <a:tailEnd/>
+                </a14:hiddenLine>
+              </a:ext>
+            </a:extLst>
+          </p:spPr>
+        </p:sp>
+        <p:sp>
+          <p:nvSpPr>
+            <p:cNvPr id="38" name="Freeform 23">
+              <a:extLst>
+                <a:ext uri="{FF2B5EF4-FFF2-40B4-BE49-F238E27FC236}">
+                  <a16:creationId xmlns:a16="http://schemas.microsoft.com/office/drawing/2014/main" id="{B77D6359-FA3A-41C5-B675-EA271B446191}"/>
+                </a:ext>
+                <a:ext uri="{C183D7F6-B498-43B3-948B-1728B52AA6E4}">
+                  <adec:decorative xmlns:adec="http://schemas.microsoft.com/office/drawing/2017/decorative" val="1"/>
+                </a:ext>
+              </a:extLst>
+            </p:cNvPr>
+            <p:cNvSpPr>
+              <a:spLocks noEditPoints="1"/>
+            </p:cNvSpPr>
+            <p:nvPr>
+              <p:extLst>
+                <p:ext uri="{386F3935-93C4-4BCD-93E2-E3B085C9AB24}">
+                  <p16:designElem xmlns:p16="http://schemas.microsoft.com/office/powerpoint/2015/main" val="1"/>
+                </p:ext>
+              </p:extLst>
+            </p:nvPr>
+          </p:nvSpPr>
+          <p:spPr bwMode="auto">
+            <a:xfrm>
+              <a:off x="647700" y="5480050"/>
+              <a:ext cx="157163" cy="157163"/>
+            </a:xfrm>
+            <a:custGeom>
+              <a:avLst/>
+              <a:gdLst/>
+              <a:ahLst/>
+              <a:cxnLst/>
+              <a:rect l="0" t="0" r="r" b="b"/>
+              <a:pathLst>
+                <a:path w="33" h="33">
+                  <a:moveTo>
+                    <a:pt x="17" y="33"/>
+                  </a:moveTo>
+                  <a:cubicBezTo>
+                    <a:pt x="8" y="33"/>
+                    <a:pt x="0" y="26"/>
+                    <a:pt x="0" y="17"/>
+                  </a:cubicBezTo>
+                  <a:cubicBezTo>
+                    <a:pt x="0" y="8"/>
+                    <a:pt x="8" y="0"/>
+                    <a:pt x="17" y="0"/>
+                  </a:cubicBezTo>
+                  <a:cubicBezTo>
+                    <a:pt x="26" y="0"/>
+                    <a:pt x="33" y="8"/>
+                    <a:pt x="33" y="17"/>
+                  </a:cubicBezTo>
+                  <a:cubicBezTo>
+                    <a:pt x="33" y="26"/>
+                    <a:pt x="26" y="33"/>
+                    <a:pt x="17" y="33"/>
+                  </a:cubicBezTo>
+                  <a:close/>
+                  <a:moveTo>
+                    <a:pt x="17" y="4"/>
+                  </a:moveTo>
+                  <a:cubicBezTo>
+                    <a:pt x="10" y="4"/>
+                    <a:pt x="4" y="10"/>
+                    <a:pt x="4" y="17"/>
+                  </a:cubicBezTo>
+                  <a:cubicBezTo>
+                    <a:pt x="4" y="24"/>
+                    <a:pt x="10" y="29"/>
+                    <a:pt x="17" y="29"/>
+                  </a:cubicBezTo>
+                  <a:cubicBezTo>
+                    <a:pt x="23" y="29"/>
+                    <a:pt x="29" y="24"/>
+                    <a:pt x="29" y="17"/>
+                  </a:cubicBezTo>
+                  <a:cubicBezTo>
+                    <a:pt x="29" y="10"/>
+                    <a:pt x="23" y="4"/>
+                    <a:pt x="17" y="4"/>
+                  </a:cubicBezTo>
+                  <a:close/>
+                </a:path>
+              </a:pathLst>
+            </a:custGeom>
+            <a:grpFill/>
+            <a:ln>
+              <a:noFill/>
+            </a:ln>
+            <a:extLst>
+              <a:ext uri="{91240B29-F687-4f45-9708-019B960494DF}">
+                <a14:hiddenLine xmlns:a14="http://schemas.microsoft.com/office/drawing/2010/main" xmlns:p14="http://schemas.microsoft.com/office/powerpoint/2010/main" xmlns="" w="9525">
+                  <a:solidFill>
+                    <a:srgbClr val="000000"/>
+                  </a:solidFill>
+                  <a:round/>
+                  <a:headEnd/>
+                  <a:tailEnd/>
+                </a14:hiddenLine>
+              </a:ext>
+            </a:extLst>
+          </p:spPr>
+        </p:sp>
+        <p:sp>
+          <p:nvSpPr>
+            <p:cNvPr id="39" name="Freeform 24">
+              <a:extLst>
+                <a:ext uri="{FF2B5EF4-FFF2-40B4-BE49-F238E27FC236}">
+                  <a16:creationId xmlns:a16="http://schemas.microsoft.com/office/drawing/2014/main" id="{CAF12B18-E453-4F78-AA7A-C916EF28C155}"/>
+                </a:ext>
+                <a:ext uri="{C183D7F6-B498-43B3-948B-1728B52AA6E4}">
+                  <adec:decorative xmlns:adec="http://schemas.microsoft.com/office/drawing/2017/decorative" val="1"/>
+                </a:ext>
+              </a:extLst>
+            </p:cNvPr>
+            <p:cNvSpPr>
+              <a:spLocks noEditPoints="1"/>
+            </p:cNvSpPr>
+            <p:nvPr>
+              <p:extLst>
+                <p:ext uri="{386F3935-93C4-4BCD-93E2-E3B085C9AB24}">
+                  <p16:designElem xmlns:p16="http://schemas.microsoft.com/office/powerpoint/2015/main" val="1"/>
+                </p:ext>
+              </p:extLst>
+            </p:nvPr>
+          </p:nvSpPr>
+          <p:spPr bwMode="auto">
+            <a:xfrm>
+              <a:off x="66675" y="903288"/>
+              <a:ext cx="190500" cy="190500"/>
+            </a:xfrm>
+            <a:custGeom>
+              <a:avLst/>
+              <a:gdLst/>
+              <a:ahLst/>
+              <a:cxnLst/>
+              <a:rect l="0" t="0" r="r" b="b"/>
+              <a:pathLst>
+                <a:path w="40" h="40">
+                  <a:moveTo>
+                    <a:pt x="20" y="40"/>
+                  </a:moveTo>
+                  <a:cubicBezTo>
+                    <a:pt x="9" y="40"/>
+                    <a:pt x="0" y="31"/>
+                    <a:pt x="0" y="20"/>
+                  </a:cubicBezTo>
+                  <a:cubicBezTo>
+                    <a:pt x="0" y="9"/>
+                    <a:pt x="9" y="0"/>
+                    <a:pt x="20" y="0"/>
+                  </a:cubicBezTo>
+                  <a:cubicBezTo>
+                    <a:pt x="32" y="0"/>
+                    <a:pt x="40" y="9"/>
+                    <a:pt x="40" y="20"/>
+                  </a:cubicBezTo>
+                  <a:cubicBezTo>
+                    <a:pt x="40" y="31"/>
+                    <a:pt x="32" y="40"/>
+                    <a:pt x="20" y="40"/>
+                  </a:cubicBezTo>
+                  <a:close/>
+                  <a:moveTo>
+                    <a:pt x="20" y="4"/>
+                  </a:moveTo>
+                  <a:cubicBezTo>
+                    <a:pt x="12" y="4"/>
+                    <a:pt x="4" y="12"/>
+                    <a:pt x="4" y="20"/>
+                  </a:cubicBezTo>
+                  <a:cubicBezTo>
+                    <a:pt x="4" y="29"/>
+                    <a:pt x="12" y="36"/>
+                    <a:pt x="20" y="36"/>
+                  </a:cubicBezTo>
+                  <a:cubicBezTo>
+                    <a:pt x="29" y="36"/>
+                    <a:pt x="36" y="29"/>
+                    <a:pt x="36" y="20"/>
+                  </a:cubicBezTo>
+                  <a:cubicBezTo>
+                    <a:pt x="36" y="12"/>
+                    <a:pt x="29" y="4"/>
+                    <a:pt x="20" y="4"/>
+                  </a:cubicBezTo>
+                  <a:close/>
+                </a:path>
+              </a:pathLst>
+            </a:custGeom>
+            <a:grpFill/>
+            <a:ln>
+              <a:noFill/>
+            </a:ln>
+            <a:extLst>
+              <a:ext uri="{91240B29-F687-4f45-9708-019B960494DF}">
+                <a14:hiddenLine xmlns:a14="http://schemas.microsoft.com/office/drawing/2010/main" xmlns:p14="http://schemas.microsoft.com/office/powerpoint/2010/main" xmlns="" w="9525">
+                  <a:solidFill>
+                    <a:srgbClr val="000000"/>
+                  </a:solidFill>
+                  <a:round/>
+                  <a:headEnd/>
+                  <a:tailEnd/>
+                </a14:hiddenLine>
+              </a:ext>
+            </a:extLst>
+          </p:spPr>
+        </p:sp>
+        <p:sp>
+          <p:nvSpPr>
+            <p:cNvPr id="40" name="Freeform 25">
+              <a:extLst>
+                <a:ext uri="{FF2B5EF4-FFF2-40B4-BE49-F238E27FC236}">
+                  <a16:creationId xmlns:a16="http://schemas.microsoft.com/office/drawing/2014/main" id="{2725FE37-E40E-466C-AB50-E43BA6A8AF77}"/>
+                </a:ext>
+                <a:ext uri="{C183D7F6-B498-43B3-948B-1728B52AA6E4}">
+                  <adec:decorative xmlns:adec="http://schemas.microsoft.com/office/drawing/2017/decorative" val="1"/>
+                </a:ext>
+              </a:extLst>
+            </p:cNvPr>
+            <p:cNvSpPr/>
+            <p:nvPr>
+              <p:extLst>
+                <p:ext uri="{386F3935-93C4-4BCD-93E2-E3B085C9AB24}">
+                  <p16:designElem xmlns:p16="http://schemas.microsoft.com/office/powerpoint/2015/main" val="1"/>
+                </p:ext>
+              </p:extLst>
+            </p:nvPr>
+          </p:nvSpPr>
+          <p:spPr bwMode="auto">
+            <a:xfrm>
+              <a:off x="0" y="3897313"/>
+              <a:ext cx="133350" cy="266700"/>
+            </a:xfrm>
+            <a:custGeom>
+              <a:avLst/>
+              <a:gdLst/>
+              <a:ahLst/>
+              <a:cxnLst/>
+              <a:rect l="0" t="0" r="r" b="b"/>
+              <a:pathLst>
+                <a:path w="84" h="168">
+                  <a:moveTo>
+                    <a:pt x="69" y="168"/>
+                  </a:moveTo>
+                  <a:lnTo>
+                    <a:pt x="0" y="6"/>
+                  </a:lnTo>
+                  <a:lnTo>
+                    <a:pt x="12" y="0"/>
+                  </a:lnTo>
+                  <a:lnTo>
+                    <a:pt x="84" y="162"/>
+                  </a:lnTo>
+                  <a:lnTo>
+                    <a:pt x="69" y="168"/>
+                  </a:lnTo>
+                  <a:close/>
+                </a:path>
+              </a:pathLst>
+            </a:custGeom>
+            <a:grpFill/>
+            <a:ln>
+              <a:noFill/>
+            </a:ln>
+            <a:extLst>
+              <a:ext uri="{91240B29-F687-4f45-9708-019B960494DF}">
+                <a14:hiddenLine xmlns:a14="http://schemas.microsoft.com/office/drawing/2010/main" xmlns:p14="http://schemas.microsoft.com/office/powerpoint/2010/main" xmlns="" w="9525">
+                  <a:solidFill>
+                    <a:srgbClr val="000000"/>
+                  </a:solidFill>
+                  <a:round/>
+                  <a:headEnd/>
+                  <a:tailEnd/>
+                </a14:hiddenLine>
+              </a:ext>
+            </a:extLst>
+          </p:spPr>
+        </p:sp>
+        <p:sp>
+          <p:nvSpPr>
+            <p:cNvPr id="41" name="Freeform 26">
+              <a:extLst>
+                <a:ext uri="{FF2B5EF4-FFF2-40B4-BE49-F238E27FC236}">
+                  <a16:creationId xmlns:a16="http://schemas.microsoft.com/office/drawing/2014/main" id="{E5933B83-B4CE-4221-8A92-78505DDC577D}"/>
+                </a:ext>
+                <a:ext uri="{C183D7F6-B498-43B3-948B-1728B52AA6E4}">
+                  <adec:decorative xmlns:adec="http://schemas.microsoft.com/office/drawing/2017/decorative" val="1"/>
+                </a:ext>
+              </a:extLst>
+            </p:cNvPr>
+            <p:cNvSpPr>
+              <a:spLocks noEditPoints="1"/>
+            </p:cNvSpPr>
+            <p:nvPr>
+              <p:extLst>
+                <p:ext uri="{386F3935-93C4-4BCD-93E2-E3B085C9AB24}">
+                  <p16:designElem xmlns:p16="http://schemas.microsoft.com/office/powerpoint/2015/main" val="1"/>
+                </p:ext>
+              </p:extLst>
+            </p:nvPr>
+          </p:nvSpPr>
+          <p:spPr bwMode="auto">
+            <a:xfrm>
+              <a:off x="66675" y="4149725"/>
+              <a:ext cx="190500" cy="188913"/>
+            </a:xfrm>
+            <a:custGeom>
+              <a:avLst/>
+              <a:gdLst/>
+              <a:ahLst/>
+              <a:cxnLst/>
+              <a:rect l="0" t="0" r="r" b="b"/>
+              <a:pathLst>
+                <a:path w="40" h="40">
+                  <a:moveTo>
+                    <a:pt x="20" y="40"/>
+                  </a:moveTo>
+                  <a:cubicBezTo>
+                    <a:pt x="9" y="40"/>
+                    <a:pt x="0" y="31"/>
+                    <a:pt x="0" y="20"/>
+                  </a:cubicBezTo>
+                  <a:cubicBezTo>
+                    <a:pt x="0" y="9"/>
+                    <a:pt x="9" y="0"/>
+                    <a:pt x="20" y="0"/>
+                  </a:cubicBezTo>
+                  <a:cubicBezTo>
+                    <a:pt x="31" y="0"/>
+                    <a:pt x="40" y="9"/>
+                    <a:pt x="40" y="20"/>
+                  </a:cubicBezTo>
+                  <a:cubicBezTo>
+                    <a:pt x="40" y="31"/>
+                    <a:pt x="31" y="40"/>
+                    <a:pt x="20" y="40"/>
+                  </a:cubicBezTo>
+                  <a:close/>
+                  <a:moveTo>
+                    <a:pt x="20" y="4"/>
+                  </a:moveTo>
+                  <a:cubicBezTo>
+                    <a:pt x="11" y="4"/>
+                    <a:pt x="4" y="11"/>
+                    <a:pt x="4" y="20"/>
+                  </a:cubicBezTo>
+                  <a:cubicBezTo>
+                    <a:pt x="4" y="28"/>
+                    <a:pt x="11" y="36"/>
+                    <a:pt x="20" y="36"/>
+                  </a:cubicBezTo>
+                  <a:cubicBezTo>
+                    <a:pt x="29" y="36"/>
+                    <a:pt x="36" y="28"/>
+                    <a:pt x="36" y="20"/>
+                  </a:cubicBezTo>
+                  <a:cubicBezTo>
+                    <a:pt x="36" y="11"/>
+                    <a:pt x="29" y="4"/>
+                    <a:pt x="20" y="4"/>
+                  </a:cubicBezTo>
+                  <a:close/>
+                </a:path>
+              </a:pathLst>
+            </a:custGeom>
+            <a:grpFill/>
+            <a:ln>
+              <a:noFill/>
+            </a:ln>
+            <a:extLst>
+              <a:ext uri="{91240B29-F687-4f45-9708-019B960494DF}">
+                <a14:hiddenLine xmlns:a14="http://schemas.microsoft.com/office/drawing/2010/main" xmlns:p14="http://schemas.microsoft.com/office/powerpoint/2010/main" xmlns="" w="9525">
+                  <a:solidFill>
+                    <a:srgbClr val="000000"/>
+                  </a:solidFill>
+                  <a:round/>
+                  <a:headEnd/>
+                  <a:tailEnd/>
+                </a14:hiddenLine>
+              </a:ext>
+            </a:extLst>
+          </p:spPr>
+        </p:sp>
+        <p:sp>
+          <p:nvSpPr>
+            <p:cNvPr id="42" name="Freeform 27">
+              <a:extLst>
+                <a:ext uri="{FF2B5EF4-FFF2-40B4-BE49-F238E27FC236}">
+                  <a16:creationId xmlns:a16="http://schemas.microsoft.com/office/drawing/2014/main" id="{7F1913FF-9BDF-492A-B105-671924AFF400}"/>
+                </a:ext>
+                <a:ext uri="{C183D7F6-B498-43B3-948B-1728B52AA6E4}">
+                  <adec:decorative xmlns:adec="http://schemas.microsoft.com/office/drawing/2017/decorative" val="1"/>
+                </a:ext>
+              </a:extLst>
+            </p:cNvPr>
+            <p:cNvSpPr/>
+            <p:nvPr>
+              <p:extLst>
+                <p:ext uri="{386F3935-93C4-4BCD-93E2-E3B085C9AB24}">
+                  <p16:designElem xmlns:p16="http://schemas.microsoft.com/office/powerpoint/2015/main" val="1"/>
+                </p:ext>
+              </p:extLst>
+            </p:nvPr>
+          </p:nvSpPr>
+          <p:spPr bwMode="auto">
+            <a:xfrm>
+              <a:off x="0" y="1644650"/>
+              <a:ext cx="133350" cy="269875"/>
+            </a:xfrm>
+            <a:custGeom>
+              <a:avLst/>
+              <a:gdLst/>
+              <a:ahLst/>
+              <a:cxnLst/>
+              <a:rect l="0" t="0" r="r" b="b"/>
+              <a:pathLst>
+                <a:path w="84" h="170">
+                  <a:moveTo>
+                    <a:pt x="12" y="170"/>
+                  </a:moveTo>
+                  <a:lnTo>
+                    <a:pt x="0" y="164"/>
+                  </a:lnTo>
+                  <a:lnTo>
+                    <a:pt x="69" y="0"/>
+                  </a:lnTo>
+                  <a:lnTo>
+                    <a:pt x="84" y="6"/>
+                  </a:lnTo>
+                  <a:lnTo>
+                    <a:pt x="12" y="170"/>
+                  </a:lnTo>
+                  <a:close/>
+                </a:path>
+              </a:pathLst>
+            </a:custGeom>
+            <a:grpFill/>
+            <a:ln>
+              <a:noFill/>
+            </a:ln>
+            <a:extLst>
+              <a:ext uri="{91240B29-F687-4f45-9708-019B960494DF}">
+                <a14:hiddenLine xmlns:a14="http://schemas.microsoft.com/office/drawing/2010/main" xmlns:p14="http://schemas.microsoft.com/office/powerpoint/2010/main" xmlns="" w="9525">
+                  <a:solidFill>
+                    <a:srgbClr val="000000"/>
+                  </a:solidFill>
+                  <a:round/>
+                  <a:headEnd/>
+                  <a:tailEnd/>
+                </a14:hiddenLine>
+              </a:ext>
+            </a:extLst>
+          </p:spPr>
+        </p:sp>
+        <p:sp>
+          <p:nvSpPr>
+            <p:cNvPr id="43" name="Freeform 28">
+              <a:extLst>
+                <a:ext uri="{FF2B5EF4-FFF2-40B4-BE49-F238E27FC236}">
+                  <a16:creationId xmlns:a16="http://schemas.microsoft.com/office/drawing/2014/main" id="{1D8A5F7C-24DE-4B2E-8B11-122C12CDB58E}"/>
+                </a:ext>
+                <a:ext uri="{C183D7F6-B498-43B3-948B-1728B52AA6E4}">
+                  <adec:decorative xmlns:adec="http://schemas.microsoft.com/office/drawing/2017/decorative" val="1"/>
+                </a:ext>
+              </a:extLst>
+            </p:cNvPr>
+            <p:cNvSpPr>
+              <a:spLocks noEditPoints="1"/>
+            </p:cNvSpPr>
+            <p:nvPr>
+              <p:extLst>
+                <p:ext uri="{386F3935-93C4-4BCD-93E2-E3B085C9AB24}">
+                  <p16:designElem xmlns:p16="http://schemas.microsoft.com/office/powerpoint/2015/main" val="1"/>
+                </p:ext>
+              </p:extLst>
+            </p:nvPr>
+          </p:nvSpPr>
+          <p:spPr bwMode="auto">
+            <a:xfrm>
+              <a:off x="66675" y="1468438"/>
+              <a:ext cx="190500" cy="190500"/>
+            </a:xfrm>
+            <a:custGeom>
+              <a:avLst/>
+              <a:gdLst/>
+              <a:ahLst/>
+              <a:cxnLst/>
+              <a:rect l="0" t="0" r="r" b="b"/>
+              <a:pathLst>
+                <a:path w="40" h="40">
+                  <a:moveTo>
+                    <a:pt x="20" y="40"/>
+                  </a:moveTo>
+                  <a:cubicBezTo>
+                    <a:pt x="9" y="40"/>
+                    <a:pt x="0" y="31"/>
+                    <a:pt x="0" y="20"/>
+                  </a:cubicBezTo>
+                  <a:cubicBezTo>
+                    <a:pt x="0" y="9"/>
+                    <a:pt x="9" y="0"/>
+                    <a:pt x="20" y="0"/>
+                  </a:cubicBezTo>
+                  <a:cubicBezTo>
+                    <a:pt x="31" y="0"/>
+                    <a:pt x="40" y="9"/>
+                    <a:pt x="40" y="20"/>
+                  </a:cubicBezTo>
+                  <a:cubicBezTo>
+                    <a:pt x="40" y="31"/>
+                    <a:pt x="31" y="40"/>
+                    <a:pt x="20" y="40"/>
+                  </a:cubicBezTo>
+                  <a:close/>
+                  <a:moveTo>
+                    <a:pt x="20" y="4"/>
+                  </a:moveTo>
+                  <a:cubicBezTo>
+                    <a:pt x="11" y="4"/>
+                    <a:pt x="4" y="11"/>
+                    <a:pt x="4" y="20"/>
+                  </a:cubicBezTo>
+                  <a:cubicBezTo>
+                    <a:pt x="4" y="28"/>
+                    <a:pt x="11" y="36"/>
+                    <a:pt x="20" y="36"/>
+                  </a:cubicBezTo>
+                  <a:cubicBezTo>
+                    <a:pt x="29" y="36"/>
+                    <a:pt x="36" y="28"/>
+                    <a:pt x="36" y="20"/>
+                  </a:cubicBezTo>
+                  <a:cubicBezTo>
+                    <a:pt x="36" y="11"/>
+                    <a:pt x="29" y="4"/>
+                    <a:pt x="20" y="4"/>
+                  </a:cubicBezTo>
+                  <a:close/>
+                </a:path>
+              </a:pathLst>
+            </a:custGeom>
+            <a:grpFill/>
+            <a:ln>
+              <a:noFill/>
+            </a:ln>
+            <a:extLst>
+              <a:ext uri="{91240B29-F687-4f45-9708-019B960494DF}">
+                <a14:hiddenLine xmlns:a14="http://schemas.microsoft.com/office/drawing/2010/main" xmlns:p14="http://schemas.microsoft.com/office/powerpoint/2010/main" xmlns="" w="9525">
+                  <a:solidFill>
+                    <a:srgbClr val="000000"/>
+                  </a:solidFill>
+                  <a:round/>
+                  <a:headEnd/>
+                  <a:tailEnd/>
+                </a14:hiddenLine>
+              </a:ext>
+            </a:extLst>
+          </p:spPr>
+        </p:sp>
+        <p:sp>
+          <p:nvSpPr>
+            <p:cNvPr id="44" name="Freeform 29">
+              <a:extLst>
+                <a:ext uri="{FF2B5EF4-FFF2-40B4-BE49-F238E27FC236}">
+                  <a16:creationId xmlns:a16="http://schemas.microsoft.com/office/drawing/2014/main" id="{43C17D4F-4386-40CF-B9D8-A764322BA0CC}"/>
+                </a:ext>
+                <a:ext uri="{C183D7F6-B498-43B3-948B-1728B52AA6E4}">
+                  <adec:decorative xmlns:adec="http://schemas.microsoft.com/office/drawing/2017/decorative" val="1"/>
+                </a:ext>
+              </a:extLst>
+            </p:cNvPr>
+            <p:cNvSpPr/>
+            <p:nvPr>
+              <p:extLst>
+                <p:ext uri="{386F3935-93C4-4BCD-93E2-E3B085C9AB24}">
+                  <p16:designElem xmlns:p16="http://schemas.microsoft.com/office/powerpoint/2015/main" val="1"/>
+                </p:ext>
+              </p:extLst>
+            </p:nvPr>
+          </p:nvSpPr>
+          <p:spPr bwMode="auto">
+            <a:xfrm>
+              <a:off x="695325" y="4763"/>
+              <a:ext cx="309563" cy="1558925"/>
+            </a:xfrm>
+            <a:custGeom>
+              <a:avLst/>
+              <a:gdLst/>
+              <a:ahLst/>
+              <a:cxnLst/>
+              <a:rect l="0" t="0" r="r" b="b"/>
+              <a:pathLst>
+                <a:path w="195" h="982">
+                  <a:moveTo>
+                    <a:pt x="195" y="982"/>
+                  </a:moveTo>
+                  <a:lnTo>
+                    <a:pt x="177" y="982"/>
+                  </a:lnTo>
+                  <a:lnTo>
+                    <a:pt x="177" y="805"/>
+                  </a:lnTo>
+                  <a:lnTo>
+                    <a:pt x="0" y="629"/>
+                  </a:lnTo>
+                  <a:lnTo>
+                    <a:pt x="0" y="0"/>
+                  </a:lnTo>
+                  <a:lnTo>
+                    <a:pt x="18" y="0"/>
+                  </a:lnTo>
+                  <a:lnTo>
+                    <a:pt x="18" y="623"/>
+                  </a:lnTo>
+                  <a:lnTo>
+                    <a:pt x="195" y="796"/>
+                  </a:lnTo>
+                  <a:lnTo>
+                    <a:pt x="195" y="982"/>
+                  </a:lnTo>
+                  <a:close/>
+                </a:path>
+              </a:pathLst>
+            </a:custGeom>
+            <a:grpFill/>
+            <a:ln>
+              <a:noFill/>
+            </a:ln>
+            <a:extLst>
+              <a:ext uri="{91240B29-F687-4f45-9708-019B960494DF}">
+                <a14:hiddenLine xmlns:a14="http://schemas.microsoft.com/office/drawing/2010/main" xmlns:p14="http://schemas.microsoft.com/office/powerpoint/2010/main" xmlns="" w="9525">
+                  <a:solidFill>
+                    <a:srgbClr val="000000"/>
+                  </a:solidFill>
+                  <a:round/>
+                  <a:headEnd/>
+                  <a:tailEnd/>
+                </a14:hiddenLine>
+              </a:ext>
+            </a:extLst>
+          </p:spPr>
+        </p:sp>
+        <p:sp>
+          <p:nvSpPr>
+            <p:cNvPr id="45" name="Freeform 30">
+              <a:extLst>
+                <a:ext uri="{FF2B5EF4-FFF2-40B4-BE49-F238E27FC236}">
+                  <a16:creationId xmlns:a16="http://schemas.microsoft.com/office/drawing/2014/main" id="{46E23045-B4B9-4F64-93B3-06FD53532CD5}"/>
+                </a:ext>
+                <a:ext uri="{C183D7F6-B498-43B3-948B-1728B52AA6E4}">
+                  <adec:decorative xmlns:adec="http://schemas.microsoft.com/office/drawing/2017/decorative" val="1"/>
+                </a:ext>
+              </a:extLst>
+            </p:cNvPr>
+            <p:cNvSpPr>
+              <a:spLocks noEditPoints="1"/>
+            </p:cNvSpPr>
+            <p:nvPr>
+              <p:extLst>
+                <p:ext uri="{386F3935-93C4-4BCD-93E2-E3B085C9AB24}">
+                  <p16:designElem xmlns:p16="http://schemas.microsoft.com/office/powerpoint/2015/main" val="1"/>
+                </p:ext>
+              </p:extLst>
+            </p:nvPr>
+          </p:nvSpPr>
+          <p:spPr bwMode="auto">
+            <a:xfrm>
+              <a:off x="57150" y="4881563"/>
+              <a:ext cx="190500" cy="188913"/>
+            </a:xfrm>
+            <a:custGeom>
+              <a:avLst/>
+              <a:gdLst/>
+              <a:ahLst/>
+              <a:cxnLst/>
+              <a:rect l="0" t="0" r="r" b="b"/>
+              <a:pathLst>
+                <a:path w="40" h="40">
+                  <a:moveTo>
+                    <a:pt x="20" y="40"/>
+                  </a:moveTo>
+                  <a:cubicBezTo>
+                    <a:pt x="9" y="40"/>
+                    <a:pt x="0" y="31"/>
+                    <a:pt x="0" y="20"/>
+                  </a:cubicBezTo>
+                  <a:cubicBezTo>
+                    <a:pt x="0" y="9"/>
+                    <a:pt x="9" y="0"/>
+                    <a:pt x="20" y="0"/>
+                  </a:cubicBezTo>
+                  <a:cubicBezTo>
+                    <a:pt x="31" y="0"/>
+                    <a:pt x="40" y="9"/>
+                    <a:pt x="40" y="20"/>
+                  </a:cubicBezTo>
+                  <a:cubicBezTo>
+                    <a:pt x="40" y="31"/>
+                    <a:pt x="31" y="40"/>
+                    <a:pt x="20" y="40"/>
+                  </a:cubicBezTo>
+                  <a:close/>
+                  <a:moveTo>
+                    <a:pt x="20" y="4"/>
+                  </a:moveTo>
+                  <a:cubicBezTo>
+                    <a:pt x="12" y="4"/>
+                    <a:pt x="4" y="11"/>
+                    <a:pt x="4" y="20"/>
+                  </a:cubicBezTo>
+                  <a:cubicBezTo>
+                    <a:pt x="4" y="29"/>
+                    <a:pt x="12" y="36"/>
+                    <a:pt x="20" y="36"/>
+                  </a:cubicBezTo>
+                  <a:cubicBezTo>
+                    <a:pt x="29" y="36"/>
+                    <a:pt x="36" y="29"/>
+                    <a:pt x="36" y="20"/>
+                  </a:cubicBezTo>
+                  <a:cubicBezTo>
+                    <a:pt x="36" y="11"/>
+                    <a:pt x="29" y="4"/>
+                    <a:pt x="20" y="4"/>
+                  </a:cubicBezTo>
+                  <a:close/>
+                </a:path>
+              </a:pathLst>
+            </a:custGeom>
+            <a:grpFill/>
+            <a:ln>
+              <a:noFill/>
+            </a:ln>
+            <a:extLst>
+              <a:ext uri="{91240B29-F687-4f45-9708-019B960494DF}">
+                <a14:hiddenLine xmlns:a14="http://schemas.microsoft.com/office/drawing/2010/main" xmlns:p14="http://schemas.microsoft.com/office/powerpoint/2010/main" xmlns="" w="9525">
+                  <a:solidFill>
+                    <a:srgbClr val="000000"/>
+                  </a:solidFill>
+                  <a:round/>
+                  <a:headEnd/>
+                  <a:tailEnd/>
+                </a14:hiddenLine>
+              </a:ext>
+            </a:extLst>
+          </p:spPr>
+        </p:sp>
+        <p:sp>
+          <p:nvSpPr>
+            <p:cNvPr id="46" name="Freeform 31">
+              <a:extLst>
+                <a:ext uri="{FF2B5EF4-FFF2-40B4-BE49-F238E27FC236}">
+                  <a16:creationId xmlns:a16="http://schemas.microsoft.com/office/drawing/2014/main" id="{70B9CF12-49FA-4704-82F6-923EA779ACE4}"/>
+                </a:ext>
+                <a:ext uri="{C183D7F6-B498-43B3-948B-1728B52AA6E4}">
+                  <adec:decorative xmlns:adec="http://schemas.microsoft.com/office/drawing/2017/decorative" val="1"/>
+                </a:ext>
+              </a:extLst>
+            </p:cNvPr>
+            <p:cNvSpPr/>
+            <p:nvPr>
+              <p:extLst>
+                <p:ext uri="{386F3935-93C4-4BCD-93E2-E3B085C9AB24}">
+                  <p16:designElem xmlns:p16="http://schemas.microsoft.com/office/powerpoint/2015/main" val="1"/>
+                </p:ext>
+              </p:extLst>
+            </p:nvPr>
+          </p:nvSpPr>
+          <p:spPr bwMode="auto">
+            <a:xfrm>
+              <a:off x="138113" y="5060950"/>
+              <a:ext cx="304800" cy="1778000"/>
+            </a:xfrm>
+            <a:custGeom>
+              <a:avLst/>
+              <a:gdLst/>
+              <a:ahLst/>
+              <a:cxnLst/>
+              <a:rect l="0" t="0" r="r" b="b"/>
+              <a:pathLst>
+                <a:path w="192" h="1120">
+                  <a:moveTo>
+                    <a:pt x="192" y="1120"/>
+                  </a:moveTo>
+                  <a:lnTo>
+                    <a:pt x="177" y="1120"/>
+                  </a:lnTo>
+                  <a:lnTo>
+                    <a:pt x="177" y="360"/>
+                  </a:lnTo>
+                  <a:lnTo>
+                    <a:pt x="0" y="183"/>
+                  </a:lnTo>
+                  <a:lnTo>
+                    <a:pt x="0" y="0"/>
+                  </a:lnTo>
+                  <a:lnTo>
+                    <a:pt x="15" y="0"/>
+                  </a:lnTo>
+                  <a:lnTo>
+                    <a:pt x="15" y="177"/>
+                  </a:lnTo>
+                  <a:lnTo>
+                    <a:pt x="192" y="354"/>
+                  </a:lnTo>
+                  <a:lnTo>
+                    <a:pt x="192" y="1120"/>
+                  </a:lnTo>
+                  <a:close/>
+                </a:path>
+              </a:pathLst>
+            </a:custGeom>
+            <a:grpFill/>
+            <a:ln>
+              <a:noFill/>
+            </a:ln>
+            <a:extLst>
+              <a:ext uri="{91240B29-F687-4f45-9708-019B960494DF}">
+                <a14:hiddenLine xmlns:a14="http://schemas.microsoft.com/office/drawing/2010/main" xmlns:p14="http://schemas.microsoft.com/office/powerpoint/2010/main" xmlns="" w="9525">
+                  <a:solidFill>
+                    <a:srgbClr val="000000"/>
+                  </a:solidFill>
+                  <a:round/>
+                  <a:headEnd/>
+                  <a:tailEnd/>
+                </a14:hiddenLine>
+              </a:ext>
+            </a:extLst>
+          </p:spPr>
+        </p:sp>
+        <p:sp>
+          <p:nvSpPr>
+            <p:cNvPr id="47" name="Freeform 32">
+              <a:extLst>
+                <a:ext uri="{FF2B5EF4-FFF2-40B4-BE49-F238E27FC236}">
+                  <a16:creationId xmlns:a16="http://schemas.microsoft.com/office/drawing/2014/main" id="{1F7A28B8-D9CE-4A32-8044-FC6A9D334782}"/>
+                </a:ext>
+                <a:ext uri="{C183D7F6-B498-43B3-948B-1728B52AA6E4}">
+                  <adec:decorative xmlns:adec="http://schemas.microsoft.com/office/drawing/2017/decorative" val="1"/>
+                </a:ext>
+              </a:extLst>
+            </p:cNvPr>
+            <p:cNvSpPr>
+              <a:spLocks noEditPoints="1"/>
+            </p:cNvSpPr>
+            <p:nvPr>
+              <p:extLst>
+                <p:ext uri="{386F3935-93C4-4BCD-93E2-E3B085C9AB24}">
+                  <p16:designElem xmlns:p16="http://schemas.microsoft.com/office/powerpoint/2015/main" val="1"/>
+                </p:ext>
+              </p:extLst>
+            </p:nvPr>
+          </p:nvSpPr>
+          <p:spPr bwMode="auto">
+            <a:xfrm>
+              <a:off x="561975" y="6430963"/>
+              <a:ext cx="190500" cy="188913"/>
+            </a:xfrm>
+            <a:custGeom>
+              <a:avLst/>
+              <a:gdLst/>
+              <a:ahLst/>
+              <a:cxnLst/>
+              <a:rect l="0" t="0" r="r" b="b"/>
+              <a:pathLst>
+                <a:path w="40" h="40">
+                  <a:moveTo>
+                    <a:pt x="20" y="40"/>
+                  </a:moveTo>
+                  <a:cubicBezTo>
+                    <a:pt x="9" y="40"/>
+                    <a:pt x="0" y="31"/>
+                    <a:pt x="0" y="20"/>
+                  </a:cubicBezTo>
+                  <a:cubicBezTo>
+                    <a:pt x="0" y="9"/>
+                    <a:pt x="9" y="0"/>
+                    <a:pt x="20" y="0"/>
+                  </a:cubicBezTo>
+                  <a:cubicBezTo>
+                    <a:pt x="31" y="0"/>
+                    <a:pt x="40" y="9"/>
+                    <a:pt x="40" y="20"/>
+                  </a:cubicBezTo>
+                  <a:cubicBezTo>
+                    <a:pt x="40" y="31"/>
+                    <a:pt x="31" y="40"/>
+                    <a:pt x="20" y="40"/>
+                  </a:cubicBezTo>
+                  <a:close/>
+                  <a:moveTo>
+                    <a:pt x="20" y="4"/>
+                  </a:moveTo>
+                  <a:cubicBezTo>
+                    <a:pt x="12" y="4"/>
+                    <a:pt x="4" y="11"/>
+                    <a:pt x="4" y="20"/>
+                  </a:cubicBezTo>
+                  <a:cubicBezTo>
+                    <a:pt x="4" y="29"/>
+                    <a:pt x="12" y="36"/>
+                    <a:pt x="20" y="36"/>
+                  </a:cubicBezTo>
+                  <a:cubicBezTo>
+                    <a:pt x="29" y="36"/>
+                    <a:pt x="36" y="29"/>
+                    <a:pt x="36" y="20"/>
+                  </a:cubicBezTo>
+                  <a:cubicBezTo>
+                    <a:pt x="36" y="11"/>
+                    <a:pt x="29" y="4"/>
+                    <a:pt x="20" y="4"/>
+                  </a:cubicBezTo>
+                  <a:close/>
+                </a:path>
+              </a:pathLst>
+            </a:custGeom>
+            <a:grpFill/>
+            <a:ln>
+              <a:noFill/>
+            </a:ln>
+            <a:extLst>
+              <a:ext uri="{91240B29-F687-4f45-9708-019B960494DF}">
+                <a14:hiddenLine xmlns:a14="http://schemas.microsoft.com/office/drawing/2010/main" xmlns:p14="http://schemas.microsoft.com/office/powerpoint/2010/main" xmlns="" w="9525">
+                  <a:solidFill>
+                    <a:srgbClr val="000000"/>
+                  </a:solidFill>
+                  <a:round/>
+                  <a:headEnd/>
+                  <a:tailEnd/>
+                </a14:hiddenLine>
+              </a:ext>
+            </a:extLst>
+          </p:spPr>
+        </p:sp>
+        <p:sp>
+          <p:nvSpPr>
+            <p:cNvPr id="48" name="Rectangle 33">
+              <a:extLst>
+                <a:ext uri="{FF2B5EF4-FFF2-40B4-BE49-F238E27FC236}">
+                  <a16:creationId xmlns:a16="http://schemas.microsoft.com/office/drawing/2014/main" id="{67FEC850-B79F-4E1E-934C-6AEE78126548}"/>
+                </a:ext>
+                <a:ext uri="{C183D7F6-B498-43B3-948B-1728B52AA6E4}">
+                  <adec:decorative xmlns:adec="http://schemas.microsoft.com/office/drawing/2017/decorative" val="1"/>
+                </a:ext>
+              </a:extLst>
+            </p:cNvPr>
+            <p:cNvSpPr>
+              <a:spLocks noChangeArrowheads="1"/>
+            </p:cNvSpPr>
+            <p:nvPr>
+              <p:extLst>
+                <p:ext uri="{386F3935-93C4-4BCD-93E2-E3B085C9AB24}">
+                  <p16:designElem xmlns:p16="http://schemas.microsoft.com/office/powerpoint/2015/main" val="1"/>
+                </p:ext>
+              </p:extLst>
+            </p:nvPr>
+          </p:nvSpPr>
+          <p:spPr bwMode="auto">
+            <a:xfrm>
+              <a:off x="642938" y="6610350"/>
+              <a:ext cx="23813" cy="242888"/>
+            </a:xfrm>
+            <a:prstGeom prst="rect">
+              <a:avLst/>
+            </a:prstGeom>
+            <a:grpFill/>
+            <a:ln>
+              <a:noFill/>
+            </a:ln>
+            <a:extLst>
+              <a:ext uri="{91240B29-F687-4f45-9708-019B960494DF}">
+                <a14:hiddenLine xmlns:a14="http://schemas.microsoft.com/office/drawing/2010/main" xmlns:p14="http://schemas.microsoft.com/office/powerpoint/2010/main" xmlns="" w="9525">
+                  <a:solidFill>
+                    <a:srgbClr val="000000"/>
+                  </a:solidFill>
+                  <a:miter lim="800000"/>
+                  <a:headEnd/>
+                  <a:tailEnd/>
+                </a14:hiddenLine>
+              </a:ext>
+            </a:extLst>
+          </p:spPr>
+        </p:sp>
+        <p:sp>
+          <p:nvSpPr>
+            <p:cNvPr id="49" name="Freeform 34">
+              <a:extLst>
+                <a:ext uri="{FF2B5EF4-FFF2-40B4-BE49-F238E27FC236}">
+                  <a16:creationId xmlns:a16="http://schemas.microsoft.com/office/drawing/2014/main" id="{0CFEFBE7-0E21-4207-897E-4D528A8F56F3}"/>
+                </a:ext>
+                <a:ext uri="{C183D7F6-B498-43B3-948B-1728B52AA6E4}">
+                  <adec:decorative xmlns:adec="http://schemas.microsoft.com/office/drawing/2017/decorative" val="1"/>
+                </a:ext>
+              </a:extLst>
+            </p:cNvPr>
+            <p:cNvSpPr>
+              <a:spLocks noEditPoints="1"/>
+            </p:cNvSpPr>
+            <p:nvPr>
+              <p:extLst>
+                <p:ext uri="{386F3935-93C4-4BCD-93E2-E3B085C9AB24}">
+                  <p16:designElem xmlns:p16="http://schemas.microsoft.com/office/powerpoint/2015/main" val="1"/>
+                </p:ext>
+              </p:extLst>
+            </p:nvPr>
+          </p:nvSpPr>
+          <p:spPr bwMode="auto">
+            <a:xfrm>
+              <a:off x="76200" y="6430963"/>
+              <a:ext cx="190500" cy="188913"/>
+            </a:xfrm>
+            <a:custGeom>
+              <a:avLst/>
+              <a:gdLst/>
+              <a:ahLst/>
+              <a:cxnLst/>
+              <a:rect l="0" t="0" r="r" b="b"/>
+              <a:pathLst>
+                <a:path w="40" h="40">
+                  <a:moveTo>
+                    <a:pt x="20" y="40"/>
+                  </a:moveTo>
+                  <a:cubicBezTo>
+                    <a:pt x="9" y="40"/>
+                    <a:pt x="0" y="31"/>
+                    <a:pt x="0" y="20"/>
+                  </a:cubicBezTo>
+                  <a:cubicBezTo>
+                    <a:pt x="0" y="9"/>
+                    <a:pt x="9" y="0"/>
+                    <a:pt x="20" y="0"/>
+                  </a:cubicBezTo>
+                  <a:cubicBezTo>
+                    <a:pt x="32" y="0"/>
+                    <a:pt x="40" y="9"/>
+                    <a:pt x="40" y="20"/>
+                  </a:cubicBezTo>
+                  <a:cubicBezTo>
+                    <a:pt x="40" y="31"/>
+                    <a:pt x="32" y="40"/>
+                    <a:pt x="20" y="40"/>
+                  </a:cubicBezTo>
+                  <a:close/>
+                  <a:moveTo>
+                    <a:pt x="20" y="4"/>
+                  </a:moveTo>
+                  <a:cubicBezTo>
+                    <a:pt x="12" y="4"/>
+                    <a:pt x="4" y="11"/>
+                    <a:pt x="4" y="20"/>
+                  </a:cubicBezTo>
+                  <a:cubicBezTo>
+                    <a:pt x="4" y="29"/>
+                    <a:pt x="12" y="36"/>
+                    <a:pt x="20" y="36"/>
+                  </a:cubicBezTo>
+                  <a:cubicBezTo>
+                    <a:pt x="29" y="36"/>
+                    <a:pt x="36" y="29"/>
+                    <a:pt x="36" y="20"/>
+                  </a:cubicBezTo>
+                  <a:cubicBezTo>
+                    <a:pt x="36" y="11"/>
+                    <a:pt x="29" y="4"/>
+                    <a:pt x="20" y="4"/>
+                  </a:cubicBezTo>
+                  <a:close/>
+                </a:path>
+              </a:pathLst>
+            </a:custGeom>
+            <a:grpFill/>
+            <a:ln>
+              <a:noFill/>
+            </a:ln>
+            <a:extLst>
+              <a:ext uri="{91240B29-F687-4f45-9708-019B960494DF}">
+                <a14:hiddenLine xmlns:a14="http://schemas.microsoft.com/office/drawing/2010/main" xmlns:p14="http://schemas.microsoft.com/office/powerpoint/2010/main" xmlns="" w="9525">
+                  <a:solidFill>
+                    <a:srgbClr val="000000"/>
+                  </a:solidFill>
+                  <a:round/>
+                  <a:headEnd/>
+                  <a:tailEnd/>
+                </a14:hiddenLine>
+              </a:ext>
+            </a:extLst>
+          </p:spPr>
+        </p:sp>
+        <p:sp>
+          <p:nvSpPr>
+            <p:cNvPr id="50" name="Freeform 35">
+              <a:extLst>
+                <a:ext uri="{FF2B5EF4-FFF2-40B4-BE49-F238E27FC236}">
+                  <a16:creationId xmlns:a16="http://schemas.microsoft.com/office/drawing/2014/main" id="{1AEAF58F-D575-41BD-A835-BB010E877B4B}"/>
+                </a:ext>
+                <a:ext uri="{C183D7F6-B498-43B3-948B-1728B52AA6E4}">
+                  <adec:decorative xmlns:adec="http://schemas.microsoft.com/office/drawing/2017/decorative" val="1"/>
+                </a:ext>
+              </a:extLst>
+            </p:cNvPr>
+            <p:cNvSpPr/>
+            <p:nvPr>
+              <p:extLst>
+                <p:ext uri="{386F3935-93C4-4BCD-93E2-E3B085C9AB24}">
+                  <p16:designElem xmlns:p16="http://schemas.microsoft.com/office/powerpoint/2015/main" val="1"/>
+                </p:ext>
+              </p:extLst>
+            </p:nvPr>
+          </p:nvSpPr>
+          <p:spPr bwMode="auto">
+            <a:xfrm>
+              <a:off x="0" y="5978525"/>
+              <a:ext cx="190500" cy="461963"/>
+            </a:xfrm>
+            <a:custGeom>
+              <a:avLst/>
+              <a:gdLst/>
+              <a:ahLst/>
+              <a:cxnLst/>
+              <a:rect l="0" t="0" r="r" b="b"/>
+              <a:pathLst>
+                <a:path w="120" h="291">
+                  <a:moveTo>
+                    <a:pt x="120" y="291"/>
+                  </a:moveTo>
+                  <a:lnTo>
+                    <a:pt x="105" y="291"/>
+                  </a:lnTo>
+                  <a:lnTo>
+                    <a:pt x="105" y="114"/>
+                  </a:lnTo>
+                  <a:lnTo>
+                    <a:pt x="0" y="9"/>
+                  </a:lnTo>
+                  <a:lnTo>
+                    <a:pt x="12" y="0"/>
+                  </a:lnTo>
+                  <a:lnTo>
+                    <a:pt x="120" y="108"/>
+                  </a:lnTo>
+                  <a:lnTo>
+                    <a:pt x="120" y="291"/>
+                  </a:lnTo>
+                  <a:close/>
+                </a:path>
+              </a:pathLst>
+            </a:custGeom>
+            <a:grpFill/>
+            <a:ln>
+              <a:noFill/>
+            </a:ln>
+            <a:extLst>
+              <a:ext uri="{91240B29-F687-4f45-9708-019B960494DF}">
+                <a14:hiddenLine xmlns:a14="http://schemas.microsoft.com/office/drawing/2010/main" xmlns:p14="http://schemas.microsoft.com/office/powerpoint/2010/main" xmlns="" w="9525">
+                  <a:solidFill>
+                    <a:srgbClr val="000000"/>
+                  </a:solidFill>
+                  <a:round/>
+                  <a:headEnd/>
+                  <a:tailEnd/>
+                </a14:hiddenLine>
+              </a:ext>
+            </a:extLst>
+          </p:spPr>
+        </p:sp>
+        <p:sp>
+          <p:nvSpPr>
+            <p:cNvPr id="51" name="Freeform 36">
+              <a:extLst>
+                <a:ext uri="{FF2B5EF4-FFF2-40B4-BE49-F238E27FC236}">
+                  <a16:creationId xmlns:a16="http://schemas.microsoft.com/office/drawing/2014/main" id="{E27AA05B-2BE2-4010-94CB-F460AE1986F8}"/>
+                </a:ext>
+                <a:ext uri="{C183D7F6-B498-43B3-948B-1728B52AA6E4}">
+                  <adec:decorative xmlns:adec="http://schemas.microsoft.com/office/drawing/2017/decorative" val="1"/>
+                </a:ext>
+              </a:extLst>
+            </p:cNvPr>
+            <p:cNvSpPr/>
+            <p:nvPr>
+              <p:extLst>
+                <p:ext uri="{386F3935-93C4-4BCD-93E2-E3B085C9AB24}">
+                  <p16:designElem xmlns:p16="http://schemas.microsoft.com/office/powerpoint/2015/main" val="1"/>
+                </p:ext>
+              </p:extLst>
+            </p:nvPr>
+          </p:nvSpPr>
+          <p:spPr bwMode="auto">
+            <a:xfrm>
+              <a:off x="1014413" y="1801813"/>
+              <a:ext cx="214313" cy="755650"/>
+            </a:xfrm>
+            <a:custGeom>
+              <a:avLst/>
+              <a:gdLst/>
+              <a:ahLst/>
+              <a:cxnLst/>
+              <a:rect l="0" t="0" r="r" b="b"/>
+              <a:pathLst>
+                <a:path w="135" h="476">
+                  <a:moveTo>
+                    <a:pt x="12" y="476"/>
+                  </a:moveTo>
+                  <a:lnTo>
+                    <a:pt x="0" y="476"/>
+                  </a:lnTo>
+                  <a:lnTo>
+                    <a:pt x="0" y="128"/>
+                  </a:lnTo>
+                  <a:lnTo>
+                    <a:pt x="126" y="0"/>
+                  </a:lnTo>
+                  <a:lnTo>
+                    <a:pt x="135" y="9"/>
+                  </a:lnTo>
+                  <a:lnTo>
+                    <a:pt x="12" y="131"/>
+                  </a:lnTo>
+                  <a:lnTo>
+                    <a:pt x="12" y="476"/>
+                  </a:lnTo>
+                  <a:close/>
+                </a:path>
+              </a:pathLst>
+            </a:custGeom>
+            <a:grpFill/>
+            <a:ln>
+              <a:noFill/>
+            </a:ln>
+            <a:extLst>
+              <a:ext uri="{91240B29-F687-4f45-9708-019B960494DF}">
+                <a14:hiddenLine xmlns:a14="http://schemas.microsoft.com/office/drawing/2010/main" xmlns:p14="http://schemas.microsoft.com/office/powerpoint/2010/main" xmlns="" w="9525">
+                  <a:solidFill>
+                    <a:srgbClr val="000000"/>
+                  </a:solidFill>
+                  <a:round/>
+                  <a:headEnd/>
+                  <a:tailEnd/>
+                </a14:hiddenLine>
+              </a:ext>
+            </a:extLst>
+          </p:spPr>
+        </p:sp>
+        <p:sp>
+          <p:nvSpPr>
+            <p:cNvPr id="52" name="Freeform 37">
+              <a:extLst>
+                <a:ext uri="{FF2B5EF4-FFF2-40B4-BE49-F238E27FC236}">
+                  <a16:creationId xmlns:a16="http://schemas.microsoft.com/office/drawing/2014/main" id="{70D33247-6EF5-41BC-B07F-053CB910EDE7}"/>
+                </a:ext>
+                <a:ext uri="{C183D7F6-B498-43B3-948B-1728B52AA6E4}">
+                  <adec:decorative xmlns:adec="http://schemas.microsoft.com/office/drawing/2017/decorative" val="1"/>
+                </a:ext>
+              </a:extLst>
+            </p:cNvPr>
+            <p:cNvSpPr>
+              <a:spLocks noEditPoints="1"/>
+            </p:cNvSpPr>
+            <p:nvPr>
+              <p:extLst>
+                <p:ext uri="{386F3935-93C4-4BCD-93E2-E3B085C9AB24}">
+                  <p16:designElem xmlns:p16="http://schemas.microsoft.com/office/powerpoint/2015/main" val="1"/>
+                </p:ext>
+              </p:extLst>
+            </p:nvPr>
+          </p:nvSpPr>
+          <p:spPr bwMode="auto">
+            <a:xfrm>
+              <a:off x="938213" y="2547938"/>
+              <a:ext cx="166688" cy="160338"/>
+            </a:xfrm>
+            <a:custGeom>
+              <a:avLst/>
+              <a:gdLst/>
+              <a:ahLst/>
+              <a:cxnLst/>
+              <a:rect l="0" t="0" r="r" b="b"/>
+              <a:pathLst>
+                <a:path w="35" h="34">
+                  <a:moveTo>
+                    <a:pt x="18" y="34"/>
+                  </a:moveTo>
+                  <a:cubicBezTo>
+                    <a:pt x="8" y="34"/>
+                    <a:pt x="0" y="26"/>
+                    <a:pt x="0" y="17"/>
+                  </a:cubicBezTo>
+                  <a:cubicBezTo>
+                    <a:pt x="0" y="7"/>
+                    <a:pt x="8" y="0"/>
+                    <a:pt x="18" y="0"/>
+                  </a:cubicBezTo>
+                  <a:cubicBezTo>
+                    <a:pt x="27" y="0"/>
+                    <a:pt x="35" y="7"/>
+                    <a:pt x="35" y="17"/>
+                  </a:cubicBezTo>
+                  <a:cubicBezTo>
+                    <a:pt x="35" y="26"/>
+                    <a:pt x="27" y="34"/>
+                    <a:pt x="18" y="34"/>
+                  </a:cubicBezTo>
+                  <a:close/>
+                  <a:moveTo>
+                    <a:pt x="18" y="4"/>
+                  </a:moveTo>
+                  <a:cubicBezTo>
+                    <a:pt x="10" y="4"/>
+                    <a:pt x="4" y="10"/>
+                    <a:pt x="4" y="17"/>
+                  </a:cubicBezTo>
+                  <a:cubicBezTo>
+                    <a:pt x="4" y="24"/>
+                    <a:pt x="10" y="30"/>
+                    <a:pt x="18" y="30"/>
+                  </a:cubicBezTo>
+                  <a:cubicBezTo>
+                    <a:pt x="25" y="30"/>
+                    <a:pt x="31" y="24"/>
+                    <a:pt x="31" y="17"/>
+                  </a:cubicBezTo>
+                  <a:cubicBezTo>
+                    <a:pt x="31" y="10"/>
+                    <a:pt x="25" y="4"/>
+                    <a:pt x="18" y="4"/>
+                  </a:cubicBezTo>
+                  <a:close/>
+                </a:path>
+              </a:pathLst>
+            </a:custGeom>
+            <a:grpFill/>
+            <a:ln>
+              <a:noFill/>
+            </a:ln>
+            <a:extLst>
+              <a:ext uri="{91240B29-F687-4f45-9708-019B960494DF}">
+                <a14:hiddenLine xmlns:a14="http://schemas.microsoft.com/office/drawing/2010/main" xmlns:p14="http://schemas.microsoft.com/office/powerpoint/2010/main" xmlns="" w="9525">
+                  <a:solidFill>
+                    <a:srgbClr val="000000"/>
+                  </a:solidFill>
+                  <a:round/>
+                  <a:headEnd/>
+                  <a:tailEnd/>
+                </a14:hiddenLine>
+              </a:ext>
+            </a:extLst>
+          </p:spPr>
+        </p:sp>
+        <p:sp>
+          <p:nvSpPr>
+            <p:cNvPr id="53" name="Freeform 38">
+              <a:extLst>
+                <a:ext uri="{FF2B5EF4-FFF2-40B4-BE49-F238E27FC236}">
+                  <a16:creationId xmlns:a16="http://schemas.microsoft.com/office/drawing/2014/main" id="{5CDEB4E4-0063-4713-B2C6-36FBC09ECCB6}"/>
+                </a:ext>
+                <a:ext uri="{C183D7F6-B498-43B3-948B-1728B52AA6E4}">
+                  <adec:decorative xmlns:adec="http://schemas.microsoft.com/office/drawing/2017/decorative" val="1"/>
+                </a:ext>
+              </a:extLst>
+            </p:cNvPr>
+            <p:cNvSpPr/>
+            <p:nvPr>
+              <p:extLst>
+                <p:ext uri="{386F3935-93C4-4BCD-93E2-E3B085C9AB24}">
+                  <p16:designElem xmlns:p16="http://schemas.microsoft.com/office/powerpoint/2015/main" val="1"/>
+                </p:ext>
+              </p:extLst>
+            </p:nvPr>
+          </p:nvSpPr>
+          <p:spPr bwMode="auto">
+            <a:xfrm>
+              <a:off x="595313" y="4763"/>
+              <a:ext cx="638175" cy="4025900"/>
+            </a:xfrm>
+            <a:custGeom>
+              <a:avLst/>
+              <a:gdLst/>
+              <a:ahLst/>
+              <a:cxnLst/>
+              <a:rect l="0" t="0" r="r" b="b"/>
+              <a:pathLst>
+                <a:path w="402" h="2536">
+                  <a:moveTo>
+                    <a:pt x="402" y="2536"/>
+                  </a:moveTo>
+                  <a:lnTo>
+                    <a:pt x="387" y="2536"/>
+                  </a:lnTo>
+                  <a:lnTo>
+                    <a:pt x="387" y="2311"/>
+                  </a:lnTo>
+                  <a:lnTo>
+                    <a:pt x="0" y="1925"/>
+                  </a:lnTo>
+                  <a:lnTo>
+                    <a:pt x="0" y="0"/>
+                  </a:lnTo>
+                  <a:lnTo>
+                    <a:pt x="15" y="0"/>
+                  </a:lnTo>
+                  <a:lnTo>
+                    <a:pt x="15" y="1916"/>
+                  </a:lnTo>
+                  <a:lnTo>
+                    <a:pt x="402" y="2302"/>
+                  </a:lnTo>
+                  <a:lnTo>
+                    <a:pt x="402" y="2536"/>
+                  </a:lnTo>
+                  <a:close/>
+                </a:path>
+              </a:pathLst>
+            </a:custGeom>
+            <a:grpFill/>
+            <a:ln>
+              <a:noFill/>
+            </a:ln>
+            <a:extLst>
+              <a:ext uri="{91240B29-F687-4f45-9708-019B960494DF}">
+                <a14:hiddenLine xmlns:a14="http://schemas.microsoft.com/office/drawing/2010/main" xmlns:p14="http://schemas.microsoft.com/office/powerpoint/2010/main" xmlns="" w="9525">
+                  <a:solidFill>
+                    <a:srgbClr val="000000"/>
+                  </a:solidFill>
+                  <a:round/>
+                  <a:headEnd/>
+                  <a:tailEnd/>
+                </a14:hiddenLine>
+              </a:ext>
+            </a:extLst>
+          </p:spPr>
+        </p:sp>
+        <p:sp>
+          <p:nvSpPr>
+            <p:cNvPr id="54" name="Freeform 39">
+              <a:extLst>
+                <a:ext uri="{FF2B5EF4-FFF2-40B4-BE49-F238E27FC236}">
+                  <a16:creationId xmlns:a16="http://schemas.microsoft.com/office/drawing/2014/main" id="{F3B12534-789B-48AC-9A55-424738970D60}"/>
+                </a:ext>
+                <a:ext uri="{C183D7F6-B498-43B3-948B-1728B52AA6E4}">
+                  <adec:decorative xmlns:adec="http://schemas.microsoft.com/office/drawing/2017/decorative" val="1"/>
+                </a:ext>
+              </a:extLst>
+            </p:cNvPr>
+            <p:cNvSpPr/>
+            <p:nvPr>
+              <p:extLst>
+                <p:ext uri="{386F3935-93C4-4BCD-93E2-E3B085C9AB24}">
+                  <p16:designElem xmlns:p16="http://schemas.microsoft.com/office/powerpoint/2015/main" val="1"/>
+                </p:ext>
+              </p:extLst>
+            </p:nvPr>
+          </p:nvSpPr>
+          <p:spPr bwMode="auto">
+            <a:xfrm>
+              <a:off x="1223963" y="1382713"/>
+              <a:ext cx="142875" cy="476250"/>
+            </a:xfrm>
+            <a:custGeom>
+              <a:avLst/>
+              <a:gdLst/>
+              <a:ahLst/>
+              <a:cxnLst/>
+              <a:rect l="0" t="0" r="r" b="b"/>
+              <a:pathLst>
+                <a:path w="90" h="300">
+                  <a:moveTo>
+                    <a:pt x="90" y="300"/>
+                  </a:moveTo>
+                  <a:lnTo>
+                    <a:pt x="78" y="300"/>
+                  </a:lnTo>
+                  <a:lnTo>
+                    <a:pt x="78" y="84"/>
+                  </a:lnTo>
+                  <a:lnTo>
+                    <a:pt x="0" y="9"/>
+                  </a:lnTo>
+                  <a:lnTo>
+                    <a:pt x="9" y="0"/>
+                  </a:lnTo>
+                  <a:lnTo>
+                    <a:pt x="90" y="81"/>
+                  </a:lnTo>
+                  <a:lnTo>
+                    <a:pt x="90" y="300"/>
+                  </a:lnTo>
+                  <a:close/>
+                </a:path>
+              </a:pathLst>
+            </a:custGeom>
+            <a:grpFill/>
+            <a:ln>
+              <a:noFill/>
+            </a:ln>
+            <a:extLst>
+              <a:ext uri="{91240B29-F687-4f45-9708-019B960494DF}">
+                <a14:hiddenLine xmlns:a14="http://schemas.microsoft.com/office/drawing/2010/main" xmlns:p14="http://schemas.microsoft.com/office/powerpoint/2010/main" xmlns="" w="9525">
+                  <a:solidFill>
+                    <a:srgbClr val="000000"/>
+                  </a:solidFill>
+                  <a:round/>
+                  <a:headEnd/>
+                  <a:tailEnd/>
+                </a14:hiddenLine>
+              </a:ext>
+            </a:extLst>
+          </p:spPr>
+        </p:sp>
+        <p:sp>
+          <p:nvSpPr>
+            <p:cNvPr id="55" name="Freeform 40">
+              <a:extLst>
+                <a:ext uri="{FF2B5EF4-FFF2-40B4-BE49-F238E27FC236}">
+                  <a16:creationId xmlns:a16="http://schemas.microsoft.com/office/drawing/2014/main" id="{78A290B1-8C9B-4E8B-B1B2-C722EE14C09D}"/>
+                </a:ext>
+                <a:ext uri="{C183D7F6-B498-43B3-948B-1728B52AA6E4}">
+                  <adec:decorative xmlns:adec="http://schemas.microsoft.com/office/drawing/2017/decorative" val="1"/>
+                </a:ext>
+              </a:extLst>
+            </p:cNvPr>
+            <p:cNvSpPr>
+              <a:spLocks noEditPoints="1"/>
+            </p:cNvSpPr>
+            <p:nvPr>
+              <p:extLst>
+                <p:ext uri="{386F3935-93C4-4BCD-93E2-E3B085C9AB24}">
+                  <p16:designElem xmlns:p16="http://schemas.microsoft.com/office/powerpoint/2015/main" val="1"/>
+                </p:ext>
+              </p:extLst>
+            </p:nvPr>
+          </p:nvSpPr>
+          <p:spPr bwMode="auto">
+            <a:xfrm>
+              <a:off x="1300163" y="1849438"/>
+              <a:ext cx="109538" cy="107950"/>
+            </a:xfrm>
+            <a:custGeom>
+              <a:avLst/>
+              <a:gdLst/>
+              <a:ahLst/>
+              <a:cxnLst/>
+              <a:rect l="0" t="0" r="r" b="b"/>
+              <a:pathLst>
+                <a:path w="23" h="23">
+                  <a:moveTo>
+                    <a:pt x="12" y="23"/>
+                  </a:moveTo>
+                  <a:cubicBezTo>
+                    <a:pt x="5" y="23"/>
+                    <a:pt x="0" y="18"/>
+                    <a:pt x="0" y="12"/>
+                  </a:cubicBezTo>
+                  <a:cubicBezTo>
+                    <a:pt x="0" y="5"/>
+                    <a:pt x="5" y="0"/>
+                    <a:pt x="12" y="0"/>
+                  </a:cubicBezTo>
+                  <a:cubicBezTo>
+                    <a:pt x="18" y="0"/>
+                    <a:pt x="23" y="5"/>
+                    <a:pt x="23" y="12"/>
+                  </a:cubicBezTo>
+                  <a:cubicBezTo>
+                    <a:pt x="23" y="18"/>
+                    <a:pt x="18" y="23"/>
+                    <a:pt x="12" y="23"/>
+                  </a:cubicBezTo>
+                  <a:close/>
+                  <a:moveTo>
+                    <a:pt x="12" y="4"/>
+                  </a:moveTo>
+                  <a:cubicBezTo>
+                    <a:pt x="8" y="4"/>
+                    <a:pt x="4" y="8"/>
+                    <a:pt x="4" y="12"/>
+                  </a:cubicBezTo>
+                  <a:cubicBezTo>
+                    <a:pt x="4" y="16"/>
+                    <a:pt x="8" y="19"/>
+                    <a:pt x="12" y="19"/>
+                  </a:cubicBezTo>
+                  <a:cubicBezTo>
+                    <a:pt x="16" y="19"/>
+                    <a:pt x="19" y="16"/>
+                    <a:pt x="19" y="12"/>
+                  </a:cubicBezTo>
+                  <a:cubicBezTo>
+                    <a:pt x="19" y="8"/>
+                    <a:pt x="16" y="4"/>
+                    <a:pt x="12" y="4"/>
+                  </a:cubicBezTo>
+                  <a:close/>
+                </a:path>
+              </a:pathLst>
+            </a:custGeom>
+            <a:grpFill/>
+            <a:ln>
+              <a:noFill/>
+            </a:ln>
+            <a:extLst>
+              <a:ext uri="{91240B29-F687-4f45-9708-019B960494DF}">
+                <a14:hiddenLine xmlns:a14="http://schemas.microsoft.com/office/drawing/2010/main" xmlns:p14="http://schemas.microsoft.com/office/powerpoint/2010/main" xmlns="" w="9525">
+                  <a:solidFill>
+                    <a:srgbClr val="000000"/>
+                  </a:solidFill>
+                  <a:round/>
+                  <a:headEnd/>
+                  <a:tailEnd/>
+                </a14:hiddenLine>
+              </a:ext>
+            </a:extLst>
+          </p:spPr>
+        </p:sp>
+        <p:sp>
+          <p:nvSpPr>
+            <p:cNvPr id="56" name="Freeform 41">
+              <a:extLst>
+                <a:ext uri="{FF2B5EF4-FFF2-40B4-BE49-F238E27FC236}">
+                  <a16:creationId xmlns:a16="http://schemas.microsoft.com/office/drawing/2014/main" id="{06DDBC85-105E-462C-865B-153ED0CC65AC}"/>
+                </a:ext>
+                <a:ext uri="{C183D7F6-B498-43B3-948B-1728B52AA6E4}">
+                  <adec:decorative xmlns:adec="http://schemas.microsoft.com/office/drawing/2017/decorative" val="1"/>
+                </a:ext>
+              </a:extLst>
+            </p:cNvPr>
+            <p:cNvSpPr/>
+            <p:nvPr>
+              <p:extLst>
+                <p:ext uri="{386F3935-93C4-4BCD-93E2-E3B085C9AB24}">
+                  <p16:designElem xmlns:p16="http://schemas.microsoft.com/office/powerpoint/2015/main" val="1"/>
+                </p:ext>
+              </p:extLst>
+            </p:nvPr>
+          </p:nvSpPr>
+          <p:spPr bwMode="auto">
+            <a:xfrm>
+              <a:off x="280988" y="3417888"/>
+              <a:ext cx="142875" cy="474663"/>
+            </a:xfrm>
+            <a:custGeom>
+              <a:avLst/>
+              <a:gdLst/>
+              <a:ahLst/>
+              <a:cxnLst/>
+              <a:rect l="0" t="0" r="r" b="b"/>
+              <a:pathLst>
+                <a:path w="90" h="299">
+                  <a:moveTo>
+                    <a:pt x="12" y="299"/>
+                  </a:moveTo>
+                  <a:lnTo>
+                    <a:pt x="0" y="299"/>
+                  </a:lnTo>
+                  <a:lnTo>
+                    <a:pt x="0" y="80"/>
+                  </a:lnTo>
+                  <a:lnTo>
+                    <a:pt x="81" y="0"/>
+                  </a:lnTo>
+                  <a:lnTo>
+                    <a:pt x="90" y="8"/>
+                  </a:lnTo>
+                  <a:lnTo>
+                    <a:pt x="12" y="83"/>
+                  </a:lnTo>
+                  <a:lnTo>
+                    <a:pt x="12" y="299"/>
+                  </a:lnTo>
+                  <a:close/>
+                </a:path>
+              </a:pathLst>
+            </a:custGeom>
+            <a:grpFill/>
+            <a:ln>
+              <a:noFill/>
+            </a:ln>
+            <a:extLst>
+              <a:ext uri="{91240B29-F687-4f45-9708-019B960494DF}">
+                <a14:hiddenLine xmlns:a14="http://schemas.microsoft.com/office/drawing/2010/main" xmlns:p14="http://schemas.microsoft.com/office/powerpoint/2010/main" xmlns="" w="9525">
+                  <a:solidFill>
+                    <a:srgbClr val="000000"/>
+                  </a:solidFill>
+                  <a:round/>
+                  <a:headEnd/>
+                  <a:tailEnd/>
+                </a14:hiddenLine>
+              </a:ext>
+            </a:extLst>
+          </p:spPr>
+        </p:sp>
+        <p:sp>
+          <p:nvSpPr>
+            <p:cNvPr id="57" name="Freeform 42">
+              <a:extLst>
+                <a:ext uri="{FF2B5EF4-FFF2-40B4-BE49-F238E27FC236}">
+                  <a16:creationId xmlns:a16="http://schemas.microsoft.com/office/drawing/2014/main" id="{78BB07D4-4655-424B-AB60-04F4B3809B3C}"/>
+                </a:ext>
+                <a:ext uri="{C183D7F6-B498-43B3-948B-1728B52AA6E4}">
+                  <adec:decorative xmlns:adec="http://schemas.microsoft.com/office/drawing/2017/decorative" val="1"/>
+                </a:ext>
+              </a:extLst>
+            </p:cNvPr>
+            <p:cNvSpPr>
+              <a:spLocks noEditPoints="1"/>
+            </p:cNvSpPr>
+            <p:nvPr>
+              <p:extLst>
+                <p:ext uri="{386F3935-93C4-4BCD-93E2-E3B085C9AB24}">
+                  <p16:designElem xmlns:p16="http://schemas.microsoft.com/office/powerpoint/2015/main" val="1"/>
+                </p:ext>
+              </p:extLst>
+            </p:nvPr>
+          </p:nvSpPr>
+          <p:spPr bwMode="auto">
+            <a:xfrm>
+              <a:off x="238125" y="3883025"/>
+              <a:ext cx="109538" cy="109538"/>
+            </a:xfrm>
+            <a:custGeom>
+              <a:avLst/>
+              <a:gdLst/>
+              <a:ahLst/>
+              <a:cxnLst/>
+              <a:rect l="0" t="0" r="r" b="b"/>
+              <a:pathLst>
+                <a:path w="23" h="23">
+                  <a:moveTo>
+                    <a:pt x="11" y="23"/>
+                  </a:moveTo>
+                  <a:cubicBezTo>
+                    <a:pt x="5" y="23"/>
+                    <a:pt x="0" y="18"/>
+                    <a:pt x="0" y="12"/>
+                  </a:cubicBezTo>
+                  <a:cubicBezTo>
+                    <a:pt x="0" y="5"/>
+                    <a:pt x="5" y="0"/>
+                    <a:pt x="11" y="0"/>
+                  </a:cubicBezTo>
+                  <a:cubicBezTo>
+                    <a:pt x="17" y="0"/>
+                    <a:pt x="23" y="5"/>
+                    <a:pt x="23" y="12"/>
+                  </a:cubicBezTo>
+                  <a:cubicBezTo>
+                    <a:pt x="23" y="18"/>
+                    <a:pt x="17" y="23"/>
+                    <a:pt x="11" y="23"/>
+                  </a:cubicBezTo>
+                  <a:close/>
+                  <a:moveTo>
+                    <a:pt x="11" y="4"/>
+                  </a:moveTo>
+                  <a:cubicBezTo>
+                    <a:pt x="7" y="4"/>
+                    <a:pt x="4" y="8"/>
+                    <a:pt x="4" y="12"/>
+                  </a:cubicBezTo>
+                  <a:cubicBezTo>
+                    <a:pt x="4" y="16"/>
+                    <a:pt x="7" y="19"/>
+                    <a:pt x="11" y="19"/>
+                  </a:cubicBezTo>
+                  <a:cubicBezTo>
+                    <a:pt x="15" y="19"/>
+                    <a:pt x="19" y="16"/>
+                    <a:pt x="19" y="12"/>
+                  </a:cubicBezTo>
+                  <a:cubicBezTo>
+                    <a:pt x="19" y="8"/>
+                    <a:pt x="15" y="4"/>
+                    <a:pt x="11" y="4"/>
+                  </a:cubicBezTo>
+                  <a:close/>
+                </a:path>
+              </a:pathLst>
+            </a:custGeom>
+            <a:grpFill/>
+            <a:ln>
+              <a:noFill/>
+            </a:ln>
+            <a:extLst>
+              <a:ext uri="{91240B29-F687-4f45-9708-019B960494DF}">
+                <a14:hiddenLine xmlns:a14="http://schemas.microsoft.com/office/drawing/2010/main" xmlns:p14="http://schemas.microsoft.com/office/powerpoint/2010/main" xmlns="" w="9525">
+                  <a:solidFill>
+                    <a:srgbClr val="000000"/>
+                  </a:solidFill>
+                  <a:round/>
+                  <a:headEnd/>
+                  <a:tailEnd/>
+                </a14:hiddenLine>
+              </a:ext>
+            </a:extLst>
+          </p:spPr>
+        </p:sp>
+        <p:sp>
+          <p:nvSpPr>
+            <p:cNvPr id="58" name="Freeform 43">
+              <a:extLst>
+                <a:ext uri="{FF2B5EF4-FFF2-40B4-BE49-F238E27FC236}">
+                  <a16:creationId xmlns:a16="http://schemas.microsoft.com/office/drawing/2014/main" id="{544A865C-ED01-4680-9EF0-80FBD929009E}"/>
+                </a:ext>
+                <a:ext uri="{C183D7F6-B498-43B3-948B-1728B52AA6E4}">
+                  <adec:decorative xmlns:adec="http://schemas.microsoft.com/office/drawing/2017/decorative" val="1"/>
+                </a:ext>
+              </a:extLst>
+            </p:cNvPr>
+            <p:cNvSpPr/>
+            <p:nvPr>
+              <p:extLst>
+                <p:ext uri="{386F3935-93C4-4BCD-93E2-E3B085C9AB24}">
+                  <p16:designElem xmlns:p16="http://schemas.microsoft.com/office/powerpoint/2015/main" val="1"/>
+                </p:ext>
+              </p:extLst>
+            </p:nvPr>
+          </p:nvSpPr>
+          <p:spPr bwMode="auto">
+            <a:xfrm>
+              <a:off x="4763" y="2166938"/>
+              <a:ext cx="114300" cy="452438"/>
+            </a:xfrm>
+            <a:custGeom>
+              <a:avLst/>
+              <a:gdLst/>
+              <a:ahLst/>
+              <a:cxnLst/>
+              <a:rect l="0" t="0" r="r" b="b"/>
+              <a:pathLst>
+                <a:path w="72" h="285">
+                  <a:moveTo>
+                    <a:pt x="6" y="285"/>
+                  </a:moveTo>
+                  <a:lnTo>
+                    <a:pt x="0" y="276"/>
+                  </a:lnTo>
+                  <a:lnTo>
+                    <a:pt x="60" y="216"/>
+                  </a:lnTo>
+                  <a:lnTo>
+                    <a:pt x="60" y="0"/>
+                  </a:lnTo>
+                  <a:lnTo>
+                    <a:pt x="72" y="0"/>
+                  </a:lnTo>
+                  <a:lnTo>
+                    <a:pt x="72" y="222"/>
+                  </a:lnTo>
+                  <a:lnTo>
+                    <a:pt x="6" y="285"/>
+                  </a:lnTo>
+                  <a:close/>
+                </a:path>
+              </a:pathLst>
+            </a:custGeom>
+            <a:grpFill/>
+            <a:ln>
+              <a:noFill/>
+            </a:ln>
+            <a:extLst>
+              <a:ext uri="{91240B29-F687-4f45-9708-019B960494DF}">
+                <a14:hiddenLine xmlns:a14="http://schemas.microsoft.com/office/drawing/2010/main" xmlns:p14="http://schemas.microsoft.com/office/powerpoint/2010/main" xmlns="" w="9525">
+                  <a:solidFill>
+                    <a:srgbClr val="000000"/>
+                  </a:solidFill>
+                  <a:round/>
+                  <a:headEnd/>
+                  <a:tailEnd/>
+                </a14:hiddenLine>
+              </a:ext>
+            </a:extLst>
+          </p:spPr>
+        </p:sp>
+        <p:sp>
+          <p:nvSpPr>
+            <p:cNvPr id="59" name="Freeform 44">
+              <a:extLst>
+                <a:ext uri="{FF2B5EF4-FFF2-40B4-BE49-F238E27FC236}">
+                  <a16:creationId xmlns:a16="http://schemas.microsoft.com/office/drawing/2014/main" id="{D9A8E789-DB73-4EA0-9D0F-A080CC6B7D89}"/>
+                </a:ext>
+                <a:ext uri="{C183D7F6-B498-43B3-948B-1728B52AA6E4}">
+                  <adec:decorative xmlns:adec="http://schemas.microsoft.com/office/drawing/2017/decorative" val="1"/>
+                </a:ext>
+              </a:extLst>
+            </p:cNvPr>
+            <p:cNvSpPr>
+              <a:spLocks noEditPoints="1"/>
+            </p:cNvSpPr>
+            <p:nvPr>
+              <p:extLst>
+                <p:ext uri="{386F3935-93C4-4BCD-93E2-E3B085C9AB24}">
+                  <p16:designElem xmlns:p16="http://schemas.microsoft.com/office/powerpoint/2015/main" val="1"/>
+                </p:ext>
+              </p:extLst>
+            </p:nvPr>
+          </p:nvSpPr>
+          <p:spPr bwMode="auto">
+            <a:xfrm>
+              <a:off x="52388" y="2066925"/>
+              <a:ext cx="109538" cy="109538"/>
+            </a:xfrm>
+            <a:custGeom>
+              <a:avLst/>
+              <a:gdLst/>
+              <a:ahLst/>
+              <a:cxnLst/>
+              <a:rect l="0" t="0" r="r" b="b"/>
+              <a:pathLst>
+                <a:path w="23" h="23">
+                  <a:moveTo>
+                    <a:pt x="12" y="23"/>
+                  </a:moveTo>
+                  <a:cubicBezTo>
+                    <a:pt x="5" y="23"/>
+                    <a:pt x="0" y="18"/>
+                    <a:pt x="0" y="12"/>
+                  </a:cubicBezTo>
+                  <a:cubicBezTo>
+                    <a:pt x="0" y="5"/>
+                    <a:pt x="5" y="0"/>
+                    <a:pt x="12" y="0"/>
+                  </a:cubicBezTo>
+                  <a:cubicBezTo>
+                    <a:pt x="18" y="0"/>
+                    <a:pt x="23" y="5"/>
+                    <a:pt x="23" y="12"/>
+                  </a:cubicBezTo>
+                  <a:cubicBezTo>
+                    <a:pt x="23" y="18"/>
+                    <a:pt x="18" y="23"/>
+                    <a:pt x="12" y="23"/>
+                  </a:cubicBezTo>
+                  <a:close/>
+                  <a:moveTo>
+                    <a:pt x="12" y="4"/>
+                  </a:moveTo>
+                  <a:cubicBezTo>
+                    <a:pt x="8" y="4"/>
+                    <a:pt x="4" y="8"/>
+                    <a:pt x="4" y="12"/>
+                  </a:cubicBezTo>
+                  <a:cubicBezTo>
+                    <a:pt x="4" y="16"/>
+                    <a:pt x="8" y="19"/>
+                    <a:pt x="12" y="19"/>
+                  </a:cubicBezTo>
+                  <a:cubicBezTo>
+                    <a:pt x="16" y="19"/>
+                    <a:pt x="19" y="16"/>
+                    <a:pt x="19" y="12"/>
+                  </a:cubicBezTo>
+                  <a:cubicBezTo>
+                    <a:pt x="19" y="8"/>
+                    <a:pt x="16" y="4"/>
+                    <a:pt x="12" y="4"/>
+                  </a:cubicBezTo>
+                  <a:close/>
+                </a:path>
+              </a:pathLst>
+            </a:custGeom>
+            <a:grpFill/>
+            <a:ln>
+              <a:noFill/>
+            </a:ln>
+            <a:extLst>
+              <a:ext uri="{91240B29-F687-4f45-9708-019B960494DF}">
+                <a14:hiddenLine xmlns:a14="http://schemas.microsoft.com/office/drawing/2010/main" xmlns:p14="http://schemas.microsoft.com/office/powerpoint/2010/main" xmlns="" w="9525">
+                  <a:solidFill>
+                    <a:srgbClr val="000000"/>
+                  </a:solidFill>
+                  <a:round/>
+                  <a:headEnd/>
+                  <a:tailEnd/>
+                </a14:hiddenLine>
+              </a:ext>
+            </a:extLst>
+          </p:spPr>
+        </p:sp>
+        <p:sp>
+          <p:nvSpPr>
+            <p:cNvPr id="60" name="Rectangle 45">
+              <a:extLst>
+                <a:ext uri="{FF2B5EF4-FFF2-40B4-BE49-F238E27FC236}">
+                  <a16:creationId xmlns:a16="http://schemas.microsoft.com/office/drawing/2014/main" id="{68D3F12B-BCAA-49B7-BA81-C7AF1CC0E433}"/>
+                </a:ext>
+                <a:ext uri="{C183D7F6-B498-43B3-948B-1728B52AA6E4}">
+                  <adec:decorative xmlns:adec="http://schemas.microsoft.com/office/drawing/2017/decorative" val="1"/>
+                </a:ext>
+              </a:extLst>
+            </p:cNvPr>
+            <p:cNvSpPr>
+              <a:spLocks noChangeArrowheads="1"/>
+            </p:cNvSpPr>
+            <p:nvPr>
+              <p:extLst>
+                <p:ext uri="{386F3935-93C4-4BCD-93E2-E3B085C9AB24}">
+                  <p16:designElem xmlns:p16="http://schemas.microsoft.com/office/powerpoint/2015/main" val="1"/>
+                </p:ext>
+              </p:extLst>
+            </p:nvPr>
+          </p:nvSpPr>
+          <p:spPr bwMode="auto">
+            <a:xfrm>
+              <a:off x="1228725" y="4662488"/>
+              <a:ext cx="23813" cy="2181225"/>
+            </a:xfrm>
+            <a:prstGeom prst="rect">
+              <a:avLst/>
+            </a:prstGeom>
+            <a:grpFill/>
+            <a:ln>
+              <a:noFill/>
+            </a:ln>
+            <a:extLst>
+              <a:ext uri="{91240B29-F687-4f45-9708-019B960494DF}">
+                <a14:hiddenLine xmlns:a14="http://schemas.microsoft.com/office/drawing/2010/main" xmlns:p14="http://schemas.microsoft.com/office/powerpoint/2010/main" xmlns="" w="9525">
+                  <a:solidFill>
+                    <a:srgbClr val="000000"/>
+                  </a:solidFill>
+                  <a:miter lim="800000"/>
+                  <a:headEnd/>
+                  <a:tailEnd/>
+                </a14:hiddenLine>
+              </a:ext>
+            </a:extLst>
+          </p:spPr>
+        </p:sp>
+        <p:sp>
+          <p:nvSpPr>
+            <p:cNvPr id="61" name="Freeform 46">
+              <a:extLst>
+                <a:ext uri="{FF2B5EF4-FFF2-40B4-BE49-F238E27FC236}">
+                  <a16:creationId xmlns:a16="http://schemas.microsoft.com/office/drawing/2014/main" id="{A5165251-F749-432F-ABA8-F606E59340E4}"/>
+                </a:ext>
+                <a:ext uri="{C183D7F6-B498-43B3-948B-1728B52AA6E4}">
+                  <adec:decorative xmlns:adec="http://schemas.microsoft.com/office/drawing/2017/decorative" val="1"/>
+                </a:ext>
+              </a:extLst>
+            </p:cNvPr>
+            <p:cNvSpPr/>
+            <p:nvPr>
+              <p:extLst>
+                <p:ext uri="{386F3935-93C4-4BCD-93E2-E3B085C9AB24}">
+                  <p16:designElem xmlns:p16="http://schemas.microsoft.com/office/powerpoint/2015/main" val="1"/>
+                </p:ext>
+              </p:extLst>
+            </p:nvPr>
+          </p:nvSpPr>
+          <p:spPr bwMode="auto">
+            <a:xfrm>
+              <a:off x="1319213" y="5041900"/>
+              <a:ext cx="371475" cy="1801813"/>
+            </a:xfrm>
+            <a:custGeom>
+              <a:avLst/>
+              <a:gdLst/>
+              <a:ahLst/>
+              <a:cxnLst/>
+              <a:rect l="0" t="0" r="r" b="b"/>
+              <a:pathLst>
+                <a:path w="234" h="1135">
+                  <a:moveTo>
+                    <a:pt x="15" y="1135"/>
+                  </a:moveTo>
+                  <a:lnTo>
+                    <a:pt x="0" y="1135"/>
+                  </a:lnTo>
+                  <a:lnTo>
+                    <a:pt x="0" y="515"/>
+                  </a:lnTo>
+                  <a:lnTo>
+                    <a:pt x="0" y="512"/>
+                  </a:lnTo>
+                  <a:lnTo>
+                    <a:pt x="219" y="0"/>
+                  </a:lnTo>
+                  <a:lnTo>
+                    <a:pt x="234" y="6"/>
+                  </a:lnTo>
+                  <a:lnTo>
+                    <a:pt x="15" y="518"/>
+                  </a:lnTo>
+                  <a:lnTo>
+                    <a:pt x="15" y="1135"/>
+                  </a:lnTo>
+                  <a:close/>
+                </a:path>
+              </a:pathLst>
+            </a:custGeom>
+            <a:grpFill/>
+            <a:ln>
+              <a:noFill/>
+            </a:ln>
+            <a:extLst>
+              <a:ext uri="{91240B29-F687-4f45-9708-019B960494DF}">
+                <a14:hiddenLine xmlns:a14="http://schemas.microsoft.com/office/drawing/2010/main" xmlns:p14="http://schemas.microsoft.com/office/powerpoint/2010/main" xmlns="" w="9525">
+                  <a:solidFill>
+                    <a:srgbClr val="000000"/>
+                  </a:solidFill>
+                  <a:round/>
+                  <a:headEnd/>
+                  <a:tailEnd/>
+                </a14:hiddenLine>
+              </a:ext>
+            </a:extLst>
+          </p:spPr>
+        </p:sp>
+        <p:sp>
+          <p:nvSpPr>
+            <p:cNvPr id="62" name="Freeform 47">
+              <a:extLst>
+                <a:ext uri="{FF2B5EF4-FFF2-40B4-BE49-F238E27FC236}">
+                  <a16:creationId xmlns:a16="http://schemas.microsoft.com/office/drawing/2014/main" id="{99451206-BB2D-4D57-9B5A-DA9543D1E07B}"/>
+                </a:ext>
+                <a:ext uri="{C183D7F6-B498-43B3-948B-1728B52AA6E4}">
+                  <adec:decorative xmlns:adec="http://schemas.microsoft.com/office/drawing/2017/decorative" val="1"/>
+                </a:ext>
+              </a:extLst>
+            </p:cNvPr>
+            <p:cNvSpPr>
+              <a:spLocks noEditPoints="1"/>
+            </p:cNvSpPr>
+            <p:nvPr>
+              <p:extLst>
+                <p:ext uri="{386F3935-93C4-4BCD-93E2-E3B085C9AB24}">
+                  <p16:designElem xmlns:p16="http://schemas.microsoft.com/office/powerpoint/2015/main" val="1"/>
+                </p:ext>
+              </p:extLst>
+            </p:nvPr>
+          </p:nvSpPr>
+          <p:spPr bwMode="auto">
+            <a:xfrm>
+              <a:off x="1147763" y="4481513"/>
+              <a:ext cx="190500" cy="190500"/>
+            </a:xfrm>
+            <a:custGeom>
+              <a:avLst/>
+              <a:gdLst/>
+              <a:ahLst/>
+              <a:cxnLst/>
+              <a:rect l="0" t="0" r="r" b="b"/>
+              <a:pathLst>
+                <a:path w="40" h="40">
+                  <a:moveTo>
+                    <a:pt x="20" y="40"/>
+                  </a:moveTo>
+                  <a:cubicBezTo>
+                    <a:pt x="9" y="40"/>
+                    <a:pt x="0" y="31"/>
+                    <a:pt x="0" y="20"/>
+                  </a:cubicBezTo>
+                  <a:cubicBezTo>
+                    <a:pt x="0" y="9"/>
+                    <a:pt x="9" y="0"/>
+                    <a:pt x="20" y="0"/>
+                  </a:cubicBezTo>
+                  <a:cubicBezTo>
+                    <a:pt x="31" y="0"/>
+                    <a:pt x="40" y="9"/>
+                    <a:pt x="40" y="20"/>
+                  </a:cubicBezTo>
+                  <a:cubicBezTo>
+                    <a:pt x="40" y="31"/>
+                    <a:pt x="31" y="40"/>
+                    <a:pt x="20" y="40"/>
+                  </a:cubicBezTo>
+                  <a:close/>
+                  <a:moveTo>
+                    <a:pt x="20" y="4"/>
+                  </a:moveTo>
+                  <a:cubicBezTo>
+                    <a:pt x="11" y="4"/>
+                    <a:pt x="4" y="11"/>
+                    <a:pt x="4" y="20"/>
+                  </a:cubicBezTo>
+                  <a:cubicBezTo>
+                    <a:pt x="4" y="29"/>
+                    <a:pt x="11" y="36"/>
+                    <a:pt x="20" y="36"/>
+                  </a:cubicBezTo>
+                  <a:cubicBezTo>
+                    <a:pt x="28" y="36"/>
+                    <a:pt x="36" y="29"/>
+                    <a:pt x="36" y="20"/>
+                  </a:cubicBezTo>
+                  <a:cubicBezTo>
+                    <a:pt x="36" y="11"/>
+                    <a:pt x="28" y="4"/>
+                    <a:pt x="20" y="4"/>
+                  </a:cubicBezTo>
+                  <a:close/>
+                </a:path>
+              </a:pathLst>
+            </a:custGeom>
+            <a:grpFill/>
+            <a:ln>
+              <a:noFill/>
+            </a:ln>
+            <a:extLst>
+              <a:ext uri="{91240B29-F687-4f45-9708-019B960494DF}">
+                <a14:hiddenLine xmlns:a14="http://schemas.microsoft.com/office/drawing/2010/main" xmlns:p14="http://schemas.microsoft.com/office/powerpoint/2010/main" xmlns="" w="9525">
+                  <a:solidFill>
+                    <a:srgbClr val="000000"/>
+                  </a:solidFill>
+                  <a:round/>
+                  <a:headEnd/>
+                  <a:tailEnd/>
+                </a14:hiddenLine>
+              </a:ext>
+            </a:extLst>
+          </p:spPr>
+        </p:sp>
+        <p:sp>
+          <p:nvSpPr>
+            <p:cNvPr id="63" name="Freeform 48">
+              <a:extLst>
+                <a:ext uri="{FF2B5EF4-FFF2-40B4-BE49-F238E27FC236}">
+                  <a16:creationId xmlns:a16="http://schemas.microsoft.com/office/drawing/2014/main" id="{F1388985-19D4-40A0-A1D3-029B76DB5459}"/>
+                </a:ext>
+                <a:ext uri="{C183D7F6-B498-43B3-948B-1728B52AA6E4}">
+                  <adec:decorative xmlns:adec="http://schemas.microsoft.com/office/drawing/2017/decorative" val="1"/>
+                </a:ext>
+              </a:extLst>
+            </p:cNvPr>
+            <p:cNvSpPr/>
+            <p:nvPr>
+              <p:extLst>
+                <p:ext uri="{386F3935-93C4-4BCD-93E2-E3B085C9AB24}">
+                  <p16:designElem xmlns:p16="http://schemas.microsoft.com/office/powerpoint/2015/main" val="1"/>
+                </p:ext>
+              </p:extLst>
+            </p:nvPr>
+          </p:nvSpPr>
+          <p:spPr bwMode="auto">
+            <a:xfrm>
+              <a:off x="819150" y="3983038"/>
+              <a:ext cx="347663" cy="2860675"/>
+            </a:xfrm>
+            <a:custGeom>
+              <a:avLst/>
+              <a:gdLst/>
+              <a:ahLst/>
+              <a:cxnLst/>
+              <a:rect l="0" t="0" r="r" b="b"/>
+              <a:pathLst>
+                <a:path w="219" h="1802">
+                  <a:moveTo>
+                    <a:pt x="219" y="1802"/>
+                  </a:moveTo>
+                  <a:lnTo>
+                    <a:pt x="201" y="1802"/>
+                  </a:lnTo>
+                  <a:lnTo>
+                    <a:pt x="201" y="1185"/>
+                  </a:lnTo>
+                  <a:lnTo>
+                    <a:pt x="0" y="3"/>
+                  </a:lnTo>
+                  <a:lnTo>
+                    <a:pt x="15" y="0"/>
+                  </a:lnTo>
+                  <a:lnTo>
+                    <a:pt x="219" y="1185"/>
+                  </a:lnTo>
+                  <a:lnTo>
+                    <a:pt x="219" y="1802"/>
+                  </a:lnTo>
+                  <a:close/>
+                </a:path>
+              </a:pathLst>
+            </a:custGeom>
+            <a:grpFill/>
+            <a:ln>
+              <a:noFill/>
+            </a:ln>
+            <a:extLst>
+              <a:ext uri="{91240B29-F687-4f45-9708-019B960494DF}">
+                <a14:hiddenLine xmlns:a14="http://schemas.microsoft.com/office/drawing/2010/main" xmlns:p14="http://schemas.microsoft.com/office/powerpoint/2010/main" xmlns="" w="9525">
+                  <a:solidFill>
+                    <a:srgbClr val="000000"/>
+                  </a:solidFill>
+                  <a:round/>
+                  <a:headEnd/>
+                  <a:tailEnd/>
+                </a14:hiddenLine>
+              </a:ext>
+            </a:extLst>
+          </p:spPr>
+        </p:sp>
+        <p:sp>
+          <p:nvSpPr>
+            <p:cNvPr id="64" name="Freeform 49">
+              <a:extLst>
+                <a:ext uri="{FF2B5EF4-FFF2-40B4-BE49-F238E27FC236}">
+                  <a16:creationId xmlns:a16="http://schemas.microsoft.com/office/drawing/2014/main" id="{4262B374-8CC2-44EB-97BB-1E0AEB23AE1C}"/>
+                </a:ext>
+                <a:ext uri="{C183D7F6-B498-43B3-948B-1728B52AA6E4}">
+                  <adec:decorative xmlns:adec="http://schemas.microsoft.com/office/drawing/2017/decorative" val="1"/>
+                </a:ext>
+              </a:extLst>
+            </p:cNvPr>
+            <p:cNvSpPr>
+              <a:spLocks noEditPoints="1"/>
+            </p:cNvSpPr>
+            <p:nvPr>
+              <p:extLst>
+                <p:ext uri="{386F3935-93C4-4BCD-93E2-E3B085C9AB24}">
+                  <p16:designElem xmlns:p16="http://schemas.microsoft.com/office/powerpoint/2015/main" val="1"/>
+                </p:ext>
+              </p:extLst>
+            </p:nvPr>
+          </p:nvSpPr>
+          <p:spPr bwMode="auto">
+            <a:xfrm>
+              <a:off x="728663" y="3806825"/>
+              <a:ext cx="190500" cy="190500"/>
+            </a:xfrm>
+            <a:custGeom>
+              <a:avLst/>
+              <a:gdLst/>
+              <a:ahLst/>
+              <a:cxnLst/>
+              <a:rect l="0" t="0" r="r" b="b"/>
+              <a:pathLst>
+                <a:path w="40" h="40">
+                  <a:moveTo>
+                    <a:pt x="20" y="40"/>
+                  </a:moveTo>
+                  <a:cubicBezTo>
+                    <a:pt x="9" y="40"/>
+                    <a:pt x="0" y="31"/>
+                    <a:pt x="0" y="20"/>
+                  </a:cubicBezTo>
+                  <a:cubicBezTo>
+                    <a:pt x="0" y="9"/>
+                    <a:pt x="9" y="0"/>
+                    <a:pt x="20" y="0"/>
+                  </a:cubicBezTo>
+                  <a:cubicBezTo>
+                    <a:pt x="31" y="0"/>
+                    <a:pt x="40" y="9"/>
+                    <a:pt x="40" y="20"/>
+                  </a:cubicBezTo>
+                  <a:cubicBezTo>
+                    <a:pt x="40" y="31"/>
+                    <a:pt x="31" y="40"/>
+                    <a:pt x="20" y="40"/>
+                  </a:cubicBezTo>
+                  <a:close/>
+                  <a:moveTo>
+                    <a:pt x="20" y="4"/>
+                  </a:moveTo>
+                  <a:cubicBezTo>
+                    <a:pt x="11" y="4"/>
+                    <a:pt x="4" y="11"/>
+                    <a:pt x="4" y="20"/>
+                  </a:cubicBezTo>
+                  <a:cubicBezTo>
+                    <a:pt x="4" y="28"/>
+                    <a:pt x="11" y="36"/>
+                    <a:pt x="20" y="36"/>
+                  </a:cubicBezTo>
+                  <a:cubicBezTo>
+                    <a:pt x="29" y="36"/>
+                    <a:pt x="36" y="28"/>
+                    <a:pt x="36" y="20"/>
+                  </a:cubicBezTo>
+                  <a:cubicBezTo>
+                    <a:pt x="36" y="11"/>
+                    <a:pt x="29" y="4"/>
+                    <a:pt x="20" y="4"/>
+                  </a:cubicBezTo>
+                  <a:close/>
+                </a:path>
+              </a:pathLst>
+            </a:custGeom>
+            <a:grpFill/>
+            <a:ln>
+              <a:noFill/>
+            </a:ln>
+            <a:extLst>
+              <a:ext uri="{91240B29-F687-4f45-9708-019B960494DF}">
+                <a14:hiddenLine xmlns:a14="http://schemas.microsoft.com/office/drawing/2010/main" xmlns:p14="http://schemas.microsoft.com/office/powerpoint/2010/main" xmlns="" w="9525">
+                  <a:solidFill>
+                    <a:srgbClr val="000000"/>
+                  </a:solidFill>
+                  <a:round/>
+                  <a:headEnd/>
+                  <a:tailEnd/>
+                </a14:hiddenLine>
+              </a:ext>
+            </a:extLst>
+          </p:spPr>
+        </p:sp>
+        <p:sp>
+          <p:nvSpPr>
+            <p:cNvPr id="65" name="Freeform 50">
+              <a:extLst>
+                <a:ext uri="{FF2B5EF4-FFF2-40B4-BE49-F238E27FC236}">
+                  <a16:creationId xmlns:a16="http://schemas.microsoft.com/office/drawing/2014/main" id="{7C06B794-15FA-4731-B9F0-8C20E392C30A}"/>
+                </a:ext>
+                <a:ext uri="{C183D7F6-B498-43B3-948B-1728B52AA6E4}">
+                  <adec:decorative xmlns:adec="http://schemas.microsoft.com/office/drawing/2017/decorative" val="1"/>
+                </a:ext>
+              </a:extLst>
+            </p:cNvPr>
+            <p:cNvSpPr>
+              <a:spLocks noEditPoints="1"/>
+            </p:cNvSpPr>
+            <p:nvPr>
+              <p:extLst>
+                <p:ext uri="{386F3935-93C4-4BCD-93E2-E3B085C9AB24}">
+                  <p16:designElem xmlns:p16="http://schemas.microsoft.com/office/powerpoint/2015/main" val="1"/>
+                </p:ext>
+              </p:extLst>
+            </p:nvPr>
+          </p:nvSpPr>
+          <p:spPr bwMode="auto">
+            <a:xfrm>
+              <a:off x="1624013" y="4867275"/>
+              <a:ext cx="190500" cy="188913"/>
+            </a:xfrm>
+            <a:custGeom>
+              <a:avLst/>
+              <a:gdLst/>
+              <a:ahLst/>
+              <a:cxnLst/>
+              <a:rect l="0" t="0" r="r" b="b"/>
+              <a:pathLst>
+                <a:path w="40" h="40">
+                  <a:moveTo>
+                    <a:pt x="20" y="40"/>
+                  </a:moveTo>
+                  <a:cubicBezTo>
+                    <a:pt x="9" y="40"/>
+                    <a:pt x="0" y="31"/>
+                    <a:pt x="0" y="20"/>
+                  </a:cubicBezTo>
+                  <a:cubicBezTo>
+                    <a:pt x="0" y="9"/>
+                    <a:pt x="9" y="0"/>
+                    <a:pt x="20" y="0"/>
+                  </a:cubicBezTo>
+                  <a:cubicBezTo>
+                    <a:pt x="31" y="0"/>
+                    <a:pt x="40" y="9"/>
+                    <a:pt x="40" y="20"/>
+                  </a:cubicBezTo>
+                  <a:cubicBezTo>
+                    <a:pt x="40" y="31"/>
+                    <a:pt x="31" y="40"/>
+                    <a:pt x="20" y="40"/>
+                  </a:cubicBezTo>
+                  <a:close/>
+                  <a:moveTo>
+                    <a:pt x="20" y="4"/>
+                  </a:moveTo>
+                  <a:cubicBezTo>
+                    <a:pt x="11" y="4"/>
+                    <a:pt x="4" y="11"/>
+                    <a:pt x="4" y="20"/>
+                  </a:cubicBezTo>
+                  <a:cubicBezTo>
+                    <a:pt x="4" y="29"/>
+                    <a:pt x="11" y="36"/>
+                    <a:pt x="20" y="36"/>
+                  </a:cubicBezTo>
+                  <a:cubicBezTo>
+                    <a:pt x="28" y="36"/>
+                    <a:pt x="36" y="29"/>
+                    <a:pt x="36" y="20"/>
+                  </a:cubicBezTo>
+                  <a:cubicBezTo>
+                    <a:pt x="36" y="11"/>
+                    <a:pt x="28" y="4"/>
+                    <a:pt x="20" y="4"/>
+                  </a:cubicBezTo>
+                  <a:close/>
+                </a:path>
+              </a:pathLst>
+            </a:custGeom>
+            <a:grpFill/>
+            <a:ln>
+              <a:noFill/>
+            </a:ln>
+            <a:extLst>
+              <a:ext uri="{91240B29-F687-4f45-9708-019B960494DF}">
+                <a14:hiddenLine xmlns:a14="http://schemas.microsoft.com/office/drawing/2010/main" xmlns:p14="http://schemas.microsoft.com/office/powerpoint/2010/main" xmlns="" w="9525">
+                  <a:solidFill>
+                    <a:srgbClr val="000000"/>
+                  </a:solidFill>
+                  <a:round/>
+                  <a:headEnd/>
+                  <a:tailEnd/>
+                </a14:hiddenLine>
+              </a:ext>
+            </a:extLst>
+          </p:spPr>
+        </p:sp>
+        <p:sp>
+          <p:nvSpPr>
+            <p:cNvPr id="66" name="Freeform 51">
+              <a:extLst>
+                <a:ext uri="{FF2B5EF4-FFF2-40B4-BE49-F238E27FC236}">
+                  <a16:creationId xmlns:a16="http://schemas.microsoft.com/office/drawing/2014/main" id="{9E033CE7-9D67-4BC6-BDBB-156CA29063B1}"/>
+                </a:ext>
+                <a:ext uri="{C183D7F6-B498-43B3-948B-1728B52AA6E4}">
+                  <adec:decorative xmlns:adec="http://schemas.microsoft.com/office/drawing/2017/decorative" val="1"/>
+                </a:ext>
+              </a:extLst>
+            </p:cNvPr>
+            <p:cNvSpPr/>
+            <p:nvPr>
+              <p:extLst>
+                <p:ext uri="{386F3935-93C4-4BCD-93E2-E3B085C9AB24}">
+                  <p16:designElem xmlns:p16="http://schemas.microsoft.com/office/powerpoint/2015/main" val="1"/>
+                </p:ext>
+              </p:extLst>
+            </p:nvPr>
+          </p:nvSpPr>
+          <p:spPr bwMode="auto">
+            <a:xfrm>
+              <a:off x="1404938" y="5422900"/>
+              <a:ext cx="371475" cy="1425575"/>
+            </a:xfrm>
+            <a:custGeom>
+              <a:avLst/>
+              <a:gdLst/>
+              <a:ahLst/>
+              <a:cxnLst/>
+              <a:rect l="0" t="0" r="r" b="b"/>
+              <a:pathLst>
+                <a:path w="234" h="898">
+                  <a:moveTo>
+                    <a:pt x="18" y="898"/>
+                  </a:moveTo>
+                  <a:lnTo>
+                    <a:pt x="0" y="898"/>
+                  </a:lnTo>
+                  <a:lnTo>
+                    <a:pt x="0" y="515"/>
+                  </a:lnTo>
+                  <a:lnTo>
+                    <a:pt x="0" y="512"/>
+                  </a:lnTo>
+                  <a:lnTo>
+                    <a:pt x="222" y="0"/>
+                  </a:lnTo>
+                  <a:lnTo>
+                    <a:pt x="234" y="6"/>
+                  </a:lnTo>
+                  <a:lnTo>
+                    <a:pt x="18" y="518"/>
+                  </a:lnTo>
+                  <a:lnTo>
+                    <a:pt x="18" y="898"/>
+                  </a:lnTo>
+                  <a:close/>
+                </a:path>
+              </a:pathLst>
+            </a:custGeom>
+            <a:grpFill/>
+            <a:ln>
+              <a:noFill/>
+            </a:ln>
+            <a:extLst>
+              <a:ext uri="{91240B29-F687-4f45-9708-019B960494DF}">
+                <a14:hiddenLine xmlns:a14="http://schemas.microsoft.com/office/drawing/2010/main" xmlns:p14="http://schemas.microsoft.com/office/powerpoint/2010/main" xmlns="" w="9525">
+                  <a:solidFill>
+                    <a:srgbClr val="000000"/>
+                  </a:solidFill>
+                  <a:round/>
+                  <a:headEnd/>
+                  <a:tailEnd/>
+                </a14:hiddenLine>
+              </a:ext>
+            </a:extLst>
+          </p:spPr>
+        </p:sp>
+        <p:sp>
+          <p:nvSpPr>
+            <p:cNvPr id="67" name="Freeform 52">
+              <a:extLst>
+                <a:ext uri="{FF2B5EF4-FFF2-40B4-BE49-F238E27FC236}">
+                  <a16:creationId xmlns:a16="http://schemas.microsoft.com/office/drawing/2014/main" id="{BDF8F2E8-AABE-4D38-BB58-DE250459D55A}"/>
+                </a:ext>
+                <a:ext uri="{C183D7F6-B498-43B3-948B-1728B52AA6E4}">
+                  <adec:decorative xmlns:adec="http://schemas.microsoft.com/office/drawing/2017/decorative" val="1"/>
+                </a:ext>
+              </a:extLst>
+            </p:cNvPr>
+            <p:cNvSpPr/>
+            <p:nvPr>
+              <p:extLst>
+                <p:ext uri="{386F3935-93C4-4BCD-93E2-E3B085C9AB24}">
+                  <p16:designElem xmlns:p16="http://schemas.microsoft.com/office/powerpoint/2015/main" val="1"/>
+                </p:ext>
+              </p:extLst>
+            </p:nvPr>
+          </p:nvSpPr>
+          <p:spPr bwMode="auto">
+            <a:xfrm>
+              <a:off x="1666875" y="5945188"/>
+              <a:ext cx="152400" cy="912813"/>
+            </a:xfrm>
+            <a:custGeom>
+              <a:avLst/>
+              <a:gdLst/>
+              <a:ahLst/>
+              <a:cxnLst/>
+              <a:rect l="0" t="0" r="r" b="b"/>
+              <a:pathLst>
+                <a:path w="96" h="575">
+                  <a:moveTo>
+                    <a:pt x="15" y="575"/>
+                  </a:moveTo>
+                  <a:lnTo>
+                    <a:pt x="0" y="569"/>
+                  </a:lnTo>
+                  <a:lnTo>
+                    <a:pt x="81" y="383"/>
+                  </a:lnTo>
+                  <a:lnTo>
+                    <a:pt x="81" y="0"/>
+                  </a:lnTo>
+                  <a:lnTo>
+                    <a:pt x="96" y="0"/>
+                  </a:lnTo>
+                  <a:lnTo>
+                    <a:pt x="96" y="386"/>
+                  </a:lnTo>
+                  <a:lnTo>
+                    <a:pt x="15" y="575"/>
+                  </a:lnTo>
+                  <a:close/>
+                </a:path>
+              </a:pathLst>
+            </a:custGeom>
+            <a:grpFill/>
+            <a:ln>
+              <a:noFill/>
+            </a:ln>
+            <a:extLst>
+              <a:ext uri="{91240B29-F687-4f45-9708-019B960494DF}">
+                <a14:hiddenLine xmlns:a14="http://schemas.microsoft.com/office/drawing/2010/main" xmlns:p14="http://schemas.microsoft.com/office/powerpoint/2010/main" xmlns="" w="9525">
+                  <a:solidFill>
+                    <a:srgbClr val="000000"/>
+                  </a:solidFill>
+                  <a:round/>
+                  <a:headEnd/>
+                  <a:tailEnd/>
+                </a14:hiddenLine>
+              </a:ext>
+            </a:extLst>
+          </p:spPr>
+        </p:sp>
+        <p:sp>
+          <p:nvSpPr>
+            <p:cNvPr id="68" name="Freeform 53">
+              <a:extLst>
+                <a:ext uri="{FF2B5EF4-FFF2-40B4-BE49-F238E27FC236}">
+                  <a16:creationId xmlns:a16="http://schemas.microsoft.com/office/drawing/2014/main" id="{E10765A4-B591-4CD7-B4E8-64DC644A6307}"/>
+                </a:ext>
+                <a:ext uri="{C183D7F6-B498-43B3-948B-1728B52AA6E4}">
+                  <adec:decorative xmlns:adec="http://schemas.microsoft.com/office/drawing/2017/decorative" val="1"/>
+                </a:ext>
+              </a:extLst>
+            </p:cNvPr>
+            <p:cNvSpPr>
+              <a:spLocks noEditPoints="1"/>
+            </p:cNvSpPr>
+            <p:nvPr>
+              <p:extLst>
+                <p:ext uri="{386F3935-93C4-4BCD-93E2-E3B085C9AB24}">
+                  <p16:designElem xmlns:p16="http://schemas.microsoft.com/office/powerpoint/2015/main" val="1"/>
+                </p:ext>
+              </p:extLst>
+            </p:nvPr>
+          </p:nvSpPr>
+          <p:spPr bwMode="auto">
+            <a:xfrm>
+              <a:off x="1709738" y="5246688"/>
+              <a:ext cx="190500" cy="190500"/>
+            </a:xfrm>
+            <a:custGeom>
+              <a:avLst/>
+              <a:gdLst/>
+              <a:ahLst/>
+              <a:cxnLst/>
+              <a:rect l="0" t="0" r="r" b="b"/>
+              <a:pathLst>
+                <a:path w="40" h="40">
+                  <a:moveTo>
+                    <a:pt x="20" y="40"/>
+                  </a:moveTo>
+                  <a:cubicBezTo>
+                    <a:pt x="9" y="40"/>
+                    <a:pt x="0" y="31"/>
+                    <a:pt x="0" y="20"/>
+                  </a:cubicBezTo>
+                  <a:cubicBezTo>
+                    <a:pt x="0" y="9"/>
+                    <a:pt x="9" y="0"/>
+                    <a:pt x="20" y="0"/>
+                  </a:cubicBezTo>
+                  <a:cubicBezTo>
+                    <a:pt x="31" y="0"/>
+                    <a:pt x="40" y="9"/>
+                    <a:pt x="40" y="20"/>
+                  </a:cubicBezTo>
+                  <a:cubicBezTo>
+                    <a:pt x="40" y="31"/>
+                    <a:pt x="31" y="40"/>
+                    <a:pt x="20" y="40"/>
+                  </a:cubicBezTo>
+                  <a:close/>
+                  <a:moveTo>
+                    <a:pt x="20" y="4"/>
+                  </a:moveTo>
+                  <a:cubicBezTo>
+                    <a:pt x="11" y="4"/>
+                    <a:pt x="4" y="11"/>
+                    <a:pt x="4" y="20"/>
+                  </a:cubicBezTo>
+                  <a:cubicBezTo>
+                    <a:pt x="4" y="29"/>
+                    <a:pt x="11" y="36"/>
+                    <a:pt x="20" y="36"/>
+                  </a:cubicBezTo>
+                  <a:cubicBezTo>
+                    <a:pt x="29" y="36"/>
+                    <a:pt x="36" y="29"/>
+                    <a:pt x="36" y="20"/>
+                  </a:cubicBezTo>
+                  <a:cubicBezTo>
+                    <a:pt x="36" y="11"/>
+                    <a:pt x="29" y="4"/>
+                    <a:pt x="20" y="4"/>
+                  </a:cubicBezTo>
+                  <a:close/>
+                </a:path>
+              </a:pathLst>
+            </a:custGeom>
+            <a:grpFill/>
+            <a:ln>
+              <a:noFill/>
+            </a:ln>
+            <a:extLst>
+              <a:ext uri="{91240B29-F687-4f45-9708-019B960494DF}">
+                <a14:hiddenLine xmlns:a14="http://schemas.microsoft.com/office/drawing/2010/main" xmlns:p14="http://schemas.microsoft.com/office/powerpoint/2010/main" xmlns="" w="9525">
+                  <a:solidFill>
+                    <a:srgbClr val="000000"/>
+                  </a:solidFill>
+                  <a:round/>
+                  <a:headEnd/>
+                  <a:tailEnd/>
+                </a14:hiddenLine>
+              </a:ext>
+            </a:extLst>
+          </p:spPr>
+        </p:sp>
+        <p:sp>
+          <p:nvSpPr>
+            <p:cNvPr id="69" name="Freeform 54">
+              <a:extLst>
+                <a:ext uri="{FF2B5EF4-FFF2-40B4-BE49-F238E27FC236}">
+                  <a16:creationId xmlns:a16="http://schemas.microsoft.com/office/drawing/2014/main" id="{8BF76C5A-5FA8-45A7-A243-77D377613585}"/>
+                </a:ext>
+                <a:ext uri="{C183D7F6-B498-43B3-948B-1728B52AA6E4}">
+                  <adec:decorative xmlns:adec="http://schemas.microsoft.com/office/drawing/2017/decorative" val="1"/>
+                </a:ext>
+              </a:extLst>
+            </p:cNvPr>
+            <p:cNvSpPr>
+              <a:spLocks noEditPoints="1"/>
+            </p:cNvSpPr>
+            <p:nvPr>
+              <p:extLst>
+                <p:ext uri="{386F3935-93C4-4BCD-93E2-E3B085C9AB24}">
+                  <p16:designElem xmlns:p16="http://schemas.microsoft.com/office/powerpoint/2015/main" val="1"/>
+                </p:ext>
+              </p:extLst>
+            </p:nvPr>
+          </p:nvSpPr>
+          <p:spPr bwMode="auto">
+            <a:xfrm>
+              <a:off x="1709738" y="5764213"/>
+              <a:ext cx="190500" cy="190500"/>
+            </a:xfrm>
+            <a:custGeom>
+              <a:avLst/>
+              <a:gdLst/>
+              <a:ahLst/>
+              <a:cxnLst/>
+              <a:rect l="0" t="0" r="r" b="b"/>
+              <a:pathLst>
+                <a:path w="40" h="40">
+                  <a:moveTo>
+                    <a:pt x="20" y="40"/>
+                  </a:moveTo>
+                  <a:cubicBezTo>
+                    <a:pt x="9" y="40"/>
+                    <a:pt x="0" y="31"/>
+                    <a:pt x="0" y="20"/>
+                  </a:cubicBezTo>
+                  <a:cubicBezTo>
+                    <a:pt x="0" y="9"/>
+                    <a:pt x="9" y="0"/>
+                    <a:pt x="20" y="0"/>
+                  </a:cubicBezTo>
+                  <a:cubicBezTo>
+                    <a:pt x="31" y="0"/>
+                    <a:pt x="40" y="9"/>
+                    <a:pt x="40" y="20"/>
+                  </a:cubicBezTo>
+                  <a:cubicBezTo>
+                    <a:pt x="40" y="31"/>
+                    <a:pt x="31" y="40"/>
+                    <a:pt x="20" y="40"/>
+                  </a:cubicBezTo>
+                  <a:close/>
+                  <a:moveTo>
+                    <a:pt x="20" y="4"/>
+                  </a:moveTo>
+                  <a:cubicBezTo>
+                    <a:pt x="11" y="4"/>
+                    <a:pt x="4" y="11"/>
+                    <a:pt x="4" y="20"/>
+                  </a:cubicBezTo>
+                  <a:cubicBezTo>
+                    <a:pt x="4" y="29"/>
+                    <a:pt x="11" y="36"/>
+                    <a:pt x="20" y="36"/>
+                  </a:cubicBezTo>
+                  <a:cubicBezTo>
+                    <a:pt x="29" y="36"/>
+                    <a:pt x="36" y="29"/>
+                    <a:pt x="36" y="20"/>
+                  </a:cubicBezTo>
+                  <a:cubicBezTo>
+                    <a:pt x="36" y="11"/>
+                    <a:pt x="29" y="4"/>
+                    <a:pt x="20" y="4"/>
+                  </a:cubicBezTo>
+                  <a:close/>
+                </a:path>
+              </a:pathLst>
+            </a:custGeom>
+            <a:grpFill/>
+            <a:ln>
+              <a:noFill/>
+            </a:ln>
+            <a:extLst>
+              <a:ext uri="{91240B29-F687-4f45-9708-019B960494DF}">
+                <a14:hiddenLine xmlns:a14="http://schemas.microsoft.com/office/drawing/2010/main" xmlns:p14="http://schemas.microsoft.com/office/powerpoint/2010/main" xmlns="" w="9525">
+                  <a:solidFill>
+                    <a:srgbClr val="000000"/>
+                  </a:solidFill>
+                  <a:round/>
+                  <a:headEnd/>
+                  <a:tailEnd/>
+                </a14:hiddenLine>
+              </a:ext>
+            </a:extLst>
+          </p:spPr>
+        </p:sp>
+        <p:sp>
+          <p:nvSpPr>
+            <p:cNvPr id="70" name="Freeform 55">
+              <a:extLst>
+                <a:ext uri="{FF2B5EF4-FFF2-40B4-BE49-F238E27FC236}">
+                  <a16:creationId xmlns:a16="http://schemas.microsoft.com/office/drawing/2014/main" id="{039E6322-3F90-4FE5-83C6-5EA6C592E7BA}"/>
+                </a:ext>
+                <a:ext uri="{C183D7F6-B498-43B3-948B-1728B52AA6E4}">
+                  <adec:decorative xmlns:adec="http://schemas.microsoft.com/office/drawing/2017/decorative" val="1"/>
+                </a:ext>
+              </a:extLst>
+            </p:cNvPr>
+            <p:cNvSpPr/>
+            <p:nvPr>
+              <p:extLst>
+                <p:ext uri="{386F3935-93C4-4BCD-93E2-E3B085C9AB24}">
+                  <p16:designElem xmlns:p16="http://schemas.microsoft.com/office/powerpoint/2015/main" val="1"/>
+                </p:ext>
+              </p:extLst>
+            </p:nvPr>
+          </p:nvSpPr>
+          <p:spPr bwMode="auto">
+            <a:xfrm>
+              <a:off x="1766888" y="6330950"/>
+              <a:ext cx="419100" cy="527050"/>
+            </a:xfrm>
+            <a:custGeom>
+              <a:avLst/>
+              <a:gdLst/>
+              <a:ahLst/>
+              <a:cxnLst/>
+              <a:rect l="0" t="0" r="r" b="b"/>
+              <a:pathLst>
+                <a:path w="264" h="332">
+                  <a:moveTo>
+                    <a:pt x="12" y="332"/>
+                  </a:moveTo>
+                  <a:lnTo>
+                    <a:pt x="0" y="326"/>
+                  </a:lnTo>
+                  <a:lnTo>
+                    <a:pt x="45" y="206"/>
+                  </a:lnTo>
+                  <a:lnTo>
+                    <a:pt x="255" y="0"/>
+                  </a:lnTo>
+                  <a:lnTo>
+                    <a:pt x="264" y="12"/>
+                  </a:lnTo>
+                  <a:lnTo>
+                    <a:pt x="60" y="215"/>
+                  </a:lnTo>
+                  <a:lnTo>
+                    <a:pt x="12" y="332"/>
+                  </a:lnTo>
+                  <a:close/>
+                </a:path>
+              </a:pathLst>
+            </a:custGeom>
+            <a:grpFill/>
+            <a:ln>
+              <a:noFill/>
+            </a:ln>
+            <a:extLst>
+              <a:ext uri="{91240B29-F687-4f45-9708-019B960494DF}">
+                <a14:hiddenLine xmlns:a14="http://schemas.microsoft.com/office/drawing/2010/main" xmlns:p14="http://schemas.microsoft.com/office/powerpoint/2010/main" xmlns="" w="9525">
+                  <a:solidFill>
+                    <a:srgbClr val="000000"/>
+                  </a:solidFill>
+                  <a:round/>
+                  <a:headEnd/>
+                  <a:tailEnd/>
+                </a14:hiddenLine>
+              </a:ext>
+            </a:extLst>
+          </p:spPr>
+        </p:sp>
+        <p:sp>
+          <p:nvSpPr>
+            <p:cNvPr id="71" name="Freeform 56">
+              <a:extLst>
+                <a:ext uri="{FF2B5EF4-FFF2-40B4-BE49-F238E27FC236}">
+                  <a16:creationId xmlns:a16="http://schemas.microsoft.com/office/drawing/2014/main" id="{E69A9E94-9988-4F90-BFF7-39CAE99F57B3}"/>
+                </a:ext>
+                <a:ext uri="{C183D7F6-B498-43B3-948B-1728B52AA6E4}">
+                  <adec:decorative xmlns:adec="http://schemas.microsoft.com/office/drawing/2017/decorative" val="1"/>
+                </a:ext>
+              </a:extLst>
+            </p:cNvPr>
+            <p:cNvSpPr>
+              <a:spLocks noEditPoints="1"/>
+            </p:cNvSpPr>
+            <p:nvPr>
+              <p:extLst>
+                <p:ext uri="{386F3935-93C4-4BCD-93E2-E3B085C9AB24}">
+                  <p16:designElem xmlns:p16="http://schemas.microsoft.com/office/powerpoint/2015/main" val="1"/>
+                </p:ext>
+              </p:extLst>
+            </p:nvPr>
+          </p:nvSpPr>
+          <p:spPr bwMode="auto">
+            <a:xfrm>
+              <a:off x="2147888" y="6221413"/>
+              <a:ext cx="157163" cy="147638"/>
+            </a:xfrm>
+            <a:custGeom>
+              <a:avLst/>
+              <a:gdLst/>
+              <a:ahLst/>
+              <a:cxnLst/>
+              <a:rect l="0" t="0" r="r" b="b"/>
+              <a:pathLst>
+                <a:path w="33" h="31">
+                  <a:moveTo>
+                    <a:pt x="16" y="31"/>
+                  </a:moveTo>
+                  <a:cubicBezTo>
+                    <a:pt x="12" y="31"/>
+                    <a:pt x="8" y="29"/>
+                    <a:pt x="5" y="26"/>
+                  </a:cubicBezTo>
+                  <a:cubicBezTo>
+                    <a:pt x="2" y="24"/>
+                    <a:pt x="0" y="20"/>
+                    <a:pt x="0" y="15"/>
+                  </a:cubicBezTo>
+                  <a:cubicBezTo>
+                    <a:pt x="0" y="11"/>
+                    <a:pt x="2" y="7"/>
+                    <a:pt x="5" y="4"/>
+                  </a:cubicBezTo>
+                  <a:cubicBezTo>
+                    <a:pt x="8" y="1"/>
+                    <a:pt x="12" y="0"/>
+                    <a:pt x="16" y="0"/>
+                  </a:cubicBezTo>
+                  <a:cubicBezTo>
+                    <a:pt x="20" y="0"/>
+                    <a:pt x="24" y="1"/>
+                    <a:pt x="27" y="4"/>
+                  </a:cubicBezTo>
+                  <a:cubicBezTo>
+                    <a:pt x="33" y="10"/>
+                    <a:pt x="33" y="20"/>
+                    <a:pt x="27" y="26"/>
+                  </a:cubicBezTo>
+                  <a:cubicBezTo>
+                    <a:pt x="24" y="29"/>
+                    <a:pt x="20" y="31"/>
+                    <a:pt x="16" y="31"/>
+                  </a:cubicBezTo>
+                  <a:close/>
+                  <a:moveTo>
+                    <a:pt x="16" y="4"/>
+                  </a:moveTo>
+                  <a:cubicBezTo>
+                    <a:pt x="13" y="4"/>
+                    <a:pt x="10" y="5"/>
+                    <a:pt x="8" y="7"/>
+                  </a:cubicBezTo>
+                  <a:cubicBezTo>
+                    <a:pt x="6" y="9"/>
+                    <a:pt x="4" y="12"/>
+                    <a:pt x="4" y="15"/>
+                  </a:cubicBezTo>
+                  <a:cubicBezTo>
+                    <a:pt x="4" y="19"/>
+                    <a:pt x="6" y="21"/>
+                    <a:pt x="8" y="24"/>
+                  </a:cubicBezTo>
+                  <a:cubicBezTo>
+                    <a:pt x="10" y="26"/>
+                    <a:pt x="13" y="27"/>
+                    <a:pt x="16" y="27"/>
+                  </a:cubicBezTo>
+                  <a:cubicBezTo>
+                    <a:pt x="19" y="27"/>
+                    <a:pt x="22" y="26"/>
+                    <a:pt x="24" y="24"/>
+                  </a:cubicBezTo>
+                  <a:cubicBezTo>
+                    <a:pt x="29" y="19"/>
+                    <a:pt x="29" y="12"/>
+                    <a:pt x="24" y="7"/>
+                  </a:cubicBezTo>
+                  <a:cubicBezTo>
+                    <a:pt x="22" y="5"/>
+                    <a:pt x="19" y="4"/>
+                    <a:pt x="16" y="4"/>
+                  </a:cubicBezTo>
+                  <a:close/>
+                </a:path>
+              </a:pathLst>
+            </a:custGeom>
+            <a:grpFill/>
+            <a:ln>
+              <a:noFill/>
+            </a:ln>
+            <a:extLst>
+              <a:ext uri="{91240B29-F687-4f45-9708-019B960494DF}">
+                <a14:hiddenLine xmlns:a14="http://schemas.microsoft.com/office/drawing/2010/main" xmlns:p14="http://schemas.microsoft.com/office/powerpoint/2010/main" xmlns="" w="9525">
+                  <a:solidFill>
+                    <a:srgbClr val="000000"/>
+                  </a:solidFill>
+                  <a:round/>
+                  <a:headEnd/>
+                  <a:tailEnd/>
+                </a14:hiddenLine>
+              </a:ext>
+            </a:extLst>
+          </p:spPr>
+        </p:sp>
+        <p:sp>
+          <p:nvSpPr>
+            <p:cNvPr id="72" name="Freeform 57">
+              <a:extLst>
+                <a:ext uri="{FF2B5EF4-FFF2-40B4-BE49-F238E27FC236}">
+                  <a16:creationId xmlns:a16="http://schemas.microsoft.com/office/drawing/2014/main" id="{75B8334A-3C81-4C53-858D-92D5295A8422}"/>
+                </a:ext>
+                <a:ext uri="{C183D7F6-B498-43B3-948B-1728B52AA6E4}">
+                  <adec:decorative xmlns:adec="http://schemas.microsoft.com/office/drawing/2017/decorative" val="1"/>
+                </a:ext>
+              </a:extLst>
+            </p:cNvPr>
+            <p:cNvSpPr/>
+            <p:nvPr>
+              <p:extLst>
+                <p:ext uri="{386F3935-93C4-4BCD-93E2-E3B085C9AB24}">
+                  <p16:designElem xmlns:p16="http://schemas.microsoft.com/office/powerpoint/2015/main" val="1"/>
+                </p:ext>
+              </p:extLst>
+            </p:nvPr>
+          </p:nvSpPr>
+          <p:spPr bwMode="auto">
+            <a:xfrm>
+              <a:off x="504825" y="9525"/>
+              <a:ext cx="233363" cy="5103813"/>
+            </a:xfrm>
+            <a:custGeom>
+              <a:avLst/>
+              <a:gdLst/>
+              <a:ahLst/>
+              <a:cxnLst/>
+              <a:rect l="0" t="0" r="r" b="b"/>
+              <a:pathLst>
+                <a:path w="147" h="3215">
+                  <a:moveTo>
+                    <a:pt x="132" y="3215"/>
+                  </a:moveTo>
+                  <a:lnTo>
+                    <a:pt x="129" y="2754"/>
+                  </a:lnTo>
+                  <a:lnTo>
+                    <a:pt x="0" y="1901"/>
+                  </a:lnTo>
+                  <a:lnTo>
+                    <a:pt x="0" y="0"/>
+                  </a:lnTo>
+                  <a:lnTo>
+                    <a:pt x="15" y="0"/>
+                  </a:lnTo>
+                  <a:lnTo>
+                    <a:pt x="15" y="1898"/>
+                  </a:lnTo>
+                  <a:lnTo>
+                    <a:pt x="144" y="2754"/>
+                  </a:lnTo>
+                  <a:lnTo>
+                    <a:pt x="147" y="3215"/>
+                  </a:lnTo>
+                  <a:lnTo>
+                    <a:pt x="132" y="3215"/>
+                  </a:lnTo>
+                  <a:close/>
+                </a:path>
+              </a:pathLst>
+            </a:custGeom>
+            <a:grpFill/>
+            <a:ln>
+              <a:noFill/>
+            </a:ln>
+            <a:extLst>
+              <a:ext uri="{91240B29-F687-4f45-9708-019B960494DF}">
+                <a14:hiddenLine xmlns:a14="http://schemas.microsoft.com/office/drawing/2010/main" xmlns:p14="http://schemas.microsoft.com/office/powerpoint/2010/main" xmlns="" w="9525">
+                  <a:solidFill>
+                    <a:srgbClr val="000000"/>
+                  </a:solidFill>
+                  <a:round/>
+                  <a:headEnd/>
+                  <a:tailEnd/>
+                </a14:hiddenLine>
+              </a:ext>
+            </a:extLst>
+          </p:spPr>
+        </p:sp>
+        <p:sp>
+          <p:nvSpPr>
+            <p:cNvPr id="73" name="Freeform 58">
+              <a:extLst>
+                <a:ext uri="{FF2B5EF4-FFF2-40B4-BE49-F238E27FC236}">
+                  <a16:creationId xmlns:a16="http://schemas.microsoft.com/office/drawing/2014/main" id="{9EB00862-AA34-4A06-8EF3-8EE78060A6E6}"/>
+                </a:ext>
+                <a:ext uri="{C183D7F6-B498-43B3-948B-1728B52AA6E4}">
+                  <adec:decorative xmlns:adec="http://schemas.microsoft.com/office/drawing/2017/decorative" val="1"/>
+                </a:ext>
+              </a:extLst>
+            </p:cNvPr>
+            <p:cNvSpPr>
+              <a:spLocks noEditPoints="1"/>
+            </p:cNvSpPr>
+            <p:nvPr>
+              <p:extLst>
+                <p:ext uri="{386F3935-93C4-4BCD-93E2-E3B085C9AB24}">
+                  <p16:designElem xmlns:p16="http://schemas.microsoft.com/office/powerpoint/2015/main" val="1"/>
+                </p:ext>
+              </p:extLst>
+            </p:nvPr>
+          </p:nvSpPr>
+          <p:spPr bwMode="auto">
+            <a:xfrm>
+              <a:off x="633413" y="5103813"/>
+              <a:ext cx="185738" cy="185738"/>
+            </a:xfrm>
+            <a:custGeom>
+              <a:avLst/>
+              <a:gdLst/>
+              <a:ahLst/>
+              <a:cxnLst/>
+              <a:rect l="0" t="0" r="r" b="b"/>
+              <a:pathLst>
+                <a:path w="39" h="39">
+                  <a:moveTo>
+                    <a:pt x="20" y="39"/>
+                  </a:moveTo>
+                  <a:cubicBezTo>
+                    <a:pt x="9" y="39"/>
+                    <a:pt x="0" y="30"/>
+                    <a:pt x="0" y="19"/>
+                  </a:cubicBezTo>
+                  <a:cubicBezTo>
+                    <a:pt x="0" y="9"/>
+                    <a:pt x="9" y="0"/>
+                    <a:pt x="20" y="0"/>
+                  </a:cubicBezTo>
+                  <a:cubicBezTo>
+                    <a:pt x="30" y="0"/>
+                    <a:pt x="39" y="9"/>
+                    <a:pt x="39" y="19"/>
+                  </a:cubicBezTo>
+                  <a:cubicBezTo>
+                    <a:pt x="39" y="30"/>
+                    <a:pt x="30" y="39"/>
+                    <a:pt x="20" y="39"/>
+                  </a:cubicBezTo>
+                  <a:close/>
+                  <a:moveTo>
+                    <a:pt x="20" y="4"/>
+                  </a:moveTo>
+                  <a:cubicBezTo>
+                    <a:pt x="11" y="4"/>
+                    <a:pt x="4" y="11"/>
+                    <a:pt x="4" y="19"/>
+                  </a:cubicBezTo>
+                  <a:cubicBezTo>
+                    <a:pt x="4" y="28"/>
+                    <a:pt x="11" y="35"/>
+                    <a:pt x="20" y="35"/>
+                  </a:cubicBezTo>
+                  <a:cubicBezTo>
+                    <a:pt x="28" y="35"/>
+                    <a:pt x="35" y="28"/>
+                    <a:pt x="35" y="19"/>
+                  </a:cubicBezTo>
+                  <a:cubicBezTo>
+                    <a:pt x="35" y="11"/>
+                    <a:pt x="28" y="4"/>
+                    <a:pt x="20" y="4"/>
+                  </a:cubicBezTo>
+                  <a:close/>
+                </a:path>
+              </a:pathLst>
+            </a:custGeom>
+            <a:grpFill/>
+            <a:ln>
+              <a:noFill/>
+            </a:ln>
+            <a:extLst>
+              <a:ext uri="{91240B29-F687-4f45-9708-019B960494DF}">
+                <a14:hiddenLine xmlns:a14="http://schemas.microsoft.com/office/drawing/2010/main" xmlns:p14="http://schemas.microsoft.com/office/powerpoint/2010/main" xmlns="" w="9525">
+                  <a:solidFill>
+                    <a:srgbClr val="000000"/>
+                  </a:solidFill>
+                  <a:round/>
+                  <a:headEnd/>
+                  <a:tailEnd/>
+                </a14:hiddenLine>
+              </a:ext>
+            </a:extLst>
+          </p:spPr>
+        </p:sp>
+      </p:grpSp>
+      <p:pic>
+        <p:nvPicPr>
+          <p:cNvPr id="7" name="Picture 6" descr="An open computer sitting on top of a table&#10;&#10;Description generated with very high confidence">
+            <a:extLst>
+              <a:ext uri="{FF2B5EF4-FFF2-40B4-BE49-F238E27FC236}">
+                <a16:creationId xmlns:a16="http://schemas.microsoft.com/office/drawing/2014/main" id="{6155F120-A733-4838-B8C1-9EA44A25D8C8}"/>
+              </a:ext>
+            </a:extLst>
+          </p:cNvPr>
+          <p:cNvPicPr>
+            <a:picLocks noChangeAspect="1"/>
+          </p:cNvPicPr>
+          <p:nvPr/>
+        </p:nvPicPr>
+        <p:blipFill rotWithShape="1">
+          <a:blip r:embed="rId4">
+            <a:extLst>
+              <a:ext uri="{28A0092B-C50C-407E-A947-70E740481C1C}">
+                <a14:useLocalDpi xmlns:a14="http://schemas.microsoft.com/office/drawing/2010/main" val="0"/>
+              </a:ext>
+            </a:extLst>
+          </a:blip>
+          <a:srcRect t="9342" r="-2" b="30141"/>
+          <a:stretch/>
+        </p:blipFill>
+        <p:spPr>
+          <a:xfrm>
+            <a:off x="-5597" y="3427414"/>
+            <a:ext cx="7558541" cy="3430587"/>
+          </a:xfrm>
+          <a:custGeom>
+            <a:avLst/>
+            <a:gdLst>
+              <a:gd name="connsiteX0" fmla="*/ 0 w 7558541"/>
+              <a:gd name="connsiteY0" fmla="*/ 0 h 3430587"/>
+              <a:gd name="connsiteX1" fmla="*/ 7558541 w 7558541"/>
+              <a:gd name="connsiteY1" fmla="*/ 0 h 3430587"/>
+              <a:gd name="connsiteX2" fmla="*/ 7558541 w 7558541"/>
+              <a:gd name="connsiteY2" fmla="*/ 3430587 h 3430587"/>
+              <a:gd name="connsiteX3" fmla="*/ 0 w 7558541"/>
+              <a:gd name="connsiteY3" fmla="*/ 3430587 h 3430587"/>
+            </a:gdLst>
+            <a:ahLst/>
+            <a:cxnLst>
+              <a:cxn ang="0">
+                <a:pos x="connsiteX0" y="connsiteY0"/>
+              </a:cxn>
+              <a:cxn ang="0">
+                <a:pos x="connsiteX1" y="connsiteY1"/>
+              </a:cxn>
+              <a:cxn ang="0">
+                <a:pos x="connsiteX2" y="connsiteY2"/>
+              </a:cxn>
+              <a:cxn ang="0">
+                <a:pos x="connsiteX3" y="connsiteY3"/>
+              </a:cxn>
+            </a:cxnLst>
+            <a:rect l="l" t="t" r="r" b="b"/>
+            <a:pathLst>
+              <a:path w="7558541" h="3430587">
+                <a:moveTo>
+                  <a:pt x="0" y="0"/>
+                </a:moveTo>
+                <a:lnTo>
+                  <a:pt x="7558541" y="0"/>
+                </a:lnTo>
+                <a:lnTo>
+                  <a:pt x="7558541" y="3430587"/>
+                </a:lnTo>
+                <a:lnTo>
+                  <a:pt x="0" y="3430587"/>
+                </a:lnTo>
+                <a:close/>
+              </a:path>
+            </a:pathLst>
+          </a:custGeom>
+        </p:spPr>
+      </p:pic>
+      <p:pic>
+        <p:nvPicPr>
+          <p:cNvPr id="10" name="Content Placeholder 4" descr="A group of people sitting at a table using a computer&#10;&#10;Description generated with very high confidence">
+            <a:extLst>
+              <a:ext uri="{FF2B5EF4-FFF2-40B4-BE49-F238E27FC236}">
+                <a16:creationId xmlns:a16="http://schemas.microsoft.com/office/drawing/2014/main" id="{9C820789-F754-42C6-BECF-C0D2EB8A3005}"/>
+              </a:ext>
+            </a:extLst>
+          </p:cNvPr>
+          <p:cNvPicPr>
+            <a:picLocks noChangeAspect="1"/>
+          </p:cNvPicPr>
+          <p:nvPr/>
+        </p:nvPicPr>
+        <p:blipFill rotWithShape="1">
+          <a:blip r:embed="rId5">
+            <a:extLst>
+              <a:ext uri="{28A0092B-C50C-407E-A947-70E740481C1C}">
+                <a14:useLocalDpi xmlns:a14="http://schemas.microsoft.com/office/drawing/2010/main" val="0"/>
+              </a:ext>
+            </a:extLst>
+          </a:blip>
+          <a:srcRect t="6792" r="-2" b="32747"/>
+          <a:stretch/>
+        </p:blipFill>
+        <p:spPr>
+          <a:xfrm>
+            <a:off x="-5597" y="1"/>
+            <a:ext cx="7558541" cy="3427413"/>
+          </a:xfrm>
+          <a:custGeom>
+            <a:avLst/>
+            <a:gdLst>
+              <a:gd name="connsiteX0" fmla="*/ 0 w 7558541"/>
+              <a:gd name="connsiteY0" fmla="*/ 0 h 3427413"/>
+              <a:gd name="connsiteX1" fmla="*/ 7558541 w 7558541"/>
+              <a:gd name="connsiteY1" fmla="*/ 0 h 3427413"/>
+              <a:gd name="connsiteX2" fmla="*/ 7558541 w 7558541"/>
+              <a:gd name="connsiteY2" fmla="*/ 3427413 h 3427413"/>
+              <a:gd name="connsiteX3" fmla="*/ 0 w 7558541"/>
+              <a:gd name="connsiteY3" fmla="*/ 3427413 h 3427413"/>
+            </a:gdLst>
+            <a:ahLst/>
+            <a:cxnLst>
+              <a:cxn ang="0">
+                <a:pos x="connsiteX0" y="connsiteY0"/>
+              </a:cxn>
+              <a:cxn ang="0">
+                <a:pos x="connsiteX1" y="connsiteY1"/>
+              </a:cxn>
+              <a:cxn ang="0">
+                <a:pos x="connsiteX2" y="connsiteY2"/>
+              </a:cxn>
+              <a:cxn ang="0">
+                <a:pos x="connsiteX3" y="connsiteY3"/>
+              </a:cxn>
+            </a:cxnLst>
+            <a:rect l="l" t="t" r="r" b="b"/>
+            <a:pathLst>
+              <a:path w="7558541" h="3427413">
+                <a:moveTo>
+                  <a:pt x="0" y="0"/>
+                </a:moveTo>
+                <a:lnTo>
+                  <a:pt x="7558541" y="0"/>
+                </a:lnTo>
+                <a:lnTo>
+                  <a:pt x="7558541" y="3427413"/>
+                </a:lnTo>
+                <a:lnTo>
+                  <a:pt x="0" y="3427413"/>
+                </a:lnTo>
+                <a:close/>
+              </a:path>
+            </a:pathLst>
+          </a:custGeom>
+        </p:spPr>
+      </p:pic>
+      <p:cxnSp>
+        <p:nvCxnSpPr>
+          <p:cNvPr id="75" name="Straight Connector 74">
+            <a:extLst>
+              <a:ext uri="{FF2B5EF4-FFF2-40B4-BE49-F238E27FC236}">
+                <a16:creationId xmlns:a16="http://schemas.microsoft.com/office/drawing/2014/main" id="{96B69E10-B78A-42BA-903C-86D9965C4316}"/>
+              </a:ext>
+              <a:ext uri="{C183D7F6-B498-43B3-948B-1728B52AA6E4}">
+                <adec:decorative xmlns:adec="http://schemas.microsoft.com/office/drawing/2017/decorative" val="1"/>
+              </a:ext>
+            </a:extLst>
+          </p:cNvPr>
+          <p:cNvCxnSpPr>
+            <a:cxnSpLocks noGrp="1" noRot="1" noChangeAspect="1" noMove="1" noResize="1" noEditPoints="1" noAdjustHandles="1" noChangeArrowheads="1" noChangeShapeType="1"/>
+          </p:cNvCxnSpPr>
+          <p:nvPr>
+            <p:extLst>
+              <p:ext uri="{386F3935-93C4-4BCD-93E2-E3B085C9AB24}">
+                <p16:designElem xmlns:p16="http://schemas.microsoft.com/office/powerpoint/2015/main" val="1"/>
+              </p:ext>
+            </p:extLst>
+          </p:nvPr>
+        </p:nvCxnSpPr>
+        <p:spPr>
+          <a:xfrm>
+            <a:off x="7555895" y="-464"/>
+            <a:ext cx="2646" cy="6858465"/>
+          </a:xfrm>
+          <a:prstGeom prst="line">
+            <a:avLst/>
+          </a:prstGeom>
+          <a:solidFill>
+            <a:schemeClr val="tx2">
+              <a:alpha val="60000"/>
+            </a:schemeClr>
+          </a:solidFill>
+          <a:ln w="19050">
+            <a:solidFill>
+              <a:schemeClr val="tx2">
+                <a:alpha val="60000"/>
+              </a:schemeClr>
+            </a:solidFill>
+          </a:ln>
+          <a:effectLst>
+            <a:outerShdw blurRad="50800" dist="38100" dir="2700000" algn="tl" rotWithShape="0">
+              <a:srgbClr val="000000">
+                <a:alpha val="58000"/>
+              </a:srgbClr>
+            </a:outerShdw>
+          </a:effectLst>
+        </p:spPr>
+      </p:cxnSp>
+      <p:cxnSp>
+        <p:nvCxnSpPr>
+          <p:cNvPr id="77" name="Straight Connector 76">
+            <a:extLst>
+              <a:ext uri="{FF2B5EF4-FFF2-40B4-BE49-F238E27FC236}">
+                <a16:creationId xmlns:a16="http://schemas.microsoft.com/office/drawing/2014/main" id="{6EC9FA34-3CEC-42B1-8AEA-F261C70C0F8C}"/>
+              </a:ext>
+              <a:ext uri="{C183D7F6-B498-43B3-948B-1728B52AA6E4}">
+                <adec:decorative xmlns:adec="http://schemas.microsoft.com/office/drawing/2017/decorative" val="1"/>
+              </a:ext>
+            </a:extLst>
+          </p:cNvPr>
+          <p:cNvCxnSpPr>
+            <a:cxnSpLocks noGrp="1" noRot="1" noChangeAspect="1" noMove="1" noResize="1" noEditPoints="1" noAdjustHandles="1" noChangeArrowheads="1" noChangeShapeType="1"/>
+            <a:endCxn id="63" idx="1"/>
+          </p:cNvCxnSpPr>
+          <p:nvPr>
+            <p:extLst>
+              <p:ext uri="{386F3935-93C4-4BCD-93E2-E3B085C9AB24}">
+                <p16:designElem xmlns:p16="http://schemas.microsoft.com/office/powerpoint/2015/main" val="1"/>
+              </p:ext>
+            </p:extLst>
+          </p:nvPr>
+        </p:nvCxnSpPr>
+        <p:spPr>
+          <a:xfrm>
+            <a:off x="-5597" y="3427414"/>
+            <a:ext cx="7558541" cy="0"/>
+          </a:xfrm>
+          <a:prstGeom prst="line">
+            <a:avLst/>
+          </a:prstGeom>
+          <a:solidFill>
+            <a:schemeClr val="tx2">
+              <a:alpha val="60000"/>
+            </a:schemeClr>
+          </a:solidFill>
+          <a:ln w="19050">
+            <a:solidFill>
+              <a:schemeClr val="tx2">
+                <a:alpha val="60000"/>
+              </a:schemeClr>
+            </a:solidFill>
+          </a:ln>
+          <a:effectLst>
+            <a:outerShdw blurRad="50800" dist="38100" dir="2700000" algn="tl" rotWithShape="0">
+              <a:srgbClr val="000000">
+                <a:alpha val="58000"/>
+              </a:srgbClr>
+            </a:outerShdw>
+          </a:effectLst>
+        </p:spPr>
+      </p:cxnSp>
+      <p:sp>
+        <p:nvSpPr>
+          <p:cNvPr id="2" name="Title 1">
+            <a:extLst>
+              <a:ext uri="{FF2B5EF4-FFF2-40B4-BE49-F238E27FC236}">
+                <a16:creationId xmlns:a16="http://schemas.microsoft.com/office/drawing/2014/main" id="{EDE97459-35DE-47EA-8868-E285B48B47D8}"/>
+              </a:ext>
+            </a:extLst>
+          </p:cNvPr>
+          <p:cNvSpPr>
+            <a:spLocks noGrp="1"/>
+          </p:cNvSpPr>
+          <p:nvPr>
+            <p:ph type="title"/>
+          </p:nvPr>
+        </p:nvSpPr>
+        <p:spPr>
+          <a:xfrm>
+            <a:off x="8406184" y="2689716"/>
+            <a:ext cx="2948240" cy="1478570"/>
+          </a:xfrm>
+        </p:spPr>
+        <p:txBody>
+          <a:bodyPr>
+            <a:normAutofit/>
+          </a:bodyPr>
+          <a:lstStyle/>
+          <a:p>
+            <a:r>
+              <a:rPr lang="en-US" sz="3200" dirty="0" err="1"/>
+              <a:t>Desarrollo</a:t>
+            </a:r>
+            <a:endParaRPr lang="en-US" sz="3200" dirty="0"/>
+          </a:p>
+        </p:txBody>
+      </p:sp>
+      <p:sp>
+        <p:nvSpPr>
+          <p:cNvPr id="12" name="Content Placeholder 11">
+            <a:extLst>
+              <a:ext uri="{FF2B5EF4-FFF2-40B4-BE49-F238E27FC236}">
+                <a16:creationId xmlns:a16="http://schemas.microsoft.com/office/drawing/2014/main" id="{F2C991B2-BD82-41F4-993D-71C27DF89748}"/>
+              </a:ext>
+            </a:extLst>
+          </p:cNvPr>
+          <p:cNvSpPr>
+            <a:spLocks noGrp="1"/>
+          </p:cNvSpPr>
+          <p:nvPr>
+            <p:ph idx="1"/>
+          </p:nvPr>
+        </p:nvSpPr>
+        <p:spPr>
+          <a:xfrm>
+            <a:off x="8411781" y="2249487"/>
+            <a:ext cx="2948240" cy="3541714"/>
+          </a:xfrm>
+        </p:spPr>
+        <p:txBody>
+          <a:bodyPr>
+            <a:normAutofit/>
+          </a:bodyPr>
+          <a:lstStyle/>
+          <a:p>
+            <a:endParaRPr lang="en-US" sz="1800"/>
+          </a:p>
+        </p:txBody>
+      </p:sp>
+    </p:spTree>
+    <p:extLst>
+      <p:ext uri="{BB962C8B-B14F-4D97-AF65-F5344CB8AC3E}">
+        <p14:creationId xmlns:p14="http://schemas.microsoft.com/office/powerpoint/2010/main" val="3480568196"/>
+      </p:ext>
+    </p:extLst>
+  </p:cSld>
+  <p:clrMapOvr>
+    <a:masterClrMapping/>
+  </p:clrMapOvr>
+</p:sld>
+</file>
+
+<file path=ppt/slides/slide5.xml><?xml version="1.0" encoding="utf-8"?>
+<p:sld xmlns:a="http://schemas.openxmlformats.org/drawingml/2006/main" xmlns:r="http://schemas.openxmlformats.org/officeDocument/2006/relationships" xmlns:p="http://schemas.openxmlformats.org/presentationml/2006/main">
+  <p:cSld>
+    <p:spTree>
+      <p:nvGrpSpPr>
+        <p:cNvPr id="1" name=""/>
+        <p:cNvGrpSpPr/>
+        <p:nvPr/>
+      </p:nvGrpSpPr>
+      <p:grpSpPr>
+        <a:xfrm>
+          <a:off x="0" y="0"/>
+          <a:ext cx="0" cy="0"/>
+          <a:chOff x="0" y="0"/>
+          <a:chExt cx="0" cy="0"/>
+        </a:xfrm>
+      </p:grpSpPr>
+      <p:sp>
+        <p:nvSpPr>
+          <p:cNvPr id="2" name="Title 1">
+            <a:extLst>
+              <a:ext uri="{FF2B5EF4-FFF2-40B4-BE49-F238E27FC236}">
+                <a16:creationId xmlns:a16="http://schemas.microsoft.com/office/drawing/2014/main" id="{569E7AA6-9D6F-4E8F-A839-622A46CDE7F4}"/>
+              </a:ext>
+            </a:extLst>
+          </p:cNvPr>
+          <p:cNvSpPr>
+            <a:spLocks noGrp="1"/>
+          </p:cNvSpPr>
+          <p:nvPr>
+            <p:ph type="title"/>
+          </p:nvPr>
+        </p:nvSpPr>
+        <p:spPr/>
+        <p:txBody>
+          <a:bodyPr/>
+          <a:lstStyle/>
+          <a:p>
+            <a:r>
+              <a:rPr lang="es-ES" dirty="0"/>
+              <a:t>Aplicación</a:t>
+            </a:r>
+            <a:endParaRPr lang="en-US" dirty="0"/>
+          </a:p>
+        </p:txBody>
+      </p:sp>
+      <p:sp>
+        <p:nvSpPr>
+          <p:cNvPr id="3" name="Content Placeholder 2">
+            <a:extLst>
+              <a:ext uri="{FF2B5EF4-FFF2-40B4-BE49-F238E27FC236}">
+                <a16:creationId xmlns:a16="http://schemas.microsoft.com/office/drawing/2014/main" id="{2A4F7D21-60C7-41B3-86EE-185CFCDD496A}"/>
+              </a:ext>
+            </a:extLst>
+          </p:cNvPr>
+          <p:cNvSpPr>
+            <a:spLocks noGrp="1"/>
+          </p:cNvSpPr>
+          <p:nvPr>
+            <p:ph idx="1"/>
+          </p:nvPr>
+        </p:nvSpPr>
+        <p:spPr/>
+        <p:txBody>
+          <a:bodyPr/>
+          <a:lstStyle/>
+          <a:p>
             <a:endParaRPr lang="en-US"/>
           </a:p>
         </p:txBody>
@@ -12677,7 +18479,467 @@
     </p:spTree>
     <p:extLst>
       <p:ext uri="{BB962C8B-B14F-4D97-AF65-F5344CB8AC3E}">
-        <p14:creationId xmlns:p14="http://schemas.microsoft.com/office/powerpoint/2010/main" val="2567482157"/>
+        <p14:creationId xmlns:p14="http://schemas.microsoft.com/office/powerpoint/2010/main" val="2228677998"/>
+      </p:ext>
+    </p:extLst>
+  </p:cSld>
+  <p:clrMapOvr>
+    <a:masterClrMapping/>
+  </p:clrMapOvr>
+</p:sld>
+</file>
+
+<file path=ppt/slides/slide6.xml><?xml version="1.0" encoding="utf-8"?>
+<p:sld xmlns:a="http://schemas.openxmlformats.org/drawingml/2006/main" xmlns:r="http://schemas.openxmlformats.org/officeDocument/2006/relationships" xmlns:p="http://schemas.openxmlformats.org/presentationml/2006/main">
+  <p:cSld>
+    <p:spTree>
+      <p:nvGrpSpPr>
+        <p:cNvPr id="1" name=""/>
+        <p:cNvGrpSpPr/>
+        <p:nvPr/>
+      </p:nvGrpSpPr>
+      <p:grpSpPr>
+        <a:xfrm>
+          <a:off x="0" y="0"/>
+          <a:ext cx="0" cy="0"/>
+          <a:chOff x="0" y="0"/>
+          <a:chExt cx="0" cy="0"/>
+        </a:xfrm>
+      </p:grpSpPr>
+      <p:sp>
+        <p:nvSpPr>
+          <p:cNvPr id="2" name="Title 1">
+            <a:extLst>
+              <a:ext uri="{FF2B5EF4-FFF2-40B4-BE49-F238E27FC236}">
+                <a16:creationId xmlns:a16="http://schemas.microsoft.com/office/drawing/2014/main" id="{49DE126F-19A7-49A1-B3E0-BE0294FB8E27}"/>
+              </a:ext>
+            </a:extLst>
+          </p:cNvPr>
+          <p:cNvSpPr>
+            <a:spLocks noGrp="1"/>
+          </p:cNvSpPr>
+          <p:nvPr>
+            <p:ph type="title"/>
+          </p:nvPr>
+        </p:nvSpPr>
+        <p:spPr/>
+        <p:txBody>
+          <a:bodyPr/>
+          <a:lstStyle/>
+          <a:p>
+            <a:r>
+              <a:rPr lang="es-ES" dirty="0"/>
+              <a:t>Base de datos</a:t>
+            </a:r>
+            <a:endParaRPr lang="en-US" dirty="0"/>
+          </a:p>
+        </p:txBody>
+      </p:sp>
+      <p:sp>
+        <p:nvSpPr>
+          <p:cNvPr id="3" name="Content Placeholder 2">
+            <a:extLst>
+              <a:ext uri="{FF2B5EF4-FFF2-40B4-BE49-F238E27FC236}">
+                <a16:creationId xmlns:a16="http://schemas.microsoft.com/office/drawing/2014/main" id="{5D549E6D-DC72-42AD-AE83-EACBFA22F7BF}"/>
+              </a:ext>
+            </a:extLst>
+          </p:cNvPr>
+          <p:cNvSpPr>
+            <a:spLocks noGrp="1"/>
+          </p:cNvSpPr>
+          <p:nvPr>
+            <p:ph idx="1"/>
+          </p:nvPr>
+        </p:nvSpPr>
+        <p:spPr/>
+        <p:txBody>
+          <a:bodyPr/>
+          <a:lstStyle/>
+          <a:p>
+            <a:endParaRPr lang="en-US"/>
+          </a:p>
+        </p:txBody>
+      </p:sp>
+    </p:spTree>
+    <p:extLst>
+      <p:ext uri="{BB962C8B-B14F-4D97-AF65-F5344CB8AC3E}">
+        <p14:creationId xmlns:p14="http://schemas.microsoft.com/office/powerpoint/2010/main" val="1577474105"/>
+      </p:ext>
+    </p:extLst>
+  </p:cSld>
+  <p:clrMapOvr>
+    <a:masterClrMapping/>
+  </p:clrMapOvr>
+</p:sld>
+</file>
+
+<file path=ppt/slides/slide7.xml><?xml version="1.0" encoding="utf-8"?>
+<p:sld xmlns:a="http://schemas.openxmlformats.org/drawingml/2006/main" xmlns:r="http://schemas.openxmlformats.org/officeDocument/2006/relationships" xmlns:p="http://schemas.openxmlformats.org/presentationml/2006/main">
+  <p:cSld>
+    <p:spTree>
+      <p:nvGrpSpPr>
+        <p:cNvPr id="1" name=""/>
+        <p:cNvGrpSpPr/>
+        <p:nvPr/>
+      </p:nvGrpSpPr>
+      <p:grpSpPr>
+        <a:xfrm>
+          <a:off x="0" y="0"/>
+          <a:ext cx="0" cy="0"/>
+          <a:chOff x="0" y="0"/>
+          <a:chExt cx="0" cy="0"/>
+        </a:xfrm>
+      </p:grpSpPr>
+      <p:sp>
+        <p:nvSpPr>
+          <p:cNvPr id="2" name="Title 1">
+            <a:extLst>
+              <a:ext uri="{FF2B5EF4-FFF2-40B4-BE49-F238E27FC236}">
+                <a16:creationId xmlns:a16="http://schemas.microsoft.com/office/drawing/2014/main" id="{644A3901-FAAB-4950-A985-A8EEDBDC2386}"/>
+              </a:ext>
+            </a:extLst>
+          </p:cNvPr>
+          <p:cNvSpPr>
+            <a:spLocks noGrp="1"/>
+          </p:cNvSpPr>
+          <p:nvPr>
+            <p:ph type="title"/>
+          </p:nvPr>
+        </p:nvSpPr>
+        <p:spPr/>
+        <p:txBody>
+          <a:bodyPr/>
+          <a:lstStyle/>
+          <a:p>
+            <a:r>
+              <a:rPr lang="es-ES" dirty="0"/>
+              <a:t>Script de red</a:t>
+            </a:r>
+            <a:endParaRPr lang="en-US" dirty="0"/>
+          </a:p>
+        </p:txBody>
+      </p:sp>
+      <p:sp>
+        <p:nvSpPr>
+          <p:cNvPr id="3" name="Content Placeholder 2">
+            <a:extLst>
+              <a:ext uri="{FF2B5EF4-FFF2-40B4-BE49-F238E27FC236}">
+                <a16:creationId xmlns:a16="http://schemas.microsoft.com/office/drawing/2014/main" id="{DB45D723-BC52-45A7-BAEB-2CE029D0FCF2}"/>
+              </a:ext>
+            </a:extLst>
+          </p:cNvPr>
+          <p:cNvSpPr>
+            <a:spLocks noGrp="1"/>
+          </p:cNvSpPr>
+          <p:nvPr>
+            <p:ph idx="1"/>
+          </p:nvPr>
+        </p:nvSpPr>
+        <p:spPr/>
+        <p:txBody>
+          <a:bodyPr/>
+          <a:lstStyle/>
+          <a:p>
+            <a:endParaRPr lang="en-US"/>
+          </a:p>
+        </p:txBody>
+      </p:sp>
+    </p:spTree>
+    <p:extLst>
+      <p:ext uri="{BB962C8B-B14F-4D97-AF65-F5344CB8AC3E}">
+        <p14:creationId xmlns:p14="http://schemas.microsoft.com/office/powerpoint/2010/main" val="4119176485"/>
+      </p:ext>
+    </p:extLst>
+  </p:cSld>
+  <p:clrMapOvr>
+    <a:masterClrMapping/>
+  </p:clrMapOvr>
+</p:sld>
+</file>
+
+<file path=ppt/slides/slide8.xml><?xml version="1.0" encoding="utf-8"?>
+<p:sld xmlns:a="http://schemas.openxmlformats.org/drawingml/2006/main" xmlns:r="http://schemas.openxmlformats.org/officeDocument/2006/relationships" xmlns:p="http://schemas.openxmlformats.org/presentationml/2006/main">
+  <p:cSld>
+    <p:spTree>
+      <p:nvGrpSpPr>
+        <p:cNvPr id="1" name=""/>
+        <p:cNvGrpSpPr/>
+        <p:nvPr/>
+      </p:nvGrpSpPr>
+      <p:grpSpPr>
+        <a:xfrm>
+          <a:off x="0" y="0"/>
+          <a:ext cx="0" cy="0"/>
+          <a:chOff x="0" y="0"/>
+          <a:chExt cx="0" cy="0"/>
+        </a:xfrm>
+      </p:grpSpPr>
+      <p:sp>
+        <p:nvSpPr>
+          <p:cNvPr id="2" name="Title 1">
+            <a:extLst>
+              <a:ext uri="{FF2B5EF4-FFF2-40B4-BE49-F238E27FC236}">
+                <a16:creationId xmlns:a16="http://schemas.microsoft.com/office/drawing/2014/main" id="{E39C28E2-9194-40CD-BFAE-7389B099D8AF}"/>
+              </a:ext>
+            </a:extLst>
+          </p:cNvPr>
+          <p:cNvSpPr>
+            <a:spLocks noGrp="1"/>
+          </p:cNvSpPr>
+          <p:nvPr>
+            <p:ph type="title"/>
+          </p:nvPr>
+        </p:nvSpPr>
+        <p:spPr/>
+        <p:txBody>
+          <a:bodyPr/>
+          <a:lstStyle/>
+          <a:p>
+            <a:r>
+              <a:rPr lang="es-ES" dirty="0" err="1"/>
+              <a:t>Wordpress</a:t>
+            </a:r>
+            <a:endParaRPr lang="en-US" dirty="0"/>
+          </a:p>
+        </p:txBody>
+      </p:sp>
+      <p:sp>
+        <p:nvSpPr>
+          <p:cNvPr id="3" name="Content Placeholder 2">
+            <a:extLst>
+              <a:ext uri="{FF2B5EF4-FFF2-40B4-BE49-F238E27FC236}">
+                <a16:creationId xmlns:a16="http://schemas.microsoft.com/office/drawing/2014/main" id="{DA79BC87-278A-4F1C-BFDE-928356348413}"/>
+              </a:ext>
+            </a:extLst>
+          </p:cNvPr>
+          <p:cNvSpPr>
+            <a:spLocks noGrp="1"/>
+          </p:cNvSpPr>
+          <p:nvPr>
+            <p:ph idx="1"/>
+          </p:nvPr>
+        </p:nvSpPr>
+        <p:spPr/>
+        <p:txBody>
+          <a:bodyPr/>
+          <a:lstStyle/>
+          <a:p>
+            <a:endParaRPr lang="en-US"/>
+          </a:p>
+        </p:txBody>
+      </p:sp>
+    </p:spTree>
+    <p:extLst>
+      <p:ext uri="{BB962C8B-B14F-4D97-AF65-F5344CB8AC3E}">
+        <p14:creationId xmlns:p14="http://schemas.microsoft.com/office/powerpoint/2010/main" val="3767124708"/>
+      </p:ext>
+    </p:extLst>
+  </p:cSld>
+  <p:clrMapOvr>
+    <a:masterClrMapping/>
+  </p:clrMapOvr>
+</p:sld>
+</file>
+
+<file path=ppt/slides/slide9.xml><?xml version="1.0" encoding="utf-8"?>
+<p:sld xmlns:a="http://schemas.openxmlformats.org/drawingml/2006/main" xmlns:r="http://schemas.openxmlformats.org/officeDocument/2006/relationships" xmlns:p="http://schemas.openxmlformats.org/presentationml/2006/main">
+  <p:cSld>
+    <p:bg>
+      <p:bgPr>
+        <a:blipFill>
+          <a:blip r:embed="rId2">
+            <a:duotone>
+              <a:schemeClr val="bg2">
+                <a:shade val="48000"/>
+                <a:hueMod val="106000"/>
+                <a:satMod val="140000"/>
+                <a:lumMod val="42000"/>
+              </a:schemeClr>
+              <a:schemeClr val="bg2">
+                <a:tint val="98000"/>
+                <a:hueMod val="92000"/>
+                <a:satMod val="220000"/>
+                <a:lumMod val="90000"/>
+              </a:schemeClr>
+            </a:duotone>
+            <a:extLst/>
+          </a:blip>
+          <a:stretch/>
+        </a:blipFill>
+        <a:effectLst/>
+      </p:bgPr>
+    </p:bg>
+    <p:spTree>
+      <p:nvGrpSpPr>
+        <p:cNvPr id="1" name=""/>
+        <p:cNvGrpSpPr/>
+        <p:nvPr/>
+      </p:nvGrpSpPr>
+      <p:grpSpPr>
+        <a:xfrm>
+          <a:off x="0" y="0"/>
+          <a:ext cx="0" cy="0"/>
+          <a:chOff x="0" y="0"/>
+          <a:chExt cx="0" cy="0"/>
+        </a:xfrm>
+      </p:grpSpPr>
+      <p:pic>
+        <p:nvPicPr>
+          <p:cNvPr id="5" name="Picture 4" descr="A close up of a logo&#10;&#10;Description generated with very high confidence">
+            <a:extLst>
+              <a:ext uri="{FF2B5EF4-FFF2-40B4-BE49-F238E27FC236}">
+                <a16:creationId xmlns:a16="http://schemas.microsoft.com/office/drawing/2014/main" id="{DCCF8DB3-40AB-413E-947D-8384BFF39F15}"/>
+              </a:ext>
+            </a:extLst>
+          </p:cNvPr>
+          <p:cNvPicPr>
+            <a:picLocks noChangeAspect="1"/>
+          </p:cNvPicPr>
+          <p:nvPr/>
+        </p:nvPicPr>
+        <p:blipFill rotWithShape="1">
+          <a:blip r:embed="rId3">
+            <a:extLst>
+              <a:ext uri="{28A0092B-C50C-407E-A947-70E740481C1C}">
+                <a14:useLocalDpi xmlns:a14="http://schemas.microsoft.com/office/drawing/2010/main" val="0"/>
+              </a:ext>
+            </a:extLst>
+          </a:blip>
+          <a:srcRect t="24914" b="14021"/>
+          <a:stretch/>
+        </p:blipFill>
+        <p:spPr>
+          <a:xfrm>
+            <a:off x="1141411" y="2097087"/>
+            <a:ext cx="4689234" cy="3006757"/>
+          </a:xfrm>
+          <a:prstGeom prst="round2DiagRect">
+            <a:avLst>
+              <a:gd name="adj1" fmla="val 5608"/>
+              <a:gd name="adj2" fmla="val 0"/>
+            </a:avLst>
+          </a:prstGeom>
+          <a:ln w="19050" cap="sq">
+            <a:solidFill>
+              <a:schemeClr val="tx2">
+                <a:lumMod val="60000"/>
+                <a:lumOff val="40000"/>
+                <a:alpha val="60000"/>
+              </a:schemeClr>
+            </a:solidFill>
+            <a:miter lim="800000"/>
+          </a:ln>
+          <a:effectLst>
+            <a:outerShdw blurRad="88900" dist="38100" dir="5400000" algn="t" rotWithShape="0">
+              <a:prstClr val="black">
+                <a:alpha val="40000"/>
+              </a:prstClr>
+            </a:outerShdw>
+          </a:effectLst>
+        </p:spPr>
+      </p:pic>
+      <p:sp>
+        <p:nvSpPr>
+          <p:cNvPr id="2" name="Title 1">
+            <a:extLst>
+              <a:ext uri="{FF2B5EF4-FFF2-40B4-BE49-F238E27FC236}">
+                <a16:creationId xmlns:a16="http://schemas.microsoft.com/office/drawing/2014/main" id="{41BE452A-AAB6-408D-9E97-24CDB0296F85}"/>
+              </a:ext>
+            </a:extLst>
+          </p:cNvPr>
+          <p:cNvSpPr>
+            <a:spLocks noGrp="1"/>
+          </p:cNvSpPr>
+          <p:nvPr>
+            <p:ph type="title"/>
+          </p:nvPr>
+        </p:nvSpPr>
+        <p:spPr>
+          <a:xfrm>
+            <a:off x="1141413" y="618518"/>
+            <a:ext cx="9905998" cy="1478570"/>
+          </a:xfrm>
+        </p:spPr>
+        <p:txBody>
+          <a:bodyPr>
+            <a:normAutofit/>
+          </a:bodyPr>
+          <a:lstStyle/>
+          <a:p>
+            <a:r>
+              <a:rPr lang="en-US" dirty="0"/>
+              <a:t>El uso de </a:t>
+            </a:r>
+            <a:r>
+              <a:rPr lang="en-US" dirty="0" err="1"/>
+              <a:t>Github</a:t>
+            </a:r>
+            <a:endParaRPr lang="en-US" dirty="0"/>
+          </a:p>
+        </p:txBody>
+      </p:sp>
+      <p:sp>
+        <p:nvSpPr>
+          <p:cNvPr id="3" name="Content Placeholder 2">
+            <a:extLst>
+              <a:ext uri="{FF2B5EF4-FFF2-40B4-BE49-F238E27FC236}">
+                <a16:creationId xmlns:a16="http://schemas.microsoft.com/office/drawing/2014/main" id="{C406478A-1286-4248-965E-910792AAE856}"/>
+              </a:ext>
+            </a:extLst>
+          </p:cNvPr>
+          <p:cNvSpPr>
+            <a:spLocks noGrp="1"/>
+          </p:cNvSpPr>
+          <p:nvPr>
+            <p:ph idx="1"/>
+          </p:nvPr>
+        </p:nvSpPr>
+        <p:spPr>
+          <a:xfrm>
+            <a:off x="6336727" y="2249487"/>
+            <a:ext cx="4710683" cy="3541714"/>
+          </a:xfrm>
+        </p:spPr>
+        <p:txBody>
+          <a:bodyPr>
+            <a:normAutofit/>
+          </a:bodyPr>
+          <a:lstStyle/>
+          <a:p>
+            <a:r>
+              <a:rPr lang="es-ES" dirty="0"/>
+              <a:t>Usar “</a:t>
+            </a:r>
+            <a:r>
+              <a:rPr lang="es-ES" dirty="0" err="1"/>
+              <a:t>forks</a:t>
+            </a:r>
+            <a:r>
+              <a:rPr lang="es-ES" dirty="0"/>
+              <a:t>” de un “master” para evitar conflictos mayores</a:t>
+            </a:r>
+          </a:p>
+          <a:p>
+            <a:r>
+              <a:rPr lang="es-ES" dirty="0"/>
+              <a:t>Hacer un “</a:t>
+            </a:r>
+            <a:r>
+              <a:rPr lang="es-ES" dirty="0" err="1"/>
+              <a:t>merge</a:t>
+            </a:r>
+            <a:r>
+              <a:rPr lang="es-ES" dirty="0"/>
+              <a:t>” antes de comenzar a trabajar y al final del día</a:t>
+            </a:r>
+            <a:endParaRPr lang="en-US" dirty="0"/>
+          </a:p>
+        </p:txBody>
+      </p:sp>
+    </p:spTree>
+    <p:extLst>
+      <p:ext uri="{BB962C8B-B14F-4D97-AF65-F5344CB8AC3E}">
+        <p14:creationId xmlns:p14="http://schemas.microsoft.com/office/powerpoint/2010/main" val="25328738"/>
       </p:ext>
     </p:extLst>
   </p:cSld>

--- a/Documentacion/Presentación/Presentación de la aplicación.pptx
+++ b/Documentacion/Presentación/Presentación de la aplicación.pptx
@@ -10,12 +10,11 @@
     <p:sldId id="258" r:id="rId4"/>
     <p:sldId id="259" r:id="rId5"/>
     <p:sldId id="263" r:id="rId6"/>
-    <p:sldId id="266" r:id="rId7"/>
-    <p:sldId id="264" r:id="rId8"/>
-    <p:sldId id="265" r:id="rId9"/>
-    <p:sldId id="260" r:id="rId10"/>
-    <p:sldId id="261" r:id="rId11"/>
-    <p:sldId id="262" r:id="rId12"/>
+    <p:sldId id="264" r:id="rId7"/>
+    <p:sldId id="265" r:id="rId8"/>
+    <p:sldId id="260" r:id="rId9"/>
+    <p:sldId id="261" r:id="rId10"/>
+    <p:sldId id="262" r:id="rId11"/>
   </p:sldIdLst>
   <p:sldSz cx="12192000" cy="6858000"/>
   <p:notesSz cx="6858000" cy="9144000"/>
@@ -179,7 +178,7 @@
           <a:noFill/>
           <a:extLst>
             <a:ext uri="{909E8E84-426E-40dd-AFC4-6F175D3DCCD1}">
-              <a14:hiddenFill xmlns="" xmlns:a14="http://schemas.microsoft.com/office/drawing/2010/main">
+              <a14:hiddenFill xmlns:a14="http://schemas.microsoft.com/office/drawing/2010/main" xmlns="">
                 <a:solidFill>
                   <a:srgbClr val="FFFFFF"/>
                 </a:solidFill>
@@ -238,7 +237,7 @@
             </a:ln>
             <a:extLst>
               <a:ext uri="{91240B29-F687-4f45-9708-019B960494DF}">
-                <a14:hiddenLine xmlns="" xmlns:a14="http://schemas.microsoft.com/office/drawing/2010/main" w="9525">
+                <a14:hiddenLine xmlns:a14="http://schemas.microsoft.com/office/drawing/2010/main" xmlns="" w="9525">
                   <a:solidFill>
                     <a:srgbClr val="000000"/>
                   </a:solidFill>
@@ -328,7 +327,7 @@
             </a:ln>
             <a:extLst>
               <a:ext uri="{91240B29-F687-4f45-9708-019B960494DF}">
-                <a14:hiddenLine xmlns="" xmlns:a14="http://schemas.microsoft.com/office/drawing/2010/main" w="9525">
+                <a14:hiddenLine xmlns:a14="http://schemas.microsoft.com/office/drawing/2010/main" xmlns="" w="9525">
                   <a:solidFill>
                     <a:srgbClr val="000000"/>
                   </a:solidFill>
@@ -418,7 +417,7 @@
             </a:ln>
             <a:extLst>
               <a:ext uri="{91240B29-F687-4f45-9708-019B960494DF}">
-                <a14:hiddenLine xmlns="" xmlns:a14="http://schemas.microsoft.com/office/drawing/2010/main" w="9525">
+                <a14:hiddenLine xmlns:a14="http://schemas.microsoft.com/office/drawing/2010/main" xmlns="" w="9525">
                   <a:solidFill>
                     <a:srgbClr val="000000"/>
                   </a:solidFill>
@@ -452,7 +451,7 @@
             </a:ln>
             <a:extLst>
               <a:ext uri="{91240B29-F687-4f45-9708-019B960494DF}">
-                <a14:hiddenLine xmlns="" xmlns:a14="http://schemas.microsoft.com/office/drawing/2010/main" w="9525">
+                <a14:hiddenLine xmlns:a14="http://schemas.microsoft.com/office/drawing/2010/main" xmlns="" w="9525">
                   <a:solidFill>
                     <a:srgbClr val="000000"/>
                   </a:solidFill>
@@ -542,7 +541,7 @@
             </a:ln>
             <a:extLst>
               <a:ext uri="{91240B29-F687-4f45-9708-019B960494DF}">
-                <a14:hiddenLine xmlns="" xmlns:a14="http://schemas.microsoft.com/office/drawing/2010/main" w="9525">
+                <a14:hiddenLine xmlns:a14="http://schemas.microsoft.com/office/drawing/2010/main" xmlns="" w="9525">
                   <a:solidFill>
                     <a:srgbClr val="000000"/>
                   </a:solidFill>
@@ -604,7 +603,7 @@
             </a:ln>
             <a:extLst>
               <a:ext uri="{91240B29-F687-4f45-9708-019B960494DF}">
-                <a14:hiddenLine xmlns="" xmlns:a14="http://schemas.microsoft.com/office/drawing/2010/main" w="9525">
+                <a14:hiddenLine xmlns:a14="http://schemas.microsoft.com/office/drawing/2010/main" xmlns="" w="9525">
                   <a:solidFill>
                     <a:srgbClr val="000000"/>
                   </a:solidFill>
@@ -666,7 +665,7 @@
             </a:ln>
             <a:extLst>
               <a:ext uri="{91240B29-F687-4f45-9708-019B960494DF}">
-                <a14:hiddenLine xmlns="" xmlns:a14="http://schemas.microsoft.com/office/drawing/2010/main" w="9525">
+                <a14:hiddenLine xmlns:a14="http://schemas.microsoft.com/office/drawing/2010/main" xmlns="" w="9525">
                   <a:solidFill>
                     <a:srgbClr val="000000"/>
                   </a:solidFill>
@@ -756,7 +755,7 @@
             </a:ln>
             <a:extLst>
               <a:ext uri="{91240B29-F687-4f45-9708-019B960494DF}">
-                <a14:hiddenLine xmlns="" xmlns:a14="http://schemas.microsoft.com/office/drawing/2010/main" w="9525">
+                <a14:hiddenLine xmlns:a14="http://schemas.microsoft.com/office/drawing/2010/main" xmlns="" w="9525">
                   <a:solidFill>
                     <a:srgbClr val="000000"/>
                   </a:solidFill>
@@ -818,7 +817,7 @@
             </a:ln>
             <a:extLst>
               <a:ext uri="{91240B29-F687-4f45-9708-019B960494DF}">
-                <a14:hiddenLine xmlns="" xmlns:a14="http://schemas.microsoft.com/office/drawing/2010/main" w="9525">
+                <a14:hiddenLine xmlns:a14="http://schemas.microsoft.com/office/drawing/2010/main" xmlns="" w="9525">
                   <a:solidFill>
                     <a:srgbClr val="000000"/>
                   </a:solidFill>
@@ -880,7 +879,7 @@
             </a:ln>
             <a:extLst>
               <a:ext uri="{91240B29-F687-4f45-9708-019B960494DF}">
-                <a14:hiddenLine xmlns="" xmlns:a14="http://schemas.microsoft.com/office/drawing/2010/main" w="9525">
+                <a14:hiddenLine xmlns:a14="http://schemas.microsoft.com/office/drawing/2010/main" xmlns="" w="9525">
                   <a:solidFill>
                     <a:srgbClr val="000000"/>
                   </a:solidFill>
@@ -970,7 +969,7 @@
             </a:ln>
             <a:extLst>
               <a:ext uri="{91240B29-F687-4f45-9708-019B960494DF}">
-                <a14:hiddenLine xmlns="" xmlns:a14="http://schemas.microsoft.com/office/drawing/2010/main" w="9525">
+                <a14:hiddenLine xmlns:a14="http://schemas.microsoft.com/office/drawing/2010/main" xmlns="" w="9525">
                   <a:solidFill>
                     <a:srgbClr val="000000"/>
                   </a:solidFill>
@@ -1060,7 +1059,7 @@
             </a:ln>
             <a:extLst>
               <a:ext uri="{91240B29-F687-4f45-9708-019B960494DF}">
-                <a14:hiddenLine xmlns="" xmlns:a14="http://schemas.microsoft.com/office/drawing/2010/main" w="9525">
+                <a14:hiddenLine xmlns:a14="http://schemas.microsoft.com/office/drawing/2010/main" xmlns="" w="9525">
                   <a:solidFill>
                     <a:srgbClr val="000000"/>
                   </a:solidFill>
@@ -1122,7 +1121,7 @@
             </a:ln>
             <a:extLst>
               <a:ext uri="{91240B29-F687-4f45-9708-019B960494DF}">
-                <a14:hiddenLine xmlns="" xmlns:a14="http://schemas.microsoft.com/office/drawing/2010/main" w="9525">
+                <a14:hiddenLine xmlns:a14="http://schemas.microsoft.com/office/drawing/2010/main" xmlns="" w="9525">
                   <a:solidFill>
                     <a:srgbClr val="000000"/>
                   </a:solidFill>
@@ -1232,7 +1231,7 @@
             </a:ln>
             <a:extLst>
               <a:ext uri="{91240B29-F687-4f45-9708-019B960494DF}">
-                <a14:hiddenLine xmlns="" xmlns:a14="http://schemas.microsoft.com/office/drawing/2010/main" w="9525">
+                <a14:hiddenLine xmlns:a14="http://schemas.microsoft.com/office/drawing/2010/main" xmlns="" w="9525">
                   <a:solidFill>
                     <a:srgbClr val="000000"/>
                   </a:solidFill>
@@ -1294,7 +1293,7 @@
             </a:ln>
             <a:extLst>
               <a:ext uri="{91240B29-F687-4f45-9708-019B960494DF}">
-                <a14:hiddenLine xmlns="" xmlns:a14="http://schemas.microsoft.com/office/drawing/2010/main" w="9525">
+                <a14:hiddenLine xmlns:a14="http://schemas.microsoft.com/office/drawing/2010/main" xmlns="" w="9525">
                   <a:solidFill>
                     <a:srgbClr val="000000"/>
                   </a:solidFill>
@@ -1384,7 +1383,7 @@
             </a:ln>
             <a:extLst>
               <a:ext uri="{91240B29-F687-4f45-9708-019B960494DF}">
-                <a14:hiddenLine xmlns="" xmlns:a14="http://schemas.microsoft.com/office/drawing/2010/main" w="9525">
+                <a14:hiddenLine xmlns:a14="http://schemas.microsoft.com/office/drawing/2010/main" xmlns="" w="9525">
                   <a:solidFill>
                     <a:srgbClr val="000000"/>
                   </a:solidFill>
@@ -1474,7 +1473,7 @@
             </a:ln>
             <a:extLst>
               <a:ext uri="{91240B29-F687-4f45-9708-019B960494DF}">
-                <a14:hiddenLine xmlns="" xmlns:a14="http://schemas.microsoft.com/office/drawing/2010/main" w="9525">
+                <a14:hiddenLine xmlns:a14="http://schemas.microsoft.com/office/drawing/2010/main" xmlns="" w="9525">
                   <a:solidFill>
                     <a:srgbClr val="000000"/>
                   </a:solidFill>
@@ -1536,7 +1535,7 @@
             </a:ln>
             <a:extLst>
               <a:ext uri="{91240B29-F687-4f45-9708-019B960494DF}">
-                <a14:hiddenLine xmlns="" xmlns:a14="http://schemas.microsoft.com/office/drawing/2010/main" w="9525">
+                <a14:hiddenLine xmlns:a14="http://schemas.microsoft.com/office/drawing/2010/main" xmlns="" w="9525">
                   <a:solidFill>
                     <a:srgbClr val="000000"/>
                   </a:solidFill>
@@ -1626,7 +1625,7 @@
             </a:ln>
             <a:extLst>
               <a:ext uri="{91240B29-F687-4f45-9708-019B960494DF}">
-                <a14:hiddenLine xmlns="" xmlns:a14="http://schemas.microsoft.com/office/drawing/2010/main" w="9525">
+                <a14:hiddenLine xmlns:a14="http://schemas.microsoft.com/office/drawing/2010/main" xmlns="" w="9525">
                   <a:solidFill>
                     <a:srgbClr val="000000"/>
                   </a:solidFill>
@@ -1716,7 +1715,7 @@
             </a:ln>
             <a:extLst>
               <a:ext uri="{91240B29-F687-4f45-9708-019B960494DF}">
-                <a14:hiddenLine xmlns="" xmlns:a14="http://schemas.microsoft.com/office/drawing/2010/main" w="9525">
+                <a14:hiddenLine xmlns:a14="http://schemas.microsoft.com/office/drawing/2010/main" xmlns="" w="9525">
                   <a:solidFill>
                     <a:srgbClr val="000000"/>
                   </a:solidFill>
@@ -1772,7 +1771,7 @@
             </a:ln>
             <a:extLst>
               <a:ext uri="{91240B29-F687-4f45-9708-019B960494DF}">
-                <a14:hiddenLine xmlns="" xmlns:a14="http://schemas.microsoft.com/office/drawing/2010/main" w="9525">
+                <a14:hiddenLine xmlns:a14="http://schemas.microsoft.com/office/drawing/2010/main" xmlns="" w="9525">
                   <a:solidFill>
                     <a:srgbClr val="000000"/>
                   </a:solidFill>
@@ -1862,7 +1861,7 @@
             </a:ln>
             <a:extLst>
               <a:ext uri="{91240B29-F687-4f45-9708-019B960494DF}">
-                <a14:hiddenLine xmlns="" xmlns:a14="http://schemas.microsoft.com/office/drawing/2010/main" w="9525">
+                <a14:hiddenLine xmlns:a14="http://schemas.microsoft.com/office/drawing/2010/main" xmlns="" w="9525">
                   <a:solidFill>
                     <a:srgbClr val="000000"/>
                   </a:solidFill>
@@ -1918,7 +1917,7 @@
             </a:ln>
             <a:extLst>
               <a:ext uri="{91240B29-F687-4f45-9708-019B960494DF}">
-                <a14:hiddenLine xmlns="" xmlns:a14="http://schemas.microsoft.com/office/drawing/2010/main" w="9525">
+                <a14:hiddenLine xmlns:a14="http://schemas.microsoft.com/office/drawing/2010/main" xmlns="" w="9525">
                   <a:solidFill>
                     <a:srgbClr val="000000"/>
                   </a:solidFill>
@@ -2008,7 +2007,7 @@
             </a:ln>
             <a:extLst>
               <a:ext uri="{91240B29-F687-4f45-9708-019B960494DF}">
-                <a14:hiddenLine xmlns="" xmlns:a14="http://schemas.microsoft.com/office/drawing/2010/main" w="9525">
+                <a14:hiddenLine xmlns:a14="http://schemas.microsoft.com/office/drawing/2010/main" xmlns="" w="9525">
                   <a:solidFill>
                     <a:srgbClr val="000000"/>
                   </a:solidFill>
@@ -2076,7 +2075,7 @@
             </a:ln>
             <a:extLst>
               <a:ext uri="{91240B29-F687-4f45-9708-019B960494DF}">
-                <a14:hiddenLine xmlns="" xmlns:a14="http://schemas.microsoft.com/office/drawing/2010/main" w="9525">
+                <a14:hiddenLine xmlns:a14="http://schemas.microsoft.com/office/drawing/2010/main" xmlns="" w="9525">
                   <a:solidFill>
                     <a:srgbClr val="000000"/>
                   </a:solidFill>
@@ -2166,7 +2165,7 @@
             </a:ln>
             <a:extLst>
               <a:ext uri="{91240B29-F687-4f45-9708-019B960494DF}">
-                <a14:hiddenLine xmlns="" xmlns:a14="http://schemas.microsoft.com/office/drawing/2010/main" w="9525">
+                <a14:hiddenLine xmlns:a14="http://schemas.microsoft.com/office/drawing/2010/main" xmlns="" w="9525">
                   <a:solidFill>
                     <a:srgbClr val="000000"/>
                   </a:solidFill>
@@ -2234,7 +2233,7 @@
             </a:ln>
             <a:extLst>
               <a:ext uri="{91240B29-F687-4f45-9708-019B960494DF}">
-                <a14:hiddenLine xmlns="" xmlns:a14="http://schemas.microsoft.com/office/drawing/2010/main" w="9525">
+                <a14:hiddenLine xmlns:a14="http://schemas.microsoft.com/office/drawing/2010/main" xmlns="" w="9525">
                   <a:solidFill>
                     <a:srgbClr val="000000"/>
                   </a:solidFill>
@@ -2324,7 +2323,7 @@
             </a:ln>
             <a:extLst>
               <a:ext uri="{91240B29-F687-4f45-9708-019B960494DF}">
-                <a14:hiddenLine xmlns="" xmlns:a14="http://schemas.microsoft.com/office/drawing/2010/main" w="9525">
+                <a14:hiddenLine xmlns:a14="http://schemas.microsoft.com/office/drawing/2010/main" xmlns="" w="9525">
                   <a:solidFill>
                     <a:srgbClr val="000000"/>
                   </a:solidFill>
@@ -2358,7 +2357,7 @@
             </a:ln>
             <a:extLst>
               <a:ext uri="{91240B29-F687-4f45-9708-019B960494DF}">
-                <a14:hiddenLine xmlns="" xmlns:a14="http://schemas.microsoft.com/office/drawing/2010/main" w="9525">
+                <a14:hiddenLine xmlns:a14="http://schemas.microsoft.com/office/drawing/2010/main" xmlns="" w="9525">
                   <a:solidFill>
                     <a:srgbClr val="000000"/>
                   </a:solidFill>
@@ -2448,7 +2447,7 @@
             </a:ln>
             <a:extLst>
               <a:ext uri="{91240B29-F687-4f45-9708-019B960494DF}">
-                <a14:hiddenLine xmlns="" xmlns:a14="http://schemas.microsoft.com/office/drawing/2010/main" w="9525">
+                <a14:hiddenLine xmlns:a14="http://schemas.microsoft.com/office/drawing/2010/main" xmlns="" w="9525">
                   <a:solidFill>
                     <a:srgbClr val="000000"/>
                   </a:solidFill>
@@ -2510,7 +2509,7 @@
             </a:ln>
             <a:extLst>
               <a:ext uri="{91240B29-F687-4f45-9708-019B960494DF}">
-                <a14:hiddenLine xmlns="" xmlns:a14="http://schemas.microsoft.com/office/drawing/2010/main" w="9525">
+                <a14:hiddenLine xmlns:a14="http://schemas.microsoft.com/office/drawing/2010/main" xmlns="" w="9525">
                   <a:solidFill>
                     <a:srgbClr val="000000"/>
                   </a:solidFill>
@@ -2572,7 +2571,7 @@
             </a:ln>
             <a:extLst>
               <a:ext uri="{91240B29-F687-4f45-9708-019B960494DF}">
-                <a14:hiddenLine xmlns="" xmlns:a14="http://schemas.microsoft.com/office/drawing/2010/main" w="9525">
+                <a14:hiddenLine xmlns:a14="http://schemas.microsoft.com/office/drawing/2010/main" xmlns="" w="9525">
                   <a:solidFill>
                     <a:srgbClr val="000000"/>
                   </a:solidFill>
@@ -2662,7 +2661,7 @@
             </a:ln>
             <a:extLst>
               <a:ext uri="{91240B29-F687-4f45-9708-019B960494DF}">
-                <a14:hiddenLine xmlns="" xmlns:a14="http://schemas.microsoft.com/office/drawing/2010/main" w="9525">
+                <a14:hiddenLine xmlns:a14="http://schemas.microsoft.com/office/drawing/2010/main" xmlns="" w="9525">
                   <a:solidFill>
                     <a:srgbClr val="000000"/>
                   </a:solidFill>
@@ -2730,7 +2729,7 @@
             </a:ln>
             <a:extLst>
               <a:ext uri="{91240B29-F687-4f45-9708-019B960494DF}">
-                <a14:hiddenLine xmlns="" xmlns:a14="http://schemas.microsoft.com/office/drawing/2010/main" w="9525">
+                <a14:hiddenLine xmlns:a14="http://schemas.microsoft.com/office/drawing/2010/main" xmlns="" w="9525">
                   <a:solidFill>
                     <a:srgbClr val="000000"/>
                   </a:solidFill>
@@ -2792,7 +2791,7 @@
             </a:ln>
             <a:extLst>
               <a:ext uri="{91240B29-F687-4f45-9708-019B960494DF}">
-                <a14:hiddenLine xmlns="" xmlns:a14="http://schemas.microsoft.com/office/drawing/2010/main" w="9525">
+                <a14:hiddenLine xmlns:a14="http://schemas.microsoft.com/office/drawing/2010/main" xmlns="" w="9525">
                   <a:solidFill>
                     <a:srgbClr val="000000"/>
                   </a:solidFill>
@@ -2882,7 +2881,7 @@
             </a:ln>
             <a:extLst>
               <a:ext uri="{91240B29-F687-4f45-9708-019B960494DF}">
-                <a14:hiddenLine xmlns="" xmlns:a14="http://schemas.microsoft.com/office/drawing/2010/main" w="9525">
+                <a14:hiddenLine xmlns:a14="http://schemas.microsoft.com/office/drawing/2010/main" xmlns="" w="9525">
                   <a:solidFill>
                     <a:srgbClr val="000000"/>
                   </a:solidFill>
@@ -2944,7 +2943,7 @@
             </a:ln>
             <a:extLst>
               <a:ext uri="{91240B29-F687-4f45-9708-019B960494DF}">
-                <a14:hiddenLine xmlns="" xmlns:a14="http://schemas.microsoft.com/office/drawing/2010/main" w="9525">
+                <a14:hiddenLine xmlns:a14="http://schemas.microsoft.com/office/drawing/2010/main" xmlns="" w="9525">
                   <a:solidFill>
                     <a:srgbClr val="000000"/>
                   </a:solidFill>
@@ -3034,7 +3033,7 @@
             </a:ln>
             <a:extLst>
               <a:ext uri="{91240B29-F687-4f45-9708-019B960494DF}">
-                <a14:hiddenLine xmlns="" xmlns:a14="http://schemas.microsoft.com/office/drawing/2010/main" w="9525">
+                <a14:hiddenLine xmlns:a14="http://schemas.microsoft.com/office/drawing/2010/main" xmlns="" w="9525">
                   <a:solidFill>
                     <a:srgbClr val="000000"/>
                   </a:solidFill>
@@ -3096,7 +3095,7 @@
             </a:ln>
             <a:extLst>
               <a:ext uri="{91240B29-F687-4f45-9708-019B960494DF}">
-                <a14:hiddenLine xmlns="" xmlns:a14="http://schemas.microsoft.com/office/drawing/2010/main" w="9525">
+                <a14:hiddenLine xmlns:a14="http://schemas.microsoft.com/office/drawing/2010/main" xmlns="" w="9525">
                   <a:solidFill>
                     <a:srgbClr val="000000"/>
                   </a:solidFill>
@@ -3186,7 +3185,7 @@
             </a:ln>
             <a:extLst>
               <a:ext uri="{91240B29-F687-4f45-9708-019B960494DF}">
-                <a14:hiddenLine xmlns="" xmlns:a14="http://schemas.microsoft.com/office/drawing/2010/main" w="9525">
+                <a14:hiddenLine xmlns:a14="http://schemas.microsoft.com/office/drawing/2010/main" xmlns="" w="9525">
                   <a:solidFill>
                     <a:srgbClr val="000000"/>
                   </a:solidFill>
@@ -3220,7 +3219,7 @@
             </a:ln>
             <a:extLst>
               <a:ext uri="{91240B29-F687-4f45-9708-019B960494DF}">
-                <a14:hiddenLine xmlns="" xmlns:a14="http://schemas.microsoft.com/office/drawing/2010/main" w="9525">
+                <a14:hiddenLine xmlns:a14="http://schemas.microsoft.com/office/drawing/2010/main" xmlns="" w="9525">
                   <a:solidFill>
                     <a:srgbClr val="000000"/>
                   </a:solidFill>
@@ -3285,7 +3284,7 @@
             </a:ln>
             <a:extLst>
               <a:ext uri="{91240B29-F687-4f45-9708-019B960494DF}">
-                <a14:hiddenLine xmlns="" xmlns:a14="http://schemas.microsoft.com/office/drawing/2010/main" w="9525">
+                <a14:hiddenLine xmlns:a14="http://schemas.microsoft.com/office/drawing/2010/main" xmlns="" w="9525">
                   <a:solidFill>
                     <a:srgbClr val="000000"/>
                   </a:solidFill>
@@ -3375,7 +3374,7 @@
             </a:ln>
             <a:extLst>
               <a:ext uri="{91240B29-F687-4f45-9708-019B960494DF}">
-                <a14:hiddenLine xmlns="" xmlns:a14="http://schemas.microsoft.com/office/drawing/2010/main" w="9525">
+                <a14:hiddenLine xmlns:a14="http://schemas.microsoft.com/office/drawing/2010/main" xmlns="" w="9525">
                   <a:solidFill>
                     <a:srgbClr val="000000"/>
                   </a:solidFill>
@@ -3437,7 +3436,7 @@
             </a:ln>
             <a:extLst>
               <a:ext uri="{91240B29-F687-4f45-9708-019B960494DF}">
-                <a14:hiddenLine xmlns="" xmlns:a14="http://schemas.microsoft.com/office/drawing/2010/main" w="9525">
+                <a14:hiddenLine xmlns:a14="http://schemas.microsoft.com/office/drawing/2010/main" xmlns="" w="9525">
                   <a:solidFill>
                     <a:srgbClr val="000000"/>
                   </a:solidFill>
@@ -3527,7 +3526,7 @@
             </a:ln>
             <a:extLst>
               <a:ext uri="{91240B29-F687-4f45-9708-019B960494DF}">
-                <a14:hiddenLine xmlns="" xmlns:a14="http://schemas.microsoft.com/office/drawing/2010/main" w="9525">
+                <a14:hiddenLine xmlns:a14="http://schemas.microsoft.com/office/drawing/2010/main" xmlns="" w="9525">
                   <a:solidFill>
                     <a:srgbClr val="000000"/>
                   </a:solidFill>
@@ -3617,7 +3616,7 @@
             </a:ln>
             <a:extLst>
               <a:ext uri="{91240B29-F687-4f45-9708-019B960494DF}">
-                <a14:hiddenLine xmlns="" xmlns:a14="http://schemas.microsoft.com/office/drawing/2010/main" w="9525">
+                <a14:hiddenLine xmlns:a14="http://schemas.microsoft.com/office/drawing/2010/main" xmlns="" w="9525">
                   <a:solidFill>
                     <a:srgbClr val="000000"/>
                   </a:solidFill>
@@ -3682,7 +3681,7 @@
             </a:ln>
             <a:extLst>
               <a:ext uri="{91240B29-F687-4f45-9708-019B960494DF}">
-                <a14:hiddenLine xmlns="" xmlns:a14="http://schemas.microsoft.com/office/drawing/2010/main" w="9525">
+                <a14:hiddenLine xmlns:a14="http://schemas.microsoft.com/office/drawing/2010/main" xmlns="" w="9525">
                   <a:solidFill>
                     <a:srgbClr val="000000"/>
                   </a:solidFill>
@@ -3744,7 +3743,7 @@
             </a:ln>
             <a:extLst>
               <a:ext uri="{91240B29-F687-4f45-9708-019B960494DF}">
-                <a14:hiddenLine xmlns="" xmlns:a14="http://schemas.microsoft.com/office/drawing/2010/main" w="9525">
+                <a14:hiddenLine xmlns:a14="http://schemas.microsoft.com/office/drawing/2010/main" xmlns="" w="9525">
                   <a:solidFill>
                     <a:srgbClr val="000000"/>
                   </a:solidFill>
@@ -3834,7 +3833,7 @@
             </a:ln>
             <a:extLst>
               <a:ext uri="{91240B29-F687-4f45-9708-019B960494DF}">
-                <a14:hiddenLine xmlns="" xmlns:a14="http://schemas.microsoft.com/office/drawing/2010/main" w="9525">
+                <a14:hiddenLine xmlns:a14="http://schemas.microsoft.com/office/drawing/2010/main" xmlns="" w="9525">
                   <a:solidFill>
                     <a:srgbClr val="000000"/>
                   </a:solidFill>
@@ -3924,7 +3923,7 @@
             </a:ln>
             <a:extLst>
               <a:ext uri="{91240B29-F687-4f45-9708-019B960494DF}">
-                <a14:hiddenLine xmlns="" xmlns:a14="http://schemas.microsoft.com/office/drawing/2010/main" w="9525">
+                <a14:hiddenLine xmlns:a14="http://schemas.microsoft.com/office/drawing/2010/main" xmlns="" w="9525">
                   <a:solidFill>
                     <a:srgbClr val="000000"/>
                   </a:solidFill>
@@ -3986,7 +3985,7 @@
             </a:ln>
             <a:extLst>
               <a:ext uri="{91240B29-F687-4f45-9708-019B960494DF}">
-                <a14:hiddenLine xmlns="" xmlns:a14="http://schemas.microsoft.com/office/drawing/2010/main" w="9525">
+                <a14:hiddenLine xmlns:a14="http://schemas.microsoft.com/office/drawing/2010/main" xmlns="" w="9525">
                   <a:solidFill>
                     <a:srgbClr val="000000"/>
                   </a:solidFill>
@@ -4106,7 +4105,7 @@
             </a:ln>
             <a:extLst>
               <a:ext uri="{91240B29-F687-4f45-9708-019B960494DF}">
-                <a14:hiddenLine xmlns="" xmlns:a14="http://schemas.microsoft.com/office/drawing/2010/main" w="9525">
+                <a14:hiddenLine xmlns:a14="http://schemas.microsoft.com/office/drawing/2010/main" xmlns="" w="9525">
                   <a:solidFill>
                     <a:srgbClr val="000000"/>
                   </a:solidFill>
@@ -4174,7 +4173,7 @@
             </a:ln>
             <a:extLst>
               <a:ext uri="{91240B29-F687-4f45-9708-019B960494DF}">
-                <a14:hiddenLine xmlns="" xmlns:a14="http://schemas.microsoft.com/office/drawing/2010/main" w="9525">
+                <a14:hiddenLine xmlns:a14="http://schemas.microsoft.com/office/drawing/2010/main" xmlns="" w="9525">
                   <a:solidFill>
                     <a:srgbClr val="000000"/>
                   </a:solidFill>
@@ -4264,7 +4263,7 @@
             </a:ln>
             <a:extLst>
               <a:ext uri="{91240B29-F687-4f45-9708-019B960494DF}">
-                <a14:hiddenLine xmlns="" xmlns:a14="http://schemas.microsoft.com/office/drawing/2010/main" w="9525">
+                <a14:hiddenLine xmlns:a14="http://schemas.microsoft.com/office/drawing/2010/main" xmlns="" w="9525">
                   <a:solidFill>
                     <a:srgbClr val="000000"/>
                   </a:solidFill>
@@ -9078,7 +9077,7 @@
           <a:noFill/>
           <a:extLst>
             <a:ext uri="{909E8E84-426E-40dd-AFC4-6F175D3DCCD1}">
-              <a14:hiddenFill xmlns="" xmlns:a14="http://schemas.microsoft.com/office/drawing/2010/main">
+              <a14:hiddenFill xmlns:a14="http://schemas.microsoft.com/office/drawing/2010/main" xmlns="">
                 <a:solidFill>
                   <a:srgbClr val="FFFFFF"/>
                 </a:solidFill>
@@ -9152,7 +9151,7 @@
               </a:ln>
               <a:extLst>
                 <a:ext uri="{91240B29-F687-4f45-9708-019B960494DF}">
-                  <a14:hiddenLine xmlns="" xmlns:a14="http://schemas.microsoft.com/office/drawing/2010/main" w="9525">
+                  <a14:hiddenLine xmlns:a14="http://schemas.microsoft.com/office/drawing/2010/main" xmlns="" w="9525">
                     <a:solidFill>
                       <a:srgbClr val="000000"/>
                     </a:solidFill>
@@ -9242,7 +9241,7 @@
               </a:ln>
               <a:extLst>
                 <a:ext uri="{91240B29-F687-4f45-9708-019B960494DF}">
-                  <a14:hiddenLine xmlns="" xmlns:a14="http://schemas.microsoft.com/office/drawing/2010/main" w="9525">
+                  <a14:hiddenLine xmlns:a14="http://schemas.microsoft.com/office/drawing/2010/main" xmlns="" w="9525">
                     <a:solidFill>
                       <a:srgbClr val="000000"/>
                     </a:solidFill>
@@ -9332,7 +9331,7 @@
               </a:ln>
               <a:extLst>
                 <a:ext uri="{91240B29-F687-4f45-9708-019B960494DF}">
-                  <a14:hiddenLine xmlns="" xmlns:a14="http://schemas.microsoft.com/office/drawing/2010/main" w="9525">
+                  <a14:hiddenLine xmlns:a14="http://schemas.microsoft.com/office/drawing/2010/main" xmlns="" w="9525">
                     <a:solidFill>
                       <a:srgbClr val="000000"/>
                     </a:solidFill>
@@ -9394,7 +9393,7 @@
               </a:ln>
               <a:extLst>
                 <a:ext uri="{91240B29-F687-4f45-9708-019B960494DF}">
-                  <a14:hiddenLine xmlns="" xmlns:a14="http://schemas.microsoft.com/office/drawing/2010/main" w="9525">
+                  <a14:hiddenLine xmlns:a14="http://schemas.microsoft.com/office/drawing/2010/main" xmlns="" w="9525">
                     <a:solidFill>
                       <a:srgbClr val="000000"/>
                     </a:solidFill>
@@ -9484,7 +9483,7 @@
               </a:ln>
               <a:extLst>
                 <a:ext uri="{91240B29-F687-4f45-9708-019B960494DF}">
-                  <a14:hiddenLine xmlns="" xmlns:a14="http://schemas.microsoft.com/office/drawing/2010/main" w="9525">
+                  <a14:hiddenLine xmlns:a14="http://schemas.microsoft.com/office/drawing/2010/main" xmlns="" w="9525">
                     <a:solidFill>
                       <a:srgbClr val="000000"/>
                     </a:solidFill>
@@ -9546,7 +9545,7 @@
               </a:ln>
               <a:extLst>
                 <a:ext uri="{91240B29-F687-4f45-9708-019B960494DF}">
-                  <a14:hiddenLine xmlns="" xmlns:a14="http://schemas.microsoft.com/office/drawing/2010/main" w="9525">
+                  <a14:hiddenLine xmlns:a14="http://schemas.microsoft.com/office/drawing/2010/main" xmlns="" w="9525">
                     <a:solidFill>
                       <a:srgbClr val="000000"/>
                     </a:solidFill>
@@ -9608,7 +9607,7 @@
               </a:ln>
               <a:extLst>
                 <a:ext uri="{91240B29-F687-4f45-9708-019B960494DF}">
-                  <a14:hiddenLine xmlns="" xmlns:a14="http://schemas.microsoft.com/office/drawing/2010/main" w="9525">
+                  <a14:hiddenLine xmlns:a14="http://schemas.microsoft.com/office/drawing/2010/main" xmlns="" w="9525">
                     <a:solidFill>
                       <a:srgbClr val="000000"/>
                     </a:solidFill>
@@ -9698,7 +9697,7 @@
               </a:ln>
               <a:extLst>
                 <a:ext uri="{91240B29-F687-4f45-9708-019B960494DF}">
-                  <a14:hiddenLine xmlns="" xmlns:a14="http://schemas.microsoft.com/office/drawing/2010/main" w="9525">
+                  <a14:hiddenLine xmlns:a14="http://schemas.microsoft.com/office/drawing/2010/main" xmlns="" w="9525">
                     <a:solidFill>
                       <a:srgbClr val="000000"/>
                     </a:solidFill>
@@ -9788,7 +9787,7 @@
               </a:ln>
               <a:extLst>
                 <a:ext uri="{91240B29-F687-4f45-9708-019B960494DF}">
-                  <a14:hiddenLine xmlns="" xmlns:a14="http://schemas.microsoft.com/office/drawing/2010/main" w="9525">
+                  <a14:hiddenLine xmlns:a14="http://schemas.microsoft.com/office/drawing/2010/main" xmlns="" w="9525">
                     <a:solidFill>
                       <a:srgbClr val="000000"/>
                     </a:solidFill>
@@ -9850,7 +9849,7 @@
               </a:ln>
               <a:extLst>
                 <a:ext uri="{91240B29-F687-4f45-9708-019B960494DF}">
-                  <a14:hiddenLine xmlns="" xmlns:a14="http://schemas.microsoft.com/office/drawing/2010/main" w="9525">
+                  <a14:hiddenLine xmlns:a14="http://schemas.microsoft.com/office/drawing/2010/main" xmlns="" w="9525">
                     <a:solidFill>
                       <a:srgbClr val="000000"/>
                     </a:solidFill>
@@ -9960,7 +9959,7 @@
               </a:ln>
               <a:extLst>
                 <a:ext uri="{91240B29-F687-4f45-9708-019B960494DF}">
-                  <a14:hiddenLine xmlns="" xmlns:a14="http://schemas.microsoft.com/office/drawing/2010/main" w="9525">
+                  <a14:hiddenLine xmlns:a14="http://schemas.microsoft.com/office/drawing/2010/main" xmlns="" w="9525">
                     <a:solidFill>
                       <a:srgbClr val="000000"/>
                     </a:solidFill>
@@ -10044,7 +10043,7 @@
               </a:ln>
               <a:extLst>
                 <a:ext uri="{91240B29-F687-4f45-9708-019B960494DF}">
-                  <a14:hiddenLine xmlns="" xmlns:a14="http://schemas.microsoft.com/office/drawing/2010/main" w="9525">
+                  <a14:hiddenLine xmlns:a14="http://schemas.microsoft.com/office/drawing/2010/main" xmlns="" w="9525">
                     <a:solidFill>
                       <a:srgbClr val="000000"/>
                     </a:solidFill>
@@ -10106,7 +10105,7 @@
               </a:ln>
               <a:extLst>
                 <a:ext uri="{91240B29-F687-4f45-9708-019B960494DF}">
-                  <a14:hiddenLine xmlns="" xmlns:a14="http://schemas.microsoft.com/office/drawing/2010/main" w="9525">
+                  <a14:hiddenLine xmlns:a14="http://schemas.microsoft.com/office/drawing/2010/main" xmlns="" w="9525">
                     <a:solidFill>
                       <a:srgbClr val="000000"/>
                     </a:solidFill>
@@ -10168,7 +10167,7 @@
               </a:ln>
               <a:extLst>
                 <a:ext uri="{91240B29-F687-4f45-9708-019B960494DF}">
-                  <a14:hiddenLine xmlns="" xmlns:a14="http://schemas.microsoft.com/office/drawing/2010/main" w="9525">
+                  <a14:hiddenLine xmlns:a14="http://schemas.microsoft.com/office/drawing/2010/main" xmlns="" w="9525">
                     <a:solidFill>
                       <a:srgbClr val="000000"/>
                     </a:solidFill>
@@ -10258,7 +10257,7 @@
               </a:ln>
               <a:extLst>
                 <a:ext uri="{91240B29-F687-4f45-9708-019B960494DF}">
-                  <a14:hiddenLine xmlns="" xmlns:a14="http://schemas.microsoft.com/office/drawing/2010/main" w="9525">
+                  <a14:hiddenLine xmlns:a14="http://schemas.microsoft.com/office/drawing/2010/main" xmlns="" w="9525">
                     <a:solidFill>
                       <a:srgbClr val="000000"/>
                     </a:solidFill>
@@ -10292,7 +10291,7 @@
               </a:ln>
               <a:extLst>
                 <a:ext uri="{91240B29-F687-4f45-9708-019B960494DF}">
-                  <a14:hiddenLine xmlns="" xmlns:a14="http://schemas.microsoft.com/office/drawing/2010/main" w="9525">
+                  <a14:hiddenLine xmlns:a14="http://schemas.microsoft.com/office/drawing/2010/main" xmlns="" w="9525">
                     <a:solidFill>
                       <a:srgbClr val="000000"/>
                     </a:solidFill>
@@ -10357,7 +10356,7 @@
               </a:ln>
               <a:extLst>
                 <a:ext uri="{91240B29-F687-4f45-9708-019B960494DF}">
-                  <a14:hiddenLine xmlns="" xmlns:a14="http://schemas.microsoft.com/office/drawing/2010/main" w="9525">
+                  <a14:hiddenLine xmlns:a14="http://schemas.microsoft.com/office/drawing/2010/main" xmlns="" w="9525">
                     <a:solidFill>
                       <a:srgbClr val="000000"/>
                     </a:solidFill>
@@ -10447,7 +10446,7 @@
               </a:ln>
               <a:extLst>
                 <a:ext uri="{91240B29-F687-4f45-9708-019B960494DF}">
-                  <a14:hiddenLine xmlns="" xmlns:a14="http://schemas.microsoft.com/office/drawing/2010/main" w="9525">
+                  <a14:hiddenLine xmlns:a14="http://schemas.microsoft.com/office/drawing/2010/main" xmlns="" w="9525">
                     <a:solidFill>
                       <a:srgbClr val="000000"/>
                     </a:solidFill>
@@ -10509,7 +10508,7 @@
               </a:ln>
               <a:extLst>
                 <a:ext uri="{91240B29-F687-4f45-9708-019B960494DF}">
-                  <a14:hiddenLine xmlns="" xmlns:a14="http://schemas.microsoft.com/office/drawing/2010/main" w="9525">
+                  <a14:hiddenLine xmlns:a14="http://schemas.microsoft.com/office/drawing/2010/main" xmlns="" w="9525">
                     <a:solidFill>
                       <a:srgbClr val="000000"/>
                     </a:solidFill>
@@ -10599,7 +10598,7 @@
               </a:ln>
               <a:extLst>
                 <a:ext uri="{91240B29-F687-4f45-9708-019B960494DF}">
-                  <a14:hiddenLine xmlns="" xmlns:a14="http://schemas.microsoft.com/office/drawing/2010/main" w="9525">
+                  <a14:hiddenLine xmlns:a14="http://schemas.microsoft.com/office/drawing/2010/main" xmlns="" w="9525">
                     <a:solidFill>
                       <a:srgbClr val="000000"/>
                     </a:solidFill>
@@ -10664,7 +10663,7 @@
               </a:ln>
               <a:extLst>
                 <a:ext uri="{91240B29-F687-4f45-9708-019B960494DF}">
-                  <a14:hiddenLine xmlns="" xmlns:a14="http://schemas.microsoft.com/office/drawing/2010/main" w="9525">
+                  <a14:hiddenLine xmlns:a14="http://schemas.microsoft.com/office/drawing/2010/main" xmlns="" w="9525">
                     <a:solidFill>
                       <a:srgbClr val="000000"/>
                     </a:solidFill>
@@ -10726,7 +10725,7 @@
               </a:ln>
               <a:extLst>
                 <a:ext uri="{91240B29-F687-4f45-9708-019B960494DF}">
-                  <a14:hiddenLine xmlns="" xmlns:a14="http://schemas.microsoft.com/office/drawing/2010/main" w="9525">
+                  <a14:hiddenLine xmlns:a14="http://schemas.microsoft.com/office/drawing/2010/main" xmlns="" w="9525">
                     <a:solidFill>
                       <a:srgbClr val="000000"/>
                     </a:solidFill>
@@ -10816,7 +10815,7 @@
               </a:ln>
               <a:extLst>
                 <a:ext uri="{91240B29-F687-4f45-9708-019B960494DF}">
-                  <a14:hiddenLine xmlns="" xmlns:a14="http://schemas.microsoft.com/office/drawing/2010/main" w="9525">
+                  <a14:hiddenLine xmlns:a14="http://schemas.microsoft.com/office/drawing/2010/main" xmlns="" w="9525">
                     <a:solidFill>
                       <a:srgbClr val="000000"/>
                     </a:solidFill>
@@ -10906,7 +10905,7 @@
               </a:ln>
               <a:extLst>
                 <a:ext uri="{91240B29-F687-4f45-9708-019B960494DF}">
-                  <a14:hiddenLine xmlns="" xmlns:a14="http://schemas.microsoft.com/office/drawing/2010/main" w="9525">
+                  <a14:hiddenLine xmlns:a14="http://schemas.microsoft.com/office/drawing/2010/main" xmlns="" w="9525">
                     <a:solidFill>
                       <a:srgbClr val="000000"/>
                     </a:solidFill>
@@ -10971,7 +10970,7 @@
               </a:ln>
               <a:extLst>
                 <a:ext uri="{91240B29-F687-4f45-9708-019B960494DF}">
-                  <a14:hiddenLine xmlns="" xmlns:a14="http://schemas.microsoft.com/office/drawing/2010/main" w="9525">
+                  <a14:hiddenLine xmlns:a14="http://schemas.microsoft.com/office/drawing/2010/main" xmlns="" w="9525">
                     <a:solidFill>
                       <a:srgbClr val="000000"/>
                     </a:solidFill>
@@ -11091,7 +11090,7 @@
               </a:ln>
               <a:extLst>
                 <a:ext uri="{91240B29-F687-4f45-9708-019B960494DF}">
-                  <a14:hiddenLine xmlns="" xmlns:a14="http://schemas.microsoft.com/office/drawing/2010/main" w="9525">
+                  <a14:hiddenLine xmlns:a14="http://schemas.microsoft.com/office/drawing/2010/main" xmlns="" w="9525">
                     <a:solidFill>
                       <a:srgbClr val="000000"/>
                     </a:solidFill>
@@ -11172,7 +11171,7 @@
               </a:ln>
               <a:extLst>
                 <a:ext uri="{91240B29-F687-4f45-9708-019B960494DF}">
-                  <a14:hiddenLine xmlns="" xmlns:a14="http://schemas.microsoft.com/office/drawing/2010/main" w="9525">
+                  <a14:hiddenLine xmlns:a14="http://schemas.microsoft.com/office/drawing/2010/main" xmlns="" w="9525">
                     <a:solidFill>
                       <a:srgbClr val="000000"/>
                     </a:solidFill>
@@ -11287,7 +11286,7 @@
               </a:ln>
               <a:extLst>
                 <a:ext uri="{91240B29-F687-4f45-9708-019B960494DF}">
-                  <a14:hiddenLine xmlns="" xmlns:a14="http://schemas.microsoft.com/office/drawing/2010/main" w="9525">
+                  <a14:hiddenLine xmlns:a14="http://schemas.microsoft.com/office/drawing/2010/main" xmlns="" w="9525">
                     <a:solidFill>
                       <a:srgbClr val="000000"/>
                     </a:solidFill>
@@ -11377,7 +11376,7 @@
               </a:ln>
               <a:extLst>
                 <a:ext uri="{91240B29-F687-4f45-9708-019B960494DF}">
-                  <a14:hiddenLine xmlns="" xmlns:a14="http://schemas.microsoft.com/office/drawing/2010/main" w="9525">
+                  <a14:hiddenLine xmlns:a14="http://schemas.microsoft.com/office/drawing/2010/main" xmlns="" w="9525">
                     <a:solidFill>
                       <a:srgbClr val="000000"/>
                     </a:solidFill>
@@ -11442,7 +11441,7 @@
               </a:ln>
               <a:extLst>
                 <a:ext uri="{91240B29-F687-4f45-9708-019B960494DF}">
-                  <a14:hiddenLine xmlns="" xmlns:a14="http://schemas.microsoft.com/office/drawing/2010/main" w="9525">
+                  <a14:hiddenLine xmlns:a14="http://schemas.microsoft.com/office/drawing/2010/main" xmlns="" w="9525">
                     <a:solidFill>
                       <a:srgbClr val="000000"/>
                     </a:solidFill>
@@ -11532,7 +11531,7 @@
               </a:ln>
               <a:extLst>
                 <a:ext uri="{91240B29-F687-4f45-9708-019B960494DF}">
-                  <a14:hiddenLine xmlns="" xmlns:a14="http://schemas.microsoft.com/office/drawing/2010/main" w="9525">
+                  <a14:hiddenLine xmlns:a14="http://schemas.microsoft.com/office/drawing/2010/main" xmlns="" w="9525">
                     <a:solidFill>
                       <a:srgbClr val="000000"/>
                     </a:solidFill>
@@ -11600,7 +11599,7 @@
               </a:ln>
               <a:extLst>
                 <a:ext uri="{91240B29-F687-4f45-9708-019B960494DF}">
-                  <a14:hiddenLine xmlns="" xmlns:a14="http://schemas.microsoft.com/office/drawing/2010/main" w="9525">
+                  <a14:hiddenLine xmlns:a14="http://schemas.microsoft.com/office/drawing/2010/main" xmlns="" w="9525">
                     <a:solidFill>
                       <a:srgbClr val="000000"/>
                     </a:solidFill>
@@ -11690,7 +11689,7 @@
               </a:ln>
               <a:extLst>
                 <a:ext uri="{91240B29-F687-4f45-9708-019B960494DF}">
-                  <a14:hiddenLine xmlns="" xmlns:a14="http://schemas.microsoft.com/office/drawing/2010/main" w="9525">
+                  <a14:hiddenLine xmlns:a14="http://schemas.microsoft.com/office/drawing/2010/main" xmlns="" w="9525">
                     <a:solidFill>
                       <a:srgbClr val="000000"/>
                     </a:solidFill>
@@ -11758,7 +11757,7 @@
               </a:ln>
               <a:extLst>
                 <a:ext uri="{91240B29-F687-4f45-9708-019B960494DF}">
-                  <a14:hiddenLine xmlns="" xmlns:a14="http://schemas.microsoft.com/office/drawing/2010/main" w="9525">
+                  <a14:hiddenLine xmlns:a14="http://schemas.microsoft.com/office/drawing/2010/main" xmlns="" w="9525">
                     <a:solidFill>
                       <a:srgbClr val="000000"/>
                     </a:solidFill>
@@ -11848,7 +11847,7 @@
               </a:ln>
               <a:extLst>
                 <a:ext uri="{91240B29-F687-4f45-9708-019B960494DF}">
-                  <a14:hiddenLine xmlns="" xmlns:a14="http://schemas.microsoft.com/office/drawing/2010/main" w="9525">
+                  <a14:hiddenLine xmlns:a14="http://schemas.microsoft.com/office/drawing/2010/main" xmlns="" w="9525">
                     <a:solidFill>
                       <a:srgbClr val="000000"/>
                     </a:solidFill>
@@ -11882,7 +11881,7 @@
               </a:ln>
               <a:extLst>
                 <a:ext uri="{91240B29-F687-4f45-9708-019B960494DF}">
-                  <a14:hiddenLine xmlns="" xmlns:a14="http://schemas.microsoft.com/office/drawing/2010/main" w="9525">
+                  <a14:hiddenLine xmlns:a14="http://schemas.microsoft.com/office/drawing/2010/main" xmlns="" w="9525">
                     <a:solidFill>
                       <a:srgbClr val="000000"/>
                     </a:solidFill>
@@ -12558,90 +12557,6 @@
           <p:cNvPr id="2" name="Title 1">
             <a:extLst>
               <a:ext uri="{FF2B5EF4-FFF2-40B4-BE49-F238E27FC236}">
-                <a16:creationId xmlns:a16="http://schemas.microsoft.com/office/drawing/2014/main" id="{C5BCAB64-65EC-44B3-A65F-AB53AE7EECBE}"/>
-              </a:ext>
-            </a:extLst>
-          </p:cNvPr>
-          <p:cNvSpPr>
-            <a:spLocks noGrp="1"/>
-          </p:cNvSpPr>
-          <p:nvPr>
-            <p:ph type="title"/>
-          </p:nvPr>
-        </p:nvSpPr>
-        <p:spPr/>
-        <p:txBody>
-          <a:bodyPr/>
-          <a:lstStyle/>
-          <a:p>
-            <a:r>
-              <a:rPr lang="es-ES" dirty="0"/>
-              <a:t>Ventajas de nuestra aplicación</a:t>
-            </a:r>
-            <a:endParaRPr lang="en-US" dirty="0"/>
-          </a:p>
-        </p:txBody>
-      </p:sp>
-      <p:sp>
-        <p:nvSpPr>
-          <p:cNvPr id="3" name="Content Placeholder 2">
-            <a:extLst>
-              <a:ext uri="{FF2B5EF4-FFF2-40B4-BE49-F238E27FC236}">
-                <a16:creationId xmlns:a16="http://schemas.microsoft.com/office/drawing/2014/main" id="{AE4DBB16-7EEC-4056-B994-2F54E967CB11}"/>
-              </a:ext>
-            </a:extLst>
-          </p:cNvPr>
-          <p:cNvSpPr>
-            <a:spLocks noGrp="1"/>
-          </p:cNvSpPr>
-          <p:nvPr>
-            <p:ph idx="1"/>
-          </p:nvPr>
-        </p:nvSpPr>
-        <p:spPr/>
-        <p:txBody>
-          <a:bodyPr/>
-          <a:lstStyle/>
-          <a:p>
-            <a:endParaRPr lang="en-US" dirty="0"/>
-          </a:p>
-        </p:txBody>
-      </p:sp>
-    </p:spTree>
-    <p:extLst>
-      <p:ext uri="{BB962C8B-B14F-4D97-AF65-F5344CB8AC3E}">
-        <p14:creationId xmlns:p14="http://schemas.microsoft.com/office/powerpoint/2010/main" val="1921515607"/>
-      </p:ext>
-    </p:extLst>
-  </p:cSld>
-  <p:clrMapOvr>
-    <a:masterClrMapping/>
-  </p:clrMapOvr>
-</p:sld>
-</file>
-
-<file path=ppt/slides/slide11.xml><?xml version="1.0" encoding="utf-8"?>
-<p:sld xmlns:a="http://schemas.openxmlformats.org/drawingml/2006/main" xmlns:r="http://schemas.openxmlformats.org/officeDocument/2006/relationships" xmlns:p="http://schemas.openxmlformats.org/presentationml/2006/main">
-  <p:cSld>
-    <p:spTree>
-      <p:nvGrpSpPr>
-        <p:cNvPr id="1" name=""/>
-        <p:cNvGrpSpPr/>
-        <p:nvPr/>
-      </p:nvGrpSpPr>
-      <p:grpSpPr>
-        <a:xfrm>
-          <a:off x="0" y="0"/>
-          <a:ext cx="0" cy="0"/>
-          <a:chOff x="0" y="0"/>
-          <a:chExt cx="0" cy="0"/>
-        </a:xfrm>
-      </p:grpSpPr>
-      <p:sp>
-        <p:nvSpPr>
-          <p:cNvPr id="2" name="Title 1">
-            <a:extLst>
-              <a:ext uri="{FF2B5EF4-FFF2-40B4-BE49-F238E27FC236}">
                 <a16:creationId xmlns:a16="http://schemas.microsoft.com/office/drawing/2014/main" id="{CEEFD6C7-645A-44D1-A8E1-FA231F258927}"/>
               </a:ext>
             </a:extLst>
@@ -13136,7 +13051,7 @@
             <a:noFill/>
             <a:extLst>
               <a:ext uri="{909E8E84-426E-40dd-AFC4-6F175D3DCCD1}">
-                <a14:hiddenFill xmlns:a14="http://schemas.microsoft.com/office/drawing/2010/main" xmlns:p14="http://schemas.microsoft.com/office/powerpoint/2010/main" xmlns="">
+                <a14:hiddenFill xmlns="" xmlns:p14="http://schemas.microsoft.com/office/powerpoint/2010/main" xmlns:a14="http://schemas.microsoft.com/office/drawing/2010/main">
                   <a:solidFill>
                     <a:srgbClr val="FFFFFF"/>
                   </a:solidFill>
@@ -13229,7 +13144,7 @@
             </a:ln>
             <a:extLst>
               <a:ext uri="{91240B29-F687-4f45-9708-019B960494DF}">
-                <a14:hiddenLine xmlns:a14="http://schemas.microsoft.com/office/drawing/2010/main" xmlns:p14="http://schemas.microsoft.com/office/powerpoint/2010/main" xmlns="" w="9525">
+                <a14:hiddenLine xmlns="" xmlns:p14="http://schemas.microsoft.com/office/powerpoint/2010/main" xmlns:a14="http://schemas.microsoft.com/office/drawing/2010/main" w="9525">
                   <a:solidFill>
                     <a:srgbClr val="000000"/>
                   </a:solidFill>
@@ -13334,7 +13249,7 @@
             </a:ln>
             <a:extLst>
               <a:ext uri="{91240B29-F687-4f45-9708-019B960494DF}">
-                <a14:hiddenLine xmlns:a14="http://schemas.microsoft.com/office/drawing/2010/main" xmlns:p14="http://schemas.microsoft.com/office/powerpoint/2010/main" xmlns="" w="9525">
+                <a14:hiddenLine xmlns="" xmlns:p14="http://schemas.microsoft.com/office/powerpoint/2010/main" xmlns:a14="http://schemas.microsoft.com/office/drawing/2010/main" w="9525">
                   <a:solidFill>
                     <a:srgbClr val="000000"/>
                   </a:solidFill>
@@ -13439,7 +13354,7 @@
             </a:ln>
             <a:extLst>
               <a:ext uri="{91240B29-F687-4f45-9708-019B960494DF}">
-                <a14:hiddenLine xmlns:a14="http://schemas.microsoft.com/office/drawing/2010/main" xmlns:p14="http://schemas.microsoft.com/office/powerpoint/2010/main" xmlns="" w="9525">
+                <a14:hiddenLine xmlns="" xmlns:p14="http://schemas.microsoft.com/office/powerpoint/2010/main" xmlns:a14="http://schemas.microsoft.com/office/drawing/2010/main" w="9525">
                   <a:solidFill>
                     <a:srgbClr val="000000"/>
                   </a:solidFill>
@@ -13488,7 +13403,7 @@
             </a:ln>
             <a:extLst>
               <a:ext uri="{91240B29-F687-4f45-9708-019B960494DF}">
-                <a14:hiddenLine xmlns:a14="http://schemas.microsoft.com/office/drawing/2010/main" xmlns:p14="http://schemas.microsoft.com/office/powerpoint/2010/main" xmlns="" w="9525">
+                <a14:hiddenLine xmlns="" xmlns:p14="http://schemas.microsoft.com/office/powerpoint/2010/main" xmlns:a14="http://schemas.microsoft.com/office/drawing/2010/main" w="9525">
                   <a:solidFill>
                     <a:srgbClr val="000000"/>
                   </a:solidFill>
@@ -13593,7 +13508,7 @@
             </a:ln>
             <a:extLst>
               <a:ext uri="{91240B29-F687-4f45-9708-019B960494DF}">
-                <a14:hiddenLine xmlns:a14="http://schemas.microsoft.com/office/drawing/2010/main" xmlns:p14="http://schemas.microsoft.com/office/powerpoint/2010/main" xmlns="" w="9525">
+                <a14:hiddenLine xmlns="" xmlns:p14="http://schemas.microsoft.com/office/powerpoint/2010/main" xmlns:a14="http://schemas.microsoft.com/office/drawing/2010/main" w="9525">
                   <a:solidFill>
                     <a:srgbClr val="000000"/>
                   </a:solidFill>
@@ -13670,7 +13585,7 @@
             </a:ln>
             <a:extLst>
               <a:ext uri="{91240B29-F687-4f45-9708-019B960494DF}">
-                <a14:hiddenLine xmlns:a14="http://schemas.microsoft.com/office/drawing/2010/main" xmlns:p14="http://schemas.microsoft.com/office/powerpoint/2010/main" xmlns="" w="9525">
+                <a14:hiddenLine xmlns="" xmlns:p14="http://schemas.microsoft.com/office/powerpoint/2010/main" xmlns:a14="http://schemas.microsoft.com/office/drawing/2010/main" w="9525">
                   <a:solidFill>
                     <a:srgbClr val="000000"/>
                   </a:solidFill>
@@ -13747,7 +13662,7 @@
             </a:ln>
             <a:extLst>
               <a:ext uri="{91240B29-F687-4f45-9708-019B960494DF}">
-                <a14:hiddenLine xmlns:a14="http://schemas.microsoft.com/office/drawing/2010/main" xmlns:p14="http://schemas.microsoft.com/office/powerpoint/2010/main" xmlns="" w="9525">
+                <a14:hiddenLine xmlns="" xmlns:p14="http://schemas.microsoft.com/office/powerpoint/2010/main" xmlns:a14="http://schemas.microsoft.com/office/drawing/2010/main" w="9525">
                   <a:solidFill>
                     <a:srgbClr val="000000"/>
                   </a:solidFill>
@@ -13852,7 +13767,7 @@
             </a:ln>
             <a:extLst>
               <a:ext uri="{91240B29-F687-4f45-9708-019B960494DF}">
-                <a14:hiddenLine xmlns:a14="http://schemas.microsoft.com/office/drawing/2010/main" xmlns:p14="http://schemas.microsoft.com/office/powerpoint/2010/main" xmlns="" w="9525">
+                <a14:hiddenLine xmlns="" xmlns:p14="http://schemas.microsoft.com/office/powerpoint/2010/main" xmlns:a14="http://schemas.microsoft.com/office/drawing/2010/main" w="9525">
                   <a:solidFill>
                     <a:srgbClr val="000000"/>
                   </a:solidFill>
@@ -13929,7 +13844,7 @@
             </a:ln>
             <a:extLst>
               <a:ext uri="{91240B29-F687-4f45-9708-019B960494DF}">
-                <a14:hiddenLine xmlns:a14="http://schemas.microsoft.com/office/drawing/2010/main" xmlns:p14="http://schemas.microsoft.com/office/powerpoint/2010/main" xmlns="" w="9525">
+                <a14:hiddenLine xmlns="" xmlns:p14="http://schemas.microsoft.com/office/powerpoint/2010/main" xmlns:a14="http://schemas.microsoft.com/office/drawing/2010/main" w="9525">
                   <a:solidFill>
                     <a:srgbClr val="000000"/>
                   </a:solidFill>
@@ -14006,7 +13921,7 @@
             </a:ln>
             <a:extLst>
               <a:ext uri="{91240B29-F687-4f45-9708-019B960494DF}">
-                <a14:hiddenLine xmlns:a14="http://schemas.microsoft.com/office/drawing/2010/main" xmlns:p14="http://schemas.microsoft.com/office/powerpoint/2010/main" xmlns="" w="9525">
+                <a14:hiddenLine xmlns="" xmlns:p14="http://schemas.microsoft.com/office/powerpoint/2010/main" xmlns:a14="http://schemas.microsoft.com/office/drawing/2010/main" w="9525">
                   <a:solidFill>
                     <a:srgbClr val="000000"/>
                   </a:solidFill>
@@ -14111,7 +14026,7 @@
             </a:ln>
             <a:extLst>
               <a:ext uri="{91240B29-F687-4f45-9708-019B960494DF}">
-                <a14:hiddenLine xmlns:a14="http://schemas.microsoft.com/office/drawing/2010/main" xmlns:p14="http://schemas.microsoft.com/office/powerpoint/2010/main" xmlns="" w="9525">
+                <a14:hiddenLine xmlns="" xmlns:p14="http://schemas.microsoft.com/office/powerpoint/2010/main" xmlns:a14="http://schemas.microsoft.com/office/drawing/2010/main" w="9525">
                   <a:solidFill>
                     <a:srgbClr val="000000"/>
                   </a:solidFill>
@@ -14216,7 +14131,7 @@
             </a:ln>
             <a:extLst>
               <a:ext uri="{91240B29-F687-4f45-9708-019B960494DF}">
-                <a14:hiddenLine xmlns:a14="http://schemas.microsoft.com/office/drawing/2010/main" xmlns:p14="http://schemas.microsoft.com/office/powerpoint/2010/main" xmlns="" w="9525">
+                <a14:hiddenLine xmlns="" xmlns:p14="http://schemas.microsoft.com/office/powerpoint/2010/main" xmlns:a14="http://schemas.microsoft.com/office/drawing/2010/main" w="9525">
                   <a:solidFill>
                     <a:srgbClr val="000000"/>
                   </a:solidFill>
@@ -14293,7 +14208,7 @@
             </a:ln>
             <a:extLst>
               <a:ext uri="{91240B29-F687-4f45-9708-019B960494DF}">
-                <a14:hiddenLine xmlns:a14="http://schemas.microsoft.com/office/drawing/2010/main" xmlns:p14="http://schemas.microsoft.com/office/powerpoint/2010/main" xmlns="" w="9525">
+                <a14:hiddenLine xmlns="" xmlns:p14="http://schemas.microsoft.com/office/powerpoint/2010/main" xmlns:a14="http://schemas.microsoft.com/office/drawing/2010/main" w="9525">
                   <a:solidFill>
                     <a:srgbClr val="000000"/>
                   </a:solidFill>
@@ -14418,7 +14333,7 @@
             </a:ln>
             <a:extLst>
               <a:ext uri="{91240B29-F687-4f45-9708-019B960494DF}">
-                <a14:hiddenLine xmlns:a14="http://schemas.microsoft.com/office/drawing/2010/main" xmlns:p14="http://schemas.microsoft.com/office/powerpoint/2010/main" xmlns="" w="9525">
+                <a14:hiddenLine xmlns="" xmlns:p14="http://schemas.microsoft.com/office/powerpoint/2010/main" xmlns:a14="http://schemas.microsoft.com/office/drawing/2010/main" w="9525">
                   <a:solidFill>
                     <a:srgbClr val="000000"/>
                   </a:solidFill>
@@ -14495,7 +14410,7 @@
             </a:ln>
             <a:extLst>
               <a:ext uri="{91240B29-F687-4f45-9708-019B960494DF}">
-                <a14:hiddenLine xmlns:a14="http://schemas.microsoft.com/office/drawing/2010/main" xmlns:p14="http://schemas.microsoft.com/office/powerpoint/2010/main" xmlns="" w="9525">
+                <a14:hiddenLine xmlns="" xmlns:p14="http://schemas.microsoft.com/office/powerpoint/2010/main" xmlns:a14="http://schemas.microsoft.com/office/drawing/2010/main" w="9525">
                   <a:solidFill>
                     <a:srgbClr val="000000"/>
                   </a:solidFill>
@@ -14600,7 +14515,7 @@
             </a:ln>
             <a:extLst>
               <a:ext uri="{91240B29-F687-4f45-9708-019B960494DF}">
-                <a14:hiddenLine xmlns:a14="http://schemas.microsoft.com/office/drawing/2010/main" xmlns:p14="http://schemas.microsoft.com/office/powerpoint/2010/main" xmlns="" w="9525">
+                <a14:hiddenLine xmlns="" xmlns:p14="http://schemas.microsoft.com/office/powerpoint/2010/main" xmlns:a14="http://schemas.microsoft.com/office/drawing/2010/main" w="9525">
                   <a:solidFill>
                     <a:srgbClr val="000000"/>
                   </a:solidFill>
@@ -14705,7 +14620,7 @@
             </a:ln>
             <a:extLst>
               <a:ext uri="{91240B29-F687-4f45-9708-019B960494DF}">
-                <a14:hiddenLine xmlns:a14="http://schemas.microsoft.com/office/drawing/2010/main" xmlns:p14="http://schemas.microsoft.com/office/powerpoint/2010/main" xmlns="" w="9525">
+                <a14:hiddenLine xmlns="" xmlns:p14="http://schemas.microsoft.com/office/powerpoint/2010/main" xmlns:a14="http://schemas.microsoft.com/office/drawing/2010/main" w="9525">
                   <a:solidFill>
                     <a:srgbClr val="000000"/>
                   </a:solidFill>
@@ -14782,7 +14697,7 @@
             </a:ln>
             <a:extLst>
               <a:ext uri="{91240B29-F687-4f45-9708-019B960494DF}">
-                <a14:hiddenLine xmlns:a14="http://schemas.microsoft.com/office/drawing/2010/main" xmlns:p14="http://schemas.microsoft.com/office/powerpoint/2010/main" xmlns="" w="9525">
+                <a14:hiddenLine xmlns="" xmlns:p14="http://schemas.microsoft.com/office/powerpoint/2010/main" xmlns:a14="http://schemas.microsoft.com/office/drawing/2010/main" w="9525">
                   <a:solidFill>
                     <a:srgbClr val="000000"/>
                   </a:solidFill>
@@ -14887,7 +14802,7 @@
             </a:ln>
             <a:extLst>
               <a:ext uri="{91240B29-F687-4f45-9708-019B960494DF}">
-                <a14:hiddenLine xmlns:a14="http://schemas.microsoft.com/office/drawing/2010/main" xmlns:p14="http://schemas.microsoft.com/office/powerpoint/2010/main" xmlns="" w="9525">
+                <a14:hiddenLine xmlns="" xmlns:p14="http://schemas.microsoft.com/office/powerpoint/2010/main" xmlns:a14="http://schemas.microsoft.com/office/drawing/2010/main" w="9525">
                   <a:solidFill>
                     <a:srgbClr val="000000"/>
                   </a:solidFill>
@@ -14992,7 +14907,7 @@
             </a:ln>
             <a:extLst>
               <a:ext uri="{91240B29-F687-4f45-9708-019B960494DF}">
-                <a14:hiddenLine xmlns:a14="http://schemas.microsoft.com/office/drawing/2010/main" xmlns:p14="http://schemas.microsoft.com/office/powerpoint/2010/main" xmlns="" w="9525">
+                <a14:hiddenLine xmlns="" xmlns:p14="http://schemas.microsoft.com/office/powerpoint/2010/main" xmlns:a14="http://schemas.microsoft.com/office/drawing/2010/main" w="9525">
                   <a:solidFill>
                     <a:srgbClr val="000000"/>
                   </a:solidFill>
@@ -15063,7 +14978,7 @@
             </a:ln>
             <a:extLst>
               <a:ext uri="{91240B29-F687-4f45-9708-019B960494DF}">
-                <a14:hiddenLine xmlns:a14="http://schemas.microsoft.com/office/drawing/2010/main" xmlns:p14="http://schemas.microsoft.com/office/powerpoint/2010/main" xmlns="" w="9525">
+                <a14:hiddenLine xmlns="" xmlns:p14="http://schemas.microsoft.com/office/powerpoint/2010/main" xmlns:a14="http://schemas.microsoft.com/office/drawing/2010/main" w="9525">
                   <a:solidFill>
                     <a:srgbClr val="000000"/>
                   </a:solidFill>
@@ -15168,7 +15083,7 @@
             </a:ln>
             <a:extLst>
               <a:ext uri="{91240B29-F687-4f45-9708-019B960494DF}">
-                <a14:hiddenLine xmlns:a14="http://schemas.microsoft.com/office/drawing/2010/main" xmlns:p14="http://schemas.microsoft.com/office/powerpoint/2010/main" xmlns="" w="9525">
+                <a14:hiddenLine xmlns="" xmlns:p14="http://schemas.microsoft.com/office/powerpoint/2010/main" xmlns:a14="http://schemas.microsoft.com/office/drawing/2010/main" w="9525">
                   <a:solidFill>
                     <a:srgbClr val="000000"/>
                   </a:solidFill>
@@ -15239,7 +15154,7 @@
             </a:ln>
             <a:extLst>
               <a:ext uri="{91240B29-F687-4f45-9708-019B960494DF}">
-                <a14:hiddenLine xmlns:a14="http://schemas.microsoft.com/office/drawing/2010/main" xmlns:p14="http://schemas.microsoft.com/office/powerpoint/2010/main" xmlns="" w="9525">
+                <a14:hiddenLine xmlns="" xmlns:p14="http://schemas.microsoft.com/office/powerpoint/2010/main" xmlns:a14="http://schemas.microsoft.com/office/drawing/2010/main" w="9525">
                   <a:solidFill>
                     <a:srgbClr val="000000"/>
                   </a:solidFill>
@@ -15344,7 +15259,7 @@
             </a:ln>
             <a:extLst>
               <a:ext uri="{91240B29-F687-4f45-9708-019B960494DF}">
-                <a14:hiddenLine xmlns:a14="http://schemas.microsoft.com/office/drawing/2010/main" xmlns:p14="http://schemas.microsoft.com/office/powerpoint/2010/main" xmlns="" w="9525">
+                <a14:hiddenLine xmlns="" xmlns:p14="http://schemas.microsoft.com/office/powerpoint/2010/main" xmlns:a14="http://schemas.microsoft.com/office/drawing/2010/main" w="9525">
                   <a:solidFill>
                     <a:srgbClr val="000000"/>
                   </a:solidFill>
@@ -15427,7 +15342,7 @@
             </a:ln>
             <a:extLst>
               <a:ext uri="{91240B29-F687-4f45-9708-019B960494DF}">
-                <a14:hiddenLine xmlns:a14="http://schemas.microsoft.com/office/drawing/2010/main" xmlns:p14="http://schemas.microsoft.com/office/powerpoint/2010/main" xmlns="" w="9525">
+                <a14:hiddenLine xmlns="" xmlns:p14="http://schemas.microsoft.com/office/powerpoint/2010/main" xmlns:a14="http://schemas.microsoft.com/office/drawing/2010/main" w="9525">
                   <a:solidFill>
                     <a:srgbClr val="000000"/>
                   </a:solidFill>
@@ -15532,7 +15447,7 @@
             </a:ln>
             <a:extLst>
               <a:ext uri="{91240B29-F687-4f45-9708-019B960494DF}">
-                <a14:hiddenLine xmlns:a14="http://schemas.microsoft.com/office/drawing/2010/main" xmlns:p14="http://schemas.microsoft.com/office/powerpoint/2010/main" xmlns="" w="9525">
+                <a14:hiddenLine xmlns="" xmlns:p14="http://schemas.microsoft.com/office/powerpoint/2010/main" xmlns:a14="http://schemas.microsoft.com/office/drawing/2010/main" w="9525">
                   <a:solidFill>
                     <a:srgbClr val="000000"/>
                   </a:solidFill>
@@ -15615,7 +15530,7 @@
             </a:ln>
             <a:extLst>
               <a:ext uri="{91240B29-F687-4f45-9708-019B960494DF}">
-                <a14:hiddenLine xmlns:a14="http://schemas.microsoft.com/office/drawing/2010/main" xmlns:p14="http://schemas.microsoft.com/office/powerpoint/2010/main" xmlns="" w="9525">
+                <a14:hiddenLine xmlns="" xmlns:p14="http://schemas.microsoft.com/office/powerpoint/2010/main" xmlns:a14="http://schemas.microsoft.com/office/drawing/2010/main" w="9525">
                   <a:solidFill>
                     <a:srgbClr val="000000"/>
                   </a:solidFill>
@@ -15720,7 +15635,7 @@
             </a:ln>
             <a:extLst>
               <a:ext uri="{91240B29-F687-4f45-9708-019B960494DF}">
-                <a14:hiddenLine xmlns:a14="http://schemas.microsoft.com/office/drawing/2010/main" xmlns:p14="http://schemas.microsoft.com/office/powerpoint/2010/main" xmlns="" w="9525">
+                <a14:hiddenLine xmlns="" xmlns:p14="http://schemas.microsoft.com/office/powerpoint/2010/main" xmlns:a14="http://schemas.microsoft.com/office/drawing/2010/main" w="9525">
                   <a:solidFill>
                     <a:srgbClr val="000000"/>
                   </a:solidFill>
@@ -15769,7 +15684,7 @@
             </a:ln>
             <a:extLst>
               <a:ext uri="{91240B29-F687-4f45-9708-019B960494DF}">
-                <a14:hiddenLine xmlns:a14="http://schemas.microsoft.com/office/drawing/2010/main" xmlns:p14="http://schemas.microsoft.com/office/powerpoint/2010/main" xmlns="" w="9525">
+                <a14:hiddenLine xmlns="" xmlns:p14="http://schemas.microsoft.com/office/powerpoint/2010/main" xmlns:a14="http://schemas.microsoft.com/office/drawing/2010/main" w="9525">
                   <a:solidFill>
                     <a:srgbClr val="000000"/>
                   </a:solidFill>
@@ -15874,7 +15789,7 @@
             </a:ln>
             <a:extLst>
               <a:ext uri="{91240B29-F687-4f45-9708-019B960494DF}">
-                <a14:hiddenLine xmlns:a14="http://schemas.microsoft.com/office/drawing/2010/main" xmlns:p14="http://schemas.microsoft.com/office/powerpoint/2010/main" xmlns="" w="9525">
+                <a14:hiddenLine xmlns="" xmlns:p14="http://schemas.microsoft.com/office/powerpoint/2010/main" xmlns:a14="http://schemas.microsoft.com/office/drawing/2010/main" w="9525">
                   <a:solidFill>
                     <a:srgbClr val="000000"/>
                   </a:solidFill>
@@ -15951,7 +15866,7 @@
             </a:ln>
             <a:extLst>
               <a:ext uri="{91240B29-F687-4f45-9708-019B960494DF}">
-                <a14:hiddenLine xmlns:a14="http://schemas.microsoft.com/office/drawing/2010/main" xmlns:p14="http://schemas.microsoft.com/office/powerpoint/2010/main" xmlns="" w="9525">
+                <a14:hiddenLine xmlns="" xmlns:p14="http://schemas.microsoft.com/office/powerpoint/2010/main" xmlns:a14="http://schemas.microsoft.com/office/drawing/2010/main" w="9525">
                   <a:solidFill>
                     <a:srgbClr val="000000"/>
                   </a:solidFill>
@@ -16028,7 +15943,7 @@
             </a:ln>
             <a:extLst>
               <a:ext uri="{91240B29-F687-4f45-9708-019B960494DF}">
-                <a14:hiddenLine xmlns:a14="http://schemas.microsoft.com/office/drawing/2010/main" xmlns:p14="http://schemas.microsoft.com/office/powerpoint/2010/main" xmlns="" w="9525">
+                <a14:hiddenLine xmlns="" xmlns:p14="http://schemas.microsoft.com/office/powerpoint/2010/main" xmlns:a14="http://schemas.microsoft.com/office/drawing/2010/main" w="9525">
                   <a:solidFill>
                     <a:srgbClr val="000000"/>
                   </a:solidFill>
@@ -16133,7 +16048,7 @@
             </a:ln>
             <a:extLst>
               <a:ext uri="{91240B29-F687-4f45-9708-019B960494DF}">
-                <a14:hiddenLine xmlns:a14="http://schemas.microsoft.com/office/drawing/2010/main" xmlns:p14="http://schemas.microsoft.com/office/powerpoint/2010/main" xmlns="" w="9525">
+                <a14:hiddenLine xmlns="" xmlns:p14="http://schemas.microsoft.com/office/powerpoint/2010/main" xmlns:a14="http://schemas.microsoft.com/office/drawing/2010/main" w="9525">
                   <a:solidFill>
                     <a:srgbClr val="000000"/>
                   </a:solidFill>
@@ -16216,7 +16131,7 @@
             </a:ln>
             <a:extLst>
               <a:ext uri="{91240B29-F687-4f45-9708-019B960494DF}">
-                <a14:hiddenLine xmlns:a14="http://schemas.microsoft.com/office/drawing/2010/main" xmlns:p14="http://schemas.microsoft.com/office/powerpoint/2010/main" xmlns="" w="9525">
+                <a14:hiddenLine xmlns="" xmlns:p14="http://schemas.microsoft.com/office/powerpoint/2010/main" xmlns:a14="http://schemas.microsoft.com/office/drawing/2010/main" w="9525">
                   <a:solidFill>
                     <a:srgbClr val="000000"/>
                   </a:solidFill>
@@ -16293,7 +16208,7 @@
             </a:ln>
             <a:extLst>
               <a:ext uri="{91240B29-F687-4f45-9708-019B960494DF}">
-                <a14:hiddenLine xmlns:a14="http://schemas.microsoft.com/office/drawing/2010/main" xmlns:p14="http://schemas.microsoft.com/office/powerpoint/2010/main" xmlns="" w="9525">
+                <a14:hiddenLine xmlns="" xmlns:p14="http://schemas.microsoft.com/office/powerpoint/2010/main" xmlns:a14="http://schemas.microsoft.com/office/drawing/2010/main" w="9525">
                   <a:solidFill>
                     <a:srgbClr val="000000"/>
                   </a:solidFill>
@@ -16398,7 +16313,7 @@
             </a:ln>
             <a:extLst>
               <a:ext uri="{91240B29-F687-4f45-9708-019B960494DF}">
-                <a14:hiddenLine xmlns:a14="http://schemas.microsoft.com/office/drawing/2010/main" xmlns:p14="http://schemas.microsoft.com/office/powerpoint/2010/main" xmlns="" w="9525">
+                <a14:hiddenLine xmlns="" xmlns:p14="http://schemas.microsoft.com/office/powerpoint/2010/main" xmlns:a14="http://schemas.microsoft.com/office/drawing/2010/main" w="9525">
                   <a:solidFill>
                     <a:srgbClr val="000000"/>
                   </a:solidFill>
@@ -16475,7 +16390,7 @@
             </a:ln>
             <a:extLst>
               <a:ext uri="{91240B29-F687-4f45-9708-019B960494DF}">
-                <a14:hiddenLine xmlns:a14="http://schemas.microsoft.com/office/drawing/2010/main" xmlns:p14="http://schemas.microsoft.com/office/powerpoint/2010/main" xmlns="" w="9525">
+                <a14:hiddenLine xmlns="" xmlns:p14="http://schemas.microsoft.com/office/powerpoint/2010/main" xmlns:a14="http://schemas.microsoft.com/office/drawing/2010/main" w="9525">
                   <a:solidFill>
                     <a:srgbClr val="000000"/>
                   </a:solidFill>
@@ -16580,7 +16495,7 @@
             </a:ln>
             <a:extLst>
               <a:ext uri="{91240B29-F687-4f45-9708-019B960494DF}">
-                <a14:hiddenLine xmlns:a14="http://schemas.microsoft.com/office/drawing/2010/main" xmlns:p14="http://schemas.microsoft.com/office/powerpoint/2010/main" xmlns="" w="9525">
+                <a14:hiddenLine xmlns="" xmlns:p14="http://schemas.microsoft.com/office/powerpoint/2010/main" xmlns:a14="http://schemas.microsoft.com/office/drawing/2010/main" w="9525">
                   <a:solidFill>
                     <a:srgbClr val="000000"/>
                   </a:solidFill>
@@ -16657,7 +16572,7 @@
             </a:ln>
             <a:extLst>
               <a:ext uri="{91240B29-F687-4f45-9708-019B960494DF}">
-                <a14:hiddenLine xmlns:a14="http://schemas.microsoft.com/office/drawing/2010/main" xmlns:p14="http://schemas.microsoft.com/office/powerpoint/2010/main" xmlns="" w="9525">
+                <a14:hiddenLine xmlns="" xmlns:p14="http://schemas.microsoft.com/office/powerpoint/2010/main" xmlns:a14="http://schemas.microsoft.com/office/drawing/2010/main" w="9525">
                   <a:solidFill>
                     <a:srgbClr val="000000"/>
                   </a:solidFill>
@@ -16762,7 +16677,7 @@
             </a:ln>
             <a:extLst>
               <a:ext uri="{91240B29-F687-4f45-9708-019B960494DF}">
-                <a14:hiddenLine xmlns:a14="http://schemas.microsoft.com/office/drawing/2010/main" xmlns:p14="http://schemas.microsoft.com/office/powerpoint/2010/main" xmlns="" w="9525">
+                <a14:hiddenLine xmlns="" xmlns:p14="http://schemas.microsoft.com/office/powerpoint/2010/main" xmlns:a14="http://schemas.microsoft.com/office/drawing/2010/main" w="9525">
                   <a:solidFill>
                     <a:srgbClr val="000000"/>
                   </a:solidFill>
@@ -16811,7 +16726,7 @@
             </a:ln>
             <a:extLst>
               <a:ext uri="{91240B29-F687-4f45-9708-019B960494DF}">
-                <a14:hiddenLine xmlns:a14="http://schemas.microsoft.com/office/drawing/2010/main" xmlns:p14="http://schemas.microsoft.com/office/powerpoint/2010/main" xmlns="" w="9525">
+                <a14:hiddenLine xmlns="" xmlns:p14="http://schemas.microsoft.com/office/powerpoint/2010/main" xmlns:a14="http://schemas.microsoft.com/office/drawing/2010/main" w="9525">
                   <a:solidFill>
                     <a:srgbClr val="000000"/>
                   </a:solidFill>
@@ -16891,7 +16806,7 @@
             </a:ln>
             <a:extLst>
               <a:ext uri="{91240B29-F687-4f45-9708-019B960494DF}">
-                <a14:hiddenLine xmlns:a14="http://schemas.microsoft.com/office/drawing/2010/main" xmlns:p14="http://schemas.microsoft.com/office/powerpoint/2010/main" xmlns="" w="9525">
+                <a14:hiddenLine xmlns="" xmlns:p14="http://schemas.microsoft.com/office/powerpoint/2010/main" xmlns:a14="http://schemas.microsoft.com/office/drawing/2010/main" w="9525">
                   <a:solidFill>
                     <a:srgbClr val="000000"/>
                   </a:solidFill>
@@ -16996,7 +16911,7 @@
             </a:ln>
             <a:extLst>
               <a:ext uri="{91240B29-F687-4f45-9708-019B960494DF}">
-                <a14:hiddenLine xmlns:a14="http://schemas.microsoft.com/office/drawing/2010/main" xmlns:p14="http://schemas.microsoft.com/office/powerpoint/2010/main" xmlns="" w="9525">
+                <a14:hiddenLine xmlns="" xmlns:p14="http://schemas.microsoft.com/office/powerpoint/2010/main" xmlns:a14="http://schemas.microsoft.com/office/drawing/2010/main" w="9525">
                   <a:solidFill>
                     <a:srgbClr val="000000"/>
                   </a:solidFill>
@@ -17073,7 +16988,7 @@
             </a:ln>
             <a:extLst>
               <a:ext uri="{91240B29-F687-4f45-9708-019B960494DF}">
-                <a14:hiddenLine xmlns:a14="http://schemas.microsoft.com/office/drawing/2010/main" xmlns:p14="http://schemas.microsoft.com/office/powerpoint/2010/main" xmlns="" w="9525">
+                <a14:hiddenLine xmlns="" xmlns:p14="http://schemas.microsoft.com/office/powerpoint/2010/main" xmlns:a14="http://schemas.microsoft.com/office/drawing/2010/main" w="9525">
                   <a:solidFill>
                     <a:srgbClr val="000000"/>
                   </a:solidFill>
@@ -17178,7 +17093,7 @@
             </a:ln>
             <a:extLst>
               <a:ext uri="{91240B29-F687-4f45-9708-019B960494DF}">
-                <a14:hiddenLine xmlns:a14="http://schemas.microsoft.com/office/drawing/2010/main" xmlns:p14="http://schemas.microsoft.com/office/powerpoint/2010/main" xmlns="" w="9525">
+                <a14:hiddenLine xmlns="" xmlns:p14="http://schemas.microsoft.com/office/powerpoint/2010/main" xmlns:a14="http://schemas.microsoft.com/office/drawing/2010/main" w="9525">
                   <a:solidFill>
                     <a:srgbClr val="000000"/>
                   </a:solidFill>
@@ -17283,7 +17198,7 @@
             </a:ln>
             <a:extLst>
               <a:ext uri="{91240B29-F687-4f45-9708-019B960494DF}">
-                <a14:hiddenLine xmlns:a14="http://schemas.microsoft.com/office/drawing/2010/main" xmlns:p14="http://schemas.microsoft.com/office/powerpoint/2010/main" xmlns="" w="9525">
+                <a14:hiddenLine xmlns="" xmlns:p14="http://schemas.microsoft.com/office/powerpoint/2010/main" xmlns:a14="http://schemas.microsoft.com/office/drawing/2010/main" w="9525">
                   <a:solidFill>
                     <a:srgbClr val="000000"/>
                   </a:solidFill>
@@ -17363,7 +17278,7 @@
             </a:ln>
             <a:extLst>
               <a:ext uri="{91240B29-F687-4f45-9708-019B960494DF}">
-                <a14:hiddenLine xmlns:a14="http://schemas.microsoft.com/office/drawing/2010/main" xmlns:p14="http://schemas.microsoft.com/office/powerpoint/2010/main" xmlns="" w="9525">
+                <a14:hiddenLine xmlns="" xmlns:p14="http://schemas.microsoft.com/office/powerpoint/2010/main" xmlns:a14="http://schemas.microsoft.com/office/drawing/2010/main" w="9525">
                   <a:solidFill>
                     <a:srgbClr val="000000"/>
                   </a:solidFill>
@@ -17440,7 +17355,7 @@
             </a:ln>
             <a:extLst>
               <a:ext uri="{91240B29-F687-4f45-9708-019B960494DF}">
-                <a14:hiddenLine xmlns:a14="http://schemas.microsoft.com/office/drawing/2010/main" xmlns:p14="http://schemas.microsoft.com/office/powerpoint/2010/main" xmlns="" w="9525">
+                <a14:hiddenLine xmlns="" xmlns:p14="http://schemas.microsoft.com/office/powerpoint/2010/main" xmlns:a14="http://schemas.microsoft.com/office/drawing/2010/main" w="9525">
                   <a:solidFill>
                     <a:srgbClr val="000000"/>
                   </a:solidFill>
@@ -17545,7 +17460,7 @@
             </a:ln>
             <a:extLst>
               <a:ext uri="{91240B29-F687-4f45-9708-019B960494DF}">
-                <a14:hiddenLine xmlns:a14="http://schemas.microsoft.com/office/drawing/2010/main" xmlns:p14="http://schemas.microsoft.com/office/powerpoint/2010/main" xmlns="" w="9525">
+                <a14:hiddenLine xmlns="" xmlns:p14="http://schemas.microsoft.com/office/powerpoint/2010/main" xmlns:a14="http://schemas.microsoft.com/office/drawing/2010/main" w="9525">
                   <a:solidFill>
                     <a:srgbClr val="000000"/>
                   </a:solidFill>
@@ -17650,7 +17565,7 @@
             </a:ln>
             <a:extLst>
               <a:ext uri="{91240B29-F687-4f45-9708-019B960494DF}">
-                <a14:hiddenLine xmlns:a14="http://schemas.microsoft.com/office/drawing/2010/main" xmlns:p14="http://schemas.microsoft.com/office/powerpoint/2010/main" xmlns="" w="9525">
+                <a14:hiddenLine xmlns="" xmlns:p14="http://schemas.microsoft.com/office/powerpoint/2010/main" xmlns:a14="http://schemas.microsoft.com/office/drawing/2010/main" w="9525">
                   <a:solidFill>
                     <a:srgbClr val="000000"/>
                   </a:solidFill>
@@ -17727,7 +17642,7 @@
             </a:ln>
             <a:extLst>
               <a:ext uri="{91240B29-F687-4f45-9708-019B960494DF}">
-                <a14:hiddenLine xmlns:a14="http://schemas.microsoft.com/office/drawing/2010/main" xmlns:p14="http://schemas.microsoft.com/office/powerpoint/2010/main" xmlns="" w="9525">
+                <a14:hiddenLine xmlns="" xmlns:p14="http://schemas.microsoft.com/office/powerpoint/2010/main" xmlns:a14="http://schemas.microsoft.com/office/drawing/2010/main" w="9525">
                   <a:solidFill>
                     <a:srgbClr val="000000"/>
                   </a:solidFill>
@@ -17862,7 +17777,7 @@
             </a:ln>
             <a:extLst>
               <a:ext uri="{91240B29-F687-4f45-9708-019B960494DF}">
-                <a14:hiddenLine xmlns:a14="http://schemas.microsoft.com/office/drawing/2010/main" xmlns:p14="http://schemas.microsoft.com/office/powerpoint/2010/main" xmlns="" w="9525">
+                <a14:hiddenLine xmlns="" xmlns:p14="http://schemas.microsoft.com/office/powerpoint/2010/main" xmlns:a14="http://schemas.microsoft.com/office/drawing/2010/main" w="9525">
                   <a:solidFill>
                     <a:srgbClr val="000000"/>
                   </a:solidFill>
@@ -17945,7 +17860,7 @@
             </a:ln>
             <a:extLst>
               <a:ext uri="{91240B29-F687-4f45-9708-019B960494DF}">
-                <a14:hiddenLine xmlns:a14="http://schemas.microsoft.com/office/drawing/2010/main" xmlns:p14="http://schemas.microsoft.com/office/powerpoint/2010/main" xmlns="" w="9525">
+                <a14:hiddenLine xmlns="" xmlns:p14="http://schemas.microsoft.com/office/powerpoint/2010/main" xmlns:a14="http://schemas.microsoft.com/office/drawing/2010/main" w="9525">
                   <a:solidFill>
                     <a:srgbClr val="000000"/>
                   </a:solidFill>
@@ -18050,7 +17965,7 @@
             </a:ln>
             <a:extLst>
               <a:ext uri="{91240B29-F687-4f45-9708-019B960494DF}">
-                <a14:hiddenLine xmlns:a14="http://schemas.microsoft.com/office/drawing/2010/main" xmlns:p14="http://schemas.microsoft.com/office/powerpoint/2010/main" xmlns="" w="9525">
+                <a14:hiddenLine xmlns="" xmlns:p14="http://schemas.microsoft.com/office/powerpoint/2010/main" xmlns:a14="http://schemas.microsoft.com/office/drawing/2010/main" w="9525">
                   <a:solidFill>
                     <a:srgbClr val="000000"/>
                   </a:solidFill>
@@ -18511,90 +18426,6 @@
           <p:cNvPr id="2" name="Title 1">
             <a:extLst>
               <a:ext uri="{FF2B5EF4-FFF2-40B4-BE49-F238E27FC236}">
-                <a16:creationId xmlns:a16="http://schemas.microsoft.com/office/drawing/2014/main" id="{49DE126F-19A7-49A1-B3E0-BE0294FB8E27}"/>
-              </a:ext>
-            </a:extLst>
-          </p:cNvPr>
-          <p:cNvSpPr>
-            <a:spLocks noGrp="1"/>
-          </p:cNvSpPr>
-          <p:nvPr>
-            <p:ph type="title"/>
-          </p:nvPr>
-        </p:nvSpPr>
-        <p:spPr/>
-        <p:txBody>
-          <a:bodyPr/>
-          <a:lstStyle/>
-          <a:p>
-            <a:r>
-              <a:rPr lang="es-ES" dirty="0"/>
-              <a:t>Base de datos</a:t>
-            </a:r>
-            <a:endParaRPr lang="en-US" dirty="0"/>
-          </a:p>
-        </p:txBody>
-      </p:sp>
-      <p:sp>
-        <p:nvSpPr>
-          <p:cNvPr id="3" name="Content Placeholder 2">
-            <a:extLst>
-              <a:ext uri="{FF2B5EF4-FFF2-40B4-BE49-F238E27FC236}">
-                <a16:creationId xmlns:a16="http://schemas.microsoft.com/office/drawing/2014/main" id="{5D549E6D-DC72-42AD-AE83-EACBFA22F7BF}"/>
-              </a:ext>
-            </a:extLst>
-          </p:cNvPr>
-          <p:cNvSpPr>
-            <a:spLocks noGrp="1"/>
-          </p:cNvSpPr>
-          <p:nvPr>
-            <p:ph idx="1"/>
-          </p:nvPr>
-        </p:nvSpPr>
-        <p:spPr/>
-        <p:txBody>
-          <a:bodyPr/>
-          <a:lstStyle/>
-          <a:p>
-            <a:endParaRPr lang="en-US"/>
-          </a:p>
-        </p:txBody>
-      </p:sp>
-    </p:spTree>
-    <p:extLst>
-      <p:ext uri="{BB962C8B-B14F-4D97-AF65-F5344CB8AC3E}">
-        <p14:creationId xmlns:p14="http://schemas.microsoft.com/office/powerpoint/2010/main" val="1577474105"/>
-      </p:ext>
-    </p:extLst>
-  </p:cSld>
-  <p:clrMapOvr>
-    <a:masterClrMapping/>
-  </p:clrMapOvr>
-</p:sld>
-</file>
-
-<file path=ppt/slides/slide7.xml><?xml version="1.0" encoding="utf-8"?>
-<p:sld xmlns:a="http://schemas.openxmlformats.org/drawingml/2006/main" xmlns:r="http://schemas.openxmlformats.org/officeDocument/2006/relationships" xmlns:p="http://schemas.openxmlformats.org/presentationml/2006/main">
-  <p:cSld>
-    <p:spTree>
-      <p:nvGrpSpPr>
-        <p:cNvPr id="1" name=""/>
-        <p:cNvGrpSpPr/>
-        <p:nvPr/>
-      </p:nvGrpSpPr>
-      <p:grpSpPr>
-        <a:xfrm>
-          <a:off x="0" y="0"/>
-          <a:ext cx="0" cy="0"/>
-          <a:chOff x="0" y="0"/>
-          <a:chExt cx="0" cy="0"/>
-        </a:xfrm>
-      </p:grpSpPr>
-      <p:sp>
-        <p:nvSpPr>
-          <p:cNvPr id="2" name="Title 1">
-            <a:extLst>
-              <a:ext uri="{FF2B5EF4-FFF2-40B4-BE49-F238E27FC236}">
                 <a16:creationId xmlns:a16="http://schemas.microsoft.com/office/drawing/2014/main" id="{644A3901-FAAB-4950-A985-A8EEDBDC2386}"/>
               </a:ext>
             </a:extLst>
@@ -18657,7 +18488,7 @@
 </p:sld>
 </file>
 
-<file path=ppt/slides/slide8.xml><?xml version="1.0" encoding="utf-8"?>
+<file path=ppt/slides/slide7.xml><?xml version="1.0" encoding="utf-8"?>
 <p:sld xmlns:a="http://schemas.openxmlformats.org/drawingml/2006/main" xmlns:r="http://schemas.openxmlformats.org/officeDocument/2006/relationships" xmlns:p="http://schemas.openxmlformats.org/presentationml/2006/main">
   <p:cSld>
     <p:spTree>
@@ -18741,7 +18572,7 @@
 </p:sld>
 </file>
 
-<file path=ppt/slides/slide9.xml><?xml version="1.0" encoding="utf-8"?>
+<file path=ppt/slides/slide8.xml><?xml version="1.0" encoding="utf-8"?>
 <p:sld xmlns:a="http://schemas.openxmlformats.org/drawingml/2006/main" xmlns:r="http://schemas.openxmlformats.org/officeDocument/2006/relationships" xmlns:p="http://schemas.openxmlformats.org/presentationml/2006/main">
   <p:cSld>
     <p:bg>
@@ -18940,6 +18771,90 @@
     <p:extLst>
       <p:ext uri="{BB962C8B-B14F-4D97-AF65-F5344CB8AC3E}">
         <p14:creationId xmlns:p14="http://schemas.microsoft.com/office/powerpoint/2010/main" val="25328738"/>
+      </p:ext>
+    </p:extLst>
+  </p:cSld>
+  <p:clrMapOvr>
+    <a:masterClrMapping/>
+  </p:clrMapOvr>
+</p:sld>
+</file>
+
+<file path=ppt/slides/slide9.xml><?xml version="1.0" encoding="utf-8"?>
+<p:sld xmlns:a="http://schemas.openxmlformats.org/drawingml/2006/main" xmlns:r="http://schemas.openxmlformats.org/officeDocument/2006/relationships" xmlns:p="http://schemas.openxmlformats.org/presentationml/2006/main">
+  <p:cSld>
+    <p:spTree>
+      <p:nvGrpSpPr>
+        <p:cNvPr id="1" name=""/>
+        <p:cNvGrpSpPr/>
+        <p:nvPr/>
+      </p:nvGrpSpPr>
+      <p:grpSpPr>
+        <a:xfrm>
+          <a:off x="0" y="0"/>
+          <a:ext cx="0" cy="0"/>
+          <a:chOff x="0" y="0"/>
+          <a:chExt cx="0" cy="0"/>
+        </a:xfrm>
+      </p:grpSpPr>
+      <p:sp>
+        <p:nvSpPr>
+          <p:cNvPr id="2" name="Title 1">
+            <a:extLst>
+              <a:ext uri="{FF2B5EF4-FFF2-40B4-BE49-F238E27FC236}">
+                <a16:creationId xmlns:a16="http://schemas.microsoft.com/office/drawing/2014/main" id="{C5BCAB64-65EC-44B3-A65F-AB53AE7EECBE}"/>
+              </a:ext>
+            </a:extLst>
+          </p:cNvPr>
+          <p:cNvSpPr>
+            <a:spLocks noGrp="1"/>
+          </p:cNvSpPr>
+          <p:nvPr>
+            <p:ph type="title"/>
+          </p:nvPr>
+        </p:nvSpPr>
+        <p:spPr/>
+        <p:txBody>
+          <a:bodyPr/>
+          <a:lstStyle/>
+          <a:p>
+            <a:r>
+              <a:rPr lang="es-ES" dirty="0"/>
+              <a:t>Ventajas de nuestra aplicación</a:t>
+            </a:r>
+            <a:endParaRPr lang="en-US" dirty="0"/>
+          </a:p>
+        </p:txBody>
+      </p:sp>
+      <p:sp>
+        <p:nvSpPr>
+          <p:cNvPr id="3" name="Content Placeholder 2">
+            <a:extLst>
+              <a:ext uri="{FF2B5EF4-FFF2-40B4-BE49-F238E27FC236}">
+                <a16:creationId xmlns:a16="http://schemas.microsoft.com/office/drawing/2014/main" id="{AE4DBB16-7EEC-4056-B994-2F54E967CB11}"/>
+              </a:ext>
+            </a:extLst>
+          </p:cNvPr>
+          <p:cNvSpPr>
+            <a:spLocks noGrp="1"/>
+          </p:cNvSpPr>
+          <p:nvPr>
+            <p:ph idx="1"/>
+          </p:nvPr>
+        </p:nvSpPr>
+        <p:spPr/>
+        <p:txBody>
+          <a:bodyPr/>
+          <a:lstStyle/>
+          <a:p>
+            <a:endParaRPr lang="en-US" dirty="0"/>
+          </a:p>
+        </p:txBody>
+      </p:sp>
+    </p:spTree>
+    <p:extLst>
+      <p:ext uri="{BB962C8B-B14F-4D97-AF65-F5344CB8AC3E}">
+        <p14:creationId xmlns:p14="http://schemas.microsoft.com/office/powerpoint/2010/main" val="1921515607"/>
       </p:ext>
     </p:extLst>
   </p:cSld>

--- a/Documentacion/Presentación/Presentación de la aplicación.pptx
+++ b/Documentacion/Presentación/Presentación de la aplicación.pptx
@@ -13,8 +13,7 @@
     <p:sldId id="264" r:id="rId7"/>
     <p:sldId id="265" r:id="rId8"/>
     <p:sldId id="260" r:id="rId9"/>
-    <p:sldId id="261" r:id="rId10"/>
-    <p:sldId id="262" r:id="rId11"/>
+    <p:sldId id="262" r:id="rId10"/>
   </p:sldIdLst>
   <p:sldSz cx="12192000" cy="6858000"/>
   <p:notesSz cx="6858000" cy="9144000"/>
@@ -178,7 +177,7 @@
           <a:noFill/>
           <a:extLst>
             <a:ext uri="{909E8E84-426E-40dd-AFC4-6F175D3DCCD1}">
-              <a14:hiddenFill xmlns:a14="http://schemas.microsoft.com/office/drawing/2010/main" xmlns="">
+              <a14:hiddenFill xmlns="" xmlns:a14="http://schemas.microsoft.com/office/drawing/2010/main">
                 <a:solidFill>
                   <a:srgbClr val="FFFFFF"/>
                 </a:solidFill>
@@ -237,7 +236,7 @@
             </a:ln>
             <a:extLst>
               <a:ext uri="{91240B29-F687-4f45-9708-019B960494DF}">
-                <a14:hiddenLine xmlns:a14="http://schemas.microsoft.com/office/drawing/2010/main" xmlns="" w="9525">
+                <a14:hiddenLine xmlns="" xmlns:a14="http://schemas.microsoft.com/office/drawing/2010/main" w="9525">
                   <a:solidFill>
                     <a:srgbClr val="000000"/>
                   </a:solidFill>
@@ -327,7 +326,7 @@
             </a:ln>
             <a:extLst>
               <a:ext uri="{91240B29-F687-4f45-9708-019B960494DF}">
-                <a14:hiddenLine xmlns:a14="http://schemas.microsoft.com/office/drawing/2010/main" xmlns="" w="9525">
+                <a14:hiddenLine xmlns="" xmlns:a14="http://schemas.microsoft.com/office/drawing/2010/main" w="9525">
                   <a:solidFill>
                     <a:srgbClr val="000000"/>
                   </a:solidFill>
@@ -417,7 +416,7 @@
             </a:ln>
             <a:extLst>
               <a:ext uri="{91240B29-F687-4f45-9708-019B960494DF}">
-                <a14:hiddenLine xmlns:a14="http://schemas.microsoft.com/office/drawing/2010/main" xmlns="" w="9525">
+                <a14:hiddenLine xmlns="" xmlns:a14="http://schemas.microsoft.com/office/drawing/2010/main" w="9525">
                   <a:solidFill>
                     <a:srgbClr val="000000"/>
                   </a:solidFill>
@@ -451,7 +450,7 @@
             </a:ln>
             <a:extLst>
               <a:ext uri="{91240B29-F687-4f45-9708-019B960494DF}">
-                <a14:hiddenLine xmlns:a14="http://schemas.microsoft.com/office/drawing/2010/main" xmlns="" w="9525">
+                <a14:hiddenLine xmlns="" xmlns:a14="http://schemas.microsoft.com/office/drawing/2010/main" w="9525">
                   <a:solidFill>
                     <a:srgbClr val="000000"/>
                   </a:solidFill>
@@ -541,7 +540,7 @@
             </a:ln>
             <a:extLst>
               <a:ext uri="{91240B29-F687-4f45-9708-019B960494DF}">
-                <a14:hiddenLine xmlns:a14="http://schemas.microsoft.com/office/drawing/2010/main" xmlns="" w="9525">
+                <a14:hiddenLine xmlns="" xmlns:a14="http://schemas.microsoft.com/office/drawing/2010/main" w="9525">
                   <a:solidFill>
                     <a:srgbClr val="000000"/>
                   </a:solidFill>
@@ -603,7 +602,7 @@
             </a:ln>
             <a:extLst>
               <a:ext uri="{91240B29-F687-4f45-9708-019B960494DF}">
-                <a14:hiddenLine xmlns:a14="http://schemas.microsoft.com/office/drawing/2010/main" xmlns="" w="9525">
+                <a14:hiddenLine xmlns="" xmlns:a14="http://schemas.microsoft.com/office/drawing/2010/main" w="9525">
                   <a:solidFill>
                     <a:srgbClr val="000000"/>
                   </a:solidFill>
@@ -665,7 +664,7 @@
             </a:ln>
             <a:extLst>
               <a:ext uri="{91240B29-F687-4f45-9708-019B960494DF}">
-                <a14:hiddenLine xmlns:a14="http://schemas.microsoft.com/office/drawing/2010/main" xmlns="" w="9525">
+                <a14:hiddenLine xmlns="" xmlns:a14="http://schemas.microsoft.com/office/drawing/2010/main" w="9525">
                   <a:solidFill>
                     <a:srgbClr val="000000"/>
                   </a:solidFill>
@@ -755,7 +754,7 @@
             </a:ln>
             <a:extLst>
               <a:ext uri="{91240B29-F687-4f45-9708-019B960494DF}">
-                <a14:hiddenLine xmlns:a14="http://schemas.microsoft.com/office/drawing/2010/main" xmlns="" w="9525">
+                <a14:hiddenLine xmlns="" xmlns:a14="http://schemas.microsoft.com/office/drawing/2010/main" w="9525">
                   <a:solidFill>
                     <a:srgbClr val="000000"/>
                   </a:solidFill>
@@ -817,7 +816,7 @@
             </a:ln>
             <a:extLst>
               <a:ext uri="{91240B29-F687-4f45-9708-019B960494DF}">
-                <a14:hiddenLine xmlns:a14="http://schemas.microsoft.com/office/drawing/2010/main" xmlns="" w="9525">
+                <a14:hiddenLine xmlns="" xmlns:a14="http://schemas.microsoft.com/office/drawing/2010/main" w="9525">
                   <a:solidFill>
                     <a:srgbClr val="000000"/>
                   </a:solidFill>
@@ -879,7 +878,7 @@
             </a:ln>
             <a:extLst>
               <a:ext uri="{91240B29-F687-4f45-9708-019B960494DF}">
-                <a14:hiddenLine xmlns:a14="http://schemas.microsoft.com/office/drawing/2010/main" xmlns="" w="9525">
+                <a14:hiddenLine xmlns="" xmlns:a14="http://schemas.microsoft.com/office/drawing/2010/main" w="9525">
                   <a:solidFill>
                     <a:srgbClr val="000000"/>
                   </a:solidFill>
@@ -969,7 +968,7 @@
             </a:ln>
             <a:extLst>
               <a:ext uri="{91240B29-F687-4f45-9708-019B960494DF}">
-                <a14:hiddenLine xmlns:a14="http://schemas.microsoft.com/office/drawing/2010/main" xmlns="" w="9525">
+                <a14:hiddenLine xmlns="" xmlns:a14="http://schemas.microsoft.com/office/drawing/2010/main" w="9525">
                   <a:solidFill>
                     <a:srgbClr val="000000"/>
                   </a:solidFill>
@@ -1059,7 +1058,7 @@
             </a:ln>
             <a:extLst>
               <a:ext uri="{91240B29-F687-4f45-9708-019B960494DF}">
-                <a14:hiddenLine xmlns:a14="http://schemas.microsoft.com/office/drawing/2010/main" xmlns="" w="9525">
+                <a14:hiddenLine xmlns="" xmlns:a14="http://schemas.microsoft.com/office/drawing/2010/main" w="9525">
                   <a:solidFill>
                     <a:srgbClr val="000000"/>
                   </a:solidFill>
@@ -1121,7 +1120,7 @@
             </a:ln>
             <a:extLst>
               <a:ext uri="{91240B29-F687-4f45-9708-019B960494DF}">
-                <a14:hiddenLine xmlns:a14="http://schemas.microsoft.com/office/drawing/2010/main" xmlns="" w="9525">
+                <a14:hiddenLine xmlns="" xmlns:a14="http://schemas.microsoft.com/office/drawing/2010/main" w="9525">
                   <a:solidFill>
                     <a:srgbClr val="000000"/>
                   </a:solidFill>
@@ -1231,7 +1230,7 @@
             </a:ln>
             <a:extLst>
               <a:ext uri="{91240B29-F687-4f45-9708-019B960494DF}">
-                <a14:hiddenLine xmlns:a14="http://schemas.microsoft.com/office/drawing/2010/main" xmlns="" w="9525">
+                <a14:hiddenLine xmlns="" xmlns:a14="http://schemas.microsoft.com/office/drawing/2010/main" w="9525">
                   <a:solidFill>
                     <a:srgbClr val="000000"/>
                   </a:solidFill>
@@ -1293,7 +1292,7 @@
             </a:ln>
             <a:extLst>
               <a:ext uri="{91240B29-F687-4f45-9708-019B960494DF}">
-                <a14:hiddenLine xmlns:a14="http://schemas.microsoft.com/office/drawing/2010/main" xmlns="" w="9525">
+                <a14:hiddenLine xmlns="" xmlns:a14="http://schemas.microsoft.com/office/drawing/2010/main" w="9525">
                   <a:solidFill>
                     <a:srgbClr val="000000"/>
                   </a:solidFill>
@@ -1383,7 +1382,7 @@
             </a:ln>
             <a:extLst>
               <a:ext uri="{91240B29-F687-4f45-9708-019B960494DF}">
-                <a14:hiddenLine xmlns:a14="http://schemas.microsoft.com/office/drawing/2010/main" xmlns="" w="9525">
+                <a14:hiddenLine xmlns="" xmlns:a14="http://schemas.microsoft.com/office/drawing/2010/main" w="9525">
                   <a:solidFill>
                     <a:srgbClr val="000000"/>
                   </a:solidFill>
@@ -1473,7 +1472,7 @@
             </a:ln>
             <a:extLst>
               <a:ext uri="{91240B29-F687-4f45-9708-019B960494DF}">
-                <a14:hiddenLine xmlns:a14="http://schemas.microsoft.com/office/drawing/2010/main" xmlns="" w="9525">
+                <a14:hiddenLine xmlns="" xmlns:a14="http://schemas.microsoft.com/office/drawing/2010/main" w="9525">
                   <a:solidFill>
                     <a:srgbClr val="000000"/>
                   </a:solidFill>
@@ -1535,7 +1534,7 @@
             </a:ln>
             <a:extLst>
               <a:ext uri="{91240B29-F687-4f45-9708-019B960494DF}">
-                <a14:hiddenLine xmlns:a14="http://schemas.microsoft.com/office/drawing/2010/main" xmlns="" w="9525">
+                <a14:hiddenLine xmlns="" xmlns:a14="http://schemas.microsoft.com/office/drawing/2010/main" w="9525">
                   <a:solidFill>
                     <a:srgbClr val="000000"/>
                   </a:solidFill>
@@ -1625,7 +1624,7 @@
             </a:ln>
             <a:extLst>
               <a:ext uri="{91240B29-F687-4f45-9708-019B960494DF}">
-                <a14:hiddenLine xmlns:a14="http://schemas.microsoft.com/office/drawing/2010/main" xmlns="" w="9525">
+                <a14:hiddenLine xmlns="" xmlns:a14="http://schemas.microsoft.com/office/drawing/2010/main" w="9525">
                   <a:solidFill>
                     <a:srgbClr val="000000"/>
                   </a:solidFill>
@@ -1715,7 +1714,7 @@
             </a:ln>
             <a:extLst>
               <a:ext uri="{91240B29-F687-4f45-9708-019B960494DF}">
-                <a14:hiddenLine xmlns:a14="http://schemas.microsoft.com/office/drawing/2010/main" xmlns="" w="9525">
+                <a14:hiddenLine xmlns="" xmlns:a14="http://schemas.microsoft.com/office/drawing/2010/main" w="9525">
                   <a:solidFill>
                     <a:srgbClr val="000000"/>
                   </a:solidFill>
@@ -1771,7 +1770,7 @@
             </a:ln>
             <a:extLst>
               <a:ext uri="{91240B29-F687-4f45-9708-019B960494DF}">
-                <a14:hiddenLine xmlns:a14="http://schemas.microsoft.com/office/drawing/2010/main" xmlns="" w="9525">
+                <a14:hiddenLine xmlns="" xmlns:a14="http://schemas.microsoft.com/office/drawing/2010/main" w="9525">
                   <a:solidFill>
                     <a:srgbClr val="000000"/>
                   </a:solidFill>
@@ -1861,7 +1860,7 @@
             </a:ln>
             <a:extLst>
               <a:ext uri="{91240B29-F687-4f45-9708-019B960494DF}">
-                <a14:hiddenLine xmlns:a14="http://schemas.microsoft.com/office/drawing/2010/main" xmlns="" w="9525">
+                <a14:hiddenLine xmlns="" xmlns:a14="http://schemas.microsoft.com/office/drawing/2010/main" w="9525">
                   <a:solidFill>
                     <a:srgbClr val="000000"/>
                   </a:solidFill>
@@ -1917,7 +1916,7 @@
             </a:ln>
             <a:extLst>
               <a:ext uri="{91240B29-F687-4f45-9708-019B960494DF}">
-                <a14:hiddenLine xmlns:a14="http://schemas.microsoft.com/office/drawing/2010/main" xmlns="" w="9525">
+                <a14:hiddenLine xmlns="" xmlns:a14="http://schemas.microsoft.com/office/drawing/2010/main" w="9525">
                   <a:solidFill>
                     <a:srgbClr val="000000"/>
                   </a:solidFill>
@@ -2007,7 +2006,7 @@
             </a:ln>
             <a:extLst>
               <a:ext uri="{91240B29-F687-4f45-9708-019B960494DF}">
-                <a14:hiddenLine xmlns:a14="http://schemas.microsoft.com/office/drawing/2010/main" xmlns="" w="9525">
+                <a14:hiddenLine xmlns="" xmlns:a14="http://schemas.microsoft.com/office/drawing/2010/main" w="9525">
                   <a:solidFill>
                     <a:srgbClr val="000000"/>
                   </a:solidFill>
@@ -2075,7 +2074,7 @@
             </a:ln>
             <a:extLst>
               <a:ext uri="{91240B29-F687-4f45-9708-019B960494DF}">
-                <a14:hiddenLine xmlns:a14="http://schemas.microsoft.com/office/drawing/2010/main" xmlns="" w="9525">
+                <a14:hiddenLine xmlns="" xmlns:a14="http://schemas.microsoft.com/office/drawing/2010/main" w="9525">
                   <a:solidFill>
                     <a:srgbClr val="000000"/>
                   </a:solidFill>
@@ -2165,7 +2164,7 @@
             </a:ln>
             <a:extLst>
               <a:ext uri="{91240B29-F687-4f45-9708-019B960494DF}">
-                <a14:hiddenLine xmlns:a14="http://schemas.microsoft.com/office/drawing/2010/main" xmlns="" w="9525">
+                <a14:hiddenLine xmlns="" xmlns:a14="http://schemas.microsoft.com/office/drawing/2010/main" w="9525">
                   <a:solidFill>
                     <a:srgbClr val="000000"/>
                   </a:solidFill>
@@ -2233,7 +2232,7 @@
             </a:ln>
             <a:extLst>
               <a:ext uri="{91240B29-F687-4f45-9708-019B960494DF}">
-                <a14:hiddenLine xmlns:a14="http://schemas.microsoft.com/office/drawing/2010/main" xmlns="" w="9525">
+                <a14:hiddenLine xmlns="" xmlns:a14="http://schemas.microsoft.com/office/drawing/2010/main" w="9525">
                   <a:solidFill>
                     <a:srgbClr val="000000"/>
                   </a:solidFill>
@@ -2323,7 +2322,7 @@
             </a:ln>
             <a:extLst>
               <a:ext uri="{91240B29-F687-4f45-9708-019B960494DF}">
-                <a14:hiddenLine xmlns:a14="http://schemas.microsoft.com/office/drawing/2010/main" xmlns="" w="9525">
+                <a14:hiddenLine xmlns="" xmlns:a14="http://schemas.microsoft.com/office/drawing/2010/main" w="9525">
                   <a:solidFill>
                     <a:srgbClr val="000000"/>
                   </a:solidFill>
@@ -2357,7 +2356,7 @@
             </a:ln>
             <a:extLst>
               <a:ext uri="{91240B29-F687-4f45-9708-019B960494DF}">
-                <a14:hiddenLine xmlns:a14="http://schemas.microsoft.com/office/drawing/2010/main" xmlns="" w="9525">
+                <a14:hiddenLine xmlns="" xmlns:a14="http://schemas.microsoft.com/office/drawing/2010/main" w="9525">
                   <a:solidFill>
                     <a:srgbClr val="000000"/>
                   </a:solidFill>
@@ -2447,7 +2446,7 @@
             </a:ln>
             <a:extLst>
               <a:ext uri="{91240B29-F687-4f45-9708-019B960494DF}">
-                <a14:hiddenLine xmlns:a14="http://schemas.microsoft.com/office/drawing/2010/main" xmlns="" w="9525">
+                <a14:hiddenLine xmlns="" xmlns:a14="http://schemas.microsoft.com/office/drawing/2010/main" w="9525">
                   <a:solidFill>
                     <a:srgbClr val="000000"/>
                   </a:solidFill>
@@ -2509,7 +2508,7 @@
             </a:ln>
             <a:extLst>
               <a:ext uri="{91240B29-F687-4f45-9708-019B960494DF}">
-                <a14:hiddenLine xmlns:a14="http://schemas.microsoft.com/office/drawing/2010/main" xmlns="" w="9525">
+                <a14:hiddenLine xmlns="" xmlns:a14="http://schemas.microsoft.com/office/drawing/2010/main" w="9525">
                   <a:solidFill>
                     <a:srgbClr val="000000"/>
                   </a:solidFill>
@@ -2571,7 +2570,7 @@
             </a:ln>
             <a:extLst>
               <a:ext uri="{91240B29-F687-4f45-9708-019B960494DF}">
-                <a14:hiddenLine xmlns:a14="http://schemas.microsoft.com/office/drawing/2010/main" xmlns="" w="9525">
+                <a14:hiddenLine xmlns="" xmlns:a14="http://schemas.microsoft.com/office/drawing/2010/main" w="9525">
                   <a:solidFill>
                     <a:srgbClr val="000000"/>
                   </a:solidFill>
@@ -2661,7 +2660,7 @@
             </a:ln>
             <a:extLst>
               <a:ext uri="{91240B29-F687-4f45-9708-019B960494DF}">
-                <a14:hiddenLine xmlns:a14="http://schemas.microsoft.com/office/drawing/2010/main" xmlns="" w="9525">
+                <a14:hiddenLine xmlns="" xmlns:a14="http://schemas.microsoft.com/office/drawing/2010/main" w="9525">
                   <a:solidFill>
                     <a:srgbClr val="000000"/>
                   </a:solidFill>
@@ -2729,7 +2728,7 @@
             </a:ln>
             <a:extLst>
               <a:ext uri="{91240B29-F687-4f45-9708-019B960494DF}">
-                <a14:hiddenLine xmlns:a14="http://schemas.microsoft.com/office/drawing/2010/main" xmlns="" w="9525">
+                <a14:hiddenLine xmlns="" xmlns:a14="http://schemas.microsoft.com/office/drawing/2010/main" w="9525">
                   <a:solidFill>
                     <a:srgbClr val="000000"/>
                   </a:solidFill>
@@ -2791,7 +2790,7 @@
             </a:ln>
             <a:extLst>
               <a:ext uri="{91240B29-F687-4f45-9708-019B960494DF}">
-                <a14:hiddenLine xmlns:a14="http://schemas.microsoft.com/office/drawing/2010/main" xmlns="" w="9525">
+                <a14:hiddenLine xmlns="" xmlns:a14="http://schemas.microsoft.com/office/drawing/2010/main" w="9525">
                   <a:solidFill>
                     <a:srgbClr val="000000"/>
                   </a:solidFill>
@@ -2881,7 +2880,7 @@
             </a:ln>
             <a:extLst>
               <a:ext uri="{91240B29-F687-4f45-9708-019B960494DF}">
-                <a14:hiddenLine xmlns:a14="http://schemas.microsoft.com/office/drawing/2010/main" xmlns="" w="9525">
+                <a14:hiddenLine xmlns="" xmlns:a14="http://schemas.microsoft.com/office/drawing/2010/main" w="9525">
                   <a:solidFill>
                     <a:srgbClr val="000000"/>
                   </a:solidFill>
@@ -2943,7 +2942,7 @@
             </a:ln>
             <a:extLst>
               <a:ext uri="{91240B29-F687-4f45-9708-019B960494DF}">
-                <a14:hiddenLine xmlns:a14="http://schemas.microsoft.com/office/drawing/2010/main" xmlns="" w="9525">
+                <a14:hiddenLine xmlns="" xmlns:a14="http://schemas.microsoft.com/office/drawing/2010/main" w="9525">
                   <a:solidFill>
                     <a:srgbClr val="000000"/>
                   </a:solidFill>
@@ -3033,7 +3032,7 @@
             </a:ln>
             <a:extLst>
               <a:ext uri="{91240B29-F687-4f45-9708-019B960494DF}">
-                <a14:hiddenLine xmlns:a14="http://schemas.microsoft.com/office/drawing/2010/main" xmlns="" w="9525">
+                <a14:hiddenLine xmlns="" xmlns:a14="http://schemas.microsoft.com/office/drawing/2010/main" w="9525">
                   <a:solidFill>
                     <a:srgbClr val="000000"/>
                   </a:solidFill>
@@ -3095,7 +3094,7 @@
             </a:ln>
             <a:extLst>
               <a:ext uri="{91240B29-F687-4f45-9708-019B960494DF}">
-                <a14:hiddenLine xmlns:a14="http://schemas.microsoft.com/office/drawing/2010/main" xmlns="" w="9525">
+                <a14:hiddenLine xmlns="" xmlns:a14="http://schemas.microsoft.com/office/drawing/2010/main" w="9525">
                   <a:solidFill>
                     <a:srgbClr val="000000"/>
                   </a:solidFill>
@@ -3185,7 +3184,7 @@
             </a:ln>
             <a:extLst>
               <a:ext uri="{91240B29-F687-4f45-9708-019B960494DF}">
-                <a14:hiddenLine xmlns:a14="http://schemas.microsoft.com/office/drawing/2010/main" xmlns="" w="9525">
+                <a14:hiddenLine xmlns="" xmlns:a14="http://schemas.microsoft.com/office/drawing/2010/main" w="9525">
                   <a:solidFill>
                     <a:srgbClr val="000000"/>
                   </a:solidFill>
@@ -3219,7 +3218,7 @@
             </a:ln>
             <a:extLst>
               <a:ext uri="{91240B29-F687-4f45-9708-019B960494DF}">
-                <a14:hiddenLine xmlns:a14="http://schemas.microsoft.com/office/drawing/2010/main" xmlns="" w="9525">
+                <a14:hiddenLine xmlns="" xmlns:a14="http://schemas.microsoft.com/office/drawing/2010/main" w="9525">
                   <a:solidFill>
                     <a:srgbClr val="000000"/>
                   </a:solidFill>
@@ -3284,7 +3283,7 @@
             </a:ln>
             <a:extLst>
               <a:ext uri="{91240B29-F687-4f45-9708-019B960494DF}">
-                <a14:hiddenLine xmlns:a14="http://schemas.microsoft.com/office/drawing/2010/main" xmlns="" w="9525">
+                <a14:hiddenLine xmlns="" xmlns:a14="http://schemas.microsoft.com/office/drawing/2010/main" w="9525">
                   <a:solidFill>
                     <a:srgbClr val="000000"/>
                   </a:solidFill>
@@ -3374,7 +3373,7 @@
             </a:ln>
             <a:extLst>
               <a:ext uri="{91240B29-F687-4f45-9708-019B960494DF}">
-                <a14:hiddenLine xmlns:a14="http://schemas.microsoft.com/office/drawing/2010/main" xmlns="" w="9525">
+                <a14:hiddenLine xmlns="" xmlns:a14="http://schemas.microsoft.com/office/drawing/2010/main" w="9525">
                   <a:solidFill>
                     <a:srgbClr val="000000"/>
                   </a:solidFill>
@@ -3436,7 +3435,7 @@
             </a:ln>
             <a:extLst>
               <a:ext uri="{91240B29-F687-4f45-9708-019B960494DF}">
-                <a14:hiddenLine xmlns:a14="http://schemas.microsoft.com/office/drawing/2010/main" xmlns="" w="9525">
+                <a14:hiddenLine xmlns="" xmlns:a14="http://schemas.microsoft.com/office/drawing/2010/main" w="9525">
                   <a:solidFill>
                     <a:srgbClr val="000000"/>
                   </a:solidFill>
@@ -3526,7 +3525,7 @@
             </a:ln>
             <a:extLst>
               <a:ext uri="{91240B29-F687-4f45-9708-019B960494DF}">
-                <a14:hiddenLine xmlns:a14="http://schemas.microsoft.com/office/drawing/2010/main" xmlns="" w="9525">
+                <a14:hiddenLine xmlns="" xmlns:a14="http://schemas.microsoft.com/office/drawing/2010/main" w="9525">
                   <a:solidFill>
                     <a:srgbClr val="000000"/>
                   </a:solidFill>
@@ -3616,7 +3615,7 @@
             </a:ln>
             <a:extLst>
               <a:ext uri="{91240B29-F687-4f45-9708-019B960494DF}">
-                <a14:hiddenLine xmlns:a14="http://schemas.microsoft.com/office/drawing/2010/main" xmlns="" w="9525">
+                <a14:hiddenLine xmlns="" xmlns:a14="http://schemas.microsoft.com/office/drawing/2010/main" w="9525">
                   <a:solidFill>
                     <a:srgbClr val="000000"/>
                   </a:solidFill>
@@ -3681,7 +3680,7 @@
             </a:ln>
             <a:extLst>
               <a:ext uri="{91240B29-F687-4f45-9708-019B960494DF}">
-                <a14:hiddenLine xmlns:a14="http://schemas.microsoft.com/office/drawing/2010/main" xmlns="" w="9525">
+                <a14:hiddenLine xmlns="" xmlns:a14="http://schemas.microsoft.com/office/drawing/2010/main" w="9525">
                   <a:solidFill>
                     <a:srgbClr val="000000"/>
                   </a:solidFill>
@@ -3743,7 +3742,7 @@
             </a:ln>
             <a:extLst>
               <a:ext uri="{91240B29-F687-4f45-9708-019B960494DF}">
-                <a14:hiddenLine xmlns:a14="http://schemas.microsoft.com/office/drawing/2010/main" xmlns="" w="9525">
+                <a14:hiddenLine xmlns="" xmlns:a14="http://schemas.microsoft.com/office/drawing/2010/main" w="9525">
                   <a:solidFill>
                     <a:srgbClr val="000000"/>
                   </a:solidFill>
@@ -3833,7 +3832,7 @@
             </a:ln>
             <a:extLst>
               <a:ext uri="{91240B29-F687-4f45-9708-019B960494DF}">
-                <a14:hiddenLine xmlns:a14="http://schemas.microsoft.com/office/drawing/2010/main" xmlns="" w="9525">
+                <a14:hiddenLine xmlns="" xmlns:a14="http://schemas.microsoft.com/office/drawing/2010/main" w="9525">
                   <a:solidFill>
                     <a:srgbClr val="000000"/>
                   </a:solidFill>
@@ -3923,7 +3922,7 @@
             </a:ln>
             <a:extLst>
               <a:ext uri="{91240B29-F687-4f45-9708-019B960494DF}">
-                <a14:hiddenLine xmlns:a14="http://schemas.microsoft.com/office/drawing/2010/main" xmlns="" w="9525">
+                <a14:hiddenLine xmlns="" xmlns:a14="http://schemas.microsoft.com/office/drawing/2010/main" w="9525">
                   <a:solidFill>
                     <a:srgbClr val="000000"/>
                   </a:solidFill>
@@ -3985,7 +3984,7 @@
             </a:ln>
             <a:extLst>
               <a:ext uri="{91240B29-F687-4f45-9708-019B960494DF}">
-                <a14:hiddenLine xmlns:a14="http://schemas.microsoft.com/office/drawing/2010/main" xmlns="" w="9525">
+                <a14:hiddenLine xmlns="" xmlns:a14="http://schemas.microsoft.com/office/drawing/2010/main" w="9525">
                   <a:solidFill>
                     <a:srgbClr val="000000"/>
                   </a:solidFill>
@@ -4105,7 +4104,7 @@
             </a:ln>
             <a:extLst>
               <a:ext uri="{91240B29-F687-4f45-9708-019B960494DF}">
-                <a14:hiddenLine xmlns:a14="http://schemas.microsoft.com/office/drawing/2010/main" xmlns="" w="9525">
+                <a14:hiddenLine xmlns="" xmlns:a14="http://schemas.microsoft.com/office/drawing/2010/main" w="9525">
                   <a:solidFill>
                     <a:srgbClr val="000000"/>
                   </a:solidFill>
@@ -4173,7 +4172,7 @@
             </a:ln>
             <a:extLst>
               <a:ext uri="{91240B29-F687-4f45-9708-019B960494DF}">
-                <a14:hiddenLine xmlns:a14="http://schemas.microsoft.com/office/drawing/2010/main" xmlns="" w="9525">
+                <a14:hiddenLine xmlns="" xmlns:a14="http://schemas.microsoft.com/office/drawing/2010/main" w="9525">
                   <a:solidFill>
                     <a:srgbClr val="000000"/>
                   </a:solidFill>
@@ -4263,7 +4262,7 @@
             </a:ln>
             <a:extLst>
               <a:ext uri="{91240B29-F687-4f45-9708-019B960494DF}">
-                <a14:hiddenLine xmlns:a14="http://schemas.microsoft.com/office/drawing/2010/main" xmlns="" w="9525">
+                <a14:hiddenLine xmlns="" xmlns:a14="http://schemas.microsoft.com/office/drawing/2010/main" w="9525">
                   <a:solidFill>
                     <a:srgbClr val="000000"/>
                   </a:solidFill>
@@ -4403,7 +4402,7 @@
           <a:p>
             <a:fld id="{45B796A2-5E01-4D06-BA9F-584E67CC9556}" type="datetimeFigureOut">
               <a:rPr lang="en-US" smtClean="0"/>
-              <a:t>20-May-18</a:t>
+              <a:t>21-May-18</a:t>
             </a:fld>
             <a:endParaRPr lang="en-US"/>
           </a:p>
@@ -4670,7 +4669,7 @@
           <a:p>
             <a:fld id="{45B796A2-5E01-4D06-BA9F-584E67CC9556}" type="datetimeFigureOut">
               <a:rPr lang="en-US" smtClean="0"/>
-              <a:t>20-May-18</a:t>
+              <a:t>21-May-18</a:t>
             </a:fld>
             <a:endParaRPr lang="en-US"/>
           </a:p>
@@ -4866,7 +4865,7 @@
           <a:p>
             <a:fld id="{45B796A2-5E01-4D06-BA9F-584E67CC9556}" type="datetimeFigureOut">
               <a:rPr lang="en-US" smtClean="0"/>
-              <a:t>20-May-18</a:t>
+              <a:t>21-May-18</a:t>
             </a:fld>
             <a:endParaRPr lang="en-US"/>
           </a:p>
@@ -5129,7 +5128,7 @@
           <a:p>
             <a:fld id="{45B796A2-5E01-4D06-BA9F-584E67CC9556}" type="datetimeFigureOut">
               <a:rPr lang="en-US" smtClean="0"/>
-              <a:t>20-May-18</a:t>
+              <a:t>21-May-18</a:t>
             </a:fld>
             <a:endParaRPr lang="en-US"/>
           </a:p>
@@ -5563,7 +5562,7 @@
           <a:p>
             <a:fld id="{45B796A2-5E01-4D06-BA9F-584E67CC9556}" type="datetimeFigureOut">
               <a:rPr lang="en-US" smtClean="0"/>
-              <a:t>20-May-18</a:t>
+              <a:t>21-May-18</a:t>
             </a:fld>
             <a:endParaRPr lang="en-US"/>
           </a:p>
@@ -6109,7 +6108,7 @@
           <a:p>
             <a:fld id="{45B796A2-5E01-4D06-BA9F-584E67CC9556}" type="datetimeFigureOut">
               <a:rPr lang="en-US" smtClean="0"/>
-              <a:t>20-May-18</a:t>
+              <a:t>21-May-18</a:t>
             </a:fld>
             <a:endParaRPr lang="en-US"/>
           </a:p>
@@ -6829,7 +6828,7 @@
           <a:p>
             <a:fld id="{45B796A2-5E01-4D06-BA9F-584E67CC9556}" type="datetimeFigureOut">
               <a:rPr lang="en-US" smtClean="0"/>
-              <a:t>20-May-18</a:t>
+              <a:t>21-May-18</a:t>
             </a:fld>
             <a:endParaRPr lang="en-US"/>
           </a:p>
@@ -6999,7 +6998,7 @@
           <a:p>
             <a:fld id="{45B796A2-5E01-4D06-BA9F-584E67CC9556}" type="datetimeFigureOut">
               <a:rPr lang="en-US" smtClean="0"/>
-              <a:t>20-May-18</a:t>
+              <a:t>21-May-18</a:t>
             </a:fld>
             <a:endParaRPr lang="en-US"/>
           </a:p>
@@ -7179,7 +7178,7 @@
           <a:p>
             <a:fld id="{45B796A2-5E01-4D06-BA9F-584E67CC9556}" type="datetimeFigureOut">
               <a:rPr lang="en-US" smtClean="0"/>
-              <a:t>20-May-18</a:t>
+              <a:t>21-May-18</a:t>
             </a:fld>
             <a:endParaRPr lang="en-US"/>
           </a:p>
@@ -7349,7 +7348,7 @@
           <a:p>
             <a:fld id="{45B796A2-5E01-4D06-BA9F-584E67CC9556}" type="datetimeFigureOut">
               <a:rPr lang="en-US" smtClean="0"/>
-              <a:t>20-May-18</a:t>
+              <a:t>21-May-18</a:t>
             </a:fld>
             <a:endParaRPr lang="en-US"/>
           </a:p>
@@ -7599,7 +7598,7 @@
           <a:p>
             <a:fld id="{45B796A2-5E01-4D06-BA9F-584E67CC9556}" type="datetimeFigureOut">
               <a:rPr lang="en-US" smtClean="0"/>
-              <a:t>20-May-18</a:t>
+              <a:t>21-May-18</a:t>
             </a:fld>
             <a:endParaRPr lang="en-US"/>
           </a:p>
@@ -7831,7 +7830,7 @@
           <a:p>
             <a:fld id="{45B796A2-5E01-4D06-BA9F-584E67CC9556}" type="datetimeFigureOut">
               <a:rPr lang="en-US" smtClean="0"/>
-              <a:t>20-May-18</a:t>
+              <a:t>21-May-18</a:t>
             </a:fld>
             <a:endParaRPr lang="en-US"/>
           </a:p>
@@ -8212,7 +8211,7 @@
           <a:p>
             <a:fld id="{45B796A2-5E01-4D06-BA9F-584E67CC9556}" type="datetimeFigureOut">
               <a:rPr lang="en-US" smtClean="0"/>
-              <a:t>20-May-18</a:t>
+              <a:t>21-May-18</a:t>
             </a:fld>
             <a:endParaRPr lang="en-US"/>
           </a:p>
@@ -8330,7 +8329,7 @@
           <a:p>
             <a:fld id="{45B796A2-5E01-4D06-BA9F-584E67CC9556}" type="datetimeFigureOut">
               <a:rPr lang="en-US" smtClean="0"/>
-              <a:t>20-May-18</a:t>
+              <a:t>21-May-18</a:t>
             </a:fld>
             <a:endParaRPr lang="en-US"/>
           </a:p>
@@ -8425,7 +8424,7 @@
           <a:p>
             <a:fld id="{45B796A2-5E01-4D06-BA9F-584E67CC9556}" type="datetimeFigureOut">
               <a:rPr lang="en-US" smtClean="0"/>
-              <a:t>20-May-18</a:t>
+              <a:t>21-May-18</a:t>
             </a:fld>
             <a:endParaRPr lang="en-US"/>
           </a:p>
@@ -8674,7 +8673,7 @@
           <a:p>
             <a:fld id="{45B796A2-5E01-4D06-BA9F-584E67CC9556}" type="datetimeFigureOut">
               <a:rPr lang="en-US" smtClean="0"/>
-              <a:t>20-May-18</a:t>
+              <a:t>21-May-18</a:t>
             </a:fld>
             <a:endParaRPr lang="en-US"/>
           </a:p>
@@ -8954,7 +8953,7 @@
           <a:p>
             <a:fld id="{45B796A2-5E01-4D06-BA9F-584E67CC9556}" type="datetimeFigureOut">
               <a:rPr lang="en-US" smtClean="0"/>
-              <a:t>20-May-18</a:t>
+              <a:t>21-May-18</a:t>
             </a:fld>
             <a:endParaRPr lang="en-US"/>
           </a:p>
@@ -9077,7 +9076,7 @@
           <a:noFill/>
           <a:extLst>
             <a:ext uri="{909E8E84-426E-40dd-AFC4-6F175D3DCCD1}">
-              <a14:hiddenFill xmlns:a14="http://schemas.microsoft.com/office/drawing/2010/main" xmlns="">
+              <a14:hiddenFill xmlns="" xmlns:a14="http://schemas.microsoft.com/office/drawing/2010/main">
                 <a:solidFill>
                   <a:srgbClr val="FFFFFF"/>
                 </a:solidFill>
@@ -9151,7 +9150,7 @@
               </a:ln>
               <a:extLst>
                 <a:ext uri="{91240B29-F687-4f45-9708-019B960494DF}">
-                  <a14:hiddenLine xmlns:a14="http://schemas.microsoft.com/office/drawing/2010/main" xmlns="" w="9525">
+                  <a14:hiddenLine xmlns="" xmlns:a14="http://schemas.microsoft.com/office/drawing/2010/main" w="9525">
                     <a:solidFill>
                       <a:srgbClr val="000000"/>
                     </a:solidFill>
@@ -9241,7 +9240,7 @@
               </a:ln>
               <a:extLst>
                 <a:ext uri="{91240B29-F687-4f45-9708-019B960494DF}">
-                  <a14:hiddenLine xmlns:a14="http://schemas.microsoft.com/office/drawing/2010/main" xmlns="" w="9525">
+                  <a14:hiddenLine xmlns="" xmlns:a14="http://schemas.microsoft.com/office/drawing/2010/main" w="9525">
                     <a:solidFill>
                       <a:srgbClr val="000000"/>
                     </a:solidFill>
@@ -9331,7 +9330,7 @@
               </a:ln>
               <a:extLst>
                 <a:ext uri="{91240B29-F687-4f45-9708-019B960494DF}">
-                  <a14:hiddenLine xmlns:a14="http://schemas.microsoft.com/office/drawing/2010/main" xmlns="" w="9525">
+                  <a14:hiddenLine xmlns="" xmlns:a14="http://schemas.microsoft.com/office/drawing/2010/main" w="9525">
                     <a:solidFill>
                       <a:srgbClr val="000000"/>
                     </a:solidFill>
@@ -9393,7 +9392,7 @@
               </a:ln>
               <a:extLst>
                 <a:ext uri="{91240B29-F687-4f45-9708-019B960494DF}">
-                  <a14:hiddenLine xmlns:a14="http://schemas.microsoft.com/office/drawing/2010/main" xmlns="" w="9525">
+                  <a14:hiddenLine xmlns="" xmlns:a14="http://schemas.microsoft.com/office/drawing/2010/main" w="9525">
                     <a:solidFill>
                       <a:srgbClr val="000000"/>
                     </a:solidFill>
@@ -9483,7 +9482,7 @@
               </a:ln>
               <a:extLst>
                 <a:ext uri="{91240B29-F687-4f45-9708-019B960494DF}">
-                  <a14:hiddenLine xmlns:a14="http://schemas.microsoft.com/office/drawing/2010/main" xmlns="" w="9525">
+                  <a14:hiddenLine xmlns="" xmlns:a14="http://schemas.microsoft.com/office/drawing/2010/main" w="9525">
                     <a:solidFill>
                       <a:srgbClr val="000000"/>
                     </a:solidFill>
@@ -9545,7 +9544,7 @@
               </a:ln>
               <a:extLst>
                 <a:ext uri="{91240B29-F687-4f45-9708-019B960494DF}">
-                  <a14:hiddenLine xmlns:a14="http://schemas.microsoft.com/office/drawing/2010/main" xmlns="" w="9525">
+                  <a14:hiddenLine xmlns="" xmlns:a14="http://schemas.microsoft.com/office/drawing/2010/main" w="9525">
                     <a:solidFill>
                       <a:srgbClr val="000000"/>
                     </a:solidFill>
@@ -9607,7 +9606,7 @@
               </a:ln>
               <a:extLst>
                 <a:ext uri="{91240B29-F687-4f45-9708-019B960494DF}">
-                  <a14:hiddenLine xmlns:a14="http://schemas.microsoft.com/office/drawing/2010/main" xmlns="" w="9525">
+                  <a14:hiddenLine xmlns="" xmlns:a14="http://schemas.microsoft.com/office/drawing/2010/main" w="9525">
                     <a:solidFill>
                       <a:srgbClr val="000000"/>
                     </a:solidFill>
@@ -9697,7 +9696,7 @@
               </a:ln>
               <a:extLst>
                 <a:ext uri="{91240B29-F687-4f45-9708-019B960494DF}">
-                  <a14:hiddenLine xmlns:a14="http://schemas.microsoft.com/office/drawing/2010/main" xmlns="" w="9525">
+                  <a14:hiddenLine xmlns="" xmlns:a14="http://schemas.microsoft.com/office/drawing/2010/main" w="9525">
                     <a:solidFill>
                       <a:srgbClr val="000000"/>
                     </a:solidFill>
@@ -9787,7 +9786,7 @@
               </a:ln>
               <a:extLst>
                 <a:ext uri="{91240B29-F687-4f45-9708-019B960494DF}">
-                  <a14:hiddenLine xmlns:a14="http://schemas.microsoft.com/office/drawing/2010/main" xmlns="" w="9525">
+                  <a14:hiddenLine xmlns="" xmlns:a14="http://schemas.microsoft.com/office/drawing/2010/main" w="9525">
                     <a:solidFill>
                       <a:srgbClr val="000000"/>
                     </a:solidFill>
@@ -9849,7 +9848,7 @@
               </a:ln>
               <a:extLst>
                 <a:ext uri="{91240B29-F687-4f45-9708-019B960494DF}">
-                  <a14:hiddenLine xmlns:a14="http://schemas.microsoft.com/office/drawing/2010/main" xmlns="" w="9525">
+                  <a14:hiddenLine xmlns="" xmlns:a14="http://schemas.microsoft.com/office/drawing/2010/main" w="9525">
                     <a:solidFill>
                       <a:srgbClr val="000000"/>
                     </a:solidFill>
@@ -9959,7 +9958,7 @@
               </a:ln>
               <a:extLst>
                 <a:ext uri="{91240B29-F687-4f45-9708-019B960494DF}">
-                  <a14:hiddenLine xmlns:a14="http://schemas.microsoft.com/office/drawing/2010/main" xmlns="" w="9525">
+                  <a14:hiddenLine xmlns="" xmlns:a14="http://schemas.microsoft.com/office/drawing/2010/main" w="9525">
                     <a:solidFill>
                       <a:srgbClr val="000000"/>
                     </a:solidFill>
@@ -10043,7 +10042,7 @@
               </a:ln>
               <a:extLst>
                 <a:ext uri="{91240B29-F687-4f45-9708-019B960494DF}">
-                  <a14:hiddenLine xmlns:a14="http://schemas.microsoft.com/office/drawing/2010/main" xmlns="" w="9525">
+                  <a14:hiddenLine xmlns="" xmlns:a14="http://schemas.microsoft.com/office/drawing/2010/main" w="9525">
                     <a:solidFill>
                       <a:srgbClr val="000000"/>
                     </a:solidFill>
@@ -10105,7 +10104,7 @@
               </a:ln>
               <a:extLst>
                 <a:ext uri="{91240B29-F687-4f45-9708-019B960494DF}">
-                  <a14:hiddenLine xmlns:a14="http://schemas.microsoft.com/office/drawing/2010/main" xmlns="" w="9525">
+                  <a14:hiddenLine xmlns="" xmlns:a14="http://schemas.microsoft.com/office/drawing/2010/main" w="9525">
                     <a:solidFill>
                       <a:srgbClr val="000000"/>
                     </a:solidFill>
@@ -10167,7 +10166,7 @@
               </a:ln>
               <a:extLst>
                 <a:ext uri="{91240B29-F687-4f45-9708-019B960494DF}">
-                  <a14:hiddenLine xmlns:a14="http://schemas.microsoft.com/office/drawing/2010/main" xmlns="" w="9525">
+                  <a14:hiddenLine xmlns="" xmlns:a14="http://schemas.microsoft.com/office/drawing/2010/main" w="9525">
                     <a:solidFill>
                       <a:srgbClr val="000000"/>
                     </a:solidFill>
@@ -10257,7 +10256,7 @@
               </a:ln>
               <a:extLst>
                 <a:ext uri="{91240B29-F687-4f45-9708-019B960494DF}">
-                  <a14:hiddenLine xmlns:a14="http://schemas.microsoft.com/office/drawing/2010/main" xmlns="" w="9525">
+                  <a14:hiddenLine xmlns="" xmlns:a14="http://schemas.microsoft.com/office/drawing/2010/main" w="9525">
                     <a:solidFill>
                       <a:srgbClr val="000000"/>
                     </a:solidFill>
@@ -10291,7 +10290,7 @@
               </a:ln>
               <a:extLst>
                 <a:ext uri="{91240B29-F687-4f45-9708-019B960494DF}">
-                  <a14:hiddenLine xmlns:a14="http://schemas.microsoft.com/office/drawing/2010/main" xmlns="" w="9525">
+                  <a14:hiddenLine xmlns="" xmlns:a14="http://schemas.microsoft.com/office/drawing/2010/main" w="9525">
                     <a:solidFill>
                       <a:srgbClr val="000000"/>
                     </a:solidFill>
@@ -10356,7 +10355,7 @@
               </a:ln>
               <a:extLst>
                 <a:ext uri="{91240B29-F687-4f45-9708-019B960494DF}">
-                  <a14:hiddenLine xmlns:a14="http://schemas.microsoft.com/office/drawing/2010/main" xmlns="" w="9525">
+                  <a14:hiddenLine xmlns="" xmlns:a14="http://schemas.microsoft.com/office/drawing/2010/main" w="9525">
                     <a:solidFill>
                       <a:srgbClr val="000000"/>
                     </a:solidFill>
@@ -10446,7 +10445,7 @@
               </a:ln>
               <a:extLst>
                 <a:ext uri="{91240B29-F687-4f45-9708-019B960494DF}">
-                  <a14:hiddenLine xmlns:a14="http://schemas.microsoft.com/office/drawing/2010/main" xmlns="" w="9525">
+                  <a14:hiddenLine xmlns="" xmlns:a14="http://schemas.microsoft.com/office/drawing/2010/main" w="9525">
                     <a:solidFill>
                       <a:srgbClr val="000000"/>
                     </a:solidFill>
@@ -10508,7 +10507,7 @@
               </a:ln>
               <a:extLst>
                 <a:ext uri="{91240B29-F687-4f45-9708-019B960494DF}">
-                  <a14:hiddenLine xmlns:a14="http://schemas.microsoft.com/office/drawing/2010/main" xmlns="" w="9525">
+                  <a14:hiddenLine xmlns="" xmlns:a14="http://schemas.microsoft.com/office/drawing/2010/main" w="9525">
                     <a:solidFill>
                       <a:srgbClr val="000000"/>
                     </a:solidFill>
@@ -10598,7 +10597,7 @@
               </a:ln>
               <a:extLst>
                 <a:ext uri="{91240B29-F687-4f45-9708-019B960494DF}">
-                  <a14:hiddenLine xmlns:a14="http://schemas.microsoft.com/office/drawing/2010/main" xmlns="" w="9525">
+                  <a14:hiddenLine xmlns="" xmlns:a14="http://schemas.microsoft.com/office/drawing/2010/main" w="9525">
                     <a:solidFill>
                       <a:srgbClr val="000000"/>
                     </a:solidFill>
@@ -10663,7 +10662,7 @@
               </a:ln>
               <a:extLst>
                 <a:ext uri="{91240B29-F687-4f45-9708-019B960494DF}">
-                  <a14:hiddenLine xmlns:a14="http://schemas.microsoft.com/office/drawing/2010/main" xmlns="" w="9525">
+                  <a14:hiddenLine xmlns="" xmlns:a14="http://schemas.microsoft.com/office/drawing/2010/main" w="9525">
                     <a:solidFill>
                       <a:srgbClr val="000000"/>
                     </a:solidFill>
@@ -10725,7 +10724,7 @@
               </a:ln>
               <a:extLst>
                 <a:ext uri="{91240B29-F687-4f45-9708-019B960494DF}">
-                  <a14:hiddenLine xmlns:a14="http://schemas.microsoft.com/office/drawing/2010/main" xmlns="" w="9525">
+                  <a14:hiddenLine xmlns="" xmlns:a14="http://schemas.microsoft.com/office/drawing/2010/main" w="9525">
                     <a:solidFill>
                       <a:srgbClr val="000000"/>
                     </a:solidFill>
@@ -10815,7 +10814,7 @@
               </a:ln>
               <a:extLst>
                 <a:ext uri="{91240B29-F687-4f45-9708-019B960494DF}">
-                  <a14:hiddenLine xmlns:a14="http://schemas.microsoft.com/office/drawing/2010/main" xmlns="" w="9525">
+                  <a14:hiddenLine xmlns="" xmlns:a14="http://schemas.microsoft.com/office/drawing/2010/main" w="9525">
                     <a:solidFill>
                       <a:srgbClr val="000000"/>
                     </a:solidFill>
@@ -10905,7 +10904,7 @@
               </a:ln>
               <a:extLst>
                 <a:ext uri="{91240B29-F687-4f45-9708-019B960494DF}">
-                  <a14:hiddenLine xmlns:a14="http://schemas.microsoft.com/office/drawing/2010/main" xmlns="" w="9525">
+                  <a14:hiddenLine xmlns="" xmlns:a14="http://schemas.microsoft.com/office/drawing/2010/main" w="9525">
                     <a:solidFill>
                       <a:srgbClr val="000000"/>
                     </a:solidFill>
@@ -10970,7 +10969,7 @@
               </a:ln>
               <a:extLst>
                 <a:ext uri="{91240B29-F687-4f45-9708-019B960494DF}">
-                  <a14:hiddenLine xmlns:a14="http://schemas.microsoft.com/office/drawing/2010/main" xmlns="" w="9525">
+                  <a14:hiddenLine xmlns="" xmlns:a14="http://schemas.microsoft.com/office/drawing/2010/main" w="9525">
                     <a:solidFill>
                       <a:srgbClr val="000000"/>
                     </a:solidFill>
@@ -11090,7 +11089,7 @@
               </a:ln>
               <a:extLst>
                 <a:ext uri="{91240B29-F687-4f45-9708-019B960494DF}">
-                  <a14:hiddenLine xmlns:a14="http://schemas.microsoft.com/office/drawing/2010/main" xmlns="" w="9525">
+                  <a14:hiddenLine xmlns="" xmlns:a14="http://schemas.microsoft.com/office/drawing/2010/main" w="9525">
                     <a:solidFill>
                       <a:srgbClr val="000000"/>
                     </a:solidFill>
@@ -11171,7 +11170,7 @@
               </a:ln>
               <a:extLst>
                 <a:ext uri="{91240B29-F687-4f45-9708-019B960494DF}">
-                  <a14:hiddenLine xmlns:a14="http://schemas.microsoft.com/office/drawing/2010/main" xmlns="" w="9525">
+                  <a14:hiddenLine xmlns="" xmlns:a14="http://schemas.microsoft.com/office/drawing/2010/main" w="9525">
                     <a:solidFill>
                       <a:srgbClr val="000000"/>
                     </a:solidFill>
@@ -11286,7 +11285,7 @@
               </a:ln>
               <a:extLst>
                 <a:ext uri="{91240B29-F687-4f45-9708-019B960494DF}">
-                  <a14:hiddenLine xmlns:a14="http://schemas.microsoft.com/office/drawing/2010/main" xmlns="" w="9525">
+                  <a14:hiddenLine xmlns="" xmlns:a14="http://schemas.microsoft.com/office/drawing/2010/main" w="9525">
                     <a:solidFill>
                       <a:srgbClr val="000000"/>
                     </a:solidFill>
@@ -11376,7 +11375,7 @@
               </a:ln>
               <a:extLst>
                 <a:ext uri="{91240B29-F687-4f45-9708-019B960494DF}">
-                  <a14:hiddenLine xmlns:a14="http://schemas.microsoft.com/office/drawing/2010/main" xmlns="" w="9525">
+                  <a14:hiddenLine xmlns="" xmlns:a14="http://schemas.microsoft.com/office/drawing/2010/main" w="9525">
                     <a:solidFill>
                       <a:srgbClr val="000000"/>
                     </a:solidFill>
@@ -11441,7 +11440,7 @@
               </a:ln>
               <a:extLst>
                 <a:ext uri="{91240B29-F687-4f45-9708-019B960494DF}">
-                  <a14:hiddenLine xmlns:a14="http://schemas.microsoft.com/office/drawing/2010/main" xmlns="" w="9525">
+                  <a14:hiddenLine xmlns="" xmlns:a14="http://schemas.microsoft.com/office/drawing/2010/main" w="9525">
                     <a:solidFill>
                       <a:srgbClr val="000000"/>
                     </a:solidFill>
@@ -11531,7 +11530,7 @@
               </a:ln>
               <a:extLst>
                 <a:ext uri="{91240B29-F687-4f45-9708-019B960494DF}">
-                  <a14:hiddenLine xmlns:a14="http://schemas.microsoft.com/office/drawing/2010/main" xmlns="" w="9525">
+                  <a14:hiddenLine xmlns="" xmlns:a14="http://schemas.microsoft.com/office/drawing/2010/main" w="9525">
                     <a:solidFill>
                       <a:srgbClr val="000000"/>
                     </a:solidFill>
@@ -11599,7 +11598,7 @@
               </a:ln>
               <a:extLst>
                 <a:ext uri="{91240B29-F687-4f45-9708-019B960494DF}">
-                  <a14:hiddenLine xmlns:a14="http://schemas.microsoft.com/office/drawing/2010/main" xmlns="" w="9525">
+                  <a14:hiddenLine xmlns="" xmlns:a14="http://schemas.microsoft.com/office/drawing/2010/main" w="9525">
                     <a:solidFill>
                       <a:srgbClr val="000000"/>
                     </a:solidFill>
@@ -11689,7 +11688,7 @@
               </a:ln>
               <a:extLst>
                 <a:ext uri="{91240B29-F687-4f45-9708-019B960494DF}">
-                  <a14:hiddenLine xmlns:a14="http://schemas.microsoft.com/office/drawing/2010/main" xmlns="" w="9525">
+                  <a14:hiddenLine xmlns="" xmlns:a14="http://schemas.microsoft.com/office/drawing/2010/main" w="9525">
                     <a:solidFill>
                       <a:srgbClr val="000000"/>
                     </a:solidFill>
@@ -11757,7 +11756,7 @@
               </a:ln>
               <a:extLst>
                 <a:ext uri="{91240B29-F687-4f45-9708-019B960494DF}">
-                  <a14:hiddenLine xmlns:a14="http://schemas.microsoft.com/office/drawing/2010/main" xmlns="" w="9525">
+                  <a14:hiddenLine xmlns="" xmlns:a14="http://schemas.microsoft.com/office/drawing/2010/main" w="9525">
                     <a:solidFill>
                       <a:srgbClr val="000000"/>
                     </a:solidFill>
@@ -11847,7 +11846,7 @@
               </a:ln>
               <a:extLst>
                 <a:ext uri="{91240B29-F687-4f45-9708-019B960494DF}">
-                  <a14:hiddenLine xmlns:a14="http://schemas.microsoft.com/office/drawing/2010/main" xmlns="" w="9525">
+                  <a14:hiddenLine xmlns="" xmlns:a14="http://schemas.microsoft.com/office/drawing/2010/main" w="9525">
                     <a:solidFill>
                       <a:srgbClr val="000000"/>
                     </a:solidFill>
@@ -11881,7 +11880,7 @@
               </a:ln>
               <a:extLst>
                 <a:ext uri="{91240B29-F687-4f45-9708-019B960494DF}">
-                  <a14:hiddenLine xmlns:a14="http://schemas.microsoft.com/office/drawing/2010/main" xmlns="" w="9525">
+                  <a14:hiddenLine xmlns="" xmlns:a14="http://schemas.microsoft.com/office/drawing/2010/main" w="9525">
                     <a:solidFill>
                       <a:srgbClr val="000000"/>
                     </a:solidFill>
@@ -12021,7 +12020,7 @@
           <a:p>
             <a:fld id="{45B796A2-5E01-4D06-BA9F-584E67CC9556}" type="datetimeFigureOut">
               <a:rPr lang="en-US" smtClean="0"/>
-              <a:t>20-May-18</a:t>
+              <a:t>21-May-18</a:t>
             </a:fld>
             <a:endParaRPr lang="en-US"/>
           </a:p>
@@ -12535,90 +12534,6 @@
 </p:sld>
 </file>
 
-<file path=ppt/slides/slide10.xml><?xml version="1.0" encoding="utf-8"?>
-<p:sld xmlns:a="http://schemas.openxmlformats.org/drawingml/2006/main" xmlns:r="http://schemas.openxmlformats.org/officeDocument/2006/relationships" xmlns:p="http://schemas.openxmlformats.org/presentationml/2006/main">
-  <p:cSld>
-    <p:spTree>
-      <p:nvGrpSpPr>
-        <p:cNvPr id="1" name=""/>
-        <p:cNvGrpSpPr/>
-        <p:nvPr/>
-      </p:nvGrpSpPr>
-      <p:grpSpPr>
-        <a:xfrm>
-          <a:off x="0" y="0"/>
-          <a:ext cx="0" cy="0"/>
-          <a:chOff x="0" y="0"/>
-          <a:chExt cx="0" cy="0"/>
-        </a:xfrm>
-      </p:grpSpPr>
-      <p:sp>
-        <p:nvSpPr>
-          <p:cNvPr id="2" name="Title 1">
-            <a:extLst>
-              <a:ext uri="{FF2B5EF4-FFF2-40B4-BE49-F238E27FC236}">
-                <a16:creationId xmlns:a16="http://schemas.microsoft.com/office/drawing/2014/main" id="{CEEFD6C7-645A-44D1-A8E1-FA231F258927}"/>
-              </a:ext>
-            </a:extLst>
-          </p:cNvPr>
-          <p:cNvSpPr>
-            <a:spLocks noGrp="1"/>
-          </p:cNvSpPr>
-          <p:nvPr>
-            <p:ph type="title"/>
-          </p:nvPr>
-        </p:nvSpPr>
-        <p:spPr/>
-        <p:txBody>
-          <a:bodyPr/>
-          <a:lstStyle/>
-          <a:p>
-            <a:r>
-              <a:rPr lang="es-ES" dirty="0"/>
-              <a:t>Demo</a:t>
-            </a:r>
-            <a:endParaRPr lang="en-US" dirty="0"/>
-          </a:p>
-        </p:txBody>
-      </p:sp>
-      <p:sp>
-        <p:nvSpPr>
-          <p:cNvPr id="3" name="Content Placeholder 2">
-            <a:extLst>
-              <a:ext uri="{FF2B5EF4-FFF2-40B4-BE49-F238E27FC236}">
-                <a16:creationId xmlns:a16="http://schemas.microsoft.com/office/drawing/2014/main" id="{72D17A9C-1BD8-4306-93F1-F52AA96F89D0}"/>
-              </a:ext>
-            </a:extLst>
-          </p:cNvPr>
-          <p:cNvSpPr>
-            <a:spLocks noGrp="1"/>
-          </p:cNvSpPr>
-          <p:nvPr>
-            <p:ph idx="1"/>
-          </p:nvPr>
-        </p:nvSpPr>
-        <p:spPr/>
-        <p:txBody>
-          <a:bodyPr/>
-          <a:lstStyle/>
-          <a:p>
-            <a:endParaRPr lang="en-US"/>
-          </a:p>
-        </p:txBody>
-      </p:sp>
-    </p:spTree>
-    <p:extLst>
-      <p:ext uri="{BB962C8B-B14F-4D97-AF65-F5344CB8AC3E}">
-        <p14:creationId xmlns:p14="http://schemas.microsoft.com/office/powerpoint/2010/main" val="1068326611"/>
-      </p:ext>
-    </p:extLst>
-  </p:cSld>
-  <p:clrMapOvr>
-    <a:masterClrMapping/>
-  </p:clrMapOvr>
-</p:sld>
-</file>
-
 <file path=ppt/slides/slide2.xml><?xml version="1.0" encoding="utf-8"?>
 <p:sld xmlns:a="http://schemas.openxmlformats.org/drawingml/2006/main" xmlns:r="http://schemas.openxmlformats.org/officeDocument/2006/relationships" xmlns:p="http://schemas.openxmlformats.org/presentationml/2006/main">
   <p:cSld>
@@ -13051,7 +12966,7 @@
             <a:noFill/>
             <a:extLst>
               <a:ext uri="{909E8E84-426E-40dd-AFC4-6F175D3DCCD1}">
-                <a14:hiddenFill xmlns="" xmlns:p14="http://schemas.microsoft.com/office/powerpoint/2010/main" xmlns:a14="http://schemas.microsoft.com/office/drawing/2010/main">
+                <a14:hiddenFill xmlns:a14="http://schemas.microsoft.com/office/drawing/2010/main" xmlns:p14="http://schemas.microsoft.com/office/powerpoint/2010/main" xmlns="">
                   <a:solidFill>
                     <a:srgbClr val="FFFFFF"/>
                   </a:solidFill>
@@ -13144,7 +13059,7 @@
             </a:ln>
             <a:extLst>
               <a:ext uri="{91240B29-F687-4f45-9708-019B960494DF}">
-                <a14:hiddenLine xmlns="" xmlns:p14="http://schemas.microsoft.com/office/powerpoint/2010/main" xmlns:a14="http://schemas.microsoft.com/office/drawing/2010/main" w="9525">
+                <a14:hiddenLine xmlns:a14="http://schemas.microsoft.com/office/drawing/2010/main" xmlns:p14="http://schemas.microsoft.com/office/powerpoint/2010/main" xmlns="" w="9525">
                   <a:solidFill>
                     <a:srgbClr val="000000"/>
                   </a:solidFill>
@@ -13249,7 +13164,7 @@
             </a:ln>
             <a:extLst>
               <a:ext uri="{91240B29-F687-4f45-9708-019B960494DF}">
-                <a14:hiddenLine xmlns="" xmlns:p14="http://schemas.microsoft.com/office/powerpoint/2010/main" xmlns:a14="http://schemas.microsoft.com/office/drawing/2010/main" w="9525">
+                <a14:hiddenLine xmlns:a14="http://schemas.microsoft.com/office/drawing/2010/main" xmlns:p14="http://schemas.microsoft.com/office/powerpoint/2010/main" xmlns="" w="9525">
                   <a:solidFill>
                     <a:srgbClr val="000000"/>
                   </a:solidFill>
@@ -13354,7 +13269,7 @@
             </a:ln>
             <a:extLst>
               <a:ext uri="{91240B29-F687-4f45-9708-019B960494DF}">
-                <a14:hiddenLine xmlns="" xmlns:p14="http://schemas.microsoft.com/office/powerpoint/2010/main" xmlns:a14="http://schemas.microsoft.com/office/drawing/2010/main" w="9525">
+                <a14:hiddenLine xmlns:a14="http://schemas.microsoft.com/office/drawing/2010/main" xmlns:p14="http://schemas.microsoft.com/office/powerpoint/2010/main" xmlns="" w="9525">
                   <a:solidFill>
                     <a:srgbClr val="000000"/>
                   </a:solidFill>
@@ -13403,7 +13318,7 @@
             </a:ln>
             <a:extLst>
               <a:ext uri="{91240B29-F687-4f45-9708-019B960494DF}">
-                <a14:hiddenLine xmlns="" xmlns:p14="http://schemas.microsoft.com/office/powerpoint/2010/main" xmlns:a14="http://schemas.microsoft.com/office/drawing/2010/main" w="9525">
+                <a14:hiddenLine xmlns:a14="http://schemas.microsoft.com/office/drawing/2010/main" xmlns:p14="http://schemas.microsoft.com/office/powerpoint/2010/main" xmlns="" w="9525">
                   <a:solidFill>
                     <a:srgbClr val="000000"/>
                   </a:solidFill>
@@ -13508,7 +13423,7 @@
             </a:ln>
             <a:extLst>
               <a:ext uri="{91240B29-F687-4f45-9708-019B960494DF}">
-                <a14:hiddenLine xmlns="" xmlns:p14="http://schemas.microsoft.com/office/powerpoint/2010/main" xmlns:a14="http://schemas.microsoft.com/office/drawing/2010/main" w="9525">
+                <a14:hiddenLine xmlns:a14="http://schemas.microsoft.com/office/drawing/2010/main" xmlns:p14="http://schemas.microsoft.com/office/powerpoint/2010/main" xmlns="" w="9525">
                   <a:solidFill>
                     <a:srgbClr val="000000"/>
                   </a:solidFill>
@@ -13585,7 +13500,7 @@
             </a:ln>
             <a:extLst>
               <a:ext uri="{91240B29-F687-4f45-9708-019B960494DF}">
-                <a14:hiddenLine xmlns="" xmlns:p14="http://schemas.microsoft.com/office/powerpoint/2010/main" xmlns:a14="http://schemas.microsoft.com/office/drawing/2010/main" w="9525">
+                <a14:hiddenLine xmlns:a14="http://schemas.microsoft.com/office/drawing/2010/main" xmlns:p14="http://schemas.microsoft.com/office/powerpoint/2010/main" xmlns="" w="9525">
                   <a:solidFill>
                     <a:srgbClr val="000000"/>
                   </a:solidFill>
@@ -13662,7 +13577,7 @@
             </a:ln>
             <a:extLst>
               <a:ext uri="{91240B29-F687-4f45-9708-019B960494DF}">
-                <a14:hiddenLine xmlns="" xmlns:p14="http://schemas.microsoft.com/office/powerpoint/2010/main" xmlns:a14="http://schemas.microsoft.com/office/drawing/2010/main" w="9525">
+                <a14:hiddenLine xmlns:a14="http://schemas.microsoft.com/office/drawing/2010/main" xmlns:p14="http://schemas.microsoft.com/office/powerpoint/2010/main" xmlns="" w="9525">
                   <a:solidFill>
                     <a:srgbClr val="000000"/>
                   </a:solidFill>
@@ -13767,7 +13682,7 @@
             </a:ln>
             <a:extLst>
               <a:ext uri="{91240B29-F687-4f45-9708-019B960494DF}">
-                <a14:hiddenLine xmlns="" xmlns:p14="http://schemas.microsoft.com/office/powerpoint/2010/main" xmlns:a14="http://schemas.microsoft.com/office/drawing/2010/main" w="9525">
+                <a14:hiddenLine xmlns:a14="http://schemas.microsoft.com/office/drawing/2010/main" xmlns:p14="http://schemas.microsoft.com/office/powerpoint/2010/main" xmlns="" w="9525">
                   <a:solidFill>
                     <a:srgbClr val="000000"/>
                   </a:solidFill>
@@ -13844,7 +13759,7 @@
             </a:ln>
             <a:extLst>
               <a:ext uri="{91240B29-F687-4f45-9708-019B960494DF}">
-                <a14:hiddenLine xmlns="" xmlns:p14="http://schemas.microsoft.com/office/powerpoint/2010/main" xmlns:a14="http://schemas.microsoft.com/office/drawing/2010/main" w="9525">
+                <a14:hiddenLine xmlns:a14="http://schemas.microsoft.com/office/drawing/2010/main" xmlns:p14="http://schemas.microsoft.com/office/powerpoint/2010/main" xmlns="" w="9525">
                   <a:solidFill>
                     <a:srgbClr val="000000"/>
                   </a:solidFill>
@@ -13921,7 +13836,7 @@
             </a:ln>
             <a:extLst>
               <a:ext uri="{91240B29-F687-4f45-9708-019B960494DF}">
-                <a14:hiddenLine xmlns="" xmlns:p14="http://schemas.microsoft.com/office/powerpoint/2010/main" xmlns:a14="http://schemas.microsoft.com/office/drawing/2010/main" w="9525">
+                <a14:hiddenLine xmlns:a14="http://schemas.microsoft.com/office/drawing/2010/main" xmlns:p14="http://schemas.microsoft.com/office/powerpoint/2010/main" xmlns="" w="9525">
                   <a:solidFill>
                     <a:srgbClr val="000000"/>
                   </a:solidFill>
@@ -14026,7 +13941,7 @@
             </a:ln>
             <a:extLst>
               <a:ext uri="{91240B29-F687-4f45-9708-019B960494DF}">
-                <a14:hiddenLine xmlns="" xmlns:p14="http://schemas.microsoft.com/office/powerpoint/2010/main" xmlns:a14="http://schemas.microsoft.com/office/drawing/2010/main" w="9525">
+                <a14:hiddenLine xmlns:a14="http://schemas.microsoft.com/office/drawing/2010/main" xmlns:p14="http://schemas.microsoft.com/office/powerpoint/2010/main" xmlns="" w="9525">
                   <a:solidFill>
                     <a:srgbClr val="000000"/>
                   </a:solidFill>
@@ -14131,7 +14046,7 @@
             </a:ln>
             <a:extLst>
               <a:ext uri="{91240B29-F687-4f45-9708-019B960494DF}">
-                <a14:hiddenLine xmlns="" xmlns:p14="http://schemas.microsoft.com/office/powerpoint/2010/main" xmlns:a14="http://schemas.microsoft.com/office/drawing/2010/main" w="9525">
+                <a14:hiddenLine xmlns:a14="http://schemas.microsoft.com/office/drawing/2010/main" xmlns:p14="http://schemas.microsoft.com/office/powerpoint/2010/main" xmlns="" w="9525">
                   <a:solidFill>
                     <a:srgbClr val="000000"/>
                   </a:solidFill>
@@ -14208,7 +14123,7 @@
             </a:ln>
             <a:extLst>
               <a:ext uri="{91240B29-F687-4f45-9708-019B960494DF}">
-                <a14:hiddenLine xmlns="" xmlns:p14="http://schemas.microsoft.com/office/powerpoint/2010/main" xmlns:a14="http://schemas.microsoft.com/office/drawing/2010/main" w="9525">
+                <a14:hiddenLine xmlns:a14="http://schemas.microsoft.com/office/drawing/2010/main" xmlns:p14="http://schemas.microsoft.com/office/powerpoint/2010/main" xmlns="" w="9525">
                   <a:solidFill>
                     <a:srgbClr val="000000"/>
                   </a:solidFill>
@@ -14333,7 +14248,7 @@
             </a:ln>
             <a:extLst>
               <a:ext uri="{91240B29-F687-4f45-9708-019B960494DF}">
-                <a14:hiddenLine xmlns="" xmlns:p14="http://schemas.microsoft.com/office/powerpoint/2010/main" xmlns:a14="http://schemas.microsoft.com/office/drawing/2010/main" w="9525">
+                <a14:hiddenLine xmlns:a14="http://schemas.microsoft.com/office/drawing/2010/main" xmlns:p14="http://schemas.microsoft.com/office/powerpoint/2010/main" xmlns="" w="9525">
                   <a:solidFill>
                     <a:srgbClr val="000000"/>
                   </a:solidFill>
@@ -14410,7 +14325,7 @@
             </a:ln>
             <a:extLst>
               <a:ext uri="{91240B29-F687-4f45-9708-019B960494DF}">
-                <a14:hiddenLine xmlns="" xmlns:p14="http://schemas.microsoft.com/office/powerpoint/2010/main" xmlns:a14="http://schemas.microsoft.com/office/drawing/2010/main" w="9525">
+                <a14:hiddenLine xmlns:a14="http://schemas.microsoft.com/office/drawing/2010/main" xmlns:p14="http://schemas.microsoft.com/office/powerpoint/2010/main" xmlns="" w="9525">
                   <a:solidFill>
                     <a:srgbClr val="000000"/>
                   </a:solidFill>
@@ -14515,7 +14430,7 @@
             </a:ln>
             <a:extLst>
               <a:ext uri="{91240B29-F687-4f45-9708-019B960494DF}">
-                <a14:hiddenLine xmlns="" xmlns:p14="http://schemas.microsoft.com/office/powerpoint/2010/main" xmlns:a14="http://schemas.microsoft.com/office/drawing/2010/main" w="9525">
+                <a14:hiddenLine xmlns:a14="http://schemas.microsoft.com/office/drawing/2010/main" xmlns:p14="http://schemas.microsoft.com/office/powerpoint/2010/main" xmlns="" w="9525">
                   <a:solidFill>
                     <a:srgbClr val="000000"/>
                   </a:solidFill>
@@ -14620,7 +14535,7 @@
             </a:ln>
             <a:extLst>
               <a:ext uri="{91240B29-F687-4f45-9708-019B960494DF}">
-                <a14:hiddenLine xmlns="" xmlns:p14="http://schemas.microsoft.com/office/powerpoint/2010/main" xmlns:a14="http://schemas.microsoft.com/office/drawing/2010/main" w="9525">
+                <a14:hiddenLine xmlns:a14="http://schemas.microsoft.com/office/drawing/2010/main" xmlns:p14="http://schemas.microsoft.com/office/powerpoint/2010/main" xmlns="" w="9525">
                   <a:solidFill>
                     <a:srgbClr val="000000"/>
                   </a:solidFill>
@@ -14697,7 +14612,7 @@
             </a:ln>
             <a:extLst>
               <a:ext uri="{91240B29-F687-4f45-9708-019B960494DF}">
-                <a14:hiddenLine xmlns="" xmlns:p14="http://schemas.microsoft.com/office/powerpoint/2010/main" xmlns:a14="http://schemas.microsoft.com/office/drawing/2010/main" w="9525">
+                <a14:hiddenLine xmlns:a14="http://schemas.microsoft.com/office/drawing/2010/main" xmlns:p14="http://schemas.microsoft.com/office/powerpoint/2010/main" xmlns="" w="9525">
                   <a:solidFill>
                     <a:srgbClr val="000000"/>
                   </a:solidFill>
@@ -14802,7 +14717,7 @@
             </a:ln>
             <a:extLst>
               <a:ext uri="{91240B29-F687-4f45-9708-019B960494DF}">
-                <a14:hiddenLine xmlns="" xmlns:p14="http://schemas.microsoft.com/office/powerpoint/2010/main" xmlns:a14="http://schemas.microsoft.com/office/drawing/2010/main" w="9525">
+                <a14:hiddenLine xmlns:a14="http://schemas.microsoft.com/office/drawing/2010/main" xmlns:p14="http://schemas.microsoft.com/office/powerpoint/2010/main" xmlns="" w="9525">
                   <a:solidFill>
                     <a:srgbClr val="000000"/>
                   </a:solidFill>
@@ -14907,7 +14822,7 @@
             </a:ln>
             <a:extLst>
               <a:ext uri="{91240B29-F687-4f45-9708-019B960494DF}">
-                <a14:hiddenLine xmlns="" xmlns:p14="http://schemas.microsoft.com/office/powerpoint/2010/main" xmlns:a14="http://schemas.microsoft.com/office/drawing/2010/main" w="9525">
+                <a14:hiddenLine xmlns:a14="http://schemas.microsoft.com/office/drawing/2010/main" xmlns:p14="http://schemas.microsoft.com/office/powerpoint/2010/main" xmlns="" w="9525">
                   <a:solidFill>
                     <a:srgbClr val="000000"/>
                   </a:solidFill>
@@ -14978,7 +14893,7 @@
             </a:ln>
             <a:extLst>
               <a:ext uri="{91240B29-F687-4f45-9708-019B960494DF}">
-                <a14:hiddenLine xmlns="" xmlns:p14="http://schemas.microsoft.com/office/powerpoint/2010/main" xmlns:a14="http://schemas.microsoft.com/office/drawing/2010/main" w="9525">
+                <a14:hiddenLine xmlns:a14="http://schemas.microsoft.com/office/drawing/2010/main" xmlns:p14="http://schemas.microsoft.com/office/powerpoint/2010/main" xmlns="" w="9525">
                   <a:solidFill>
                     <a:srgbClr val="000000"/>
                   </a:solidFill>
@@ -15083,7 +14998,7 @@
             </a:ln>
             <a:extLst>
               <a:ext uri="{91240B29-F687-4f45-9708-019B960494DF}">
-                <a14:hiddenLine xmlns="" xmlns:p14="http://schemas.microsoft.com/office/powerpoint/2010/main" xmlns:a14="http://schemas.microsoft.com/office/drawing/2010/main" w="9525">
+                <a14:hiddenLine xmlns:a14="http://schemas.microsoft.com/office/drawing/2010/main" xmlns:p14="http://schemas.microsoft.com/office/powerpoint/2010/main" xmlns="" w="9525">
                   <a:solidFill>
                     <a:srgbClr val="000000"/>
                   </a:solidFill>
@@ -15154,7 +15069,7 @@
             </a:ln>
             <a:extLst>
               <a:ext uri="{91240B29-F687-4f45-9708-019B960494DF}">
-                <a14:hiddenLine xmlns="" xmlns:p14="http://schemas.microsoft.com/office/powerpoint/2010/main" xmlns:a14="http://schemas.microsoft.com/office/drawing/2010/main" w="9525">
+                <a14:hiddenLine xmlns:a14="http://schemas.microsoft.com/office/drawing/2010/main" xmlns:p14="http://schemas.microsoft.com/office/powerpoint/2010/main" xmlns="" w="9525">
                   <a:solidFill>
                     <a:srgbClr val="000000"/>
                   </a:solidFill>
@@ -15259,7 +15174,7 @@
             </a:ln>
             <a:extLst>
               <a:ext uri="{91240B29-F687-4f45-9708-019B960494DF}">
-                <a14:hiddenLine xmlns="" xmlns:p14="http://schemas.microsoft.com/office/powerpoint/2010/main" xmlns:a14="http://schemas.microsoft.com/office/drawing/2010/main" w="9525">
+                <a14:hiddenLine xmlns:a14="http://schemas.microsoft.com/office/drawing/2010/main" xmlns:p14="http://schemas.microsoft.com/office/powerpoint/2010/main" xmlns="" w="9525">
                   <a:solidFill>
                     <a:srgbClr val="000000"/>
                   </a:solidFill>
@@ -15342,7 +15257,7 @@
             </a:ln>
             <a:extLst>
               <a:ext uri="{91240B29-F687-4f45-9708-019B960494DF}">
-                <a14:hiddenLine xmlns="" xmlns:p14="http://schemas.microsoft.com/office/powerpoint/2010/main" xmlns:a14="http://schemas.microsoft.com/office/drawing/2010/main" w="9525">
+                <a14:hiddenLine xmlns:a14="http://schemas.microsoft.com/office/drawing/2010/main" xmlns:p14="http://schemas.microsoft.com/office/powerpoint/2010/main" xmlns="" w="9525">
                   <a:solidFill>
                     <a:srgbClr val="000000"/>
                   </a:solidFill>
@@ -15447,7 +15362,7 @@
             </a:ln>
             <a:extLst>
               <a:ext uri="{91240B29-F687-4f45-9708-019B960494DF}">
-                <a14:hiddenLine xmlns="" xmlns:p14="http://schemas.microsoft.com/office/powerpoint/2010/main" xmlns:a14="http://schemas.microsoft.com/office/drawing/2010/main" w="9525">
+                <a14:hiddenLine xmlns:a14="http://schemas.microsoft.com/office/drawing/2010/main" xmlns:p14="http://schemas.microsoft.com/office/powerpoint/2010/main" xmlns="" w="9525">
                   <a:solidFill>
                     <a:srgbClr val="000000"/>
                   </a:solidFill>
@@ -15530,7 +15445,7 @@
             </a:ln>
             <a:extLst>
               <a:ext uri="{91240B29-F687-4f45-9708-019B960494DF}">
-                <a14:hiddenLine xmlns="" xmlns:p14="http://schemas.microsoft.com/office/powerpoint/2010/main" xmlns:a14="http://schemas.microsoft.com/office/drawing/2010/main" w="9525">
+                <a14:hiddenLine xmlns:a14="http://schemas.microsoft.com/office/drawing/2010/main" xmlns:p14="http://schemas.microsoft.com/office/powerpoint/2010/main" xmlns="" w="9525">
                   <a:solidFill>
                     <a:srgbClr val="000000"/>
                   </a:solidFill>
@@ -15635,7 +15550,7 @@
             </a:ln>
             <a:extLst>
               <a:ext uri="{91240B29-F687-4f45-9708-019B960494DF}">
-                <a14:hiddenLine xmlns="" xmlns:p14="http://schemas.microsoft.com/office/powerpoint/2010/main" xmlns:a14="http://schemas.microsoft.com/office/drawing/2010/main" w="9525">
+                <a14:hiddenLine xmlns:a14="http://schemas.microsoft.com/office/drawing/2010/main" xmlns:p14="http://schemas.microsoft.com/office/powerpoint/2010/main" xmlns="" w="9525">
                   <a:solidFill>
                     <a:srgbClr val="000000"/>
                   </a:solidFill>
@@ -15684,7 +15599,7 @@
             </a:ln>
             <a:extLst>
               <a:ext uri="{91240B29-F687-4f45-9708-019B960494DF}">
-                <a14:hiddenLine xmlns="" xmlns:p14="http://schemas.microsoft.com/office/powerpoint/2010/main" xmlns:a14="http://schemas.microsoft.com/office/drawing/2010/main" w="9525">
+                <a14:hiddenLine xmlns:a14="http://schemas.microsoft.com/office/drawing/2010/main" xmlns:p14="http://schemas.microsoft.com/office/powerpoint/2010/main" xmlns="" w="9525">
                   <a:solidFill>
                     <a:srgbClr val="000000"/>
                   </a:solidFill>
@@ -15789,7 +15704,7 @@
             </a:ln>
             <a:extLst>
               <a:ext uri="{91240B29-F687-4f45-9708-019B960494DF}">
-                <a14:hiddenLine xmlns="" xmlns:p14="http://schemas.microsoft.com/office/powerpoint/2010/main" xmlns:a14="http://schemas.microsoft.com/office/drawing/2010/main" w="9525">
+                <a14:hiddenLine xmlns:a14="http://schemas.microsoft.com/office/drawing/2010/main" xmlns:p14="http://schemas.microsoft.com/office/powerpoint/2010/main" xmlns="" w="9525">
                   <a:solidFill>
                     <a:srgbClr val="000000"/>
                   </a:solidFill>
@@ -15866,7 +15781,7 @@
             </a:ln>
             <a:extLst>
               <a:ext uri="{91240B29-F687-4f45-9708-019B960494DF}">
-                <a14:hiddenLine xmlns="" xmlns:p14="http://schemas.microsoft.com/office/powerpoint/2010/main" xmlns:a14="http://schemas.microsoft.com/office/drawing/2010/main" w="9525">
+                <a14:hiddenLine xmlns:a14="http://schemas.microsoft.com/office/drawing/2010/main" xmlns:p14="http://schemas.microsoft.com/office/powerpoint/2010/main" xmlns="" w="9525">
                   <a:solidFill>
                     <a:srgbClr val="000000"/>
                   </a:solidFill>
@@ -15943,7 +15858,7 @@
             </a:ln>
             <a:extLst>
               <a:ext uri="{91240B29-F687-4f45-9708-019B960494DF}">
-                <a14:hiddenLine xmlns="" xmlns:p14="http://schemas.microsoft.com/office/powerpoint/2010/main" xmlns:a14="http://schemas.microsoft.com/office/drawing/2010/main" w="9525">
+                <a14:hiddenLine xmlns:a14="http://schemas.microsoft.com/office/drawing/2010/main" xmlns:p14="http://schemas.microsoft.com/office/powerpoint/2010/main" xmlns="" w="9525">
                   <a:solidFill>
                     <a:srgbClr val="000000"/>
                   </a:solidFill>
@@ -16048,7 +15963,7 @@
             </a:ln>
             <a:extLst>
               <a:ext uri="{91240B29-F687-4f45-9708-019B960494DF}">
-                <a14:hiddenLine xmlns="" xmlns:p14="http://schemas.microsoft.com/office/powerpoint/2010/main" xmlns:a14="http://schemas.microsoft.com/office/drawing/2010/main" w="9525">
+                <a14:hiddenLine xmlns:a14="http://schemas.microsoft.com/office/drawing/2010/main" xmlns:p14="http://schemas.microsoft.com/office/powerpoint/2010/main" xmlns="" w="9525">
                   <a:solidFill>
                     <a:srgbClr val="000000"/>
                   </a:solidFill>
@@ -16131,7 +16046,7 @@
             </a:ln>
             <a:extLst>
               <a:ext uri="{91240B29-F687-4f45-9708-019B960494DF}">
-                <a14:hiddenLine xmlns="" xmlns:p14="http://schemas.microsoft.com/office/powerpoint/2010/main" xmlns:a14="http://schemas.microsoft.com/office/drawing/2010/main" w="9525">
+                <a14:hiddenLine xmlns:a14="http://schemas.microsoft.com/office/drawing/2010/main" xmlns:p14="http://schemas.microsoft.com/office/powerpoint/2010/main" xmlns="" w="9525">
                   <a:solidFill>
                     <a:srgbClr val="000000"/>
                   </a:solidFill>
@@ -16208,7 +16123,7 @@
             </a:ln>
             <a:extLst>
               <a:ext uri="{91240B29-F687-4f45-9708-019B960494DF}">
-                <a14:hiddenLine xmlns="" xmlns:p14="http://schemas.microsoft.com/office/powerpoint/2010/main" xmlns:a14="http://schemas.microsoft.com/office/drawing/2010/main" w="9525">
+                <a14:hiddenLine xmlns:a14="http://schemas.microsoft.com/office/drawing/2010/main" xmlns:p14="http://schemas.microsoft.com/office/powerpoint/2010/main" xmlns="" w="9525">
                   <a:solidFill>
                     <a:srgbClr val="000000"/>
                   </a:solidFill>
@@ -16313,7 +16228,7 @@
             </a:ln>
             <a:extLst>
               <a:ext uri="{91240B29-F687-4f45-9708-019B960494DF}">
-                <a14:hiddenLine xmlns="" xmlns:p14="http://schemas.microsoft.com/office/powerpoint/2010/main" xmlns:a14="http://schemas.microsoft.com/office/drawing/2010/main" w="9525">
+                <a14:hiddenLine xmlns:a14="http://schemas.microsoft.com/office/drawing/2010/main" xmlns:p14="http://schemas.microsoft.com/office/powerpoint/2010/main" xmlns="" w="9525">
                   <a:solidFill>
                     <a:srgbClr val="000000"/>
                   </a:solidFill>
@@ -16390,7 +16305,7 @@
             </a:ln>
             <a:extLst>
               <a:ext uri="{91240B29-F687-4f45-9708-019B960494DF}">
-                <a14:hiddenLine xmlns="" xmlns:p14="http://schemas.microsoft.com/office/powerpoint/2010/main" xmlns:a14="http://schemas.microsoft.com/office/drawing/2010/main" w="9525">
+                <a14:hiddenLine xmlns:a14="http://schemas.microsoft.com/office/drawing/2010/main" xmlns:p14="http://schemas.microsoft.com/office/powerpoint/2010/main" xmlns="" w="9525">
                   <a:solidFill>
                     <a:srgbClr val="000000"/>
                   </a:solidFill>
@@ -16495,7 +16410,7 @@
             </a:ln>
             <a:extLst>
               <a:ext uri="{91240B29-F687-4f45-9708-019B960494DF}">
-                <a14:hiddenLine xmlns="" xmlns:p14="http://schemas.microsoft.com/office/powerpoint/2010/main" xmlns:a14="http://schemas.microsoft.com/office/drawing/2010/main" w="9525">
+                <a14:hiddenLine xmlns:a14="http://schemas.microsoft.com/office/drawing/2010/main" xmlns:p14="http://schemas.microsoft.com/office/powerpoint/2010/main" xmlns="" w="9525">
                   <a:solidFill>
                     <a:srgbClr val="000000"/>
                   </a:solidFill>
@@ -16572,7 +16487,7 @@
             </a:ln>
             <a:extLst>
               <a:ext uri="{91240B29-F687-4f45-9708-019B960494DF}">
-                <a14:hiddenLine xmlns="" xmlns:p14="http://schemas.microsoft.com/office/powerpoint/2010/main" xmlns:a14="http://schemas.microsoft.com/office/drawing/2010/main" w="9525">
+                <a14:hiddenLine xmlns:a14="http://schemas.microsoft.com/office/drawing/2010/main" xmlns:p14="http://schemas.microsoft.com/office/powerpoint/2010/main" xmlns="" w="9525">
                   <a:solidFill>
                     <a:srgbClr val="000000"/>
                   </a:solidFill>
@@ -16677,7 +16592,7 @@
             </a:ln>
             <a:extLst>
               <a:ext uri="{91240B29-F687-4f45-9708-019B960494DF}">
-                <a14:hiddenLine xmlns="" xmlns:p14="http://schemas.microsoft.com/office/powerpoint/2010/main" xmlns:a14="http://schemas.microsoft.com/office/drawing/2010/main" w="9525">
+                <a14:hiddenLine xmlns:a14="http://schemas.microsoft.com/office/drawing/2010/main" xmlns:p14="http://schemas.microsoft.com/office/powerpoint/2010/main" xmlns="" w="9525">
                   <a:solidFill>
                     <a:srgbClr val="000000"/>
                   </a:solidFill>
@@ -16726,7 +16641,7 @@
             </a:ln>
             <a:extLst>
               <a:ext uri="{91240B29-F687-4f45-9708-019B960494DF}">
-                <a14:hiddenLine xmlns="" xmlns:p14="http://schemas.microsoft.com/office/powerpoint/2010/main" xmlns:a14="http://schemas.microsoft.com/office/drawing/2010/main" w="9525">
+                <a14:hiddenLine xmlns:a14="http://schemas.microsoft.com/office/drawing/2010/main" xmlns:p14="http://schemas.microsoft.com/office/powerpoint/2010/main" xmlns="" w="9525">
                   <a:solidFill>
                     <a:srgbClr val="000000"/>
                   </a:solidFill>
@@ -16806,7 +16721,7 @@
             </a:ln>
             <a:extLst>
               <a:ext uri="{91240B29-F687-4f45-9708-019B960494DF}">
-                <a14:hiddenLine xmlns="" xmlns:p14="http://schemas.microsoft.com/office/powerpoint/2010/main" xmlns:a14="http://schemas.microsoft.com/office/drawing/2010/main" w="9525">
+                <a14:hiddenLine xmlns:a14="http://schemas.microsoft.com/office/drawing/2010/main" xmlns:p14="http://schemas.microsoft.com/office/powerpoint/2010/main" xmlns="" w="9525">
                   <a:solidFill>
                     <a:srgbClr val="000000"/>
                   </a:solidFill>
@@ -16911,7 +16826,7 @@
             </a:ln>
             <a:extLst>
               <a:ext uri="{91240B29-F687-4f45-9708-019B960494DF}">
-                <a14:hiddenLine xmlns="" xmlns:p14="http://schemas.microsoft.com/office/powerpoint/2010/main" xmlns:a14="http://schemas.microsoft.com/office/drawing/2010/main" w="9525">
+                <a14:hiddenLine xmlns:a14="http://schemas.microsoft.com/office/drawing/2010/main" xmlns:p14="http://schemas.microsoft.com/office/powerpoint/2010/main" xmlns="" w="9525">
                   <a:solidFill>
                     <a:srgbClr val="000000"/>
                   </a:solidFill>
@@ -16988,7 +16903,7 @@
             </a:ln>
             <a:extLst>
               <a:ext uri="{91240B29-F687-4f45-9708-019B960494DF}">
-                <a14:hiddenLine xmlns="" xmlns:p14="http://schemas.microsoft.com/office/powerpoint/2010/main" xmlns:a14="http://schemas.microsoft.com/office/drawing/2010/main" w="9525">
+                <a14:hiddenLine xmlns:a14="http://schemas.microsoft.com/office/drawing/2010/main" xmlns:p14="http://schemas.microsoft.com/office/powerpoint/2010/main" xmlns="" w="9525">
                   <a:solidFill>
                     <a:srgbClr val="000000"/>
                   </a:solidFill>
@@ -17093,7 +17008,7 @@
             </a:ln>
             <a:extLst>
               <a:ext uri="{91240B29-F687-4f45-9708-019B960494DF}">
-                <a14:hiddenLine xmlns="" xmlns:p14="http://schemas.microsoft.com/office/powerpoint/2010/main" xmlns:a14="http://schemas.microsoft.com/office/drawing/2010/main" w="9525">
+                <a14:hiddenLine xmlns:a14="http://schemas.microsoft.com/office/drawing/2010/main" xmlns:p14="http://schemas.microsoft.com/office/powerpoint/2010/main" xmlns="" w="9525">
                   <a:solidFill>
                     <a:srgbClr val="000000"/>
                   </a:solidFill>
@@ -17198,7 +17113,7 @@
             </a:ln>
             <a:extLst>
               <a:ext uri="{91240B29-F687-4f45-9708-019B960494DF}">
-                <a14:hiddenLine xmlns="" xmlns:p14="http://schemas.microsoft.com/office/powerpoint/2010/main" xmlns:a14="http://schemas.microsoft.com/office/drawing/2010/main" w="9525">
+                <a14:hiddenLine xmlns:a14="http://schemas.microsoft.com/office/drawing/2010/main" xmlns:p14="http://schemas.microsoft.com/office/powerpoint/2010/main" xmlns="" w="9525">
                   <a:solidFill>
                     <a:srgbClr val="000000"/>
                   </a:solidFill>
@@ -17278,7 +17193,7 @@
             </a:ln>
             <a:extLst>
               <a:ext uri="{91240B29-F687-4f45-9708-019B960494DF}">
-                <a14:hiddenLine xmlns="" xmlns:p14="http://schemas.microsoft.com/office/powerpoint/2010/main" xmlns:a14="http://schemas.microsoft.com/office/drawing/2010/main" w="9525">
+                <a14:hiddenLine xmlns:a14="http://schemas.microsoft.com/office/drawing/2010/main" xmlns:p14="http://schemas.microsoft.com/office/powerpoint/2010/main" xmlns="" w="9525">
                   <a:solidFill>
                     <a:srgbClr val="000000"/>
                   </a:solidFill>
@@ -17355,7 +17270,7 @@
             </a:ln>
             <a:extLst>
               <a:ext uri="{91240B29-F687-4f45-9708-019B960494DF}">
-                <a14:hiddenLine xmlns="" xmlns:p14="http://schemas.microsoft.com/office/powerpoint/2010/main" xmlns:a14="http://schemas.microsoft.com/office/drawing/2010/main" w="9525">
+                <a14:hiddenLine xmlns:a14="http://schemas.microsoft.com/office/drawing/2010/main" xmlns:p14="http://schemas.microsoft.com/office/powerpoint/2010/main" xmlns="" w="9525">
                   <a:solidFill>
                     <a:srgbClr val="000000"/>
                   </a:solidFill>
@@ -17460,7 +17375,7 @@
             </a:ln>
             <a:extLst>
               <a:ext uri="{91240B29-F687-4f45-9708-019B960494DF}">
-                <a14:hiddenLine xmlns="" xmlns:p14="http://schemas.microsoft.com/office/powerpoint/2010/main" xmlns:a14="http://schemas.microsoft.com/office/drawing/2010/main" w="9525">
+                <a14:hiddenLine xmlns:a14="http://schemas.microsoft.com/office/drawing/2010/main" xmlns:p14="http://schemas.microsoft.com/office/powerpoint/2010/main" xmlns="" w="9525">
                   <a:solidFill>
                     <a:srgbClr val="000000"/>
                   </a:solidFill>
@@ -17565,7 +17480,7 @@
             </a:ln>
             <a:extLst>
               <a:ext uri="{91240B29-F687-4f45-9708-019B960494DF}">
-                <a14:hiddenLine xmlns="" xmlns:p14="http://schemas.microsoft.com/office/powerpoint/2010/main" xmlns:a14="http://schemas.microsoft.com/office/drawing/2010/main" w="9525">
+                <a14:hiddenLine xmlns:a14="http://schemas.microsoft.com/office/drawing/2010/main" xmlns:p14="http://schemas.microsoft.com/office/powerpoint/2010/main" xmlns="" w="9525">
                   <a:solidFill>
                     <a:srgbClr val="000000"/>
                   </a:solidFill>
@@ -17642,7 +17557,7 @@
             </a:ln>
             <a:extLst>
               <a:ext uri="{91240B29-F687-4f45-9708-019B960494DF}">
-                <a14:hiddenLine xmlns="" xmlns:p14="http://schemas.microsoft.com/office/powerpoint/2010/main" xmlns:a14="http://schemas.microsoft.com/office/drawing/2010/main" w="9525">
+                <a14:hiddenLine xmlns:a14="http://schemas.microsoft.com/office/drawing/2010/main" xmlns:p14="http://schemas.microsoft.com/office/powerpoint/2010/main" xmlns="" w="9525">
                   <a:solidFill>
                     <a:srgbClr val="000000"/>
                   </a:solidFill>
@@ -17777,7 +17692,7 @@
             </a:ln>
             <a:extLst>
               <a:ext uri="{91240B29-F687-4f45-9708-019B960494DF}">
-                <a14:hiddenLine xmlns="" xmlns:p14="http://schemas.microsoft.com/office/powerpoint/2010/main" xmlns:a14="http://schemas.microsoft.com/office/drawing/2010/main" w="9525">
+                <a14:hiddenLine xmlns:a14="http://schemas.microsoft.com/office/drawing/2010/main" xmlns:p14="http://schemas.microsoft.com/office/powerpoint/2010/main" xmlns="" w="9525">
                   <a:solidFill>
                     <a:srgbClr val="000000"/>
                   </a:solidFill>
@@ -17860,7 +17775,7 @@
             </a:ln>
             <a:extLst>
               <a:ext uri="{91240B29-F687-4f45-9708-019B960494DF}">
-                <a14:hiddenLine xmlns="" xmlns:p14="http://schemas.microsoft.com/office/powerpoint/2010/main" xmlns:a14="http://schemas.microsoft.com/office/drawing/2010/main" w="9525">
+                <a14:hiddenLine xmlns:a14="http://schemas.microsoft.com/office/drawing/2010/main" xmlns:p14="http://schemas.microsoft.com/office/powerpoint/2010/main" xmlns="" w="9525">
                   <a:solidFill>
                     <a:srgbClr val="000000"/>
                   </a:solidFill>
@@ -17965,7 +17880,7 @@
             </a:ln>
             <a:extLst>
               <a:ext uri="{91240B29-F687-4f45-9708-019B960494DF}">
-                <a14:hiddenLine xmlns="" xmlns:p14="http://schemas.microsoft.com/office/powerpoint/2010/main" xmlns:a14="http://schemas.microsoft.com/office/drawing/2010/main" w="9525">
+                <a14:hiddenLine xmlns:a14="http://schemas.microsoft.com/office/drawing/2010/main" xmlns:p14="http://schemas.microsoft.com/office/powerpoint/2010/main" xmlns="" w="9525">
                   <a:solidFill>
                     <a:srgbClr val="000000"/>
                   </a:solidFill>
@@ -18802,7 +18717,7 @@
           <p:cNvPr id="2" name="Title 1">
             <a:extLst>
               <a:ext uri="{FF2B5EF4-FFF2-40B4-BE49-F238E27FC236}">
-                <a16:creationId xmlns:a16="http://schemas.microsoft.com/office/drawing/2014/main" id="{C5BCAB64-65EC-44B3-A65F-AB53AE7EECBE}"/>
+                <a16:creationId xmlns:a16="http://schemas.microsoft.com/office/drawing/2014/main" id="{CEEFD6C7-645A-44D1-A8E1-FA231F258927}"/>
               </a:ext>
             </a:extLst>
           </p:cNvPr>
@@ -18820,7 +18735,7 @@
           <a:p>
             <a:r>
               <a:rPr lang="es-ES" dirty="0"/>
-              <a:t>Ventajas de nuestra aplicación</a:t>
+              <a:t>Demo</a:t>
             </a:r>
             <a:endParaRPr lang="en-US" dirty="0"/>
           </a:p>
@@ -18831,7 +18746,7 @@
           <p:cNvPr id="3" name="Content Placeholder 2">
             <a:extLst>
               <a:ext uri="{FF2B5EF4-FFF2-40B4-BE49-F238E27FC236}">
-                <a16:creationId xmlns:a16="http://schemas.microsoft.com/office/drawing/2014/main" id="{AE4DBB16-7EEC-4056-B994-2F54E967CB11}"/>
+                <a16:creationId xmlns:a16="http://schemas.microsoft.com/office/drawing/2014/main" id="{72D17A9C-1BD8-4306-93F1-F52AA96F89D0}"/>
               </a:ext>
             </a:extLst>
           </p:cNvPr>
@@ -18847,14 +18762,14 @@
           <a:bodyPr/>
           <a:lstStyle/>
           <a:p>
-            <a:endParaRPr lang="en-US" dirty="0"/>
+            <a:endParaRPr lang="en-US"/>
           </a:p>
         </p:txBody>
       </p:sp>
     </p:spTree>
     <p:extLst>
       <p:ext uri="{BB962C8B-B14F-4D97-AF65-F5344CB8AC3E}">
-        <p14:creationId xmlns:p14="http://schemas.microsoft.com/office/powerpoint/2010/main" val="1921515607"/>
+        <p14:creationId xmlns:p14="http://schemas.microsoft.com/office/powerpoint/2010/main" val="1068326611"/>
       </p:ext>
     </p:extLst>
   </p:cSld>

--- a/Documentacion/Presentación/Presentación de la aplicación.pptx
+++ b/Documentacion/Presentación/Presentación de la aplicación.pptx
@@ -4,16 +4,22 @@
   <p:sldMasterIdLst>
     <p:sldMasterId id="2147483779" r:id="rId1"/>
   </p:sldMasterIdLst>
+  <p:notesMasterIdLst>
+    <p:notesMasterId r:id="rId14"/>
+  </p:notesMasterIdLst>
   <p:sldIdLst>
     <p:sldId id="256" r:id="rId2"/>
     <p:sldId id="257" r:id="rId3"/>
     <p:sldId id="258" r:id="rId4"/>
     <p:sldId id="259" r:id="rId5"/>
     <p:sldId id="263" r:id="rId6"/>
-    <p:sldId id="264" r:id="rId7"/>
-    <p:sldId id="265" r:id="rId8"/>
-    <p:sldId id="260" r:id="rId9"/>
-    <p:sldId id="262" r:id="rId10"/>
+    <p:sldId id="268" r:id="rId7"/>
+    <p:sldId id="266" r:id="rId8"/>
+    <p:sldId id="267" r:id="rId9"/>
+    <p:sldId id="264" r:id="rId10"/>
+    <p:sldId id="265" r:id="rId11"/>
+    <p:sldId id="260" r:id="rId12"/>
+    <p:sldId id="262" r:id="rId13"/>
   </p:sldIdLst>
   <p:sldSz cx="12192000" cy="6858000"/>
   <p:notesSz cx="6858000" cy="9144000"/>
@@ -120,6 +126,475 @@
 </p:presentation>
 </file>
 
+<file path=ppt/notesMasters/notesMaster1.xml><?xml version="1.0" encoding="utf-8"?>
+<p:notesMaster xmlns:a="http://schemas.openxmlformats.org/drawingml/2006/main" xmlns:r="http://schemas.openxmlformats.org/officeDocument/2006/relationships" xmlns:p="http://schemas.openxmlformats.org/presentationml/2006/main">
+  <p:cSld>
+    <p:bg>
+      <p:bgRef idx="1001">
+        <a:schemeClr val="bg1"/>
+      </p:bgRef>
+    </p:bg>
+    <p:spTree>
+      <p:nvGrpSpPr>
+        <p:cNvPr id="1" name=""/>
+        <p:cNvGrpSpPr/>
+        <p:nvPr/>
+      </p:nvGrpSpPr>
+      <p:grpSpPr>
+        <a:xfrm>
+          <a:off x="0" y="0"/>
+          <a:ext cx="0" cy="0"/>
+          <a:chOff x="0" y="0"/>
+          <a:chExt cx="0" cy="0"/>
+        </a:xfrm>
+      </p:grpSpPr>
+      <p:sp>
+        <p:nvSpPr>
+          <p:cNvPr id="2" name="Header Placeholder 1"/>
+          <p:cNvSpPr>
+            <a:spLocks noGrp="1"/>
+          </p:cNvSpPr>
+          <p:nvPr>
+            <p:ph type="hdr" sz="quarter"/>
+          </p:nvPr>
+        </p:nvSpPr>
+        <p:spPr>
+          <a:xfrm>
+            <a:off x="0" y="0"/>
+            <a:ext cx="2971800" cy="458788"/>
+          </a:xfrm>
+          <a:prstGeom prst="rect">
+            <a:avLst/>
+          </a:prstGeom>
+        </p:spPr>
+        <p:txBody>
+          <a:bodyPr vert="horz" lIns="91440" tIns="45720" rIns="91440" bIns="45720" rtlCol="0"/>
+          <a:lstStyle>
+            <a:lvl1pPr algn="l">
+              <a:defRPr sz="1200"/>
+            </a:lvl1pPr>
+          </a:lstStyle>
+          <a:p>
+            <a:endParaRPr lang="en-US"/>
+          </a:p>
+        </p:txBody>
+      </p:sp>
+      <p:sp>
+        <p:nvSpPr>
+          <p:cNvPr id="3" name="Date Placeholder 2"/>
+          <p:cNvSpPr>
+            <a:spLocks noGrp="1"/>
+          </p:cNvSpPr>
+          <p:nvPr>
+            <p:ph type="dt" idx="1"/>
+          </p:nvPr>
+        </p:nvSpPr>
+        <p:spPr>
+          <a:xfrm>
+            <a:off x="3884613" y="0"/>
+            <a:ext cx="2971800" cy="458788"/>
+          </a:xfrm>
+          <a:prstGeom prst="rect">
+            <a:avLst/>
+          </a:prstGeom>
+        </p:spPr>
+        <p:txBody>
+          <a:bodyPr vert="horz" lIns="91440" tIns="45720" rIns="91440" bIns="45720" rtlCol="0"/>
+          <a:lstStyle>
+            <a:lvl1pPr algn="r">
+              <a:defRPr sz="1200"/>
+            </a:lvl1pPr>
+          </a:lstStyle>
+          <a:p>
+            <a:fld id="{A3EF9935-0614-4379-BC3F-D9DA290B46A8}" type="datetimeFigureOut">
+              <a:rPr lang="en-US" smtClean="0"/>
+              <a:t>22-May-18</a:t>
+            </a:fld>
+            <a:endParaRPr lang="en-US"/>
+          </a:p>
+        </p:txBody>
+      </p:sp>
+      <p:sp>
+        <p:nvSpPr>
+          <p:cNvPr id="4" name="Slide Image Placeholder 3"/>
+          <p:cNvSpPr>
+            <a:spLocks noGrp="1" noRot="1" noChangeAspect="1"/>
+          </p:cNvSpPr>
+          <p:nvPr>
+            <p:ph type="sldImg" idx="2"/>
+          </p:nvPr>
+        </p:nvSpPr>
+        <p:spPr>
+          <a:xfrm>
+            <a:off x="685800" y="1143000"/>
+            <a:ext cx="5486400" cy="3086100"/>
+          </a:xfrm>
+          <a:prstGeom prst="rect">
+            <a:avLst/>
+          </a:prstGeom>
+          <a:noFill/>
+          <a:ln w="12700">
+            <a:solidFill>
+              <a:prstClr val="black"/>
+            </a:solidFill>
+          </a:ln>
+        </p:spPr>
+        <p:txBody>
+          <a:bodyPr vert="horz" lIns="91440" tIns="45720" rIns="91440" bIns="45720" rtlCol="0" anchor="ctr"/>
+          <a:lstStyle/>
+          <a:p>
+            <a:endParaRPr lang="en-US"/>
+          </a:p>
+        </p:txBody>
+      </p:sp>
+      <p:sp>
+        <p:nvSpPr>
+          <p:cNvPr id="5" name="Notes Placeholder 4"/>
+          <p:cNvSpPr>
+            <a:spLocks noGrp="1"/>
+          </p:cNvSpPr>
+          <p:nvPr>
+            <p:ph type="body" sz="quarter" idx="3"/>
+          </p:nvPr>
+        </p:nvSpPr>
+        <p:spPr>
+          <a:xfrm>
+            <a:off x="685800" y="4400550"/>
+            <a:ext cx="5486400" cy="3600450"/>
+          </a:xfrm>
+          <a:prstGeom prst="rect">
+            <a:avLst/>
+          </a:prstGeom>
+        </p:spPr>
+        <p:txBody>
+          <a:bodyPr vert="horz" lIns="91440" tIns="45720" rIns="91440" bIns="45720" rtlCol="0"/>
+          <a:lstStyle/>
+          <a:p>
+            <a:pPr lvl="0"/>
+            <a:r>
+              <a:rPr lang="en-US"/>
+              <a:t>Edit Master text styles</a:t>
+            </a:r>
+          </a:p>
+          <a:p>
+            <a:pPr lvl="1"/>
+            <a:r>
+              <a:rPr lang="en-US"/>
+              <a:t>Second level</a:t>
+            </a:r>
+          </a:p>
+          <a:p>
+            <a:pPr lvl="2"/>
+            <a:r>
+              <a:rPr lang="en-US"/>
+              <a:t>Third level</a:t>
+            </a:r>
+          </a:p>
+          <a:p>
+            <a:pPr lvl="3"/>
+            <a:r>
+              <a:rPr lang="en-US"/>
+              <a:t>Fourth level</a:t>
+            </a:r>
+          </a:p>
+          <a:p>
+            <a:pPr lvl="4"/>
+            <a:r>
+              <a:rPr lang="en-US"/>
+              <a:t>Fifth level</a:t>
+            </a:r>
+          </a:p>
+        </p:txBody>
+      </p:sp>
+      <p:sp>
+        <p:nvSpPr>
+          <p:cNvPr id="6" name="Footer Placeholder 5"/>
+          <p:cNvSpPr>
+            <a:spLocks noGrp="1"/>
+          </p:cNvSpPr>
+          <p:nvPr>
+            <p:ph type="ftr" sz="quarter" idx="4"/>
+          </p:nvPr>
+        </p:nvSpPr>
+        <p:spPr>
+          <a:xfrm>
+            <a:off x="0" y="8685213"/>
+            <a:ext cx="2971800" cy="458787"/>
+          </a:xfrm>
+          <a:prstGeom prst="rect">
+            <a:avLst/>
+          </a:prstGeom>
+        </p:spPr>
+        <p:txBody>
+          <a:bodyPr vert="horz" lIns="91440" tIns="45720" rIns="91440" bIns="45720" rtlCol="0" anchor="b"/>
+          <a:lstStyle>
+            <a:lvl1pPr algn="l">
+              <a:defRPr sz="1200"/>
+            </a:lvl1pPr>
+          </a:lstStyle>
+          <a:p>
+            <a:endParaRPr lang="en-US"/>
+          </a:p>
+        </p:txBody>
+      </p:sp>
+      <p:sp>
+        <p:nvSpPr>
+          <p:cNvPr id="7" name="Slide Number Placeholder 6"/>
+          <p:cNvSpPr>
+            <a:spLocks noGrp="1"/>
+          </p:cNvSpPr>
+          <p:nvPr>
+            <p:ph type="sldNum" sz="quarter" idx="5"/>
+          </p:nvPr>
+        </p:nvSpPr>
+        <p:spPr>
+          <a:xfrm>
+            <a:off x="3884613" y="8685213"/>
+            <a:ext cx="2971800" cy="458787"/>
+          </a:xfrm>
+          <a:prstGeom prst="rect">
+            <a:avLst/>
+          </a:prstGeom>
+        </p:spPr>
+        <p:txBody>
+          <a:bodyPr vert="horz" lIns="91440" tIns="45720" rIns="91440" bIns="45720" rtlCol="0" anchor="b"/>
+          <a:lstStyle>
+            <a:lvl1pPr algn="r">
+              <a:defRPr sz="1200"/>
+            </a:lvl1pPr>
+          </a:lstStyle>
+          <a:p>
+            <a:fld id="{DC5D3816-C870-4D57-B0F0-489AD15872E6}" type="slidenum">
+              <a:rPr lang="en-US" smtClean="0"/>
+              <a:t>‹#›</a:t>
+            </a:fld>
+            <a:endParaRPr lang="en-US"/>
+          </a:p>
+        </p:txBody>
+      </p:sp>
+    </p:spTree>
+    <p:extLst>
+      <p:ext uri="{BB962C8B-B14F-4D97-AF65-F5344CB8AC3E}">
+        <p14:creationId xmlns:p14="http://schemas.microsoft.com/office/powerpoint/2010/main" val="1012559079"/>
+      </p:ext>
+    </p:extLst>
+  </p:cSld>
+  <p:clrMap bg1="lt1" tx1="dk1" bg2="lt2" tx2="dk2" accent1="accent1" accent2="accent2" accent3="accent3" accent4="accent4" accent5="accent5" accent6="accent6" hlink="hlink" folHlink="folHlink"/>
+  <p:notesStyle>
+    <a:lvl1pPr marL="0" algn="l" defTabSz="914400" rtl="0" eaLnBrk="1" latinLnBrk="0" hangingPunct="1">
+      <a:defRPr sz="1200" kern="1200">
+        <a:solidFill>
+          <a:schemeClr val="tx1"/>
+        </a:solidFill>
+        <a:latin typeface="+mn-lt"/>
+        <a:ea typeface="+mn-ea"/>
+        <a:cs typeface="+mn-cs"/>
+      </a:defRPr>
+    </a:lvl1pPr>
+    <a:lvl2pPr marL="457200" algn="l" defTabSz="914400" rtl="0" eaLnBrk="1" latinLnBrk="0" hangingPunct="1">
+      <a:defRPr sz="1200" kern="1200">
+        <a:solidFill>
+          <a:schemeClr val="tx1"/>
+        </a:solidFill>
+        <a:latin typeface="+mn-lt"/>
+        <a:ea typeface="+mn-ea"/>
+        <a:cs typeface="+mn-cs"/>
+      </a:defRPr>
+    </a:lvl2pPr>
+    <a:lvl3pPr marL="914400" algn="l" defTabSz="914400" rtl="0" eaLnBrk="1" latinLnBrk="0" hangingPunct="1">
+      <a:defRPr sz="1200" kern="1200">
+        <a:solidFill>
+          <a:schemeClr val="tx1"/>
+        </a:solidFill>
+        <a:latin typeface="+mn-lt"/>
+        <a:ea typeface="+mn-ea"/>
+        <a:cs typeface="+mn-cs"/>
+      </a:defRPr>
+    </a:lvl3pPr>
+    <a:lvl4pPr marL="1371600" algn="l" defTabSz="914400" rtl="0" eaLnBrk="1" latinLnBrk="0" hangingPunct="1">
+      <a:defRPr sz="1200" kern="1200">
+        <a:solidFill>
+          <a:schemeClr val="tx1"/>
+        </a:solidFill>
+        <a:latin typeface="+mn-lt"/>
+        <a:ea typeface="+mn-ea"/>
+        <a:cs typeface="+mn-cs"/>
+      </a:defRPr>
+    </a:lvl4pPr>
+    <a:lvl5pPr marL="1828800" algn="l" defTabSz="914400" rtl="0" eaLnBrk="1" latinLnBrk="0" hangingPunct="1">
+      <a:defRPr sz="1200" kern="1200">
+        <a:solidFill>
+          <a:schemeClr val="tx1"/>
+        </a:solidFill>
+        <a:latin typeface="+mn-lt"/>
+        <a:ea typeface="+mn-ea"/>
+        <a:cs typeface="+mn-cs"/>
+      </a:defRPr>
+    </a:lvl5pPr>
+    <a:lvl6pPr marL="2286000" algn="l" defTabSz="914400" rtl="0" eaLnBrk="1" latinLnBrk="0" hangingPunct="1">
+      <a:defRPr sz="1200" kern="1200">
+        <a:solidFill>
+          <a:schemeClr val="tx1"/>
+        </a:solidFill>
+        <a:latin typeface="+mn-lt"/>
+        <a:ea typeface="+mn-ea"/>
+        <a:cs typeface="+mn-cs"/>
+      </a:defRPr>
+    </a:lvl6pPr>
+    <a:lvl7pPr marL="2743200" algn="l" defTabSz="914400" rtl="0" eaLnBrk="1" latinLnBrk="0" hangingPunct="1">
+      <a:defRPr sz="1200" kern="1200">
+        <a:solidFill>
+          <a:schemeClr val="tx1"/>
+        </a:solidFill>
+        <a:latin typeface="+mn-lt"/>
+        <a:ea typeface="+mn-ea"/>
+        <a:cs typeface="+mn-cs"/>
+      </a:defRPr>
+    </a:lvl7pPr>
+    <a:lvl8pPr marL="3200400" algn="l" defTabSz="914400" rtl="0" eaLnBrk="1" latinLnBrk="0" hangingPunct="1">
+      <a:defRPr sz="1200" kern="1200">
+        <a:solidFill>
+          <a:schemeClr val="tx1"/>
+        </a:solidFill>
+        <a:latin typeface="+mn-lt"/>
+        <a:ea typeface="+mn-ea"/>
+        <a:cs typeface="+mn-cs"/>
+      </a:defRPr>
+    </a:lvl8pPr>
+    <a:lvl9pPr marL="3657600" algn="l" defTabSz="914400" rtl="0" eaLnBrk="1" latinLnBrk="0" hangingPunct="1">
+      <a:defRPr sz="1200" kern="1200">
+        <a:solidFill>
+          <a:schemeClr val="tx1"/>
+        </a:solidFill>
+        <a:latin typeface="+mn-lt"/>
+        <a:ea typeface="+mn-ea"/>
+        <a:cs typeface="+mn-cs"/>
+      </a:defRPr>
+    </a:lvl9pPr>
+  </p:notesStyle>
+</p:notesMaster>
+</file>
+
+<file path=ppt/notesSlides/notesSlide1.xml><?xml version="1.0" encoding="utf-8"?>
+<p:notes xmlns:a="http://schemas.openxmlformats.org/drawingml/2006/main" xmlns:r="http://schemas.openxmlformats.org/officeDocument/2006/relationships" xmlns:p="http://schemas.openxmlformats.org/presentationml/2006/main">
+  <p:cSld>
+    <p:spTree>
+      <p:nvGrpSpPr>
+        <p:cNvPr id="1" name=""/>
+        <p:cNvGrpSpPr/>
+        <p:nvPr/>
+      </p:nvGrpSpPr>
+      <p:grpSpPr>
+        <a:xfrm>
+          <a:off x="0" y="0"/>
+          <a:ext cx="0" cy="0"/>
+          <a:chOff x="0" y="0"/>
+          <a:chExt cx="0" cy="0"/>
+        </a:xfrm>
+      </p:grpSpPr>
+      <p:sp>
+        <p:nvSpPr>
+          <p:cNvPr id="2" name="Slide Image Placeholder 1"/>
+          <p:cNvSpPr>
+            <a:spLocks noGrp="1" noRot="1" noChangeAspect="1"/>
+          </p:cNvSpPr>
+          <p:nvPr>
+            <p:ph type="sldImg"/>
+          </p:nvPr>
+        </p:nvSpPr>
+        <p:spPr/>
+      </p:sp>
+      <p:sp>
+        <p:nvSpPr>
+          <p:cNvPr id="3" name="Notes Placeholder 2"/>
+          <p:cNvSpPr>
+            <a:spLocks noGrp="1"/>
+          </p:cNvSpPr>
+          <p:nvPr>
+            <p:ph type="body" idx="1"/>
+          </p:nvPr>
+        </p:nvSpPr>
+        <p:spPr/>
+        <p:txBody>
+          <a:bodyPr/>
+          <a:lstStyle/>
+          <a:p>
+            <a:r>
+              <a:rPr lang="en-US" dirty="0" err="1"/>
+              <a:t>Vamos</a:t>
+            </a:r>
+            <a:r>
+              <a:rPr lang="en-US" dirty="0"/>
+              <a:t> a hablar sobre el </a:t>
+            </a:r>
+            <a:r>
+              <a:rPr lang="en-US" dirty="0" err="1"/>
+              <a:t>desarrollo</a:t>
+            </a:r>
+            <a:r>
+              <a:rPr lang="en-US" dirty="0"/>
+              <a:t> y la </a:t>
+            </a:r>
+            <a:r>
+              <a:rPr lang="en-US" dirty="0" err="1"/>
+              <a:t>experinecia</a:t>
+            </a:r>
+            <a:r>
+              <a:rPr lang="en-US" dirty="0"/>
+              <a:t> de </a:t>
+            </a:r>
+            <a:r>
+              <a:rPr lang="en-US" dirty="0" err="1"/>
+              <a:t>crear</a:t>
+            </a:r>
+            <a:r>
+              <a:rPr lang="en-US" dirty="0"/>
+              <a:t> la </a:t>
+            </a:r>
+            <a:r>
+              <a:rPr lang="en-US" dirty="0" err="1"/>
+              <a:t>aplicación</a:t>
+            </a:r>
+            <a:endParaRPr lang="en-US" dirty="0"/>
+          </a:p>
+        </p:txBody>
+      </p:sp>
+      <p:sp>
+        <p:nvSpPr>
+          <p:cNvPr id="4" name="Slide Number Placeholder 3"/>
+          <p:cNvSpPr>
+            <a:spLocks noGrp="1"/>
+          </p:cNvSpPr>
+          <p:nvPr>
+            <p:ph type="sldNum" sz="quarter" idx="10"/>
+          </p:nvPr>
+        </p:nvSpPr>
+        <p:spPr/>
+        <p:txBody>
+          <a:bodyPr/>
+          <a:lstStyle/>
+          <a:p>
+            <a:fld id="{DC5D3816-C870-4D57-B0F0-489AD15872E6}" type="slidenum">
+              <a:rPr lang="en-US" smtClean="0"/>
+              <a:t>4</a:t>
+            </a:fld>
+            <a:endParaRPr lang="en-US"/>
+          </a:p>
+        </p:txBody>
+      </p:sp>
+    </p:spTree>
+    <p:extLst>
+      <p:ext uri="{BB962C8B-B14F-4D97-AF65-F5344CB8AC3E}">
+        <p14:creationId xmlns:p14="http://schemas.microsoft.com/office/powerpoint/2010/main" val="2421817529"/>
+      </p:ext>
+    </p:extLst>
+  </p:cSld>
+  <p:clrMapOvr>
+    <a:masterClrMapping/>
+  </p:clrMapOvr>
+</p:notes>
+</file>
+
 <file path=ppt/slideLayouts/slideLayout1.xml><?xml version="1.0" encoding="utf-8"?>
 <p:sldLayout xmlns:a="http://schemas.openxmlformats.org/drawingml/2006/main" xmlns:r="http://schemas.openxmlformats.org/officeDocument/2006/relationships" xmlns:p="http://schemas.openxmlformats.org/presentationml/2006/main" showMasterSp="0" type="title" preserve="1">
   <p:cSld name="Title Slide">
@@ -177,7 +652,7 @@
           <a:noFill/>
           <a:extLst>
             <a:ext uri="{909E8E84-426E-40dd-AFC4-6F175D3DCCD1}">
-              <a14:hiddenFill xmlns="" xmlns:a14="http://schemas.microsoft.com/office/drawing/2010/main">
+              <a14:hiddenFill xmlns:a14="http://schemas.microsoft.com/office/drawing/2010/main" xmlns="">
                 <a:solidFill>
                   <a:srgbClr val="FFFFFF"/>
                 </a:solidFill>
@@ -236,7 +711,7 @@
             </a:ln>
             <a:extLst>
               <a:ext uri="{91240B29-F687-4f45-9708-019B960494DF}">
-                <a14:hiddenLine xmlns="" xmlns:a14="http://schemas.microsoft.com/office/drawing/2010/main" w="9525">
+                <a14:hiddenLine xmlns:a14="http://schemas.microsoft.com/office/drawing/2010/main" xmlns="" w="9525">
                   <a:solidFill>
                     <a:srgbClr val="000000"/>
                   </a:solidFill>
@@ -326,7 +801,7 @@
             </a:ln>
             <a:extLst>
               <a:ext uri="{91240B29-F687-4f45-9708-019B960494DF}">
-                <a14:hiddenLine xmlns="" xmlns:a14="http://schemas.microsoft.com/office/drawing/2010/main" w="9525">
+                <a14:hiddenLine xmlns:a14="http://schemas.microsoft.com/office/drawing/2010/main" xmlns="" w="9525">
                   <a:solidFill>
                     <a:srgbClr val="000000"/>
                   </a:solidFill>
@@ -416,7 +891,7 @@
             </a:ln>
             <a:extLst>
               <a:ext uri="{91240B29-F687-4f45-9708-019B960494DF}">
-                <a14:hiddenLine xmlns="" xmlns:a14="http://schemas.microsoft.com/office/drawing/2010/main" w="9525">
+                <a14:hiddenLine xmlns:a14="http://schemas.microsoft.com/office/drawing/2010/main" xmlns="" w="9525">
                   <a:solidFill>
                     <a:srgbClr val="000000"/>
                   </a:solidFill>
@@ -450,7 +925,7 @@
             </a:ln>
             <a:extLst>
               <a:ext uri="{91240B29-F687-4f45-9708-019B960494DF}">
-                <a14:hiddenLine xmlns="" xmlns:a14="http://schemas.microsoft.com/office/drawing/2010/main" w="9525">
+                <a14:hiddenLine xmlns:a14="http://schemas.microsoft.com/office/drawing/2010/main" xmlns="" w="9525">
                   <a:solidFill>
                     <a:srgbClr val="000000"/>
                   </a:solidFill>
@@ -540,7 +1015,7 @@
             </a:ln>
             <a:extLst>
               <a:ext uri="{91240B29-F687-4f45-9708-019B960494DF}">
-                <a14:hiddenLine xmlns="" xmlns:a14="http://schemas.microsoft.com/office/drawing/2010/main" w="9525">
+                <a14:hiddenLine xmlns:a14="http://schemas.microsoft.com/office/drawing/2010/main" xmlns="" w="9525">
                   <a:solidFill>
                     <a:srgbClr val="000000"/>
                   </a:solidFill>
@@ -602,7 +1077,7 @@
             </a:ln>
             <a:extLst>
               <a:ext uri="{91240B29-F687-4f45-9708-019B960494DF}">
-                <a14:hiddenLine xmlns="" xmlns:a14="http://schemas.microsoft.com/office/drawing/2010/main" w="9525">
+                <a14:hiddenLine xmlns:a14="http://schemas.microsoft.com/office/drawing/2010/main" xmlns="" w="9525">
                   <a:solidFill>
                     <a:srgbClr val="000000"/>
                   </a:solidFill>
@@ -664,7 +1139,7 @@
             </a:ln>
             <a:extLst>
               <a:ext uri="{91240B29-F687-4f45-9708-019B960494DF}">
-                <a14:hiddenLine xmlns="" xmlns:a14="http://schemas.microsoft.com/office/drawing/2010/main" w="9525">
+                <a14:hiddenLine xmlns:a14="http://schemas.microsoft.com/office/drawing/2010/main" xmlns="" w="9525">
                   <a:solidFill>
                     <a:srgbClr val="000000"/>
                   </a:solidFill>
@@ -754,7 +1229,7 @@
             </a:ln>
             <a:extLst>
               <a:ext uri="{91240B29-F687-4f45-9708-019B960494DF}">
-                <a14:hiddenLine xmlns="" xmlns:a14="http://schemas.microsoft.com/office/drawing/2010/main" w="9525">
+                <a14:hiddenLine xmlns:a14="http://schemas.microsoft.com/office/drawing/2010/main" xmlns="" w="9525">
                   <a:solidFill>
                     <a:srgbClr val="000000"/>
                   </a:solidFill>
@@ -816,7 +1291,7 @@
             </a:ln>
             <a:extLst>
               <a:ext uri="{91240B29-F687-4f45-9708-019B960494DF}">
-                <a14:hiddenLine xmlns="" xmlns:a14="http://schemas.microsoft.com/office/drawing/2010/main" w="9525">
+                <a14:hiddenLine xmlns:a14="http://schemas.microsoft.com/office/drawing/2010/main" xmlns="" w="9525">
                   <a:solidFill>
                     <a:srgbClr val="000000"/>
                   </a:solidFill>
@@ -878,7 +1353,7 @@
             </a:ln>
             <a:extLst>
               <a:ext uri="{91240B29-F687-4f45-9708-019B960494DF}">
-                <a14:hiddenLine xmlns="" xmlns:a14="http://schemas.microsoft.com/office/drawing/2010/main" w="9525">
+                <a14:hiddenLine xmlns:a14="http://schemas.microsoft.com/office/drawing/2010/main" xmlns="" w="9525">
                   <a:solidFill>
                     <a:srgbClr val="000000"/>
                   </a:solidFill>
@@ -968,7 +1443,7 @@
             </a:ln>
             <a:extLst>
               <a:ext uri="{91240B29-F687-4f45-9708-019B960494DF}">
-                <a14:hiddenLine xmlns="" xmlns:a14="http://schemas.microsoft.com/office/drawing/2010/main" w="9525">
+                <a14:hiddenLine xmlns:a14="http://schemas.microsoft.com/office/drawing/2010/main" xmlns="" w="9525">
                   <a:solidFill>
                     <a:srgbClr val="000000"/>
                   </a:solidFill>
@@ -1058,7 +1533,7 @@
             </a:ln>
             <a:extLst>
               <a:ext uri="{91240B29-F687-4f45-9708-019B960494DF}">
-                <a14:hiddenLine xmlns="" xmlns:a14="http://schemas.microsoft.com/office/drawing/2010/main" w="9525">
+                <a14:hiddenLine xmlns:a14="http://schemas.microsoft.com/office/drawing/2010/main" xmlns="" w="9525">
                   <a:solidFill>
                     <a:srgbClr val="000000"/>
                   </a:solidFill>
@@ -1120,7 +1595,7 @@
             </a:ln>
             <a:extLst>
               <a:ext uri="{91240B29-F687-4f45-9708-019B960494DF}">
-                <a14:hiddenLine xmlns="" xmlns:a14="http://schemas.microsoft.com/office/drawing/2010/main" w="9525">
+                <a14:hiddenLine xmlns:a14="http://schemas.microsoft.com/office/drawing/2010/main" xmlns="" w="9525">
                   <a:solidFill>
                     <a:srgbClr val="000000"/>
                   </a:solidFill>
@@ -1230,7 +1705,7 @@
             </a:ln>
             <a:extLst>
               <a:ext uri="{91240B29-F687-4f45-9708-019B960494DF}">
-                <a14:hiddenLine xmlns="" xmlns:a14="http://schemas.microsoft.com/office/drawing/2010/main" w="9525">
+                <a14:hiddenLine xmlns:a14="http://schemas.microsoft.com/office/drawing/2010/main" xmlns="" w="9525">
                   <a:solidFill>
                     <a:srgbClr val="000000"/>
                   </a:solidFill>
@@ -1292,7 +1767,7 @@
             </a:ln>
             <a:extLst>
               <a:ext uri="{91240B29-F687-4f45-9708-019B960494DF}">
-                <a14:hiddenLine xmlns="" xmlns:a14="http://schemas.microsoft.com/office/drawing/2010/main" w="9525">
+                <a14:hiddenLine xmlns:a14="http://schemas.microsoft.com/office/drawing/2010/main" xmlns="" w="9525">
                   <a:solidFill>
                     <a:srgbClr val="000000"/>
                   </a:solidFill>
@@ -1382,7 +1857,7 @@
             </a:ln>
             <a:extLst>
               <a:ext uri="{91240B29-F687-4f45-9708-019B960494DF}">
-                <a14:hiddenLine xmlns="" xmlns:a14="http://schemas.microsoft.com/office/drawing/2010/main" w="9525">
+                <a14:hiddenLine xmlns:a14="http://schemas.microsoft.com/office/drawing/2010/main" xmlns="" w="9525">
                   <a:solidFill>
                     <a:srgbClr val="000000"/>
                   </a:solidFill>
@@ -1472,7 +1947,7 @@
             </a:ln>
             <a:extLst>
               <a:ext uri="{91240B29-F687-4f45-9708-019B960494DF}">
-                <a14:hiddenLine xmlns="" xmlns:a14="http://schemas.microsoft.com/office/drawing/2010/main" w="9525">
+                <a14:hiddenLine xmlns:a14="http://schemas.microsoft.com/office/drawing/2010/main" xmlns="" w="9525">
                   <a:solidFill>
                     <a:srgbClr val="000000"/>
                   </a:solidFill>
@@ -1534,7 +2009,7 @@
             </a:ln>
             <a:extLst>
               <a:ext uri="{91240B29-F687-4f45-9708-019B960494DF}">
-                <a14:hiddenLine xmlns="" xmlns:a14="http://schemas.microsoft.com/office/drawing/2010/main" w="9525">
+                <a14:hiddenLine xmlns:a14="http://schemas.microsoft.com/office/drawing/2010/main" xmlns="" w="9525">
                   <a:solidFill>
                     <a:srgbClr val="000000"/>
                   </a:solidFill>
@@ -1624,7 +2099,7 @@
             </a:ln>
             <a:extLst>
               <a:ext uri="{91240B29-F687-4f45-9708-019B960494DF}">
-                <a14:hiddenLine xmlns="" xmlns:a14="http://schemas.microsoft.com/office/drawing/2010/main" w="9525">
+                <a14:hiddenLine xmlns:a14="http://schemas.microsoft.com/office/drawing/2010/main" xmlns="" w="9525">
                   <a:solidFill>
                     <a:srgbClr val="000000"/>
                   </a:solidFill>
@@ -1714,7 +2189,7 @@
             </a:ln>
             <a:extLst>
               <a:ext uri="{91240B29-F687-4f45-9708-019B960494DF}">
-                <a14:hiddenLine xmlns="" xmlns:a14="http://schemas.microsoft.com/office/drawing/2010/main" w="9525">
+                <a14:hiddenLine xmlns:a14="http://schemas.microsoft.com/office/drawing/2010/main" xmlns="" w="9525">
                   <a:solidFill>
                     <a:srgbClr val="000000"/>
                   </a:solidFill>
@@ -1770,7 +2245,7 @@
             </a:ln>
             <a:extLst>
               <a:ext uri="{91240B29-F687-4f45-9708-019B960494DF}">
-                <a14:hiddenLine xmlns="" xmlns:a14="http://schemas.microsoft.com/office/drawing/2010/main" w="9525">
+                <a14:hiddenLine xmlns:a14="http://schemas.microsoft.com/office/drawing/2010/main" xmlns="" w="9525">
                   <a:solidFill>
                     <a:srgbClr val="000000"/>
                   </a:solidFill>
@@ -1860,7 +2335,7 @@
             </a:ln>
             <a:extLst>
               <a:ext uri="{91240B29-F687-4f45-9708-019B960494DF}">
-                <a14:hiddenLine xmlns="" xmlns:a14="http://schemas.microsoft.com/office/drawing/2010/main" w="9525">
+                <a14:hiddenLine xmlns:a14="http://schemas.microsoft.com/office/drawing/2010/main" xmlns="" w="9525">
                   <a:solidFill>
                     <a:srgbClr val="000000"/>
                   </a:solidFill>
@@ -1916,7 +2391,7 @@
             </a:ln>
             <a:extLst>
               <a:ext uri="{91240B29-F687-4f45-9708-019B960494DF}">
-                <a14:hiddenLine xmlns="" xmlns:a14="http://schemas.microsoft.com/office/drawing/2010/main" w="9525">
+                <a14:hiddenLine xmlns:a14="http://schemas.microsoft.com/office/drawing/2010/main" xmlns="" w="9525">
                   <a:solidFill>
                     <a:srgbClr val="000000"/>
                   </a:solidFill>
@@ -2006,7 +2481,7 @@
             </a:ln>
             <a:extLst>
               <a:ext uri="{91240B29-F687-4f45-9708-019B960494DF}">
-                <a14:hiddenLine xmlns="" xmlns:a14="http://schemas.microsoft.com/office/drawing/2010/main" w="9525">
+                <a14:hiddenLine xmlns:a14="http://schemas.microsoft.com/office/drawing/2010/main" xmlns="" w="9525">
                   <a:solidFill>
                     <a:srgbClr val="000000"/>
                   </a:solidFill>
@@ -2074,7 +2549,7 @@
             </a:ln>
             <a:extLst>
               <a:ext uri="{91240B29-F687-4f45-9708-019B960494DF}">
-                <a14:hiddenLine xmlns="" xmlns:a14="http://schemas.microsoft.com/office/drawing/2010/main" w="9525">
+                <a14:hiddenLine xmlns:a14="http://schemas.microsoft.com/office/drawing/2010/main" xmlns="" w="9525">
                   <a:solidFill>
                     <a:srgbClr val="000000"/>
                   </a:solidFill>
@@ -2164,7 +2639,7 @@
             </a:ln>
             <a:extLst>
               <a:ext uri="{91240B29-F687-4f45-9708-019B960494DF}">
-                <a14:hiddenLine xmlns="" xmlns:a14="http://schemas.microsoft.com/office/drawing/2010/main" w="9525">
+                <a14:hiddenLine xmlns:a14="http://schemas.microsoft.com/office/drawing/2010/main" xmlns="" w="9525">
                   <a:solidFill>
                     <a:srgbClr val="000000"/>
                   </a:solidFill>
@@ -2232,7 +2707,7 @@
             </a:ln>
             <a:extLst>
               <a:ext uri="{91240B29-F687-4f45-9708-019B960494DF}">
-                <a14:hiddenLine xmlns="" xmlns:a14="http://schemas.microsoft.com/office/drawing/2010/main" w="9525">
+                <a14:hiddenLine xmlns:a14="http://schemas.microsoft.com/office/drawing/2010/main" xmlns="" w="9525">
                   <a:solidFill>
                     <a:srgbClr val="000000"/>
                   </a:solidFill>
@@ -2322,7 +2797,7 @@
             </a:ln>
             <a:extLst>
               <a:ext uri="{91240B29-F687-4f45-9708-019B960494DF}">
-                <a14:hiddenLine xmlns="" xmlns:a14="http://schemas.microsoft.com/office/drawing/2010/main" w="9525">
+                <a14:hiddenLine xmlns:a14="http://schemas.microsoft.com/office/drawing/2010/main" xmlns="" w="9525">
                   <a:solidFill>
                     <a:srgbClr val="000000"/>
                   </a:solidFill>
@@ -2356,7 +2831,7 @@
             </a:ln>
             <a:extLst>
               <a:ext uri="{91240B29-F687-4f45-9708-019B960494DF}">
-                <a14:hiddenLine xmlns="" xmlns:a14="http://schemas.microsoft.com/office/drawing/2010/main" w="9525">
+                <a14:hiddenLine xmlns:a14="http://schemas.microsoft.com/office/drawing/2010/main" xmlns="" w="9525">
                   <a:solidFill>
                     <a:srgbClr val="000000"/>
                   </a:solidFill>
@@ -2446,7 +2921,7 @@
             </a:ln>
             <a:extLst>
               <a:ext uri="{91240B29-F687-4f45-9708-019B960494DF}">
-                <a14:hiddenLine xmlns="" xmlns:a14="http://schemas.microsoft.com/office/drawing/2010/main" w="9525">
+                <a14:hiddenLine xmlns:a14="http://schemas.microsoft.com/office/drawing/2010/main" xmlns="" w="9525">
                   <a:solidFill>
                     <a:srgbClr val="000000"/>
                   </a:solidFill>
@@ -2508,7 +2983,7 @@
             </a:ln>
             <a:extLst>
               <a:ext uri="{91240B29-F687-4f45-9708-019B960494DF}">
-                <a14:hiddenLine xmlns="" xmlns:a14="http://schemas.microsoft.com/office/drawing/2010/main" w="9525">
+                <a14:hiddenLine xmlns:a14="http://schemas.microsoft.com/office/drawing/2010/main" xmlns="" w="9525">
                   <a:solidFill>
                     <a:srgbClr val="000000"/>
                   </a:solidFill>
@@ -2570,7 +3045,7 @@
             </a:ln>
             <a:extLst>
               <a:ext uri="{91240B29-F687-4f45-9708-019B960494DF}">
-                <a14:hiddenLine xmlns="" xmlns:a14="http://schemas.microsoft.com/office/drawing/2010/main" w="9525">
+                <a14:hiddenLine xmlns:a14="http://schemas.microsoft.com/office/drawing/2010/main" xmlns="" w="9525">
                   <a:solidFill>
                     <a:srgbClr val="000000"/>
                   </a:solidFill>
@@ -2660,7 +3135,7 @@
             </a:ln>
             <a:extLst>
               <a:ext uri="{91240B29-F687-4f45-9708-019B960494DF}">
-                <a14:hiddenLine xmlns="" xmlns:a14="http://schemas.microsoft.com/office/drawing/2010/main" w="9525">
+                <a14:hiddenLine xmlns:a14="http://schemas.microsoft.com/office/drawing/2010/main" xmlns="" w="9525">
                   <a:solidFill>
                     <a:srgbClr val="000000"/>
                   </a:solidFill>
@@ -2728,7 +3203,7 @@
             </a:ln>
             <a:extLst>
               <a:ext uri="{91240B29-F687-4f45-9708-019B960494DF}">
-                <a14:hiddenLine xmlns="" xmlns:a14="http://schemas.microsoft.com/office/drawing/2010/main" w="9525">
+                <a14:hiddenLine xmlns:a14="http://schemas.microsoft.com/office/drawing/2010/main" xmlns="" w="9525">
                   <a:solidFill>
                     <a:srgbClr val="000000"/>
                   </a:solidFill>
@@ -2790,7 +3265,7 @@
             </a:ln>
             <a:extLst>
               <a:ext uri="{91240B29-F687-4f45-9708-019B960494DF}">
-                <a14:hiddenLine xmlns="" xmlns:a14="http://schemas.microsoft.com/office/drawing/2010/main" w="9525">
+                <a14:hiddenLine xmlns:a14="http://schemas.microsoft.com/office/drawing/2010/main" xmlns="" w="9525">
                   <a:solidFill>
                     <a:srgbClr val="000000"/>
                   </a:solidFill>
@@ -2880,7 +3355,7 @@
             </a:ln>
             <a:extLst>
               <a:ext uri="{91240B29-F687-4f45-9708-019B960494DF}">
-                <a14:hiddenLine xmlns="" xmlns:a14="http://schemas.microsoft.com/office/drawing/2010/main" w="9525">
+                <a14:hiddenLine xmlns:a14="http://schemas.microsoft.com/office/drawing/2010/main" xmlns="" w="9525">
                   <a:solidFill>
                     <a:srgbClr val="000000"/>
                   </a:solidFill>
@@ -2942,7 +3417,7 @@
             </a:ln>
             <a:extLst>
               <a:ext uri="{91240B29-F687-4f45-9708-019B960494DF}">
-                <a14:hiddenLine xmlns="" xmlns:a14="http://schemas.microsoft.com/office/drawing/2010/main" w="9525">
+                <a14:hiddenLine xmlns:a14="http://schemas.microsoft.com/office/drawing/2010/main" xmlns="" w="9525">
                   <a:solidFill>
                     <a:srgbClr val="000000"/>
                   </a:solidFill>
@@ -3032,7 +3507,7 @@
             </a:ln>
             <a:extLst>
               <a:ext uri="{91240B29-F687-4f45-9708-019B960494DF}">
-                <a14:hiddenLine xmlns="" xmlns:a14="http://schemas.microsoft.com/office/drawing/2010/main" w="9525">
+                <a14:hiddenLine xmlns:a14="http://schemas.microsoft.com/office/drawing/2010/main" xmlns="" w="9525">
                   <a:solidFill>
                     <a:srgbClr val="000000"/>
                   </a:solidFill>
@@ -3094,7 +3569,7 @@
             </a:ln>
             <a:extLst>
               <a:ext uri="{91240B29-F687-4f45-9708-019B960494DF}">
-                <a14:hiddenLine xmlns="" xmlns:a14="http://schemas.microsoft.com/office/drawing/2010/main" w="9525">
+                <a14:hiddenLine xmlns:a14="http://schemas.microsoft.com/office/drawing/2010/main" xmlns="" w="9525">
                   <a:solidFill>
                     <a:srgbClr val="000000"/>
                   </a:solidFill>
@@ -3184,7 +3659,7 @@
             </a:ln>
             <a:extLst>
               <a:ext uri="{91240B29-F687-4f45-9708-019B960494DF}">
-                <a14:hiddenLine xmlns="" xmlns:a14="http://schemas.microsoft.com/office/drawing/2010/main" w="9525">
+                <a14:hiddenLine xmlns:a14="http://schemas.microsoft.com/office/drawing/2010/main" xmlns="" w="9525">
                   <a:solidFill>
                     <a:srgbClr val="000000"/>
                   </a:solidFill>
@@ -3218,7 +3693,7 @@
             </a:ln>
             <a:extLst>
               <a:ext uri="{91240B29-F687-4f45-9708-019B960494DF}">
-                <a14:hiddenLine xmlns="" xmlns:a14="http://schemas.microsoft.com/office/drawing/2010/main" w="9525">
+                <a14:hiddenLine xmlns:a14="http://schemas.microsoft.com/office/drawing/2010/main" xmlns="" w="9525">
                   <a:solidFill>
                     <a:srgbClr val="000000"/>
                   </a:solidFill>
@@ -3283,7 +3758,7 @@
             </a:ln>
             <a:extLst>
               <a:ext uri="{91240B29-F687-4f45-9708-019B960494DF}">
-                <a14:hiddenLine xmlns="" xmlns:a14="http://schemas.microsoft.com/office/drawing/2010/main" w="9525">
+                <a14:hiddenLine xmlns:a14="http://schemas.microsoft.com/office/drawing/2010/main" xmlns="" w="9525">
                   <a:solidFill>
                     <a:srgbClr val="000000"/>
                   </a:solidFill>
@@ -3373,7 +3848,7 @@
             </a:ln>
             <a:extLst>
               <a:ext uri="{91240B29-F687-4f45-9708-019B960494DF}">
-                <a14:hiddenLine xmlns="" xmlns:a14="http://schemas.microsoft.com/office/drawing/2010/main" w="9525">
+                <a14:hiddenLine xmlns:a14="http://schemas.microsoft.com/office/drawing/2010/main" xmlns="" w="9525">
                   <a:solidFill>
                     <a:srgbClr val="000000"/>
                   </a:solidFill>
@@ -3435,7 +3910,7 @@
             </a:ln>
             <a:extLst>
               <a:ext uri="{91240B29-F687-4f45-9708-019B960494DF}">
-                <a14:hiddenLine xmlns="" xmlns:a14="http://schemas.microsoft.com/office/drawing/2010/main" w="9525">
+                <a14:hiddenLine xmlns:a14="http://schemas.microsoft.com/office/drawing/2010/main" xmlns="" w="9525">
                   <a:solidFill>
                     <a:srgbClr val="000000"/>
                   </a:solidFill>
@@ -3525,7 +4000,7 @@
             </a:ln>
             <a:extLst>
               <a:ext uri="{91240B29-F687-4f45-9708-019B960494DF}">
-                <a14:hiddenLine xmlns="" xmlns:a14="http://schemas.microsoft.com/office/drawing/2010/main" w="9525">
+                <a14:hiddenLine xmlns:a14="http://schemas.microsoft.com/office/drawing/2010/main" xmlns="" w="9525">
                   <a:solidFill>
                     <a:srgbClr val="000000"/>
                   </a:solidFill>
@@ -3615,7 +4090,7 @@
             </a:ln>
             <a:extLst>
               <a:ext uri="{91240B29-F687-4f45-9708-019B960494DF}">
-                <a14:hiddenLine xmlns="" xmlns:a14="http://schemas.microsoft.com/office/drawing/2010/main" w="9525">
+                <a14:hiddenLine xmlns:a14="http://schemas.microsoft.com/office/drawing/2010/main" xmlns="" w="9525">
                   <a:solidFill>
                     <a:srgbClr val="000000"/>
                   </a:solidFill>
@@ -3680,7 +4155,7 @@
             </a:ln>
             <a:extLst>
               <a:ext uri="{91240B29-F687-4f45-9708-019B960494DF}">
-                <a14:hiddenLine xmlns="" xmlns:a14="http://schemas.microsoft.com/office/drawing/2010/main" w="9525">
+                <a14:hiddenLine xmlns:a14="http://schemas.microsoft.com/office/drawing/2010/main" xmlns="" w="9525">
                   <a:solidFill>
                     <a:srgbClr val="000000"/>
                   </a:solidFill>
@@ -3742,7 +4217,7 @@
             </a:ln>
             <a:extLst>
               <a:ext uri="{91240B29-F687-4f45-9708-019B960494DF}">
-                <a14:hiddenLine xmlns="" xmlns:a14="http://schemas.microsoft.com/office/drawing/2010/main" w="9525">
+                <a14:hiddenLine xmlns:a14="http://schemas.microsoft.com/office/drawing/2010/main" xmlns="" w="9525">
                   <a:solidFill>
                     <a:srgbClr val="000000"/>
                   </a:solidFill>
@@ -3832,7 +4307,7 @@
             </a:ln>
             <a:extLst>
               <a:ext uri="{91240B29-F687-4f45-9708-019B960494DF}">
-                <a14:hiddenLine xmlns="" xmlns:a14="http://schemas.microsoft.com/office/drawing/2010/main" w="9525">
+                <a14:hiddenLine xmlns:a14="http://schemas.microsoft.com/office/drawing/2010/main" xmlns="" w="9525">
                   <a:solidFill>
                     <a:srgbClr val="000000"/>
                   </a:solidFill>
@@ -3922,7 +4397,7 @@
             </a:ln>
             <a:extLst>
               <a:ext uri="{91240B29-F687-4f45-9708-019B960494DF}">
-                <a14:hiddenLine xmlns="" xmlns:a14="http://schemas.microsoft.com/office/drawing/2010/main" w="9525">
+                <a14:hiddenLine xmlns:a14="http://schemas.microsoft.com/office/drawing/2010/main" xmlns="" w="9525">
                   <a:solidFill>
                     <a:srgbClr val="000000"/>
                   </a:solidFill>
@@ -3984,7 +4459,7 @@
             </a:ln>
             <a:extLst>
               <a:ext uri="{91240B29-F687-4f45-9708-019B960494DF}">
-                <a14:hiddenLine xmlns="" xmlns:a14="http://schemas.microsoft.com/office/drawing/2010/main" w="9525">
+                <a14:hiddenLine xmlns:a14="http://schemas.microsoft.com/office/drawing/2010/main" xmlns="" w="9525">
                   <a:solidFill>
                     <a:srgbClr val="000000"/>
                   </a:solidFill>
@@ -4104,7 +4579,7 @@
             </a:ln>
             <a:extLst>
               <a:ext uri="{91240B29-F687-4f45-9708-019B960494DF}">
-                <a14:hiddenLine xmlns="" xmlns:a14="http://schemas.microsoft.com/office/drawing/2010/main" w="9525">
+                <a14:hiddenLine xmlns:a14="http://schemas.microsoft.com/office/drawing/2010/main" xmlns="" w="9525">
                   <a:solidFill>
                     <a:srgbClr val="000000"/>
                   </a:solidFill>
@@ -4172,7 +4647,7 @@
             </a:ln>
             <a:extLst>
               <a:ext uri="{91240B29-F687-4f45-9708-019B960494DF}">
-                <a14:hiddenLine xmlns="" xmlns:a14="http://schemas.microsoft.com/office/drawing/2010/main" w="9525">
+                <a14:hiddenLine xmlns:a14="http://schemas.microsoft.com/office/drawing/2010/main" xmlns="" w="9525">
                   <a:solidFill>
                     <a:srgbClr val="000000"/>
                   </a:solidFill>
@@ -4262,7 +4737,7 @@
             </a:ln>
             <a:extLst>
               <a:ext uri="{91240B29-F687-4f45-9708-019B960494DF}">
-                <a14:hiddenLine xmlns="" xmlns:a14="http://schemas.microsoft.com/office/drawing/2010/main" w="9525">
+                <a14:hiddenLine xmlns:a14="http://schemas.microsoft.com/office/drawing/2010/main" xmlns="" w="9525">
                   <a:solidFill>
                     <a:srgbClr val="000000"/>
                   </a:solidFill>
@@ -4402,7 +4877,7 @@
           <a:p>
             <a:fld id="{45B796A2-5E01-4D06-BA9F-584E67CC9556}" type="datetimeFigureOut">
               <a:rPr lang="en-US" smtClean="0"/>
-              <a:t>21-May-18</a:t>
+              <a:t>22-May-18</a:t>
             </a:fld>
             <a:endParaRPr lang="en-US"/>
           </a:p>
@@ -4669,7 +5144,7 @@
           <a:p>
             <a:fld id="{45B796A2-5E01-4D06-BA9F-584E67CC9556}" type="datetimeFigureOut">
               <a:rPr lang="en-US" smtClean="0"/>
-              <a:t>21-May-18</a:t>
+              <a:t>22-May-18</a:t>
             </a:fld>
             <a:endParaRPr lang="en-US"/>
           </a:p>
@@ -4865,7 +5340,7 @@
           <a:p>
             <a:fld id="{45B796A2-5E01-4D06-BA9F-584E67CC9556}" type="datetimeFigureOut">
               <a:rPr lang="en-US" smtClean="0"/>
-              <a:t>21-May-18</a:t>
+              <a:t>22-May-18</a:t>
             </a:fld>
             <a:endParaRPr lang="en-US"/>
           </a:p>
@@ -5128,7 +5603,7 @@
           <a:p>
             <a:fld id="{45B796A2-5E01-4D06-BA9F-584E67CC9556}" type="datetimeFigureOut">
               <a:rPr lang="en-US" smtClean="0"/>
-              <a:t>21-May-18</a:t>
+              <a:t>22-May-18</a:t>
             </a:fld>
             <a:endParaRPr lang="en-US"/>
           </a:p>
@@ -5562,7 +6037,7 @@
           <a:p>
             <a:fld id="{45B796A2-5E01-4D06-BA9F-584E67CC9556}" type="datetimeFigureOut">
               <a:rPr lang="en-US" smtClean="0"/>
-              <a:t>21-May-18</a:t>
+              <a:t>22-May-18</a:t>
             </a:fld>
             <a:endParaRPr lang="en-US"/>
           </a:p>
@@ -6108,7 +6583,7 @@
           <a:p>
             <a:fld id="{45B796A2-5E01-4D06-BA9F-584E67CC9556}" type="datetimeFigureOut">
               <a:rPr lang="en-US" smtClean="0"/>
-              <a:t>21-May-18</a:t>
+              <a:t>22-May-18</a:t>
             </a:fld>
             <a:endParaRPr lang="en-US"/>
           </a:p>
@@ -6828,7 +7303,7 @@
           <a:p>
             <a:fld id="{45B796A2-5E01-4D06-BA9F-584E67CC9556}" type="datetimeFigureOut">
               <a:rPr lang="en-US" smtClean="0"/>
-              <a:t>21-May-18</a:t>
+              <a:t>22-May-18</a:t>
             </a:fld>
             <a:endParaRPr lang="en-US"/>
           </a:p>
@@ -6998,7 +7473,7 @@
           <a:p>
             <a:fld id="{45B796A2-5E01-4D06-BA9F-584E67CC9556}" type="datetimeFigureOut">
               <a:rPr lang="en-US" smtClean="0"/>
-              <a:t>21-May-18</a:t>
+              <a:t>22-May-18</a:t>
             </a:fld>
             <a:endParaRPr lang="en-US"/>
           </a:p>
@@ -7178,7 +7653,7 @@
           <a:p>
             <a:fld id="{45B796A2-5E01-4D06-BA9F-584E67CC9556}" type="datetimeFigureOut">
               <a:rPr lang="en-US" smtClean="0"/>
-              <a:t>21-May-18</a:t>
+              <a:t>22-May-18</a:t>
             </a:fld>
             <a:endParaRPr lang="en-US"/>
           </a:p>
@@ -7348,7 +7823,7 @@
           <a:p>
             <a:fld id="{45B796A2-5E01-4D06-BA9F-584E67CC9556}" type="datetimeFigureOut">
               <a:rPr lang="en-US" smtClean="0"/>
-              <a:t>21-May-18</a:t>
+              <a:t>22-May-18</a:t>
             </a:fld>
             <a:endParaRPr lang="en-US"/>
           </a:p>
@@ -7598,7 +8073,7 @@
           <a:p>
             <a:fld id="{45B796A2-5E01-4D06-BA9F-584E67CC9556}" type="datetimeFigureOut">
               <a:rPr lang="en-US" smtClean="0"/>
-              <a:t>21-May-18</a:t>
+              <a:t>22-May-18</a:t>
             </a:fld>
             <a:endParaRPr lang="en-US"/>
           </a:p>
@@ -7830,7 +8305,7 @@
           <a:p>
             <a:fld id="{45B796A2-5E01-4D06-BA9F-584E67CC9556}" type="datetimeFigureOut">
               <a:rPr lang="en-US" smtClean="0"/>
-              <a:t>21-May-18</a:t>
+              <a:t>22-May-18</a:t>
             </a:fld>
             <a:endParaRPr lang="en-US"/>
           </a:p>
@@ -8211,7 +8686,7 @@
           <a:p>
             <a:fld id="{45B796A2-5E01-4D06-BA9F-584E67CC9556}" type="datetimeFigureOut">
               <a:rPr lang="en-US" smtClean="0"/>
-              <a:t>21-May-18</a:t>
+              <a:t>22-May-18</a:t>
             </a:fld>
             <a:endParaRPr lang="en-US"/>
           </a:p>
@@ -8329,7 +8804,7 @@
           <a:p>
             <a:fld id="{45B796A2-5E01-4D06-BA9F-584E67CC9556}" type="datetimeFigureOut">
               <a:rPr lang="en-US" smtClean="0"/>
-              <a:t>21-May-18</a:t>
+              <a:t>22-May-18</a:t>
             </a:fld>
             <a:endParaRPr lang="en-US"/>
           </a:p>
@@ -8424,7 +8899,7 @@
           <a:p>
             <a:fld id="{45B796A2-5E01-4D06-BA9F-584E67CC9556}" type="datetimeFigureOut">
               <a:rPr lang="en-US" smtClean="0"/>
-              <a:t>21-May-18</a:t>
+              <a:t>22-May-18</a:t>
             </a:fld>
             <a:endParaRPr lang="en-US"/>
           </a:p>
@@ -8673,7 +9148,7 @@
           <a:p>
             <a:fld id="{45B796A2-5E01-4D06-BA9F-584E67CC9556}" type="datetimeFigureOut">
               <a:rPr lang="en-US" smtClean="0"/>
-              <a:t>21-May-18</a:t>
+              <a:t>22-May-18</a:t>
             </a:fld>
             <a:endParaRPr lang="en-US"/>
           </a:p>
@@ -8953,7 +9428,7 @@
           <a:p>
             <a:fld id="{45B796A2-5E01-4D06-BA9F-584E67CC9556}" type="datetimeFigureOut">
               <a:rPr lang="en-US" smtClean="0"/>
-              <a:t>21-May-18</a:t>
+              <a:t>22-May-18</a:t>
             </a:fld>
             <a:endParaRPr lang="en-US"/>
           </a:p>
@@ -9076,7 +9551,7 @@
           <a:noFill/>
           <a:extLst>
             <a:ext uri="{909E8E84-426E-40dd-AFC4-6F175D3DCCD1}">
-              <a14:hiddenFill xmlns="" xmlns:a14="http://schemas.microsoft.com/office/drawing/2010/main">
+              <a14:hiddenFill xmlns:a14="http://schemas.microsoft.com/office/drawing/2010/main" xmlns="">
                 <a:solidFill>
                   <a:srgbClr val="FFFFFF"/>
                 </a:solidFill>
@@ -9150,7 +9625,7 @@
               </a:ln>
               <a:extLst>
                 <a:ext uri="{91240B29-F687-4f45-9708-019B960494DF}">
-                  <a14:hiddenLine xmlns="" xmlns:a14="http://schemas.microsoft.com/office/drawing/2010/main" w="9525">
+                  <a14:hiddenLine xmlns:a14="http://schemas.microsoft.com/office/drawing/2010/main" xmlns="" w="9525">
                     <a:solidFill>
                       <a:srgbClr val="000000"/>
                     </a:solidFill>
@@ -9240,7 +9715,7 @@
               </a:ln>
               <a:extLst>
                 <a:ext uri="{91240B29-F687-4f45-9708-019B960494DF}">
-                  <a14:hiddenLine xmlns="" xmlns:a14="http://schemas.microsoft.com/office/drawing/2010/main" w="9525">
+                  <a14:hiddenLine xmlns:a14="http://schemas.microsoft.com/office/drawing/2010/main" xmlns="" w="9525">
                     <a:solidFill>
                       <a:srgbClr val="000000"/>
                     </a:solidFill>
@@ -9330,7 +9805,7 @@
               </a:ln>
               <a:extLst>
                 <a:ext uri="{91240B29-F687-4f45-9708-019B960494DF}">
-                  <a14:hiddenLine xmlns="" xmlns:a14="http://schemas.microsoft.com/office/drawing/2010/main" w="9525">
+                  <a14:hiddenLine xmlns:a14="http://schemas.microsoft.com/office/drawing/2010/main" xmlns="" w="9525">
                     <a:solidFill>
                       <a:srgbClr val="000000"/>
                     </a:solidFill>
@@ -9392,7 +9867,7 @@
               </a:ln>
               <a:extLst>
                 <a:ext uri="{91240B29-F687-4f45-9708-019B960494DF}">
-                  <a14:hiddenLine xmlns="" xmlns:a14="http://schemas.microsoft.com/office/drawing/2010/main" w="9525">
+                  <a14:hiddenLine xmlns:a14="http://schemas.microsoft.com/office/drawing/2010/main" xmlns="" w="9525">
                     <a:solidFill>
                       <a:srgbClr val="000000"/>
                     </a:solidFill>
@@ -9482,7 +9957,7 @@
               </a:ln>
               <a:extLst>
                 <a:ext uri="{91240B29-F687-4f45-9708-019B960494DF}">
-                  <a14:hiddenLine xmlns="" xmlns:a14="http://schemas.microsoft.com/office/drawing/2010/main" w="9525">
+                  <a14:hiddenLine xmlns:a14="http://schemas.microsoft.com/office/drawing/2010/main" xmlns="" w="9525">
                     <a:solidFill>
                       <a:srgbClr val="000000"/>
                     </a:solidFill>
@@ -9544,7 +10019,7 @@
               </a:ln>
               <a:extLst>
                 <a:ext uri="{91240B29-F687-4f45-9708-019B960494DF}">
-                  <a14:hiddenLine xmlns="" xmlns:a14="http://schemas.microsoft.com/office/drawing/2010/main" w="9525">
+                  <a14:hiddenLine xmlns:a14="http://schemas.microsoft.com/office/drawing/2010/main" xmlns="" w="9525">
                     <a:solidFill>
                       <a:srgbClr val="000000"/>
                     </a:solidFill>
@@ -9606,7 +10081,7 @@
               </a:ln>
               <a:extLst>
                 <a:ext uri="{91240B29-F687-4f45-9708-019B960494DF}">
-                  <a14:hiddenLine xmlns="" xmlns:a14="http://schemas.microsoft.com/office/drawing/2010/main" w="9525">
+                  <a14:hiddenLine xmlns:a14="http://schemas.microsoft.com/office/drawing/2010/main" xmlns="" w="9525">
                     <a:solidFill>
                       <a:srgbClr val="000000"/>
                     </a:solidFill>
@@ -9696,7 +10171,7 @@
               </a:ln>
               <a:extLst>
                 <a:ext uri="{91240B29-F687-4f45-9708-019B960494DF}">
-                  <a14:hiddenLine xmlns="" xmlns:a14="http://schemas.microsoft.com/office/drawing/2010/main" w="9525">
+                  <a14:hiddenLine xmlns:a14="http://schemas.microsoft.com/office/drawing/2010/main" xmlns="" w="9525">
                     <a:solidFill>
                       <a:srgbClr val="000000"/>
                     </a:solidFill>
@@ -9786,7 +10261,7 @@
               </a:ln>
               <a:extLst>
                 <a:ext uri="{91240B29-F687-4f45-9708-019B960494DF}">
-                  <a14:hiddenLine xmlns="" xmlns:a14="http://schemas.microsoft.com/office/drawing/2010/main" w="9525">
+                  <a14:hiddenLine xmlns:a14="http://schemas.microsoft.com/office/drawing/2010/main" xmlns="" w="9525">
                     <a:solidFill>
                       <a:srgbClr val="000000"/>
                     </a:solidFill>
@@ -9848,7 +10323,7 @@
               </a:ln>
               <a:extLst>
                 <a:ext uri="{91240B29-F687-4f45-9708-019B960494DF}">
-                  <a14:hiddenLine xmlns="" xmlns:a14="http://schemas.microsoft.com/office/drawing/2010/main" w="9525">
+                  <a14:hiddenLine xmlns:a14="http://schemas.microsoft.com/office/drawing/2010/main" xmlns="" w="9525">
                     <a:solidFill>
                       <a:srgbClr val="000000"/>
                     </a:solidFill>
@@ -9958,7 +10433,7 @@
               </a:ln>
               <a:extLst>
                 <a:ext uri="{91240B29-F687-4f45-9708-019B960494DF}">
-                  <a14:hiddenLine xmlns="" xmlns:a14="http://schemas.microsoft.com/office/drawing/2010/main" w="9525">
+                  <a14:hiddenLine xmlns:a14="http://schemas.microsoft.com/office/drawing/2010/main" xmlns="" w="9525">
                     <a:solidFill>
                       <a:srgbClr val="000000"/>
                     </a:solidFill>
@@ -10042,7 +10517,7 @@
               </a:ln>
               <a:extLst>
                 <a:ext uri="{91240B29-F687-4f45-9708-019B960494DF}">
-                  <a14:hiddenLine xmlns="" xmlns:a14="http://schemas.microsoft.com/office/drawing/2010/main" w="9525">
+                  <a14:hiddenLine xmlns:a14="http://schemas.microsoft.com/office/drawing/2010/main" xmlns="" w="9525">
                     <a:solidFill>
                       <a:srgbClr val="000000"/>
                     </a:solidFill>
@@ -10104,7 +10579,7 @@
               </a:ln>
               <a:extLst>
                 <a:ext uri="{91240B29-F687-4f45-9708-019B960494DF}">
-                  <a14:hiddenLine xmlns="" xmlns:a14="http://schemas.microsoft.com/office/drawing/2010/main" w="9525">
+                  <a14:hiddenLine xmlns:a14="http://schemas.microsoft.com/office/drawing/2010/main" xmlns="" w="9525">
                     <a:solidFill>
                       <a:srgbClr val="000000"/>
                     </a:solidFill>
@@ -10166,7 +10641,7 @@
               </a:ln>
               <a:extLst>
                 <a:ext uri="{91240B29-F687-4f45-9708-019B960494DF}">
-                  <a14:hiddenLine xmlns="" xmlns:a14="http://schemas.microsoft.com/office/drawing/2010/main" w="9525">
+                  <a14:hiddenLine xmlns:a14="http://schemas.microsoft.com/office/drawing/2010/main" xmlns="" w="9525">
                     <a:solidFill>
                       <a:srgbClr val="000000"/>
                     </a:solidFill>
@@ -10256,7 +10731,7 @@
               </a:ln>
               <a:extLst>
                 <a:ext uri="{91240B29-F687-4f45-9708-019B960494DF}">
-                  <a14:hiddenLine xmlns="" xmlns:a14="http://schemas.microsoft.com/office/drawing/2010/main" w="9525">
+                  <a14:hiddenLine xmlns:a14="http://schemas.microsoft.com/office/drawing/2010/main" xmlns="" w="9525">
                     <a:solidFill>
                       <a:srgbClr val="000000"/>
                     </a:solidFill>
@@ -10290,7 +10765,7 @@
               </a:ln>
               <a:extLst>
                 <a:ext uri="{91240B29-F687-4f45-9708-019B960494DF}">
-                  <a14:hiddenLine xmlns="" xmlns:a14="http://schemas.microsoft.com/office/drawing/2010/main" w="9525">
+                  <a14:hiddenLine xmlns:a14="http://schemas.microsoft.com/office/drawing/2010/main" xmlns="" w="9525">
                     <a:solidFill>
                       <a:srgbClr val="000000"/>
                     </a:solidFill>
@@ -10355,7 +10830,7 @@
               </a:ln>
               <a:extLst>
                 <a:ext uri="{91240B29-F687-4f45-9708-019B960494DF}">
-                  <a14:hiddenLine xmlns="" xmlns:a14="http://schemas.microsoft.com/office/drawing/2010/main" w="9525">
+                  <a14:hiddenLine xmlns:a14="http://schemas.microsoft.com/office/drawing/2010/main" xmlns="" w="9525">
                     <a:solidFill>
                       <a:srgbClr val="000000"/>
                     </a:solidFill>
@@ -10445,7 +10920,7 @@
               </a:ln>
               <a:extLst>
                 <a:ext uri="{91240B29-F687-4f45-9708-019B960494DF}">
-                  <a14:hiddenLine xmlns="" xmlns:a14="http://schemas.microsoft.com/office/drawing/2010/main" w="9525">
+                  <a14:hiddenLine xmlns:a14="http://schemas.microsoft.com/office/drawing/2010/main" xmlns="" w="9525">
                     <a:solidFill>
                       <a:srgbClr val="000000"/>
                     </a:solidFill>
@@ -10507,7 +10982,7 @@
               </a:ln>
               <a:extLst>
                 <a:ext uri="{91240B29-F687-4f45-9708-019B960494DF}">
-                  <a14:hiddenLine xmlns="" xmlns:a14="http://schemas.microsoft.com/office/drawing/2010/main" w="9525">
+                  <a14:hiddenLine xmlns:a14="http://schemas.microsoft.com/office/drawing/2010/main" xmlns="" w="9525">
                     <a:solidFill>
                       <a:srgbClr val="000000"/>
                     </a:solidFill>
@@ -10597,7 +11072,7 @@
               </a:ln>
               <a:extLst>
                 <a:ext uri="{91240B29-F687-4f45-9708-019B960494DF}">
-                  <a14:hiddenLine xmlns="" xmlns:a14="http://schemas.microsoft.com/office/drawing/2010/main" w="9525">
+                  <a14:hiddenLine xmlns:a14="http://schemas.microsoft.com/office/drawing/2010/main" xmlns="" w="9525">
                     <a:solidFill>
                       <a:srgbClr val="000000"/>
                     </a:solidFill>
@@ -10662,7 +11137,7 @@
               </a:ln>
               <a:extLst>
                 <a:ext uri="{91240B29-F687-4f45-9708-019B960494DF}">
-                  <a14:hiddenLine xmlns="" xmlns:a14="http://schemas.microsoft.com/office/drawing/2010/main" w="9525">
+                  <a14:hiddenLine xmlns:a14="http://schemas.microsoft.com/office/drawing/2010/main" xmlns="" w="9525">
                     <a:solidFill>
                       <a:srgbClr val="000000"/>
                     </a:solidFill>
@@ -10724,7 +11199,7 @@
               </a:ln>
               <a:extLst>
                 <a:ext uri="{91240B29-F687-4f45-9708-019B960494DF}">
-                  <a14:hiddenLine xmlns="" xmlns:a14="http://schemas.microsoft.com/office/drawing/2010/main" w="9525">
+                  <a14:hiddenLine xmlns:a14="http://schemas.microsoft.com/office/drawing/2010/main" xmlns="" w="9525">
                     <a:solidFill>
                       <a:srgbClr val="000000"/>
                     </a:solidFill>
@@ -10814,7 +11289,7 @@
               </a:ln>
               <a:extLst>
                 <a:ext uri="{91240B29-F687-4f45-9708-019B960494DF}">
-                  <a14:hiddenLine xmlns="" xmlns:a14="http://schemas.microsoft.com/office/drawing/2010/main" w="9525">
+                  <a14:hiddenLine xmlns:a14="http://schemas.microsoft.com/office/drawing/2010/main" xmlns="" w="9525">
                     <a:solidFill>
                       <a:srgbClr val="000000"/>
                     </a:solidFill>
@@ -10904,7 +11379,7 @@
               </a:ln>
               <a:extLst>
                 <a:ext uri="{91240B29-F687-4f45-9708-019B960494DF}">
-                  <a14:hiddenLine xmlns="" xmlns:a14="http://schemas.microsoft.com/office/drawing/2010/main" w="9525">
+                  <a14:hiddenLine xmlns:a14="http://schemas.microsoft.com/office/drawing/2010/main" xmlns="" w="9525">
                     <a:solidFill>
                       <a:srgbClr val="000000"/>
                     </a:solidFill>
@@ -10969,7 +11444,7 @@
               </a:ln>
               <a:extLst>
                 <a:ext uri="{91240B29-F687-4f45-9708-019B960494DF}">
-                  <a14:hiddenLine xmlns="" xmlns:a14="http://schemas.microsoft.com/office/drawing/2010/main" w="9525">
+                  <a14:hiddenLine xmlns:a14="http://schemas.microsoft.com/office/drawing/2010/main" xmlns="" w="9525">
                     <a:solidFill>
                       <a:srgbClr val="000000"/>
                     </a:solidFill>
@@ -11089,7 +11564,7 @@
               </a:ln>
               <a:extLst>
                 <a:ext uri="{91240B29-F687-4f45-9708-019B960494DF}">
-                  <a14:hiddenLine xmlns="" xmlns:a14="http://schemas.microsoft.com/office/drawing/2010/main" w="9525">
+                  <a14:hiddenLine xmlns:a14="http://schemas.microsoft.com/office/drawing/2010/main" xmlns="" w="9525">
                     <a:solidFill>
                       <a:srgbClr val="000000"/>
                     </a:solidFill>
@@ -11170,7 +11645,7 @@
               </a:ln>
               <a:extLst>
                 <a:ext uri="{91240B29-F687-4f45-9708-019B960494DF}">
-                  <a14:hiddenLine xmlns="" xmlns:a14="http://schemas.microsoft.com/office/drawing/2010/main" w="9525">
+                  <a14:hiddenLine xmlns:a14="http://schemas.microsoft.com/office/drawing/2010/main" xmlns="" w="9525">
                     <a:solidFill>
                       <a:srgbClr val="000000"/>
                     </a:solidFill>
@@ -11285,7 +11760,7 @@
               </a:ln>
               <a:extLst>
                 <a:ext uri="{91240B29-F687-4f45-9708-019B960494DF}">
-                  <a14:hiddenLine xmlns="" xmlns:a14="http://schemas.microsoft.com/office/drawing/2010/main" w="9525">
+                  <a14:hiddenLine xmlns:a14="http://schemas.microsoft.com/office/drawing/2010/main" xmlns="" w="9525">
                     <a:solidFill>
                       <a:srgbClr val="000000"/>
                     </a:solidFill>
@@ -11375,7 +11850,7 @@
               </a:ln>
               <a:extLst>
                 <a:ext uri="{91240B29-F687-4f45-9708-019B960494DF}">
-                  <a14:hiddenLine xmlns="" xmlns:a14="http://schemas.microsoft.com/office/drawing/2010/main" w="9525">
+                  <a14:hiddenLine xmlns:a14="http://schemas.microsoft.com/office/drawing/2010/main" xmlns="" w="9525">
                     <a:solidFill>
                       <a:srgbClr val="000000"/>
                     </a:solidFill>
@@ -11440,7 +11915,7 @@
               </a:ln>
               <a:extLst>
                 <a:ext uri="{91240B29-F687-4f45-9708-019B960494DF}">
-                  <a14:hiddenLine xmlns="" xmlns:a14="http://schemas.microsoft.com/office/drawing/2010/main" w="9525">
+                  <a14:hiddenLine xmlns:a14="http://schemas.microsoft.com/office/drawing/2010/main" xmlns="" w="9525">
                     <a:solidFill>
                       <a:srgbClr val="000000"/>
                     </a:solidFill>
@@ -11530,7 +12005,7 @@
               </a:ln>
               <a:extLst>
                 <a:ext uri="{91240B29-F687-4f45-9708-019B960494DF}">
-                  <a14:hiddenLine xmlns="" xmlns:a14="http://schemas.microsoft.com/office/drawing/2010/main" w="9525">
+                  <a14:hiddenLine xmlns:a14="http://schemas.microsoft.com/office/drawing/2010/main" xmlns="" w="9525">
                     <a:solidFill>
                       <a:srgbClr val="000000"/>
                     </a:solidFill>
@@ -11598,7 +12073,7 @@
               </a:ln>
               <a:extLst>
                 <a:ext uri="{91240B29-F687-4f45-9708-019B960494DF}">
-                  <a14:hiddenLine xmlns="" xmlns:a14="http://schemas.microsoft.com/office/drawing/2010/main" w="9525">
+                  <a14:hiddenLine xmlns:a14="http://schemas.microsoft.com/office/drawing/2010/main" xmlns="" w="9525">
                     <a:solidFill>
                       <a:srgbClr val="000000"/>
                     </a:solidFill>
@@ -11688,7 +12163,7 @@
               </a:ln>
               <a:extLst>
                 <a:ext uri="{91240B29-F687-4f45-9708-019B960494DF}">
-                  <a14:hiddenLine xmlns="" xmlns:a14="http://schemas.microsoft.com/office/drawing/2010/main" w="9525">
+                  <a14:hiddenLine xmlns:a14="http://schemas.microsoft.com/office/drawing/2010/main" xmlns="" w="9525">
                     <a:solidFill>
                       <a:srgbClr val="000000"/>
                     </a:solidFill>
@@ -11756,7 +12231,7 @@
               </a:ln>
               <a:extLst>
                 <a:ext uri="{91240B29-F687-4f45-9708-019B960494DF}">
-                  <a14:hiddenLine xmlns="" xmlns:a14="http://schemas.microsoft.com/office/drawing/2010/main" w="9525">
+                  <a14:hiddenLine xmlns:a14="http://schemas.microsoft.com/office/drawing/2010/main" xmlns="" w="9525">
                     <a:solidFill>
                       <a:srgbClr val="000000"/>
                     </a:solidFill>
@@ -11846,7 +12321,7 @@
               </a:ln>
               <a:extLst>
                 <a:ext uri="{91240B29-F687-4f45-9708-019B960494DF}">
-                  <a14:hiddenLine xmlns="" xmlns:a14="http://schemas.microsoft.com/office/drawing/2010/main" w="9525">
+                  <a14:hiddenLine xmlns:a14="http://schemas.microsoft.com/office/drawing/2010/main" xmlns="" w="9525">
                     <a:solidFill>
                       <a:srgbClr val="000000"/>
                     </a:solidFill>
@@ -11880,7 +12355,7 @@
               </a:ln>
               <a:extLst>
                 <a:ext uri="{91240B29-F687-4f45-9708-019B960494DF}">
-                  <a14:hiddenLine xmlns="" xmlns:a14="http://schemas.microsoft.com/office/drawing/2010/main" w="9525">
+                  <a14:hiddenLine xmlns:a14="http://schemas.microsoft.com/office/drawing/2010/main" xmlns="" w="9525">
                     <a:solidFill>
                       <a:srgbClr val="000000"/>
                     </a:solidFill>
@@ -12020,7 +12495,7 @@
           <a:p>
             <a:fld id="{45B796A2-5E01-4D06-BA9F-584E67CC9556}" type="datetimeFigureOut">
               <a:rPr lang="en-US" smtClean="0"/>
-              <a:t>21-May-18</a:t>
+              <a:t>22-May-18</a:t>
             </a:fld>
             <a:endParaRPr lang="en-US"/>
           </a:p>
@@ -12534,6 +13009,382 @@
 </p:sld>
 </file>
 
+<file path=ppt/slides/slide10.xml><?xml version="1.0" encoding="utf-8"?>
+<p:sld xmlns:a="http://schemas.openxmlformats.org/drawingml/2006/main" xmlns:r="http://schemas.openxmlformats.org/officeDocument/2006/relationships" xmlns:p="http://schemas.openxmlformats.org/presentationml/2006/main">
+  <p:cSld>
+    <p:spTree>
+      <p:nvGrpSpPr>
+        <p:cNvPr id="1" name=""/>
+        <p:cNvGrpSpPr/>
+        <p:nvPr/>
+      </p:nvGrpSpPr>
+      <p:grpSpPr>
+        <a:xfrm>
+          <a:off x="0" y="0"/>
+          <a:ext cx="0" cy="0"/>
+          <a:chOff x="0" y="0"/>
+          <a:chExt cx="0" cy="0"/>
+        </a:xfrm>
+      </p:grpSpPr>
+      <p:sp>
+        <p:nvSpPr>
+          <p:cNvPr id="2" name="Title 1">
+            <a:extLst>
+              <a:ext uri="{FF2B5EF4-FFF2-40B4-BE49-F238E27FC236}">
+                <a16:creationId xmlns:a16="http://schemas.microsoft.com/office/drawing/2014/main" id="{E39C28E2-9194-40CD-BFAE-7389B099D8AF}"/>
+              </a:ext>
+            </a:extLst>
+          </p:cNvPr>
+          <p:cNvSpPr>
+            <a:spLocks noGrp="1"/>
+          </p:cNvSpPr>
+          <p:nvPr>
+            <p:ph type="title"/>
+          </p:nvPr>
+        </p:nvSpPr>
+        <p:spPr/>
+        <p:txBody>
+          <a:bodyPr/>
+          <a:lstStyle/>
+          <a:p>
+            <a:r>
+              <a:rPr lang="es-ES" dirty="0" err="1"/>
+              <a:t>Wordpress</a:t>
+            </a:r>
+            <a:endParaRPr lang="en-US" dirty="0"/>
+          </a:p>
+        </p:txBody>
+      </p:sp>
+      <p:sp>
+        <p:nvSpPr>
+          <p:cNvPr id="3" name="Content Placeholder 2">
+            <a:extLst>
+              <a:ext uri="{FF2B5EF4-FFF2-40B4-BE49-F238E27FC236}">
+                <a16:creationId xmlns:a16="http://schemas.microsoft.com/office/drawing/2014/main" id="{DA79BC87-278A-4F1C-BFDE-928356348413}"/>
+              </a:ext>
+            </a:extLst>
+          </p:cNvPr>
+          <p:cNvSpPr>
+            <a:spLocks noGrp="1"/>
+          </p:cNvSpPr>
+          <p:nvPr>
+            <p:ph idx="1"/>
+          </p:nvPr>
+        </p:nvSpPr>
+        <p:spPr/>
+        <p:txBody>
+          <a:bodyPr/>
+          <a:lstStyle/>
+          <a:p>
+            <a:endParaRPr lang="en-US"/>
+          </a:p>
+        </p:txBody>
+      </p:sp>
+    </p:spTree>
+    <p:extLst>
+      <p:ext uri="{BB962C8B-B14F-4D97-AF65-F5344CB8AC3E}">
+        <p14:creationId xmlns:p14="http://schemas.microsoft.com/office/powerpoint/2010/main" val="3767124708"/>
+      </p:ext>
+    </p:extLst>
+  </p:cSld>
+  <p:clrMapOvr>
+    <a:masterClrMapping/>
+  </p:clrMapOvr>
+</p:sld>
+</file>
+
+<file path=ppt/slides/slide11.xml><?xml version="1.0" encoding="utf-8"?>
+<p:sld xmlns:a="http://schemas.openxmlformats.org/drawingml/2006/main" xmlns:r="http://schemas.openxmlformats.org/officeDocument/2006/relationships" xmlns:p="http://schemas.openxmlformats.org/presentationml/2006/main">
+  <p:cSld>
+    <p:bg>
+      <p:bgPr>
+        <a:blipFill>
+          <a:blip r:embed="rId2">
+            <a:duotone>
+              <a:schemeClr val="bg2">
+                <a:shade val="48000"/>
+                <a:hueMod val="106000"/>
+                <a:satMod val="140000"/>
+                <a:lumMod val="42000"/>
+              </a:schemeClr>
+              <a:schemeClr val="bg2">
+                <a:tint val="98000"/>
+                <a:hueMod val="92000"/>
+                <a:satMod val="220000"/>
+                <a:lumMod val="90000"/>
+              </a:schemeClr>
+            </a:duotone>
+            <a:extLst/>
+          </a:blip>
+          <a:stretch/>
+        </a:blipFill>
+        <a:effectLst/>
+      </p:bgPr>
+    </p:bg>
+    <p:spTree>
+      <p:nvGrpSpPr>
+        <p:cNvPr id="1" name=""/>
+        <p:cNvGrpSpPr/>
+        <p:nvPr/>
+      </p:nvGrpSpPr>
+      <p:grpSpPr>
+        <a:xfrm>
+          <a:off x="0" y="0"/>
+          <a:ext cx="0" cy="0"/>
+          <a:chOff x="0" y="0"/>
+          <a:chExt cx="0" cy="0"/>
+        </a:xfrm>
+      </p:grpSpPr>
+      <p:pic>
+        <p:nvPicPr>
+          <p:cNvPr id="5" name="Picture 4" descr="A close up of a logo&#10;&#10;Description generated with very high confidence">
+            <a:extLst>
+              <a:ext uri="{FF2B5EF4-FFF2-40B4-BE49-F238E27FC236}">
+                <a16:creationId xmlns:a16="http://schemas.microsoft.com/office/drawing/2014/main" id="{DCCF8DB3-40AB-413E-947D-8384BFF39F15}"/>
+              </a:ext>
+            </a:extLst>
+          </p:cNvPr>
+          <p:cNvPicPr>
+            <a:picLocks noChangeAspect="1"/>
+          </p:cNvPicPr>
+          <p:nvPr/>
+        </p:nvPicPr>
+        <p:blipFill rotWithShape="1">
+          <a:blip r:embed="rId3">
+            <a:extLst>
+              <a:ext uri="{28A0092B-C50C-407E-A947-70E740481C1C}">
+                <a14:useLocalDpi xmlns:a14="http://schemas.microsoft.com/office/drawing/2010/main" val="0"/>
+              </a:ext>
+            </a:extLst>
+          </a:blip>
+          <a:srcRect t="24914" b="14021"/>
+          <a:stretch/>
+        </p:blipFill>
+        <p:spPr>
+          <a:xfrm>
+            <a:off x="1141411" y="2097087"/>
+            <a:ext cx="4689234" cy="3006757"/>
+          </a:xfrm>
+          <a:prstGeom prst="round2DiagRect">
+            <a:avLst>
+              <a:gd name="adj1" fmla="val 5608"/>
+              <a:gd name="adj2" fmla="val 0"/>
+            </a:avLst>
+          </a:prstGeom>
+          <a:ln w="19050" cap="sq">
+            <a:solidFill>
+              <a:schemeClr val="tx2">
+                <a:lumMod val="60000"/>
+                <a:lumOff val="40000"/>
+                <a:alpha val="60000"/>
+              </a:schemeClr>
+            </a:solidFill>
+            <a:miter lim="800000"/>
+          </a:ln>
+          <a:effectLst>
+            <a:outerShdw blurRad="88900" dist="38100" dir="5400000" algn="t" rotWithShape="0">
+              <a:prstClr val="black">
+                <a:alpha val="40000"/>
+              </a:prstClr>
+            </a:outerShdw>
+          </a:effectLst>
+        </p:spPr>
+      </p:pic>
+      <p:sp>
+        <p:nvSpPr>
+          <p:cNvPr id="2" name="Title 1">
+            <a:extLst>
+              <a:ext uri="{FF2B5EF4-FFF2-40B4-BE49-F238E27FC236}">
+                <a16:creationId xmlns:a16="http://schemas.microsoft.com/office/drawing/2014/main" id="{41BE452A-AAB6-408D-9E97-24CDB0296F85}"/>
+              </a:ext>
+            </a:extLst>
+          </p:cNvPr>
+          <p:cNvSpPr>
+            <a:spLocks noGrp="1"/>
+          </p:cNvSpPr>
+          <p:nvPr>
+            <p:ph type="title"/>
+          </p:nvPr>
+        </p:nvSpPr>
+        <p:spPr>
+          <a:xfrm>
+            <a:off x="1141413" y="618518"/>
+            <a:ext cx="9905998" cy="1478570"/>
+          </a:xfrm>
+        </p:spPr>
+        <p:txBody>
+          <a:bodyPr>
+            <a:normAutofit/>
+          </a:bodyPr>
+          <a:lstStyle/>
+          <a:p>
+            <a:r>
+              <a:rPr lang="en-US" dirty="0"/>
+              <a:t>El uso de </a:t>
+            </a:r>
+            <a:r>
+              <a:rPr lang="en-US" dirty="0" err="1"/>
+              <a:t>Github</a:t>
+            </a:r>
+            <a:endParaRPr lang="en-US" dirty="0"/>
+          </a:p>
+        </p:txBody>
+      </p:sp>
+      <p:sp>
+        <p:nvSpPr>
+          <p:cNvPr id="3" name="Content Placeholder 2">
+            <a:extLst>
+              <a:ext uri="{FF2B5EF4-FFF2-40B4-BE49-F238E27FC236}">
+                <a16:creationId xmlns:a16="http://schemas.microsoft.com/office/drawing/2014/main" id="{C406478A-1286-4248-965E-910792AAE856}"/>
+              </a:ext>
+            </a:extLst>
+          </p:cNvPr>
+          <p:cNvSpPr>
+            <a:spLocks noGrp="1"/>
+          </p:cNvSpPr>
+          <p:nvPr>
+            <p:ph idx="1"/>
+          </p:nvPr>
+        </p:nvSpPr>
+        <p:spPr>
+          <a:xfrm>
+            <a:off x="6336727" y="2249487"/>
+            <a:ext cx="4710683" cy="3541714"/>
+          </a:xfrm>
+        </p:spPr>
+        <p:txBody>
+          <a:bodyPr>
+            <a:normAutofit/>
+          </a:bodyPr>
+          <a:lstStyle/>
+          <a:p>
+            <a:r>
+              <a:rPr lang="es-ES" dirty="0"/>
+              <a:t>Usar “</a:t>
+            </a:r>
+            <a:r>
+              <a:rPr lang="es-ES" dirty="0" err="1"/>
+              <a:t>forks</a:t>
+            </a:r>
+            <a:r>
+              <a:rPr lang="es-ES" dirty="0"/>
+              <a:t>” de un “master” para evitar conflictos mayores</a:t>
+            </a:r>
+          </a:p>
+          <a:p>
+            <a:r>
+              <a:rPr lang="es-ES" dirty="0"/>
+              <a:t>Hacer un “</a:t>
+            </a:r>
+            <a:r>
+              <a:rPr lang="es-ES" dirty="0" err="1"/>
+              <a:t>merge</a:t>
+            </a:r>
+            <a:r>
+              <a:rPr lang="es-ES" dirty="0"/>
+              <a:t>” antes de comenzar a trabajar y al final del día</a:t>
+            </a:r>
+            <a:endParaRPr lang="en-US" dirty="0"/>
+          </a:p>
+        </p:txBody>
+      </p:sp>
+    </p:spTree>
+    <p:extLst>
+      <p:ext uri="{BB962C8B-B14F-4D97-AF65-F5344CB8AC3E}">
+        <p14:creationId xmlns:p14="http://schemas.microsoft.com/office/powerpoint/2010/main" val="25328738"/>
+      </p:ext>
+    </p:extLst>
+  </p:cSld>
+  <p:clrMapOvr>
+    <a:masterClrMapping/>
+  </p:clrMapOvr>
+</p:sld>
+</file>
+
+<file path=ppt/slides/slide12.xml><?xml version="1.0" encoding="utf-8"?>
+<p:sld xmlns:a="http://schemas.openxmlformats.org/drawingml/2006/main" xmlns:r="http://schemas.openxmlformats.org/officeDocument/2006/relationships" xmlns:p="http://schemas.openxmlformats.org/presentationml/2006/main">
+  <p:cSld>
+    <p:spTree>
+      <p:nvGrpSpPr>
+        <p:cNvPr id="1" name=""/>
+        <p:cNvGrpSpPr/>
+        <p:nvPr/>
+      </p:nvGrpSpPr>
+      <p:grpSpPr>
+        <a:xfrm>
+          <a:off x="0" y="0"/>
+          <a:ext cx="0" cy="0"/>
+          <a:chOff x="0" y="0"/>
+          <a:chExt cx="0" cy="0"/>
+        </a:xfrm>
+      </p:grpSpPr>
+      <p:sp>
+        <p:nvSpPr>
+          <p:cNvPr id="2" name="Title 1">
+            <a:extLst>
+              <a:ext uri="{FF2B5EF4-FFF2-40B4-BE49-F238E27FC236}">
+                <a16:creationId xmlns:a16="http://schemas.microsoft.com/office/drawing/2014/main" id="{CEEFD6C7-645A-44D1-A8E1-FA231F258927}"/>
+              </a:ext>
+            </a:extLst>
+          </p:cNvPr>
+          <p:cNvSpPr>
+            <a:spLocks noGrp="1"/>
+          </p:cNvSpPr>
+          <p:nvPr>
+            <p:ph type="title"/>
+          </p:nvPr>
+        </p:nvSpPr>
+        <p:spPr/>
+        <p:txBody>
+          <a:bodyPr/>
+          <a:lstStyle/>
+          <a:p>
+            <a:r>
+              <a:rPr lang="es-ES" dirty="0"/>
+              <a:t>Demo</a:t>
+            </a:r>
+            <a:endParaRPr lang="en-US" dirty="0"/>
+          </a:p>
+        </p:txBody>
+      </p:sp>
+      <p:sp>
+        <p:nvSpPr>
+          <p:cNvPr id="3" name="Content Placeholder 2">
+            <a:extLst>
+              <a:ext uri="{FF2B5EF4-FFF2-40B4-BE49-F238E27FC236}">
+                <a16:creationId xmlns:a16="http://schemas.microsoft.com/office/drawing/2014/main" id="{72D17A9C-1BD8-4306-93F1-F52AA96F89D0}"/>
+              </a:ext>
+            </a:extLst>
+          </p:cNvPr>
+          <p:cNvSpPr>
+            <a:spLocks noGrp="1"/>
+          </p:cNvSpPr>
+          <p:nvPr>
+            <p:ph idx="1"/>
+          </p:nvPr>
+        </p:nvSpPr>
+        <p:spPr/>
+        <p:txBody>
+          <a:bodyPr/>
+          <a:lstStyle/>
+          <a:p>
+            <a:endParaRPr lang="en-US"/>
+          </a:p>
+        </p:txBody>
+      </p:sp>
+    </p:spTree>
+    <p:extLst>
+      <p:ext uri="{BB962C8B-B14F-4D97-AF65-F5344CB8AC3E}">
+        <p14:creationId xmlns:p14="http://schemas.microsoft.com/office/powerpoint/2010/main" val="1068326611"/>
+      </p:ext>
+    </p:extLst>
+  </p:cSld>
+  <p:clrMapOvr>
+    <a:masterClrMapping/>
+  </p:clrMapOvr>
+</p:sld>
+</file>
+
 <file path=ppt/slides/slide2.xml><?xml version="1.0" encoding="utf-8"?>
 <p:sld xmlns:a="http://schemas.openxmlformats.org/drawingml/2006/main" xmlns:r="http://schemas.openxmlformats.org/officeDocument/2006/relationships" xmlns:p="http://schemas.openxmlformats.org/presentationml/2006/main">
   <p:cSld>
@@ -12786,7 +13637,7 @@
     <p:bg>
       <p:bgPr>
         <a:blipFill>
-          <a:blip r:embed="rId2">
+          <a:blip r:embed="rId3">
             <a:duotone>
               <a:schemeClr val="bg2">
                 <a:shade val="48000"/>
@@ -12935,7 +13786,7 @@
             </p:nvPr>
           </p:nvPicPr>
           <p:blipFill>
-            <a:blip r:embed="rId3">
+            <a:blip r:embed="rId4">
               <a:alphaModFix amt="30000"/>
               <a:duotone>
                 <a:prstClr val="black"/>
@@ -12966,7 +13817,7 @@
             <a:noFill/>
             <a:extLst>
               <a:ext uri="{909E8E84-426E-40dd-AFC4-6F175D3DCCD1}">
-                <a14:hiddenFill xmlns:a14="http://schemas.microsoft.com/office/drawing/2010/main" xmlns:p14="http://schemas.microsoft.com/office/powerpoint/2010/main" xmlns="">
+                <a14:hiddenFill xmlns="" xmlns:p14="http://schemas.microsoft.com/office/powerpoint/2010/main" xmlns:a14="http://schemas.microsoft.com/office/drawing/2010/main">
                   <a:solidFill>
                     <a:srgbClr val="FFFFFF"/>
                   </a:solidFill>
@@ -13059,7 +13910,7 @@
             </a:ln>
             <a:extLst>
               <a:ext uri="{91240B29-F687-4f45-9708-019B960494DF}">
-                <a14:hiddenLine xmlns:a14="http://schemas.microsoft.com/office/drawing/2010/main" xmlns:p14="http://schemas.microsoft.com/office/powerpoint/2010/main" xmlns="" w="9525">
+                <a14:hiddenLine xmlns="" xmlns:p14="http://schemas.microsoft.com/office/powerpoint/2010/main" xmlns:a14="http://schemas.microsoft.com/office/drawing/2010/main" w="9525">
                   <a:solidFill>
                     <a:srgbClr val="000000"/>
                   </a:solidFill>
@@ -13164,7 +14015,7 @@
             </a:ln>
             <a:extLst>
               <a:ext uri="{91240B29-F687-4f45-9708-019B960494DF}">
-                <a14:hiddenLine xmlns:a14="http://schemas.microsoft.com/office/drawing/2010/main" xmlns:p14="http://schemas.microsoft.com/office/powerpoint/2010/main" xmlns="" w="9525">
+                <a14:hiddenLine xmlns="" xmlns:p14="http://schemas.microsoft.com/office/powerpoint/2010/main" xmlns:a14="http://schemas.microsoft.com/office/drawing/2010/main" w="9525">
                   <a:solidFill>
                     <a:srgbClr val="000000"/>
                   </a:solidFill>
@@ -13269,7 +14120,7 @@
             </a:ln>
             <a:extLst>
               <a:ext uri="{91240B29-F687-4f45-9708-019B960494DF}">
-                <a14:hiddenLine xmlns:a14="http://schemas.microsoft.com/office/drawing/2010/main" xmlns:p14="http://schemas.microsoft.com/office/powerpoint/2010/main" xmlns="" w="9525">
+                <a14:hiddenLine xmlns="" xmlns:p14="http://schemas.microsoft.com/office/powerpoint/2010/main" xmlns:a14="http://schemas.microsoft.com/office/drawing/2010/main" w="9525">
                   <a:solidFill>
                     <a:srgbClr val="000000"/>
                   </a:solidFill>
@@ -13318,7 +14169,7 @@
             </a:ln>
             <a:extLst>
               <a:ext uri="{91240B29-F687-4f45-9708-019B960494DF}">
-                <a14:hiddenLine xmlns:a14="http://schemas.microsoft.com/office/drawing/2010/main" xmlns:p14="http://schemas.microsoft.com/office/powerpoint/2010/main" xmlns="" w="9525">
+                <a14:hiddenLine xmlns="" xmlns:p14="http://schemas.microsoft.com/office/powerpoint/2010/main" xmlns:a14="http://schemas.microsoft.com/office/drawing/2010/main" w="9525">
                   <a:solidFill>
                     <a:srgbClr val="000000"/>
                   </a:solidFill>
@@ -13423,7 +14274,7 @@
             </a:ln>
             <a:extLst>
               <a:ext uri="{91240B29-F687-4f45-9708-019B960494DF}">
-                <a14:hiddenLine xmlns:a14="http://schemas.microsoft.com/office/drawing/2010/main" xmlns:p14="http://schemas.microsoft.com/office/powerpoint/2010/main" xmlns="" w="9525">
+                <a14:hiddenLine xmlns="" xmlns:p14="http://schemas.microsoft.com/office/powerpoint/2010/main" xmlns:a14="http://schemas.microsoft.com/office/drawing/2010/main" w="9525">
                   <a:solidFill>
                     <a:srgbClr val="000000"/>
                   </a:solidFill>
@@ -13500,7 +14351,7 @@
             </a:ln>
             <a:extLst>
               <a:ext uri="{91240B29-F687-4f45-9708-019B960494DF}">
-                <a14:hiddenLine xmlns:a14="http://schemas.microsoft.com/office/drawing/2010/main" xmlns:p14="http://schemas.microsoft.com/office/powerpoint/2010/main" xmlns="" w="9525">
+                <a14:hiddenLine xmlns="" xmlns:p14="http://schemas.microsoft.com/office/powerpoint/2010/main" xmlns:a14="http://schemas.microsoft.com/office/drawing/2010/main" w="9525">
                   <a:solidFill>
                     <a:srgbClr val="000000"/>
                   </a:solidFill>
@@ -13577,7 +14428,7 @@
             </a:ln>
             <a:extLst>
               <a:ext uri="{91240B29-F687-4f45-9708-019B960494DF}">
-                <a14:hiddenLine xmlns:a14="http://schemas.microsoft.com/office/drawing/2010/main" xmlns:p14="http://schemas.microsoft.com/office/powerpoint/2010/main" xmlns="" w="9525">
+                <a14:hiddenLine xmlns="" xmlns:p14="http://schemas.microsoft.com/office/powerpoint/2010/main" xmlns:a14="http://schemas.microsoft.com/office/drawing/2010/main" w="9525">
                   <a:solidFill>
                     <a:srgbClr val="000000"/>
                   </a:solidFill>
@@ -13682,7 +14533,7 @@
             </a:ln>
             <a:extLst>
               <a:ext uri="{91240B29-F687-4f45-9708-019B960494DF}">
-                <a14:hiddenLine xmlns:a14="http://schemas.microsoft.com/office/drawing/2010/main" xmlns:p14="http://schemas.microsoft.com/office/powerpoint/2010/main" xmlns="" w="9525">
+                <a14:hiddenLine xmlns="" xmlns:p14="http://schemas.microsoft.com/office/powerpoint/2010/main" xmlns:a14="http://schemas.microsoft.com/office/drawing/2010/main" w="9525">
                   <a:solidFill>
                     <a:srgbClr val="000000"/>
                   </a:solidFill>
@@ -13759,7 +14610,7 @@
             </a:ln>
             <a:extLst>
               <a:ext uri="{91240B29-F687-4f45-9708-019B960494DF}">
-                <a14:hiddenLine xmlns:a14="http://schemas.microsoft.com/office/drawing/2010/main" xmlns:p14="http://schemas.microsoft.com/office/powerpoint/2010/main" xmlns="" w="9525">
+                <a14:hiddenLine xmlns="" xmlns:p14="http://schemas.microsoft.com/office/powerpoint/2010/main" xmlns:a14="http://schemas.microsoft.com/office/drawing/2010/main" w="9525">
                   <a:solidFill>
                     <a:srgbClr val="000000"/>
                   </a:solidFill>
@@ -13836,7 +14687,7 @@
             </a:ln>
             <a:extLst>
               <a:ext uri="{91240B29-F687-4f45-9708-019B960494DF}">
-                <a14:hiddenLine xmlns:a14="http://schemas.microsoft.com/office/drawing/2010/main" xmlns:p14="http://schemas.microsoft.com/office/powerpoint/2010/main" xmlns="" w="9525">
+                <a14:hiddenLine xmlns="" xmlns:p14="http://schemas.microsoft.com/office/powerpoint/2010/main" xmlns:a14="http://schemas.microsoft.com/office/drawing/2010/main" w="9525">
                   <a:solidFill>
                     <a:srgbClr val="000000"/>
                   </a:solidFill>
@@ -13941,7 +14792,7 @@
             </a:ln>
             <a:extLst>
               <a:ext uri="{91240B29-F687-4f45-9708-019B960494DF}">
-                <a14:hiddenLine xmlns:a14="http://schemas.microsoft.com/office/drawing/2010/main" xmlns:p14="http://schemas.microsoft.com/office/powerpoint/2010/main" xmlns="" w="9525">
+                <a14:hiddenLine xmlns="" xmlns:p14="http://schemas.microsoft.com/office/powerpoint/2010/main" xmlns:a14="http://schemas.microsoft.com/office/drawing/2010/main" w="9525">
                   <a:solidFill>
                     <a:srgbClr val="000000"/>
                   </a:solidFill>
@@ -14046,7 +14897,7 @@
             </a:ln>
             <a:extLst>
               <a:ext uri="{91240B29-F687-4f45-9708-019B960494DF}">
-                <a14:hiddenLine xmlns:a14="http://schemas.microsoft.com/office/drawing/2010/main" xmlns:p14="http://schemas.microsoft.com/office/powerpoint/2010/main" xmlns="" w="9525">
+                <a14:hiddenLine xmlns="" xmlns:p14="http://schemas.microsoft.com/office/powerpoint/2010/main" xmlns:a14="http://schemas.microsoft.com/office/drawing/2010/main" w="9525">
                   <a:solidFill>
                     <a:srgbClr val="000000"/>
                   </a:solidFill>
@@ -14123,7 +14974,7 @@
             </a:ln>
             <a:extLst>
               <a:ext uri="{91240B29-F687-4f45-9708-019B960494DF}">
-                <a14:hiddenLine xmlns:a14="http://schemas.microsoft.com/office/drawing/2010/main" xmlns:p14="http://schemas.microsoft.com/office/powerpoint/2010/main" xmlns="" w="9525">
+                <a14:hiddenLine xmlns="" xmlns:p14="http://schemas.microsoft.com/office/powerpoint/2010/main" xmlns:a14="http://schemas.microsoft.com/office/drawing/2010/main" w="9525">
                   <a:solidFill>
                     <a:srgbClr val="000000"/>
                   </a:solidFill>
@@ -14248,7 +15099,7 @@
             </a:ln>
             <a:extLst>
               <a:ext uri="{91240B29-F687-4f45-9708-019B960494DF}">
-                <a14:hiddenLine xmlns:a14="http://schemas.microsoft.com/office/drawing/2010/main" xmlns:p14="http://schemas.microsoft.com/office/powerpoint/2010/main" xmlns="" w="9525">
+                <a14:hiddenLine xmlns="" xmlns:p14="http://schemas.microsoft.com/office/powerpoint/2010/main" xmlns:a14="http://schemas.microsoft.com/office/drawing/2010/main" w="9525">
                   <a:solidFill>
                     <a:srgbClr val="000000"/>
                   </a:solidFill>
@@ -14325,7 +15176,7 @@
             </a:ln>
             <a:extLst>
               <a:ext uri="{91240B29-F687-4f45-9708-019B960494DF}">
-                <a14:hiddenLine xmlns:a14="http://schemas.microsoft.com/office/drawing/2010/main" xmlns:p14="http://schemas.microsoft.com/office/powerpoint/2010/main" xmlns="" w="9525">
+                <a14:hiddenLine xmlns="" xmlns:p14="http://schemas.microsoft.com/office/powerpoint/2010/main" xmlns:a14="http://schemas.microsoft.com/office/drawing/2010/main" w="9525">
                   <a:solidFill>
                     <a:srgbClr val="000000"/>
                   </a:solidFill>
@@ -14430,7 +15281,7 @@
             </a:ln>
             <a:extLst>
               <a:ext uri="{91240B29-F687-4f45-9708-019B960494DF}">
-                <a14:hiddenLine xmlns:a14="http://schemas.microsoft.com/office/drawing/2010/main" xmlns:p14="http://schemas.microsoft.com/office/powerpoint/2010/main" xmlns="" w="9525">
+                <a14:hiddenLine xmlns="" xmlns:p14="http://schemas.microsoft.com/office/powerpoint/2010/main" xmlns:a14="http://schemas.microsoft.com/office/drawing/2010/main" w="9525">
                   <a:solidFill>
                     <a:srgbClr val="000000"/>
                   </a:solidFill>
@@ -14535,7 +15386,7 @@
             </a:ln>
             <a:extLst>
               <a:ext uri="{91240B29-F687-4f45-9708-019B960494DF}">
-                <a14:hiddenLine xmlns:a14="http://schemas.microsoft.com/office/drawing/2010/main" xmlns:p14="http://schemas.microsoft.com/office/powerpoint/2010/main" xmlns="" w="9525">
+                <a14:hiddenLine xmlns="" xmlns:p14="http://schemas.microsoft.com/office/powerpoint/2010/main" xmlns:a14="http://schemas.microsoft.com/office/drawing/2010/main" w="9525">
                   <a:solidFill>
                     <a:srgbClr val="000000"/>
                   </a:solidFill>
@@ -14612,7 +15463,7 @@
             </a:ln>
             <a:extLst>
               <a:ext uri="{91240B29-F687-4f45-9708-019B960494DF}">
-                <a14:hiddenLine xmlns:a14="http://schemas.microsoft.com/office/drawing/2010/main" xmlns:p14="http://schemas.microsoft.com/office/powerpoint/2010/main" xmlns="" w="9525">
+                <a14:hiddenLine xmlns="" xmlns:p14="http://schemas.microsoft.com/office/powerpoint/2010/main" xmlns:a14="http://schemas.microsoft.com/office/drawing/2010/main" w="9525">
                   <a:solidFill>
                     <a:srgbClr val="000000"/>
                   </a:solidFill>
@@ -14717,7 +15568,7 @@
             </a:ln>
             <a:extLst>
               <a:ext uri="{91240B29-F687-4f45-9708-019B960494DF}">
-                <a14:hiddenLine xmlns:a14="http://schemas.microsoft.com/office/drawing/2010/main" xmlns:p14="http://schemas.microsoft.com/office/powerpoint/2010/main" xmlns="" w="9525">
+                <a14:hiddenLine xmlns="" xmlns:p14="http://schemas.microsoft.com/office/powerpoint/2010/main" xmlns:a14="http://schemas.microsoft.com/office/drawing/2010/main" w="9525">
                   <a:solidFill>
                     <a:srgbClr val="000000"/>
                   </a:solidFill>
@@ -14822,7 +15673,7 @@
             </a:ln>
             <a:extLst>
               <a:ext uri="{91240B29-F687-4f45-9708-019B960494DF}">
-                <a14:hiddenLine xmlns:a14="http://schemas.microsoft.com/office/drawing/2010/main" xmlns:p14="http://schemas.microsoft.com/office/powerpoint/2010/main" xmlns="" w="9525">
+                <a14:hiddenLine xmlns="" xmlns:p14="http://schemas.microsoft.com/office/powerpoint/2010/main" xmlns:a14="http://schemas.microsoft.com/office/drawing/2010/main" w="9525">
                   <a:solidFill>
                     <a:srgbClr val="000000"/>
                   </a:solidFill>
@@ -14893,7 +15744,7 @@
             </a:ln>
             <a:extLst>
               <a:ext uri="{91240B29-F687-4f45-9708-019B960494DF}">
-                <a14:hiddenLine xmlns:a14="http://schemas.microsoft.com/office/drawing/2010/main" xmlns:p14="http://schemas.microsoft.com/office/powerpoint/2010/main" xmlns="" w="9525">
+                <a14:hiddenLine xmlns="" xmlns:p14="http://schemas.microsoft.com/office/powerpoint/2010/main" xmlns:a14="http://schemas.microsoft.com/office/drawing/2010/main" w="9525">
                   <a:solidFill>
                     <a:srgbClr val="000000"/>
                   </a:solidFill>
@@ -14998,7 +15849,7 @@
             </a:ln>
             <a:extLst>
               <a:ext uri="{91240B29-F687-4f45-9708-019B960494DF}">
-                <a14:hiddenLine xmlns:a14="http://schemas.microsoft.com/office/drawing/2010/main" xmlns:p14="http://schemas.microsoft.com/office/powerpoint/2010/main" xmlns="" w="9525">
+                <a14:hiddenLine xmlns="" xmlns:p14="http://schemas.microsoft.com/office/powerpoint/2010/main" xmlns:a14="http://schemas.microsoft.com/office/drawing/2010/main" w="9525">
                   <a:solidFill>
                     <a:srgbClr val="000000"/>
                   </a:solidFill>
@@ -15069,7 +15920,7 @@
             </a:ln>
             <a:extLst>
               <a:ext uri="{91240B29-F687-4f45-9708-019B960494DF}">
-                <a14:hiddenLine xmlns:a14="http://schemas.microsoft.com/office/drawing/2010/main" xmlns:p14="http://schemas.microsoft.com/office/powerpoint/2010/main" xmlns="" w="9525">
+                <a14:hiddenLine xmlns="" xmlns:p14="http://schemas.microsoft.com/office/powerpoint/2010/main" xmlns:a14="http://schemas.microsoft.com/office/drawing/2010/main" w="9525">
                   <a:solidFill>
                     <a:srgbClr val="000000"/>
                   </a:solidFill>
@@ -15174,7 +16025,7 @@
             </a:ln>
             <a:extLst>
               <a:ext uri="{91240B29-F687-4f45-9708-019B960494DF}">
-                <a14:hiddenLine xmlns:a14="http://schemas.microsoft.com/office/drawing/2010/main" xmlns:p14="http://schemas.microsoft.com/office/powerpoint/2010/main" xmlns="" w="9525">
+                <a14:hiddenLine xmlns="" xmlns:p14="http://schemas.microsoft.com/office/powerpoint/2010/main" xmlns:a14="http://schemas.microsoft.com/office/drawing/2010/main" w="9525">
                   <a:solidFill>
                     <a:srgbClr val="000000"/>
                   </a:solidFill>
@@ -15257,7 +16108,7 @@
             </a:ln>
             <a:extLst>
               <a:ext uri="{91240B29-F687-4f45-9708-019B960494DF}">
-                <a14:hiddenLine xmlns:a14="http://schemas.microsoft.com/office/drawing/2010/main" xmlns:p14="http://schemas.microsoft.com/office/powerpoint/2010/main" xmlns="" w="9525">
+                <a14:hiddenLine xmlns="" xmlns:p14="http://schemas.microsoft.com/office/powerpoint/2010/main" xmlns:a14="http://schemas.microsoft.com/office/drawing/2010/main" w="9525">
                   <a:solidFill>
                     <a:srgbClr val="000000"/>
                   </a:solidFill>
@@ -15362,7 +16213,7 @@
             </a:ln>
             <a:extLst>
               <a:ext uri="{91240B29-F687-4f45-9708-019B960494DF}">
-                <a14:hiddenLine xmlns:a14="http://schemas.microsoft.com/office/drawing/2010/main" xmlns:p14="http://schemas.microsoft.com/office/powerpoint/2010/main" xmlns="" w="9525">
+                <a14:hiddenLine xmlns="" xmlns:p14="http://schemas.microsoft.com/office/powerpoint/2010/main" xmlns:a14="http://schemas.microsoft.com/office/drawing/2010/main" w="9525">
                   <a:solidFill>
                     <a:srgbClr val="000000"/>
                   </a:solidFill>
@@ -15445,7 +16296,7 @@
             </a:ln>
             <a:extLst>
               <a:ext uri="{91240B29-F687-4f45-9708-019B960494DF}">
-                <a14:hiddenLine xmlns:a14="http://schemas.microsoft.com/office/drawing/2010/main" xmlns:p14="http://schemas.microsoft.com/office/powerpoint/2010/main" xmlns="" w="9525">
+                <a14:hiddenLine xmlns="" xmlns:p14="http://schemas.microsoft.com/office/powerpoint/2010/main" xmlns:a14="http://schemas.microsoft.com/office/drawing/2010/main" w="9525">
                   <a:solidFill>
                     <a:srgbClr val="000000"/>
                   </a:solidFill>
@@ -15550,7 +16401,7 @@
             </a:ln>
             <a:extLst>
               <a:ext uri="{91240B29-F687-4f45-9708-019B960494DF}">
-                <a14:hiddenLine xmlns:a14="http://schemas.microsoft.com/office/drawing/2010/main" xmlns:p14="http://schemas.microsoft.com/office/powerpoint/2010/main" xmlns="" w="9525">
+                <a14:hiddenLine xmlns="" xmlns:p14="http://schemas.microsoft.com/office/powerpoint/2010/main" xmlns:a14="http://schemas.microsoft.com/office/drawing/2010/main" w="9525">
                   <a:solidFill>
                     <a:srgbClr val="000000"/>
                   </a:solidFill>
@@ -15599,7 +16450,7 @@
             </a:ln>
             <a:extLst>
               <a:ext uri="{91240B29-F687-4f45-9708-019B960494DF}">
-                <a14:hiddenLine xmlns:a14="http://schemas.microsoft.com/office/drawing/2010/main" xmlns:p14="http://schemas.microsoft.com/office/powerpoint/2010/main" xmlns="" w="9525">
+                <a14:hiddenLine xmlns="" xmlns:p14="http://schemas.microsoft.com/office/powerpoint/2010/main" xmlns:a14="http://schemas.microsoft.com/office/drawing/2010/main" w="9525">
                   <a:solidFill>
                     <a:srgbClr val="000000"/>
                   </a:solidFill>
@@ -15704,7 +16555,7 @@
             </a:ln>
             <a:extLst>
               <a:ext uri="{91240B29-F687-4f45-9708-019B960494DF}">
-                <a14:hiddenLine xmlns:a14="http://schemas.microsoft.com/office/drawing/2010/main" xmlns:p14="http://schemas.microsoft.com/office/powerpoint/2010/main" xmlns="" w="9525">
+                <a14:hiddenLine xmlns="" xmlns:p14="http://schemas.microsoft.com/office/powerpoint/2010/main" xmlns:a14="http://schemas.microsoft.com/office/drawing/2010/main" w="9525">
                   <a:solidFill>
                     <a:srgbClr val="000000"/>
                   </a:solidFill>
@@ -15781,7 +16632,7 @@
             </a:ln>
             <a:extLst>
               <a:ext uri="{91240B29-F687-4f45-9708-019B960494DF}">
-                <a14:hiddenLine xmlns:a14="http://schemas.microsoft.com/office/drawing/2010/main" xmlns:p14="http://schemas.microsoft.com/office/powerpoint/2010/main" xmlns="" w="9525">
+                <a14:hiddenLine xmlns="" xmlns:p14="http://schemas.microsoft.com/office/powerpoint/2010/main" xmlns:a14="http://schemas.microsoft.com/office/drawing/2010/main" w="9525">
                   <a:solidFill>
                     <a:srgbClr val="000000"/>
                   </a:solidFill>
@@ -15858,7 +16709,7 @@
             </a:ln>
             <a:extLst>
               <a:ext uri="{91240B29-F687-4f45-9708-019B960494DF}">
-                <a14:hiddenLine xmlns:a14="http://schemas.microsoft.com/office/drawing/2010/main" xmlns:p14="http://schemas.microsoft.com/office/powerpoint/2010/main" xmlns="" w="9525">
+                <a14:hiddenLine xmlns="" xmlns:p14="http://schemas.microsoft.com/office/powerpoint/2010/main" xmlns:a14="http://schemas.microsoft.com/office/drawing/2010/main" w="9525">
                   <a:solidFill>
                     <a:srgbClr val="000000"/>
                   </a:solidFill>
@@ -15963,7 +16814,7 @@
             </a:ln>
             <a:extLst>
               <a:ext uri="{91240B29-F687-4f45-9708-019B960494DF}">
-                <a14:hiddenLine xmlns:a14="http://schemas.microsoft.com/office/drawing/2010/main" xmlns:p14="http://schemas.microsoft.com/office/powerpoint/2010/main" xmlns="" w="9525">
+                <a14:hiddenLine xmlns="" xmlns:p14="http://schemas.microsoft.com/office/powerpoint/2010/main" xmlns:a14="http://schemas.microsoft.com/office/drawing/2010/main" w="9525">
                   <a:solidFill>
                     <a:srgbClr val="000000"/>
                   </a:solidFill>
@@ -16046,7 +16897,7 @@
             </a:ln>
             <a:extLst>
               <a:ext uri="{91240B29-F687-4f45-9708-019B960494DF}">
-                <a14:hiddenLine xmlns:a14="http://schemas.microsoft.com/office/drawing/2010/main" xmlns:p14="http://schemas.microsoft.com/office/powerpoint/2010/main" xmlns="" w="9525">
+                <a14:hiddenLine xmlns="" xmlns:p14="http://schemas.microsoft.com/office/powerpoint/2010/main" xmlns:a14="http://schemas.microsoft.com/office/drawing/2010/main" w="9525">
                   <a:solidFill>
                     <a:srgbClr val="000000"/>
                   </a:solidFill>
@@ -16123,7 +16974,7 @@
             </a:ln>
             <a:extLst>
               <a:ext uri="{91240B29-F687-4f45-9708-019B960494DF}">
-                <a14:hiddenLine xmlns:a14="http://schemas.microsoft.com/office/drawing/2010/main" xmlns:p14="http://schemas.microsoft.com/office/powerpoint/2010/main" xmlns="" w="9525">
+                <a14:hiddenLine xmlns="" xmlns:p14="http://schemas.microsoft.com/office/powerpoint/2010/main" xmlns:a14="http://schemas.microsoft.com/office/drawing/2010/main" w="9525">
                   <a:solidFill>
                     <a:srgbClr val="000000"/>
                   </a:solidFill>
@@ -16228,7 +17079,7 @@
             </a:ln>
             <a:extLst>
               <a:ext uri="{91240B29-F687-4f45-9708-019B960494DF}">
-                <a14:hiddenLine xmlns:a14="http://schemas.microsoft.com/office/drawing/2010/main" xmlns:p14="http://schemas.microsoft.com/office/powerpoint/2010/main" xmlns="" w="9525">
+                <a14:hiddenLine xmlns="" xmlns:p14="http://schemas.microsoft.com/office/powerpoint/2010/main" xmlns:a14="http://schemas.microsoft.com/office/drawing/2010/main" w="9525">
                   <a:solidFill>
                     <a:srgbClr val="000000"/>
                   </a:solidFill>
@@ -16305,7 +17156,7 @@
             </a:ln>
             <a:extLst>
               <a:ext uri="{91240B29-F687-4f45-9708-019B960494DF}">
-                <a14:hiddenLine xmlns:a14="http://schemas.microsoft.com/office/drawing/2010/main" xmlns:p14="http://schemas.microsoft.com/office/powerpoint/2010/main" xmlns="" w="9525">
+                <a14:hiddenLine xmlns="" xmlns:p14="http://schemas.microsoft.com/office/powerpoint/2010/main" xmlns:a14="http://schemas.microsoft.com/office/drawing/2010/main" w="9525">
                   <a:solidFill>
                     <a:srgbClr val="000000"/>
                   </a:solidFill>
@@ -16410,7 +17261,7 @@
             </a:ln>
             <a:extLst>
               <a:ext uri="{91240B29-F687-4f45-9708-019B960494DF}">
-                <a14:hiddenLine xmlns:a14="http://schemas.microsoft.com/office/drawing/2010/main" xmlns:p14="http://schemas.microsoft.com/office/powerpoint/2010/main" xmlns="" w="9525">
+                <a14:hiddenLine xmlns="" xmlns:p14="http://schemas.microsoft.com/office/powerpoint/2010/main" xmlns:a14="http://schemas.microsoft.com/office/drawing/2010/main" w="9525">
                   <a:solidFill>
                     <a:srgbClr val="000000"/>
                   </a:solidFill>
@@ -16487,7 +17338,7 @@
             </a:ln>
             <a:extLst>
               <a:ext uri="{91240B29-F687-4f45-9708-019B960494DF}">
-                <a14:hiddenLine xmlns:a14="http://schemas.microsoft.com/office/drawing/2010/main" xmlns:p14="http://schemas.microsoft.com/office/powerpoint/2010/main" xmlns="" w="9525">
+                <a14:hiddenLine xmlns="" xmlns:p14="http://schemas.microsoft.com/office/powerpoint/2010/main" xmlns:a14="http://schemas.microsoft.com/office/drawing/2010/main" w="9525">
                   <a:solidFill>
                     <a:srgbClr val="000000"/>
                   </a:solidFill>
@@ -16592,7 +17443,7 @@
             </a:ln>
             <a:extLst>
               <a:ext uri="{91240B29-F687-4f45-9708-019B960494DF}">
-                <a14:hiddenLine xmlns:a14="http://schemas.microsoft.com/office/drawing/2010/main" xmlns:p14="http://schemas.microsoft.com/office/powerpoint/2010/main" xmlns="" w="9525">
+                <a14:hiddenLine xmlns="" xmlns:p14="http://schemas.microsoft.com/office/powerpoint/2010/main" xmlns:a14="http://schemas.microsoft.com/office/drawing/2010/main" w="9525">
                   <a:solidFill>
                     <a:srgbClr val="000000"/>
                   </a:solidFill>
@@ -16641,7 +17492,7 @@
             </a:ln>
             <a:extLst>
               <a:ext uri="{91240B29-F687-4f45-9708-019B960494DF}">
-                <a14:hiddenLine xmlns:a14="http://schemas.microsoft.com/office/drawing/2010/main" xmlns:p14="http://schemas.microsoft.com/office/powerpoint/2010/main" xmlns="" w="9525">
+                <a14:hiddenLine xmlns="" xmlns:p14="http://schemas.microsoft.com/office/powerpoint/2010/main" xmlns:a14="http://schemas.microsoft.com/office/drawing/2010/main" w="9525">
                   <a:solidFill>
                     <a:srgbClr val="000000"/>
                   </a:solidFill>
@@ -16721,7 +17572,7 @@
             </a:ln>
             <a:extLst>
               <a:ext uri="{91240B29-F687-4f45-9708-019B960494DF}">
-                <a14:hiddenLine xmlns:a14="http://schemas.microsoft.com/office/drawing/2010/main" xmlns:p14="http://schemas.microsoft.com/office/powerpoint/2010/main" xmlns="" w="9525">
+                <a14:hiddenLine xmlns="" xmlns:p14="http://schemas.microsoft.com/office/powerpoint/2010/main" xmlns:a14="http://schemas.microsoft.com/office/drawing/2010/main" w="9525">
                   <a:solidFill>
                     <a:srgbClr val="000000"/>
                   </a:solidFill>
@@ -16826,7 +17677,7 @@
             </a:ln>
             <a:extLst>
               <a:ext uri="{91240B29-F687-4f45-9708-019B960494DF}">
-                <a14:hiddenLine xmlns:a14="http://schemas.microsoft.com/office/drawing/2010/main" xmlns:p14="http://schemas.microsoft.com/office/powerpoint/2010/main" xmlns="" w="9525">
+                <a14:hiddenLine xmlns="" xmlns:p14="http://schemas.microsoft.com/office/powerpoint/2010/main" xmlns:a14="http://schemas.microsoft.com/office/drawing/2010/main" w="9525">
                   <a:solidFill>
                     <a:srgbClr val="000000"/>
                   </a:solidFill>
@@ -16903,7 +17754,7 @@
             </a:ln>
             <a:extLst>
               <a:ext uri="{91240B29-F687-4f45-9708-019B960494DF}">
-                <a14:hiddenLine xmlns:a14="http://schemas.microsoft.com/office/drawing/2010/main" xmlns:p14="http://schemas.microsoft.com/office/powerpoint/2010/main" xmlns="" w="9525">
+                <a14:hiddenLine xmlns="" xmlns:p14="http://schemas.microsoft.com/office/powerpoint/2010/main" xmlns:a14="http://schemas.microsoft.com/office/drawing/2010/main" w="9525">
                   <a:solidFill>
                     <a:srgbClr val="000000"/>
                   </a:solidFill>
@@ -17008,7 +17859,7 @@
             </a:ln>
             <a:extLst>
               <a:ext uri="{91240B29-F687-4f45-9708-019B960494DF}">
-                <a14:hiddenLine xmlns:a14="http://schemas.microsoft.com/office/drawing/2010/main" xmlns:p14="http://schemas.microsoft.com/office/powerpoint/2010/main" xmlns="" w="9525">
+                <a14:hiddenLine xmlns="" xmlns:p14="http://schemas.microsoft.com/office/powerpoint/2010/main" xmlns:a14="http://schemas.microsoft.com/office/drawing/2010/main" w="9525">
                   <a:solidFill>
                     <a:srgbClr val="000000"/>
                   </a:solidFill>
@@ -17113,7 +17964,7 @@
             </a:ln>
             <a:extLst>
               <a:ext uri="{91240B29-F687-4f45-9708-019B960494DF}">
-                <a14:hiddenLine xmlns:a14="http://schemas.microsoft.com/office/drawing/2010/main" xmlns:p14="http://schemas.microsoft.com/office/powerpoint/2010/main" xmlns="" w="9525">
+                <a14:hiddenLine xmlns="" xmlns:p14="http://schemas.microsoft.com/office/powerpoint/2010/main" xmlns:a14="http://schemas.microsoft.com/office/drawing/2010/main" w="9525">
                   <a:solidFill>
                     <a:srgbClr val="000000"/>
                   </a:solidFill>
@@ -17193,7 +18044,7 @@
             </a:ln>
             <a:extLst>
               <a:ext uri="{91240B29-F687-4f45-9708-019B960494DF}">
-                <a14:hiddenLine xmlns:a14="http://schemas.microsoft.com/office/drawing/2010/main" xmlns:p14="http://schemas.microsoft.com/office/powerpoint/2010/main" xmlns="" w="9525">
+                <a14:hiddenLine xmlns="" xmlns:p14="http://schemas.microsoft.com/office/powerpoint/2010/main" xmlns:a14="http://schemas.microsoft.com/office/drawing/2010/main" w="9525">
                   <a:solidFill>
                     <a:srgbClr val="000000"/>
                   </a:solidFill>
@@ -17270,7 +18121,7 @@
             </a:ln>
             <a:extLst>
               <a:ext uri="{91240B29-F687-4f45-9708-019B960494DF}">
-                <a14:hiddenLine xmlns:a14="http://schemas.microsoft.com/office/drawing/2010/main" xmlns:p14="http://schemas.microsoft.com/office/powerpoint/2010/main" xmlns="" w="9525">
+                <a14:hiddenLine xmlns="" xmlns:p14="http://schemas.microsoft.com/office/powerpoint/2010/main" xmlns:a14="http://schemas.microsoft.com/office/drawing/2010/main" w="9525">
                   <a:solidFill>
                     <a:srgbClr val="000000"/>
                   </a:solidFill>
@@ -17375,7 +18226,7 @@
             </a:ln>
             <a:extLst>
               <a:ext uri="{91240B29-F687-4f45-9708-019B960494DF}">
-                <a14:hiddenLine xmlns:a14="http://schemas.microsoft.com/office/drawing/2010/main" xmlns:p14="http://schemas.microsoft.com/office/powerpoint/2010/main" xmlns="" w="9525">
+                <a14:hiddenLine xmlns="" xmlns:p14="http://schemas.microsoft.com/office/powerpoint/2010/main" xmlns:a14="http://schemas.microsoft.com/office/drawing/2010/main" w="9525">
                   <a:solidFill>
                     <a:srgbClr val="000000"/>
                   </a:solidFill>
@@ -17480,7 +18331,7 @@
             </a:ln>
             <a:extLst>
               <a:ext uri="{91240B29-F687-4f45-9708-019B960494DF}">
-                <a14:hiddenLine xmlns:a14="http://schemas.microsoft.com/office/drawing/2010/main" xmlns:p14="http://schemas.microsoft.com/office/powerpoint/2010/main" xmlns="" w="9525">
+                <a14:hiddenLine xmlns="" xmlns:p14="http://schemas.microsoft.com/office/powerpoint/2010/main" xmlns:a14="http://schemas.microsoft.com/office/drawing/2010/main" w="9525">
                   <a:solidFill>
                     <a:srgbClr val="000000"/>
                   </a:solidFill>
@@ -17557,7 +18408,7 @@
             </a:ln>
             <a:extLst>
               <a:ext uri="{91240B29-F687-4f45-9708-019B960494DF}">
-                <a14:hiddenLine xmlns:a14="http://schemas.microsoft.com/office/drawing/2010/main" xmlns:p14="http://schemas.microsoft.com/office/powerpoint/2010/main" xmlns="" w="9525">
+                <a14:hiddenLine xmlns="" xmlns:p14="http://schemas.microsoft.com/office/powerpoint/2010/main" xmlns:a14="http://schemas.microsoft.com/office/drawing/2010/main" w="9525">
                   <a:solidFill>
                     <a:srgbClr val="000000"/>
                   </a:solidFill>
@@ -17692,7 +18543,7 @@
             </a:ln>
             <a:extLst>
               <a:ext uri="{91240B29-F687-4f45-9708-019B960494DF}">
-                <a14:hiddenLine xmlns:a14="http://schemas.microsoft.com/office/drawing/2010/main" xmlns:p14="http://schemas.microsoft.com/office/powerpoint/2010/main" xmlns="" w="9525">
+                <a14:hiddenLine xmlns="" xmlns:p14="http://schemas.microsoft.com/office/powerpoint/2010/main" xmlns:a14="http://schemas.microsoft.com/office/drawing/2010/main" w="9525">
                   <a:solidFill>
                     <a:srgbClr val="000000"/>
                   </a:solidFill>
@@ -17775,7 +18626,7 @@
             </a:ln>
             <a:extLst>
               <a:ext uri="{91240B29-F687-4f45-9708-019B960494DF}">
-                <a14:hiddenLine xmlns:a14="http://schemas.microsoft.com/office/drawing/2010/main" xmlns:p14="http://schemas.microsoft.com/office/powerpoint/2010/main" xmlns="" w="9525">
+                <a14:hiddenLine xmlns="" xmlns:p14="http://schemas.microsoft.com/office/powerpoint/2010/main" xmlns:a14="http://schemas.microsoft.com/office/drawing/2010/main" w="9525">
                   <a:solidFill>
                     <a:srgbClr val="000000"/>
                   </a:solidFill>
@@ -17880,7 +18731,7 @@
             </a:ln>
             <a:extLst>
               <a:ext uri="{91240B29-F687-4f45-9708-019B960494DF}">
-                <a14:hiddenLine xmlns:a14="http://schemas.microsoft.com/office/drawing/2010/main" xmlns:p14="http://schemas.microsoft.com/office/powerpoint/2010/main" xmlns="" w="9525">
+                <a14:hiddenLine xmlns="" xmlns:p14="http://schemas.microsoft.com/office/powerpoint/2010/main" xmlns:a14="http://schemas.microsoft.com/office/drawing/2010/main" w="9525">
                   <a:solidFill>
                     <a:srgbClr val="000000"/>
                   </a:solidFill>
@@ -17908,7 +18759,7 @@
           <p:nvPr/>
         </p:nvPicPr>
         <p:blipFill rotWithShape="1">
-          <a:blip r:embed="rId4">
+          <a:blip r:embed="rId5">
             <a:extLst>
               <a:ext uri="{28A0092B-C50C-407E-A947-70E740481C1C}">
                 <a14:useLocalDpi xmlns:a14="http://schemas.microsoft.com/office/drawing/2010/main" val="0"/>
@@ -17986,7 +18837,7 @@
           <p:nvPr/>
         </p:nvPicPr>
         <p:blipFill rotWithShape="1">
-          <a:blip r:embed="rId5">
+          <a:blip r:embed="rId6">
             <a:extLst>
               <a:ext uri="{28A0092B-C50C-407E-A947-70E740481C1C}">
                 <a14:useLocalDpi xmlns:a14="http://schemas.microsoft.com/office/drawing/2010/main" val="0"/>
@@ -18238,6 +19089,147 @@
 <file path=ppt/slides/slide5.xml><?xml version="1.0" encoding="utf-8"?>
 <p:sld xmlns:a="http://schemas.openxmlformats.org/drawingml/2006/main" xmlns:r="http://schemas.openxmlformats.org/officeDocument/2006/relationships" xmlns:p="http://schemas.openxmlformats.org/presentationml/2006/main">
   <p:cSld>
+    <p:bg>
+      <p:bgPr>
+        <a:blipFill>
+          <a:blip r:embed="rId2">
+            <a:duotone>
+              <a:schemeClr val="bg2">
+                <a:shade val="48000"/>
+                <a:hueMod val="106000"/>
+                <a:satMod val="140000"/>
+                <a:lumMod val="42000"/>
+              </a:schemeClr>
+              <a:schemeClr val="bg2">
+                <a:tint val="98000"/>
+                <a:hueMod val="92000"/>
+                <a:satMod val="220000"/>
+                <a:lumMod val="90000"/>
+              </a:schemeClr>
+            </a:duotone>
+            <a:extLst/>
+          </a:blip>
+          <a:stretch/>
+        </a:blipFill>
+        <a:effectLst/>
+      </p:bgPr>
+    </p:bg>
+    <p:spTree>
+      <p:nvGrpSpPr>
+        <p:cNvPr id="1" name=""/>
+        <p:cNvGrpSpPr/>
+        <p:nvPr/>
+      </p:nvGrpSpPr>
+      <p:grpSpPr>
+        <a:xfrm>
+          <a:off x="0" y="0"/>
+          <a:ext cx="0" cy="0"/>
+          <a:chOff x="0" y="0"/>
+          <a:chExt cx="0" cy="0"/>
+        </a:xfrm>
+      </p:grpSpPr>
+      <p:pic>
+        <p:nvPicPr>
+          <p:cNvPr id="4" name="Picture 3">
+            <a:extLst>
+              <a:ext uri="{FF2B5EF4-FFF2-40B4-BE49-F238E27FC236}">
+                <a16:creationId xmlns:a16="http://schemas.microsoft.com/office/drawing/2014/main" id="{7674044F-A70E-4417-A015-0FB8A137B5C4}"/>
+              </a:ext>
+            </a:extLst>
+          </p:cNvPr>
+          <p:cNvPicPr>
+            <a:picLocks noChangeAspect="1"/>
+          </p:cNvPicPr>
+          <p:nvPr/>
+        </p:nvPicPr>
+        <p:blipFill rotWithShape="1">
+          <a:blip r:embed="rId3"/>
+          <a:srcRect r="8365" b="4"/>
+          <a:stretch/>
+        </p:blipFill>
+        <p:spPr>
+          <a:xfrm>
+            <a:off x="2375956" y="1723593"/>
+            <a:ext cx="7440087" cy="4871368"/>
+          </a:xfrm>
+          <a:prstGeom prst="round2DiagRect">
+            <a:avLst>
+              <a:gd name="adj1" fmla="val 4860"/>
+              <a:gd name="adj2" fmla="val 0"/>
+            </a:avLst>
+          </a:prstGeom>
+          <a:ln w="19050" cap="sq">
+            <a:solidFill>
+              <a:schemeClr val="tx2">
+                <a:lumMod val="60000"/>
+                <a:lumOff val="40000"/>
+                <a:alpha val="60000"/>
+              </a:schemeClr>
+            </a:solidFill>
+            <a:miter lim="800000"/>
+          </a:ln>
+          <a:effectLst>
+            <a:outerShdw blurRad="88900" dist="38100" dir="5400000" algn="t" rotWithShape="0">
+              <a:prstClr val="black">
+                <a:alpha val="40000"/>
+              </a:prstClr>
+            </a:outerShdw>
+          </a:effectLst>
+        </p:spPr>
+      </p:pic>
+      <p:sp>
+        <p:nvSpPr>
+          <p:cNvPr id="2" name="Title 1">
+            <a:extLst>
+              <a:ext uri="{FF2B5EF4-FFF2-40B4-BE49-F238E27FC236}">
+                <a16:creationId xmlns:a16="http://schemas.microsoft.com/office/drawing/2014/main" id="{569E7AA6-9D6F-4E8F-A839-622A46CDE7F4}"/>
+              </a:ext>
+            </a:extLst>
+          </p:cNvPr>
+          <p:cNvSpPr>
+            <a:spLocks noGrp="1"/>
+          </p:cNvSpPr>
+          <p:nvPr>
+            <p:ph type="title"/>
+          </p:nvPr>
+        </p:nvSpPr>
+        <p:spPr>
+          <a:xfrm>
+            <a:off x="1143000" y="263039"/>
+            <a:ext cx="9905998" cy="1478570"/>
+          </a:xfrm>
+        </p:spPr>
+        <p:txBody>
+          <a:bodyPr>
+            <a:normAutofit/>
+          </a:bodyPr>
+          <a:lstStyle/>
+          <a:p>
+            <a:pPr algn="ctr"/>
+            <a:r>
+              <a:rPr lang="es-ES" dirty="0"/>
+              <a:t>MER</a:t>
+            </a:r>
+            <a:endParaRPr lang="en-US" dirty="0"/>
+          </a:p>
+        </p:txBody>
+      </p:sp>
+    </p:spTree>
+    <p:extLst>
+      <p:ext uri="{BB962C8B-B14F-4D97-AF65-F5344CB8AC3E}">
+        <p14:creationId xmlns:p14="http://schemas.microsoft.com/office/powerpoint/2010/main" val="2228677998"/>
+      </p:ext>
+    </p:extLst>
+  </p:cSld>
+  <p:clrMapOvr>
+    <a:masterClrMapping/>
+  </p:clrMapOvr>
+</p:sld>
+</file>
+
+<file path=ppt/slides/slide6.xml><?xml version="1.0" encoding="utf-8"?>
+<p:sld xmlns:a="http://schemas.openxmlformats.org/drawingml/2006/main" xmlns:r="http://schemas.openxmlformats.org/officeDocument/2006/relationships" xmlns:p="http://schemas.openxmlformats.org/presentationml/2006/main">
+  <p:cSld>
     <p:spTree>
       <p:nvGrpSpPr>
         <p:cNvPr id="1" name=""/>
@@ -18257,7 +19249,216 @@
           <p:cNvPr id="2" name="Title 1">
             <a:extLst>
               <a:ext uri="{FF2B5EF4-FFF2-40B4-BE49-F238E27FC236}">
-                <a16:creationId xmlns:a16="http://schemas.microsoft.com/office/drawing/2014/main" id="{569E7AA6-9D6F-4E8F-A839-622A46CDE7F4}"/>
+                <a16:creationId xmlns:a16="http://schemas.microsoft.com/office/drawing/2014/main" id="{85D4D392-990A-4754-860A-C5DAEE940FBE}"/>
+              </a:ext>
+            </a:extLst>
+          </p:cNvPr>
+          <p:cNvSpPr>
+            <a:spLocks noGrp="1"/>
+          </p:cNvSpPr>
+          <p:nvPr>
+            <p:ph type="title"/>
+          </p:nvPr>
+        </p:nvSpPr>
+        <p:spPr/>
+        <p:txBody>
+          <a:bodyPr/>
+          <a:lstStyle/>
+          <a:p>
+            <a:pPr algn="ctr"/>
+            <a:r>
+              <a:rPr lang="es-ES" dirty="0" err="1"/>
+              <a:t>Xml</a:t>
+            </a:r>
+            <a:endParaRPr lang="en-US" dirty="0"/>
+          </a:p>
+        </p:txBody>
+      </p:sp>
+      <p:sp>
+        <p:nvSpPr>
+          <p:cNvPr id="3" name="Content Placeholder 2">
+            <a:extLst>
+              <a:ext uri="{FF2B5EF4-FFF2-40B4-BE49-F238E27FC236}">
+                <a16:creationId xmlns:a16="http://schemas.microsoft.com/office/drawing/2014/main" id="{66128C6E-3060-4C8E-9041-69E9AFC06930}"/>
+              </a:ext>
+            </a:extLst>
+          </p:cNvPr>
+          <p:cNvSpPr>
+            <a:spLocks noGrp="1"/>
+          </p:cNvSpPr>
+          <p:nvPr>
+            <p:ph idx="1"/>
+          </p:nvPr>
+        </p:nvSpPr>
+        <p:spPr/>
+        <p:txBody>
+          <a:bodyPr/>
+          <a:lstStyle/>
+          <a:p>
+            <a:endParaRPr lang="en-US" dirty="0"/>
+          </a:p>
+        </p:txBody>
+      </p:sp>
+      <p:pic>
+        <p:nvPicPr>
+          <p:cNvPr id="4" name="Picture 3">
+            <a:extLst>
+              <a:ext uri="{FF2B5EF4-FFF2-40B4-BE49-F238E27FC236}">
+                <a16:creationId xmlns:a16="http://schemas.microsoft.com/office/drawing/2014/main" id="{86235DE4-73F5-4F45-B964-11AB14BE6C16}"/>
+              </a:ext>
+            </a:extLst>
+          </p:cNvPr>
+          <p:cNvPicPr>
+            <a:picLocks noChangeAspect="1"/>
+          </p:cNvPicPr>
+          <p:nvPr/>
+        </p:nvPicPr>
+        <p:blipFill rotWithShape="1">
+          <a:blip r:embed="rId2"/>
+          <a:srcRect b="49439"/>
+          <a:stretch/>
+        </p:blipFill>
+        <p:spPr>
+          <a:xfrm>
+            <a:off x="1472800" y="2428766"/>
+            <a:ext cx="9243222" cy="2497797"/>
+          </a:xfrm>
+          <a:prstGeom prst="rect">
+            <a:avLst/>
+          </a:prstGeom>
+        </p:spPr>
+      </p:pic>
+    </p:spTree>
+    <p:extLst>
+      <p:ext uri="{BB962C8B-B14F-4D97-AF65-F5344CB8AC3E}">
+        <p14:creationId xmlns:p14="http://schemas.microsoft.com/office/powerpoint/2010/main" val="624380968"/>
+      </p:ext>
+    </p:extLst>
+  </p:cSld>
+  <p:clrMapOvr>
+    <a:masterClrMapping/>
+  </p:clrMapOvr>
+</p:sld>
+</file>
+
+<file path=ppt/slides/slide7.xml><?xml version="1.0" encoding="utf-8"?>
+<p:sld xmlns:a="http://schemas.openxmlformats.org/drawingml/2006/main" xmlns:r="http://schemas.openxmlformats.org/officeDocument/2006/relationships" xmlns:p="http://schemas.openxmlformats.org/presentationml/2006/main">
+  <p:cSld>
+    <p:spTree>
+      <p:nvGrpSpPr>
+        <p:cNvPr id="1" name=""/>
+        <p:cNvGrpSpPr/>
+        <p:nvPr/>
+      </p:nvGrpSpPr>
+      <p:grpSpPr>
+        <a:xfrm>
+          <a:off x="0" y="0"/>
+          <a:ext cx="0" cy="0"/>
+          <a:chOff x="0" y="0"/>
+          <a:chExt cx="0" cy="0"/>
+        </a:xfrm>
+      </p:grpSpPr>
+      <p:sp>
+        <p:nvSpPr>
+          <p:cNvPr id="2" name="Title 1">
+            <a:extLst>
+              <a:ext uri="{FF2B5EF4-FFF2-40B4-BE49-F238E27FC236}">
+                <a16:creationId xmlns:a16="http://schemas.microsoft.com/office/drawing/2014/main" id="{CAAAE5ED-3AA7-4651-A063-94499CA2F50F}"/>
+              </a:ext>
+            </a:extLst>
+          </p:cNvPr>
+          <p:cNvSpPr>
+            <a:spLocks noGrp="1"/>
+          </p:cNvSpPr>
+          <p:nvPr>
+            <p:ph type="title"/>
+          </p:nvPr>
+        </p:nvSpPr>
+        <p:spPr/>
+        <p:txBody>
+          <a:bodyPr/>
+          <a:lstStyle/>
+          <a:p>
+            <a:pPr algn="ctr"/>
+            <a:r>
+              <a:rPr lang="en-US" dirty="0" err="1"/>
+              <a:t>Diseño</a:t>
+            </a:r>
+            <a:endParaRPr lang="en-US" dirty="0"/>
+          </a:p>
+        </p:txBody>
+      </p:sp>
+      <p:pic>
+        <p:nvPicPr>
+          <p:cNvPr id="5" name="Content Placeholder 4" descr="A screenshot of a cell phone&#10;&#10;Description generated with very high confidence">
+            <a:extLst>
+              <a:ext uri="{FF2B5EF4-FFF2-40B4-BE49-F238E27FC236}">
+                <a16:creationId xmlns:a16="http://schemas.microsoft.com/office/drawing/2014/main" id="{828B3447-E0F9-4C51-9177-28052E201EBA}"/>
+              </a:ext>
+            </a:extLst>
+          </p:cNvPr>
+          <p:cNvPicPr>
+            <a:picLocks noGrp="1" noChangeAspect="1"/>
+          </p:cNvPicPr>
+          <p:nvPr>
+            <p:ph idx="1"/>
+          </p:nvPr>
+        </p:nvPicPr>
+        <p:blipFill>
+          <a:blip r:embed="rId2">
+            <a:extLst>
+              <a:ext uri="{28A0092B-C50C-407E-A947-70E740481C1C}">
+                <a14:useLocalDpi xmlns:a14="http://schemas.microsoft.com/office/drawing/2010/main" val="0"/>
+              </a:ext>
+            </a:extLst>
+          </a:blip>
+          <a:stretch>
+            <a:fillRect/>
+          </a:stretch>
+        </p:blipFill>
+        <p:spPr>
+          <a:xfrm>
+            <a:off x="3433299" y="1878248"/>
+            <a:ext cx="5325401" cy="4361234"/>
+          </a:xfrm>
+        </p:spPr>
+      </p:pic>
+    </p:spTree>
+    <p:extLst>
+      <p:ext uri="{BB962C8B-B14F-4D97-AF65-F5344CB8AC3E}">
+        <p14:creationId xmlns:p14="http://schemas.microsoft.com/office/powerpoint/2010/main" val="500894568"/>
+      </p:ext>
+    </p:extLst>
+  </p:cSld>
+  <p:clrMapOvr>
+    <a:masterClrMapping/>
+  </p:clrMapOvr>
+</p:sld>
+</file>
+
+<file path=ppt/slides/slide8.xml><?xml version="1.0" encoding="utf-8"?>
+<p:sld xmlns:a="http://schemas.openxmlformats.org/drawingml/2006/main" xmlns:r="http://schemas.openxmlformats.org/officeDocument/2006/relationships" xmlns:p="http://schemas.openxmlformats.org/presentationml/2006/main">
+  <p:cSld>
+    <p:spTree>
+      <p:nvGrpSpPr>
+        <p:cNvPr id="1" name=""/>
+        <p:cNvGrpSpPr/>
+        <p:nvPr/>
+      </p:nvGrpSpPr>
+      <p:grpSpPr>
+        <a:xfrm>
+          <a:off x="0" y="0"/>
+          <a:ext cx="0" cy="0"/>
+          <a:chOff x="0" y="0"/>
+          <a:chExt cx="0" cy="0"/>
+        </a:xfrm>
+      </p:grpSpPr>
+      <p:sp>
+        <p:nvSpPr>
+          <p:cNvPr id="2" name="Title 1">
+            <a:extLst>
+              <a:ext uri="{FF2B5EF4-FFF2-40B4-BE49-F238E27FC236}">
+                <a16:creationId xmlns:a16="http://schemas.microsoft.com/office/drawing/2014/main" id="{66E92816-AC58-4F5A-8689-95C210748170}"/>
               </a:ext>
             </a:extLst>
           </p:cNvPr>
@@ -18275,7 +19476,7 @@
           <a:p>
             <a:r>
               <a:rPr lang="es-ES" dirty="0"/>
-              <a:t>Aplicación</a:t>
+              <a:t>Problemas del planteamiento</a:t>
             </a:r>
             <a:endParaRPr lang="en-US" dirty="0"/>
           </a:p>
@@ -18286,7 +19487,7 @@
           <p:cNvPr id="3" name="Content Placeholder 2">
             <a:extLst>
               <a:ext uri="{FF2B5EF4-FFF2-40B4-BE49-F238E27FC236}">
-                <a16:creationId xmlns:a16="http://schemas.microsoft.com/office/drawing/2014/main" id="{2A4F7D21-60C7-41B3-86EE-185CFCDD496A}"/>
+                <a16:creationId xmlns:a16="http://schemas.microsoft.com/office/drawing/2014/main" id="{52C3B2CD-A099-445E-A281-51FEEC1BD46F}"/>
               </a:ext>
             </a:extLst>
           </p:cNvPr>
@@ -18302,14 +19503,30 @@
           <a:bodyPr/>
           <a:lstStyle/>
           <a:p>
-            <a:endParaRPr lang="en-US"/>
+            <a:r>
+              <a:rPr lang="es-ES" dirty="0"/>
+              <a:t>La tabla mutaba</a:t>
+            </a:r>
+          </a:p>
+          <a:p>
+            <a:r>
+              <a:rPr lang="es-ES" dirty="0"/>
+              <a:t>El XML no era el más adecuado</a:t>
+            </a:r>
+          </a:p>
+          <a:p>
+            <a:r>
+              <a:rPr lang="es-ES" dirty="0"/>
+              <a:t>Estructura de la base de datos</a:t>
+            </a:r>
+            <a:endParaRPr lang="en-US" dirty="0"/>
           </a:p>
         </p:txBody>
       </p:sp>
     </p:spTree>
     <p:extLst>
       <p:ext uri="{BB962C8B-B14F-4D97-AF65-F5344CB8AC3E}">
-        <p14:creationId xmlns:p14="http://schemas.microsoft.com/office/powerpoint/2010/main" val="2228677998"/>
+        <p14:creationId xmlns:p14="http://schemas.microsoft.com/office/powerpoint/2010/main" val="524027734"/>
       </p:ext>
     </p:extLst>
   </p:cSld>
@@ -18319,7 +19536,7 @@
 </p:sld>
 </file>
 
-<file path=ppt/slides/slide6.xml><?xml version="1.0" encoding="utf-8"?>
+<file path=ppt/slides/slide9.xml><?xml version="1.0" encoding="utf-8"?>
 <p:sld xmlns:a="http://schemas.openxmlformats.org/drawingml/2006/main" xmlns:r="http://schemas.openxmlformats.org/officeDocument/2006/relationships" xmlns:p="http://schemas.openxmlformats.org/presentationml/2006/main">
   <p:cSld>
     <p:spTree>
@@ -18394,382 +19611,6 @@
     <p:extLst>
       <p:ext uri="{BB962C8B-B14F-4D97-AF65-F5344CB8AC3E}">
         <p14:creationId xmlns:p14="http://schemas.microsoft.com/office/powerpoint/2010/main" val="4119176485"/>
-      </p:ext>
-    </p:extLst>
-  </p:cSld>
-  <p:clrMapOvr>
-    <a:masterClrMapping/>
-  </p:clrMapOvr>
-</p:sld>
-</file>
-
-<file path=ppt/slides/slide7.xml><?xml version="1.0" encoding="utf-8"?>
-<p:sld xmlns:a="http://schemas.openxmlformats.org/drawingml/2006/main" xmlns:r="http://schemas.openxmlformats.org/officeDocument/2006/relationships" xmlns:p="http://schemas.openxmlformats.org/presentationml/2006/main">
-  <p:cSld>
-    <p:spTree>
-      <p:nvGrpSpPr>
-        <p:cNvPr id="1" name=""/>
-        <p:cNvGrpSpPr/>
-        <p:nvPr/>
-      </p:nvGrpSpPr>
-      <p:grpSpPr>
-        <a:xfrm>
-          <a:off x="0" y="0"/>
-          <a:ext cx="0" cy="0"/>
-          <a:chOff x="0" y="0"/>
-          <a:chExt cx="0" cy="0"/>
-        </a:xfrm>
-      </p:grpSpPr>
-      <p:sp>
-        <p:nvSpPr>
-          <p:cNvPr id="2" name="Title 1">
-            <a:extLst>
-              <a:ext uri="{FF2B5EF4-FFF2-40B4-BE49-F238E27FC236}">
-                <a16:creationId xmlns:a16="http://schemas.microsoft.com/office/drawing/2014/main" id="{E39C28E2-9194-40CD-BFAE-7389B099D8AF}"/>
-              </a:ext>
-            </a:extLst>
-          </p:cNvPr>
-          <p:cNvSpPr>
-            <a:spLocks noGrp="1"/>
-          </p:cNvSpPr>
-          <p:nvPr>
-            <p:ph type="title"/>
-          </p:nvPr>
-        </p:nvSpPr>
-        <p:spPr/>
-        <p:txBody>
-          <a:bodyPr/>
-          <a:lstStyle/>
-          <a:p>
-            <a:r>
-              <a:rPr lang="es-ES" dirty="0" err="1"/>
-              <a:t>Wordpress</a:t>
-            </a:r>
-            <a:endParaRPr lang="en-US" dirty="0"/>
-          </a:p>
-        </p:txBody>
-      </p:sp>
-      <p:sp>
-        <p:nvSpPr>
-          <p:cNvPr id="3" name="Content Placeholder 2">
-            <a:extLst>
-              <a:ext uri="{FF2B5EF4-FFF2-40B4-BE49-F238E27FC236}">
-                <a16:creationId xmlns:a16="http://schemas.microsoft.com/office/drawing/2014/main" id="{DA79BC87-278A-4F1C-BFDE-928356348413}"/>
-              </a:ext>
-            </a:extLst>
-          </p:cNvPr>
-          <p:cNvSpPr>
-            <a:spLocks noGrp="1"/>
-          </p:cNvSpPr>
-          <p:nvPr>
-            <p:ph idx="1"/>
-          </p:nvPr>
-        </p:nvSpPr>
-        <p:spPr/>
-        <p:txBody>
-          <a:bodyPr/>
-          <a:lstStyle/>
-          <a:p>
-            <a:endParaRPr lang="en-US"/>
-          </a:p>
-        </p:txBody>
-      </p:sp>
-    </p:spTree>
-    <p:extLst>
-      <p:ext uri="{BB962C8B-B14F-4D97-AF65-F5344CB8AC3E}">
-        <p14:creationId xmlns:p14="http://schemas.microsoft.com/office/powerpoint/2010/main" val="3767124708"/>
-      </p:ext>
-    </p:extLst>
-  </p:cSld>
-  <p:clrMapOvr>
-    <a:masterClrMapping/>
-  </p:clrMapOvr>
-</p:sld>
-</file>
-
-<file path=ppt/slides/slide8.xml><?xml version="1.0" encoding="utf-8"?>
-<p:sld xmlns:a="http://schemas.openxmlformats.org/drawingml/2006/main" xmlns:r="http://schemas.openxmlformats.org/officeDocument/2006/relationships" xmlns:p="http://schemas.openxmlformats.org/presentationml/2006/main">
-  <p:cSld>
-    <p:bg>
-      <p:bgPr>
-        <a:blipFill>
-          <a:blip r:embed="rId2">
-            <a:duotone>
-              <a:schemeClr val="bg2">
-                <a:shade val="48000"/>
-                <a:hueMod val="106000"/>
-                <a:satMod val="140000"/>
-                <a:lumMod val="42000"/>
-              </a:schemeClr>
-              <a:schemeClr val="bg2">
-                <a:tint val="98000"/>
-                <a:hueMod val="92000"/>
-                <a:satMod val="220000"/>
-                <a:lumMod val="90000"/>
-              </a:schemeClr>
-            </a:duotone>
-            <a:extLst/>
-          </a:blip>
-          <a:stretch/>
-        </a:blipFill>
-        <a:effectLst/>
-      </p:bgPr>
-    </p:bg>
-    <p:spTree>
-      <p:nvGrpSpPr>
-        <p:cNvPr id="1" name=""/>
-        <p:cNvGrpSpPr/>
-        <p:nvPr/>
-      </p:nvGrpSpPr>
-      <p:grpSpPr>
-        <a:xfrm>
-          <a:off x="0" y="0"/>
-          <a:ext cx="0" cy="0"/>
-          <a:chOff x="0" y="0"/>
-          <a:chExt cx="0" cy="0"/>
-        </a:xfrm>
-      </p:grpSpPr>
-      <p:pic>
-        <p:nvPicPr>
-          <p:cNvPr id="5" name="Picture 4" descr="A close up of a logo&#10;&#10;Description generated with very high confidence">
-            <a:extLst>
-              <a:ext uri="{FF2B5EF4-FFF2-40B4-BE49-F238E27FC236}">
-                <a16:creationId xmlns:a16="http://schemas.microsoft.com/office/drawing/2014/main" id="{DCCF8DB3-40AB-413E-947D-8384BFF39F15}"/>
-              </a:ext>
-            </a:extLst>
-          </p:cNvPr>
-          <p:cNvPicPr>
-            <a:picLocks noChangeAspect="1"/>
-          </p:cNvPicPr>
-          <p:nvPr/>
-        </p:nvPicPr>
-        <p:blipFill rotWithShape="1">
-          <a:blip r:embed="rId3">
-            <a:extLst>
-              <a:ext uri="{28A0092B-C50C-407E-A947-70E740481C1C}">
-                <a14:useLocalDpi xmlns:a14="http://schemas.microsoft.com/office/drawing/2010/main" val="0"/>
-              </a:ext>
-            </a:extLst>
-          </a:blip>
-          <a:srcRect t="24914" b="14021"/>
-          <a:stretch/>
-        </p:blipFill>
-        <p:spPr>
-          <a:xfrm>
-            <a:off x="1141411" y="2097087"/>
-            <a:ext cx="4689234" cy="3006757"/>
-          </a:xfrm>
-          <a:prstGeom prst="round2DiagRect">
-            <a:avLst>
-              <a:gd name="adj1" fmla="val 5608"/>
-              <a:gd name="adj2" fmla="val 0"/>
-            </a:avLst>
-          </a:prstGeom>
-          <a:ln w="19050" cap="sq">
-            <a:solidFill>
-              <a:schemeClr val="tx2">
-                <a:lumMod val="60000"/>
-                <a:lumOff val="40000"/>
-                <a:alpha val="60000"/>
-              </a:schemeClr>
-            </a:solidFill>
-            <a:miter lim="800000"/>
-          </a:ln>
-          <a:effectLst>
-            <a:outerShdw blurRad="88900" dist="38100" dir="5400000" algn="t" rotWithShape="0">
-              <a:prstClr val="black">
-                <a:alpha val="40000"/>
-              </a:prstClr>
-            </a:outerShdw>
-          </a:effectLst>
-        </p:spPr>
-      </p:pic>
-      <p:sp>
-        <p:nvSpPr>
-          <p:cNvPr id="2" name="Title 1">
-            <a:extLst>
-              <a:ext uri="{FF2B5EF4-FFF2-40B4-BE49-F238E27FC236}">
-                <a16:creationId xmlns:a16="http://schemas.microsoft.com/office/drawing/2014/main" id="{41BE452A-AAB6-408D-9E97-24CDB0296F85}"/>
-              </a:ext>
-            </a:extLst>
-          </p:cNvPr>
-          <p:cNvSpPr>
-            <a:spLocks noGrp="1"/>
-          </p:cNvSpPr>
-          <p:nvPr>
-            <p:ph type="title"/>
-          </p:nvPr>
-        </p:nvSpPr>
-        <p:spPr>
-          <a:xfrm>
-            <a:off x="1141413" y="618518"/>
-            <a:ext cx="9905998" cy="1478570"/>
-          </a:xfrm>
-        </p:spPr>
-        <p:txBody>
-          <a:bodyPr>
-            <a:normAutofit/>
-          </a:bodyPr>
-          <a:lstStyle/>
-          <a:p>
-            <a:r>
-              <a:rPr lang="en-US" dirty="0"/>
-              <a:t>El uso de </a:t>
-            </a:r>
-            <a:r>
-              <a:rPr lang="en-US" dirty="0" err="1"/>
-              <a:t>Github</a:t>
-            </a:r>
-            <a:endParaRPr lang="en-US" dirty="0"/>
-          </a:p>
-        </p:txBody>
-      </p:sp>
-      <p:sp>
-        <p:nvSpPr>
-          <p:cNvPr id="3" name="Content Placeholder 2">
-            <a:extLst>
-              <a:ext uri="{FF2B5EF4-FFF2-40B4-BE49-F238E27FC236}">
-                <a16:creationId xmlns:a16="http://schemas.microsoft.com/office/drawing/2014/main" id="{C406478A-1286-4248-965E-910792AAE856}"/>
-              </a:ext>
-            </a:extLst>
-          </p:cNvPr>
-          <p:cNvSpPr>
-            <a:spLocks noGrp="1"/>
-          </p:cNvSpPr>
-          <p:nvPr>
-            <p:ph idx="1"/>
-          </p:nvPr>
-        </p:nvSpPr>
-        <p:spPr>
-          <a:xfrm>
-            <a:off x="6336727" y="2249487"/>
-            <a:ext cx="4710683" cy="3541714"/>
-          </a:xfrm>
-        </p:spPr>
-        <p:txBody>
-          <a:bodyPr>
-            <a:normAutofit/>
-          </a:bodyPr>
-          <a:lstStyle/>
-          <a:p>
-            <a:r>
-              <a:rPr lang="es-ES" dirty="0"/>
-              <a:t>Usar “</a:t>
-            </a:r>
-            <a:r>
-              <a:rPr lang="es-ES" dirty="0" err="1"/>
-              <a:t>forks</a:t>
-            </a:r>
-            <a:r>
-              <a:rPr lang="es-ES" dirty="0"/>
-              <a:t>” de un “master” para evitar conflictos mayores</a:t>
-            </a:r>
-          </a:p>
-          <a:p>
-            <a:r>
-              <a:rPr lang="es-ES" dirty="0"/>
-              <a:t>Hacer un “</a:t>
-            </a:r>
-            <a:r>
-              <a:rPr lang="es-ES" dirty="0" err="1"/>
-              <a:t>merge</a:t>
-            </a:r>
-            <a:r>
-              <a:rPr lang="es-ES" dirty="0"/>
-              <a:t>” antes de comenzar a trabajar y al final del día</a:t>
-            </a:r>
-            <a:endParaRPr lang="en-US" dirty="0"/>
-          </a:p>
-        </p:txBody>
-      </p:sp>
-    </p:spTree>
-    <p:extLst>
-      <p:ext uri="{BB962C8B-B14F-4D97-AF65-F5344CB8AC3E}">
-        <p14:creationId xmlns:p14="http://schemas.microsoft.com/office/powerpoint/2010/main" val="25328738"/>
-      </p:ext>
-    </p:extLst>
-  </p:cSld>
-  <p:clrMapOvr>
-    <a:masterClrMapping/>
-  </p:clrMapOvr>
-</p:sld>
-</file>
-
-<file path=ppt/slides/slide9.xml><?xml version="1.0" encoding="utf-8"?>
-<p:sld xmlns:a="http://schemas.openxmlformats.org/drawingml/2006/main" xmlns:r="http://schemas.openxmlformats.org/officeDocument/2006/relationships" xmlns:p="http://schemas.openxmlformats.org/presentationml/2006/main">
-  <p:cSld>
-    <p:spTree>
-      <p:nvGrpSpPr>
-        <p:cNvPr id="1" name=""/>
-        <p:cNvGrpSpPr/>
-        <p:nvPr/>
-      </p:nvGrpSpPr>
-      <p:grpSpPr>
-        <a:xfrm>
-          <a:off x="0" y="0"/>
-          <a:ext cx="0" cy="0"/>
-          <a:chOff x="0" y="0"/>
-          <a:chExt cx="0" cy="0"/>
-        </a:xfrm>
-      </p:grpSpPr>
-      <p:sp>
-        <p:nvSpPr>
-          <p:cNvPr id="2" name="Title 1">
-            <a:extLst>
-              <a:ext uri="{FF2B5EF4-FFF2-40B4-BE49-F238E27FC236}">
-                <a16:creationId xmlns:a16="http://schemas.microsoft.com/office/drawing/2014/main" id="{CEEFD6C7-645A-44D1-A8E1-FA231F258927}"/>
-              </a:ext>
-            </a:extLst>
-          </p:cNvPr>
-          <p:cNvSpPr>
-            <a:spLocks noGrp="1"/>
-          </p:cNvSpPr>
-          <p:nvPr>
-            <p:ph type="title"/>
-          </p:nvPr>
-        </p:nvSpPr>
-        <p:spPr/>
-        <p:txBody>
-          <a:bodyPr/>
-          <a:lstStyle/>
-          <a:p>
-            <a:r>
-              <a:rPr lang="es-ES" dirty="0"/>
-              <a:t>Demo</a:t>
-            </a:r>
-            <a:endParaRPr lang="en-US" dirty="0"/>
-          </a:p>
-        </p:txBody>
-      </p:sp>
-      <p:sp>
-        <p:nvSpPr>
-          <p:cNvPr id="3" name="Content Placeholder 2">
-            <a:extLst>
-              <a:ext uri="{FF2B5EF4-FFF2-40B4-BE49-F238E27FC236}">
-                <a16:creationId xmlns:a16="http://schemas.microsoft.com/office/drawing/2014/main" id="{72D17A9C-1BD8-4306-93F1-F52AA96F89D0}"/>
-              </a:ext>
-            </a:extLst>
-          </p:cNvPr>
-          <p:cNvSpPr>
-            <a:spLocks noGrp="1"/>
-          </p:cNvSpPr>
-          <p:nvPr>
-            <p:ph idx="1"/>
-          </p:nvPr>
-        </p:nvSpPr>
-        <p:spPr/>
-        <p:txBody>
-          <a:bodyPr/>
-          <a:lstStyle/>
-          <a:p>
-            <a:endParaRPr lang="en-US"/>
-          </a:p>
-        </p:txBody>
-      </p:sp>
-    </p:spTree>
-    <p:extLst>
-      <p:ext uri="{BB962C8B-B14F-4D97-AF65-F5344CB8AC3E}">
-        <p14:creationId xmlns:p14="http://schemas.microsoft.com/office/powerpoint/2010/main" val="1068326611"/>
       </p:ext>
     </p:extLst>
   </p:cSld>
@@ -19028,4 +19869,299 @@
     </a:ext>
   </a:extLst>
 </a:theme>
+</file>
+
+<file path=ppt/theme/theme2.xml><?xml version="1.0" encoding="utf-8"?>
+<a:theme xmlns:a="http://schemas.openxmlformats.org/drawingml/2006/main" name="Office Theme">
+  <a:themeElements>
+    <a:clrScheme name="Office">
+      <a:dk1>
+        <a:sysClr val="windowText" lastClr="000000"/>
+      </a:dk1>
+      <a:lt1>
+        <a:sysClr val="window" lastClr="FFFFFF"/>
+      </a:lt1>
+      <a:dk2>
+        <a:srgbClr val="44546A"/>
+      </a:dk2>
+      <a:lt2>
+        <a:srgbClr val="E7E6E6"/>
+      </a:lt2>
+      <a:accent1>
+        <a:srgbClr val="4472C4"/>
+      </a:accent1>
+      <a:accent2>
+        <a:srgbClr val="ED7D31"/>
+      </a:accent2>
+      <a:accent3>
+        <a:srgbClr val="A5A5A5"/>
+      </a:accent3>
+      <a:accent4>
+        <a:srgbClr val="FFC000"/>
+      </a:accent4>
+      <a:accent5>
+        <a:srgbClr val="5B9BD5"/>
+      </a:accent5>
+      <a:accent6>
+        <a:srgbClr val="70AD47"/>
+      </a:accent6>
+      <a:hlink>
+        <a:srgbClr val="0563C1"/>
+      </a:hlink>
+      <a:folHlink>
+        <a:srgbClr val="954F72"/>
+      </a:folHlink>
+    </a:clrScheme>
+    <a:fontScheme name="Office">
+      <a:majorFont>
+        <a:latin typeface="Calibri Light" panose="020F0302020204030204"/>
+        <a:ea typeface=""/>
+        <a:cs typeface=""/>
+        <a:font script="Jpan" typeface="游ゴシック Light"/>
+        <a:font script="Hang" typeface="맑은 고딕"/>
+        <a:font script="Hans" typeface="等线 Light"/>
+        <a:font script="Hant" typeface="新細明體"/>
+        <a:font script="Arab" typeface="Times New Roman"/>
+        <a:font script="Hebr" typeface="Times New Roman"/>
+        <a:font script="Thai" typeface="Angsana New"/>
+        <a:font script="Ethi" typeface="Nyala"/>
+        <a:font script="Beng" typeface="Vrinda"/>
+        <a:font script="Gujr" typeface="Shruti"/>
+        <a:font script="Khmr" typeface="MoolBoran"/>
+        <a:font script="Knda" typeface="Tunga"/>
+        <a:font script="Guru" typeface="Raavi"/>
+        <a:font script="Cans" typeface="Euphemia"/>
+        <a:font script="Cher" typeface="Plantagenet Cherokee"/>
+        <a:font script="Yiii" typeface="Microsoft Yi Baiti"/>
+        <a:font script="Tibt" typeface="Microsoft Himalaya"/>
+        <a:font script="Thaa" typeface="MV Boli"/>
+        <a:font script="Deva" typeface="Mangal"/>
+        <a:font script="Telu" typeface="Gautami"/>
+        <a:font script="Taml" typeface="Latha"/>
+        <a:font script="Syrc" typeface="Estrangelo Edessa"/>
+        <a:font script="Orya" typeface="Kalinga"/>
+        <a:font script="Mlym" typeface="Kartika"/>
+        <a:font script="Laoo" typeface="DokChampa"/>
+        <a:font script="Sinh" typeface="Iskoola Pota"/>
+        <a:font script="Mong" typeface="Mongolian Baiti"/>
+        <a:font script="Viet" typeface="Times New Roman"/>
+        <a:font script="Uigh" typeface="Microsoft Uighur"/>
+        <a:font script="Geor" typeface="Sylfaen"/>
+        <a:font script="Armn" typeface="Arial"/>
+        <a:font script="Bugi" typeface="Leelawadee UI"/>
+        <a:font script="Bopo" typeface="Microsoft JhengHei"/>
+        <a:font script="Java" typeface="Javanese Text"/>
+        <a:font script="Lisu" typeface="Segoe UI"/>
+        <a:font script="Mymr" typeface="Myanmar Text"/>
+        <a:font script="Nkoo" typeface="Ebrima"/>
+        <a:font script="Olck" typeface="Nirmala UI"/>
+        <a:font script="Osma" typeface="Ebrima"/>
+        <a:font script="Phag" typeface="Phagspa"/>
+        <a:font script="Syrn" typeface="Estrangelo Edessa"/>
+        <a:font script="Syrj" typeface="Estrangelo Edessa"/>
+        <a:font script="Syre" typeface="Estrangelo Edessa"/>
+        <a:font script="Sora" typeface="Nirmala UI"/>
+        <a:font script="Tale" typeface="Microsoft Tai Le"/>
+        <a:font script="Talu" typeface="Microsoft New Tai Lue"/>
+        <a:font script="Tfng" typeface="Ebrima"/>
+      </a:majorFont>
+      <a:minorFont>
+        <a:latin typeface="Calibri" panose="020F0502020204030204"/>
+        <a:ea typeface=""/>
+        <a:cs typeface=""/>
+        <a:font script="Jpan" typeface="游ゴシック"/>
+        <a:font script="Hang" typeface="맑은 고딕"/>
+        <a:font script="Hans" typeface="等线"/>
+        <a:font script="Hant" typeface="新細明體"/>
+        <a:font script="Arab" typeface="Arial"/>
+        <a:font script="Hebr" typeface="Arial"/>
+        <a:font script="Thai" typeface="Cordia New"/>
+        <a:font script="Ethi" typeface="Nyala"/>
+        <a:font script="Beng" typeface="Vrinda"/>
+        <a:font script="Gujr" typeface="Shruti"/>
+        <a:font script="Khmr" typeface="DaunPenh"/>
+        <a:font script="Knda" typeface="Tunga"/>
+        <a:font script="Guru" typeface="Raavi"/>
+        <a:font script="Cans" typeface="Euphemia"/>
+        <a:font script="Cher" typeface="Plantagenet Cherokee"/>
+        <a:font script="Yiii" typeface="Microsoft Yi Baiti"/>
+        <a:font script="Tibt" typeface="Microsoft Himalaya"/>
+        <a:font script="Thaa" typeface="MV Boli"/>
+        <a:font script="Deva" typeface="Mangal"/>
+        <a:font script="Telu" typeface="Gautami"/>
+        <a:font script="Taml" typeface="Latha"/>
+        <a:font script="Syrc" typeface="Estrangelo Edessa"/>
+        <a:font script="Orya" typeface="Kalinga"/>
+        <a:font script="Mlym" typeface="Kartika"/>
+        <a:font script="Laoo" typeface="DokChampa"/>
+        <a:font script="Sinh" typeface="Iskoola Pota"/>
+        <a:font script="Mong" typeface="Mongolian Baiti"/>
+        <a:font script="Viet" typeface="Arial"/>
+        <a:font script="Uigh" typeface="Microsoft Uighur"/>
+        <a:font script="Geor" typeface="Sylfaen"/>
+        <a:font script="Armn" typeface="Arial"/>
+        <a:font script="Bugi" typeface="Leelawadee UI"/>
+        <a:font script="Bopo" typeface="Microsoft JhengHei"/>
+        <a:font script="Java" typeface="Javanese Text"/>
+        <a:font script="Lisu" typeface="Segoe UI"/>
+        <a:font script="Mymr" typeface="Myanmar Text"/>
+        <a:font script="Nkoo" typeface="Ebrima"/>
+        <a:font script="Olck" typeface="Nirmala UI"/>
+        <a:font script="Osma" typeface="Ebrima"/>
+        <a:font script="Phag" typeface="Phagspa"/>
+        <a:font script="Syrn" typeface="Estrangelo Edessa"/>
+        <a:font script="Syrj" typeface="Estrangelo Edessa"/>
+        <a:font script="Syre" typeface="Estrangelo Edessa"/>
+        <a:font script="Sora" typeface="Nirmala UI"/>
+        <a:font script="Tale" typeface="Microsoft Tai Le"/>
+        <a:font script="Talu" typeface="Microsoft New Tai Lue"/>
+        <a:font script="Tfng" typeface="Ebrima"/>
+      </a:minorFont>
+    </a:fontScheme>
+    <a:fmtScheme name="Office">
+      <a:fillStyleLst>
+        <a:solidFill>
+          <a:schemeClr val="phClr"/>
+        </a:solidFill>
+        <a:gradFill rotWithShape="1">
+          <a:gsLst>
+            <a:gs pos="0">
+              <a:schemeClr val="phClr">
+                <a:lumMod val="110000"/>
+                <a:satMod val="105000"/>
+                <a:tint val="67000"/>
+              </a:schemeClr>
+            </a:gs>
+            <a:gs pos="50000">
+              <a:schemeClr val="phClr">
+                <a:lumMod val="105000"/>
+                <a:satMod val="103000"/>
+                <a:tint val="73000"/>
+              </a:schemeClr>
+            </a:gs>
+            <a:gs pos="100000">
+              <a:schemeClr val="phClr">
+                <a:lumMod val="105000"/>
+                <a:satMod val="109000"/>
+                <a:tint val="81000"/>
+              </a:schemeClr>
+            </a:gs>
+          </a:gsLst>
+          <a:lin ang="5400000" scaled="0"/>
+        </a:gradFill>
+        <a:gradFill rotWithShape="1">
+          <a:gsLst>
+            <a:gs pos="0">
+              <a:schemeClr val="phClr">
+                <a:satMod val="103000"/>
+                <a:lumMod val="102000"/>
+                <a:tint val="94000"/>
+              </a:schemeClr>
+            </a:gs>
+            <a:gs pos="50000">
+              <a:schemeClr val="phClr">
+                <a:satMod val="110000"/>
+                <a:lumMod val="100000"/>
+                <a:shade val="100000"/>
+              </a:schemeClr>
+            </a:gs>
+            <a:gs pos="100000">
+              <a:schemeClr val="phClr">
+                <a:lumMod val="99000"/>
+                <a:satMod val="120000"/>
+                <a:shade val="78000"/>
+              </a:schemeClr>
+            </a:gs>
+          </a:gsLst>
+          <a:lin ang="5400000" scaled="0"/>
+        </a:gradFill>
+      </a:fillStyleLst>
+      <a:lnStyleLst>
+        <a:ln w="6350" cap="flat" cmpd="sng" algn="ctr">
+          <a:solidFill>
+            <a:schemeClr val="phClr"/>
+          </a:solidFill>
+          <a:prstDash val="solid"/>
+          <a:miter lim="800000"/>
+        </a:ln>
+        <a:ln w="12700" cap="flat" cmpd="sng" algn="ctr">
+          <a:solidFill>
+            <a:schemeClr val="phClr"/>
+          </a:solidFill>
+          <a:prstDash val="solid"/>
+          <a:miter lim="800000"/>
+        </a:ln>
+        <a:ln w="19050" cap="flat" cmpd="sng" algn="ctr">
+          <a:solidFill>
+            <a:schemeClr val="phClr"/>
+          </a:solidFill>
+          <a:prstDash val="solid"/>
+          <a:miter lim="800000"/>
+        </a:ln>
+      </a:lnStyleLst>
+      <a:effectStyleLst>
+        <a:effectStyle>
+          <a:effectLst/>
+        </a:effectStyle>
+        <a:effectStyle>
+          <a:effectLst/>
+        </a:effectStyle>
+        <a:effectStyle>
+          <a:effectLst>
+            <a:outerShdw blurRad="57150" dist="19050" dir="5400000" algn="ctr" rotWithShape="0">
+              <a:srgbClr val="000000">
+                <a:alpha val="63000"/>
+              </a:srgbClr>
+            </a:outerShdw>
+          </a:effectLst>
+        </a:effectStyle>
+      </a:effectStyleLst>
+      <a:bgFillStyleLst>
+        <a:solidFill>
+          <a:schemeClr val="phClr"/>
+        </a:solidFill>
+        <a:solidFill>
+          <a:schemeClr val="phClr">
+            <a:tint val="95000"/>
+            <a:satMod val="170000"/>
+          </a:schemeClr>
+        </a:solidFill>
+        <a:gradFill rotWithShape="1">
+          <a:gsLst>
+            <a:gs pos="0">
+              <a:schemeClr val="phClr">
+                <a:tint val="93000"/>
+                <a:satMod val="150000"/>
+                <a:shade val="98000"/>
+                <a:lumMod val="102000"/>
+              </a:schemeClr>
+            </a:gs>
+            <a:gs pos="50000">
+              <a:schemeClr val="phClr">
+                <a:tint val="98000"/>
+                <a:satMod val="130000"/>
+                <a:shade val="90000"/>
+                <a:lumMod val="103000"/>
+              </a:schemeClr>
+            </a:gs>
+            <a:gs pos="100000">
+              <a:schemeClr val="phClr">
+                <a:shade val="63000"/>
+                <a:satMod val="120000"/>
+              </a:schemeClr>
+            </a:gs>
+          </a:gsLst>
+          <a:lin ang="5400000" scaled="0"/>
+        </a:gradFill>
+      </a:bgFillStyleLst>
+    </a:fmtScheme>
+  </a:themeElements>
+  <a:objectDefaults/>
+  <a:extraClrSchemeLst/>
+  <a:extLst>
+    <a:ext uri="{05A4C25C-085E-4340-85A3-A5531E510DB2}">
+      <thm15:themeFamily xmlns:thm15="http://schemas.microsoft.com/office/thememl/2012/main" name="Office Theme" id="{62F939B6-93AF-4DB8-9C6B-D6C7DFDC589F}" vid="{4A3C46E8-61CC-4603-A589-7422A47A8E4A}"/>
+    </a:ext>
+  </a:extLst>
+</a:theme>
 </file>
--- a/Documentacion/Presentación/Presentación de la aplicación.pptx
+++ b/Documentacion/Presentación/Presentación de la aplicación.pptx
@@ -5,7 +5,7 @@
     <p:sldMasterId id="2147483779" r:id="rId1"/>
   </p:sldMasterIdLst>
   <p:notesMasterIdLst>
-    <p:notesMasterId r:id="rId14"/>
+    <p:notesMasterId r:id="rId13"/>
   </p:notesMasterIdLst>
   <p:sldIdLst>
     <p:sldId id="256" r:id="rId2"/>
@@ -15,11 +15,10 @@
     <p:sldId id="263" r:id="rId6"/>
     <p:sldId id="268" r:id="rId7"/>
     <p:sldId id="266" r:id="rId8"/>
-    <p:sldId id="267" r:id="rId9"/>
-    <p:sldId id="264" r:id="rId10"/>
-    <p:sldId id="265" r:id="rId11"/>
-    <p:sldId id="260" r:id="rId12"/>
-    <p:sldId id="262" r:id="rId13"/>
+    <p:sldId id="264" r:id="rId9"/>
+    <p:sldId id="265" r:id="rId10"/>
+    <p:sldId id="260" r:id="rId11"/>
+    <p:sldId id="262" r:id="rId12"/>
   </p:sldIdLst>
   <p:sldSz cx="12192000" cy="6858000"/>
   <p:notesSz cx="6858000" cy="9144000"/>
@@ -520,6 +519,180 @@
           <a:lstStyle/>
           <a:p>
             <a:r>
+              <a:rPr lang="en-US" dirty="0"/>
+              <a:t>Good luck &lt;3 you can all do it!</a:t>
+            </a:r>
+          </a:p>
+        </p:txBody>
+      </p:sp>
+      <p:sp>
+        <p:nvSpPr>
+          <p:cNvPr id="4" name="Slide Number Placeholder 3"/>
+          <p:cNvSpPr>
+            <a:spLocks noGrp="1"/>
+          </p:cNvSpPr>
+          <p:nvPr>
+            <p:ph type="sldNum" sz="quarter" idx="10"/>
+          </p:nvPr>
+        </p:nvSpPr>
+        <p:spPr/>
+        <p:txBody>
+          <a:bodyPr/>
+          <a:lstStyle/>
+          <a:p>
+            <a:fld id="{DC5D3816-C870-4D57-B0F0-489AD15872E6}" type="slidenum">
+              <a:rPr lang="en-US" smtClean="0"/>
+              <a:t>1</a:t>
+            </a:fld>
+            <a:endParaRPr lang="en-US"/>
+          </a:p>
+        </p:txBody>
+      </p:sp>
+    </p:spTree>
+    <p:extLst>
+      <p:ext uri="{BB962C8B-B14F-4D97-AF65-F5344CB8AC3E}">
+        <p14:creationId xmlns:p14="http://schemas.microsoft.com/office/powerpoint/2010/main" val="2396794233"/>
+      </p:ext>
+    </p:extLst>
+  </p:cSld>
+  <p:clrMapOvr>
+    <a:masterClrMapping/>
+  </p:clrMapOvr>
+</p:notes>
+</file>
+
+<file path=ppt/notesSlides/notesSlide2.xml><?xml version="1.0" encoding="utf-8"?>
+<p:notes xmlns:a="http://schemas.openxmlformats.org/drawingml/2006/main" xmlns:r="http://schemas.openxmlformats.org/officeDocument/2006/relationships" xmlns:p="http://schemas.openxmlformats.org/presentationml/2006/main">
+  <p:cSld>
+    <p:spTree>
+      <p:nvGrpSpPr>
+        <p:cNvPr id="1" name=""/>
+        <p:cNvGrpSpPr/>
+        <p:nvPr/>
+      </p:nvGrpSpPr>
+      <p:grpSpPr>
+        <a:xfrm>
+          <a:off x="0" y="0"/>
+          <a:ext cx="0" cy="0"/>
+          <a:chOff x="0" y="0"/>
+          <a:chExt cx="0" cy="0"/>
+        </a:xfrm>
+      </p:grpSpPr>
+      <p:sp>
+        <p:nvSpPr>
+          <p:cNvPr id="2" name="Slide Image Placeholder 1"/>
+          <p:cNvSpPr>
+            <a:spLocks noGrp="1" noRot="1" noChangeAspect="1"/>
+          </p:cNvSpPr>
+          <p:nvPr>
+            <p:ph type="sldImg"/>
+          </p:nvPr>
+        </p:nvSpPr>
+        <p:spPr/>
+      </p:sp>
+      <p:sp>
+        <p:nvSpPr>
+          <p:cNvPr id="3" name="Notes Placeholder 2"/>
+          <p:cNvSpPr>
+            <a:spLocks noGrp="1"/>
+          </p:cNvSpPr>
+          <p:nvPr>
+            <p:ph type="body" idx="1"/>
+          </p:nvPr>
+        </p:nvSpPr>
+        <p:spPr/>
+        <p:txBody>
+          <a:bodyPr/>
+          <a:lstStyle/>
+          <a:p>
+            <a:r>
+              <a:rPr lang="en-US" dirty="0"/>
+              <a:t>-DON’T FUCKING TALK TOO MUCH</a:t>
+            </a:r>
+          </a:p>
+        </p:txBody>
+      </p:sp>
+      <p:sp>
+        <p:nvSpPr>
+          <p:cNvPr id="4" name="Slide Number Placeholder 3"/>
+          <p:cNvSpPr>
+            <a:spLocks noGrp="1"/>
+          </p:cNvSpPr>
+          <p:nvPr>
+            <p:ph type="sldNum" sz="quarter" idx="10"/>
+          </p:nvPr>
+        </p:nvSpPr>
+        <p:spPr/>
+        <p:txBody>
+          <a:bodyPr/>
+          <a:lstStyle/>
+          <a:p>
+            <a:fld id="{DC5D3816-C870-4D57-B0F0-489AD15872E6}" type="slidenum">
+              <a:rPr lang="en-US" smtClean="0"/>
+              <a:t>2</a:t>
+            </a:fld>
+            <a:endParaRPr lang="en-US"/>
+          </a:p>
+        </p:txBody>
+      </p:sp>
+    </p:spTree>
+    <p:extLst>
+      <p:ext uri="{BB962C8B-B14F-4D97-AF65-F5344CB8AC3E}">
+        <p14:creationId xmlns:p14="http://schemas.microsoft.com/office/powerpoint/2010/main" val="435775343"/>
+      </p:ext>
+    </p:extLst>
+  </p:cSld>
+  <p:clrMapOvr>
+    <a:masterClrMapping/>
+  </p:clrMapOvr>
+</p:notes>
+</file>
+
+<file path=ppt/notesSlides/notesSlide3.xml><?xml version="1.0" encoding="utf-8"?>
+<p:notes xmlns:a="http://schemas.openxmlformats.org/drawingml/2006/main" xmlns:r="http://schemas.openxmlformats.org/officeDocument/2006/relationships" xmlns:p="http://schemas.openxmlformats.org/presentationml/2006/main">
+  <p:cSld>
+    <p:spTree>
+      <p:nvGrpSpPr>
+        <p:cNvPr id="1" name=""/>
+        <p:cNvGrpSpPr/>
+        <p:nvPr/>
+      </p:nvGrpSpPr>
+      <p:grpSpPr>
+        <a:xfrm>
+          <a:off x="0" y="0"/>
+          <a:ext cx="0" cy="0"/>
+          <a:chOff x="0" y="0"/>
+          <a:chExt cx="0" cy="0"/>
+        </a:xfrm>
+      </p:grpSpPr>
+      <p:sp>
+        <p:nvSpPr>
+          <p:cNvPr id="2" name="Slide Image Placeholder 1"/>
+          <p:cNvSpPr>
+            <a:spLocks noGrp="1" noRot="1" noChangeAspect="1"/>
+          </p:cNvSpPr>
+          <p:nvPr>
+            <p:ph type="sldImg"/>
+          </p:nvPr>
+        </p:nvSpPr>
+        <p:spPr/>
+      </p:sp>
+      <p:sp>
+        <p:nvSpPr>
+          <p:cNvPr id="3" name="Notes Placeholder 2"/>
+          <p:cNvSpPr>
+            <a:spLocks noGrp="1"/>
+          </p:cNvSpPr>
+          <p:nvPr>
+            <p:ph type="body" idx="1"/>
+          </p:nvPr>
+        </p:nvSpPr>
+        <p:spPr/>
+        <p:txBody>
+          <a:bodyPr/>
+          <a:lstStyle/>
+          <a:p>
+            <a:r>
               <a:rPr lang="en-US" dirty="0" err="1"/>
               <a:t>Vamos</a:t>
             </a:r>
@@ -586,6 +759,304 @@
     <p:extLst>
       <p:ext uri="{BB962C8B-B14F-4D97-AF65-F5344CB8AC3E}">
         <p14:creationId xmlns:p14="http://schemas.microsoft.com/office/powerpoint/2010/main" val="2421817529"/>
+      </p:ext>
+    </p:extLst>
+  </p:cSld>
+  <p:clrMapOvr>
+    <a:masterClrMapping/>
+  </p:clrMapOvr>
+</p:notes>
+</file>
+
+<file path=ppt/notesSlides/notesSlide4.xml><?xml version="1.0" encoding="utf-8"?>
+<p:notes xmlns:a="http://schemas.openxmlformats.org/drawingml/2006/main" xmlns:r="http://schemas.openxmlformats.org/officeDocument/2006/relationships" xmlns:p="http://schemas.openxmlformats.org/presentationml/2006/main">
+  <p:cSld>
+    <p:spTree>
+      <p:nvGrpSpPr>
+        <p:cNvPr id="1" name=""/>
+        <p:cNvGrpSpPr/>
+        <p:nvPr/>
+      </p:nvGrpSpPr>
+      <p:grpSpPr>
+        <a:xfrm>
+          <a:off x="0" y="0"/>
+          <a:ext cx="0" cy="0"/>
+          <a:chOff x="0" y="0"/>
+          <a:chExt cx="0" cy="0"/>
+        </a:xfrm>
+      </p:grpSpPr>
+      <p:sp>
+        <p:nvSpPr>
+          <p:cNvPr id="2" name="Slide Image Placeholder 1"/>
+          <p:cNvSpPr>
+            <a:spLocks noGrp="1" noRot="1" noChangeAspect="1"/>
+          </p:cNvSpPr>
+          <p:nvPr>
+            <p:ph type="sldImg"/>
+          </p:nvPr>
+        </p:nvSpPr>
+        <p:spPr/>
+      </p:sp>
+      <p:sp>
+        <p:nvSpPr>
+          <p:cNvPr id="3" name="Notes Placeholder 2"/>
+          <p:cNvSpPr>
+            <a:spLocks noGrp="1"/>
+          </p:cNvSpPr>
+          <p:nvPr>
+            <p:ph type="body" idx="1"/>
+          </p:nvPr>
+        </p:nvSpPr>
+        <p:spPr/>
+        <p:txBody>
+          <a:bodyPr/>
+          <a:lstStyle/>
+          <a:p>
+            <a:r>
+              <a:rPr lang="en-US" dirty="0"/>
+              <a:t>-XML no era igual al principio que al final</a:t>
+            </a:r>
+          </a:p>
+        </p:txBody>
+      </p:sp>
+      <p:sp>
+        <p:nvSpPr>
+          <p:cNvPr id="4" name="Slide Number Placeholder 3"/>
+          <p:cNvSpPr>
+            <a:spLocks noGrp="1"/>
+          </p:cNvSpPr>
+          <p:nvPr>
+            <p:ph type="sldNum" sz="quarter" idx="10"/>
+          </p:nvPr>
+        </p:nvSpPr>
+        <p:spPr/>
+        <p:txBody>
+          <a:bodyPr/>
+          <a:lstStyle/>
+          <a:p>
+            <a:fld id="{DC5D3816-C870-4D57-B0F0-489AD15872E6}" type="slidenum">
+              <a:rPr lang="en-US" smtClean="0"/>
+              <a:t>6</a:t>
+            </a:fld>
+            <a:endParaRPr lang="en-US"/>
+          </a:p>
+        </p:txBody>
+      </p:sp>
+    </p:spTree>
+    <p:extLst>
+      <p:ext uri="{BB962C8B-B14F-4D97-AF65-F5344CB8AC3E}">
+        <p14:creationId xmlns:p14="http://schemas.microsoft.com/office/powerpoint/2010/main" val="1234524813"/>
+      </p:ext>
+    </p:extLst>
+  </p:cSld>
+  <p:clrMapOvr>
+    <a:masterClrMapping/>
+  </p:clrMapOvr>
+</p:notes>
+</file>
+
+<file path=ppt/notesSlides/notesSlide5.xml><?xml version="1.0" encoding="utf-8"?>
+<p:notes xmlns:a="http://schemas.openxmlformats.org/drawingml/2006/main" xmlns:r="http://schemas.openxmlformats.org/officeDocument/2006/relationships" xmlns:p="http://schemas.openxmlformats.org/presentationml/2006/main">
+  <p:cSld>
+    <p:spTree>
+      <p:nvGrpSpPr>
+        <p:cNvPr id="1" name=""/>
+        <p:cNvGrpSpPr/>
+        <p:nvPr/>
+      </p:nvGrpSpPr>
+      <p:grpSpPr>
+        <a:xfrm>
+          <a:off x="0" y="0"/>
+          <a:ext cx="0" cy="0"/>
+          <a:chOff x="0" y="0"/>
+          <a:chExt cx="0" cy="0"/>
+        </a:xfrm>
+      </p:grpSpPr>
+      <p:sp>
+        <p:nvSpPr>
+          <p:cNvPr id="2" name="Slide Image Placeholder 1"/>
+          <p:cNvSpPr>
+            <a:spLocks noGrp="1" noRot="1" noChangeAspect="1"/>
+          </p:cNvSpPr>
+          <p:nvPr>
+            <p:ph type="sldImg"/>
+          </p:nvPr>
+        </p:nvSpPr>
+        <p:spPr/>
+      </p:sp>
+      <p:sp>
+        <p:nvSpPr>
+          <p:cNvPr id="3" name="Notes Placeholder 2"/>
+          <p:cNvSpPr>
+            <a:spLocks noGrp="1"/>
+          </p:cNvSpPr>
+          <p:nvPr>
+            <p:ph type="body" idx="1"/>
+          </p:nvPr>
+        </p:nvSpPr>
+        <p:spPr/>
+        <p:txBody>
+          <a:bodyPr/>
+          <a:lstStyle/>
+          <a:p>
+            <a:r>
+              <a:rPr lang="es-ES" sz="1200" b="0" i="0" u="none" strike="noStrike" kern="1200" dirty="0">
+                <a:solidFill>
+                  <a:schemeClr val="tx1"/>
+                </a:solidFill>
+                <a:effectLst/>
+                <a:latin typeface="+mn-lt"/>
+                <a:ea typeface="+mn-ea"/>
+                <a:cs typeface="+mn-cs"/>
+              </a:rPr>
+              <a:t>-Lógica del script</a:t>
+            </a:r>
+          </a:p>
+          <a:p>
+            <a:r>
+              <a:rPr lang="es-ES" sz="1200" b="0" i="0" u="none" strike="noStrike" kern="1200" dirty="0">
+                <a:solidFill>
+                  <a:schemeClr val="tx1"/>
+                </a:solidFill>
+                <a:effectLst/>
+                <a:latin typeface="+mn-lt"/>
+                <a:ea typeface="+mn-ea"/>
+                <a:cs typeface="+mn-cs"/>
+              </a:rPr>
+              <a:t>-Problema con el for </a:t>
+            </a:r>
+          </a:p>
+          <a:p>
+            <a:r>
+              <a:rPr lang="es-ES" sz="1200" b="0" i="0" u="none" strike="noStrike" kern="1200" dirty="0">
+                <a:solidFill>
+                  <a:schemeClr val="tx1"/>
+                </a:solidFill>
+                <a:effectLst/>
+                <a:latin typeface="+mn-lt"/>
+                <a:ea typeface="+mn-ea"/>
+                <a:cs typeface="+mn-cs"/>
+              </a:rPr>
+              <a:t>-Variable que elimina el log cuando hay conexión.</a:t>
+            </a:r>
+            <a:endParaRPr lang="en-US" dirty="0"/>
+          </a:p>
+        </p:txBody>
+      </p:sp>
+      <p:sp>
+        <p:nvSpPr>
+          <p:cNvPr id="4" name="Slide Number Placeholder 3"/>
+          <p:cNvSpPr>
+            <a:spLocks noGrp="1"/>
+          </p:cNvSpPr>
+          <p:nvPr>
+            <p:ph type="sldNum" sz="quarter" idx="10"/>
+          </p:nvPr>
+        </p:nvSpPr>
+        <p:spPr/>
+        <p:txBody>
+          <a:bodyPr/>
+          <a:lstStyle/>
+          <a:p>
+            <a:fld id="{DC5D3816-C870-4D57-B0F0-489AD15872E6}" type="slidenum">
+              <a:rPr lang="en-US" smtClean="0"/>
+              <a:t>8</a:t>
+            </a:fld>
+            <a:endParaRPr lang="en-US"/>
+          </a:p>
+        </p:txBody>
+      </p:sp>
+    </p:spTree>
+    <p:extLst>
+      <p:ext uri="{BB962C8B-B14F-4D97-AF65-F5344CB8AC3E}">
+        <p14:creationId xmlns:p14="http://schemas.microsoft.com/office/powerpoint/2010/main" val="2437599104"/>
+      </p:ext>
+    </p:extLst>
+  </p:cSld>
+  <p:clrMapOvr>
+    <a:masterClrMapping/>
+  </p:clrMapOvr>
+</p:notes>
+</file>
+
+<file path=ppt/notesSlides/notesSlide6.xml><?xml version="1.0" encoding="utf-8"?>
+<p:notes xmlns:a="http://schemas.openxmlformats.org/drawingml/2006/main" xmlns:r="http://schemas.openxmlformats.org/officeDocument/2006/relationships" xmlns:p="http://schemas.openxmlformats.org/presentationml/2006/main">
+  <p:cSld>
+    <p:spTree>
+      <p:nvGrpSpPr>
+        <p:cNvPr id="1" name=""/>
+        <p:cNvGrpSpPr/>
+        <p:nvPr/>
+      </p:nvGrpSpPr>
+      <p:grpSpPr>
+        <a:xfrm>
+          <a:off x="0" y="0"/>
+          <a:ext cx="0" cy="0"/>
+          <a:chOff x="0" y="0"/>
+          <a:chExt cx="0" cy="0"/>
+        </a:xfrm>
+      </p:grpSpPr>
+      <p:sp>
+        <p:nvSpPr>
+          <p:cNvPr id="2" name="Slide Image Placeholder 1"/>
+          <p:cNvSpPr>
+            <a:spLocks noGrp="1" noRot="1" noChangeAspect="1"/>
+          </p:cNvSpPr>
+          <p:nvPr>
+            <p:ph type="sldImg"/>
+          </p:nvPr>
+        </p:nvSpPr>
+        <p:spPr/>
+      </p:sp>
+      <p:sp>
+        <p:nvSpPr>
+          <p:cNvPr id="3" name="Notes Placeholder 2"/>
+          <p:cNvSpPr>
+            <a:spLocks noGrp="1"/>
+          </p:cNvSpPr>
+          <p:nvPr>
+            <p:ph type="body" idx="1"/>
+          </p:nvPr>
+        </p:nvSpPr>
+        <p:spPr/>
+        <p:txBody>
+          <a:bodyPr/>
+          <a:lstStyle/>
+          <a:p>
+            <a:r>
+              <a:rPr lang="en-US" dirty="0"/>
+              <a:t>-ORDEN DE LA DEMO</a:t>
+            </a:r>
+          </a:p>
+        </p:txBody>
+      </p:sp>
+      <p:sp>
+        <p:nvSpPr>
+          <p:cNvPr id="4" name="Slide Number Placeholder 3"/>
+          <p:cNvSpPr>
+            <a:spLocks noGrp="1"/>
+          </p:cNvSpPr>
+          <p:nvPr>
+            <p:ph type="sldNum" sz="quarter" idx="10"/>
+          </p:nvPr>
+        </p:nvSpPr>
+        <p:spPr/>
+        <p:txBody>
+          <a:bodyPr/>
+          <a:lstStyle/>
+          <a:p>
+            <a:fld id="{DC5D3816-C870-4D57-B0F0-489AD15872E6}" type="slidenum">
+              <a:rPr lang="en-US" smtClean="0"/>
+              <a:t>11</a:t>
+            </a:fld>
+            <a:endParaRPr lang="en-US"/>
+          </a:p>
+        </p:txBody>
+      </p:sp>
+    </p:spTree>
+    <p:extLst>
+      <p:ext uri="{BB962C8B-B14F-4D97-AF65-F5344CB8AC3E}">
+        <p14:creationId xmlns:p14="http://schemas.microsoft.com/office/powerpoint/2010/main" val="1384659104"/>
       </p:ext>
     </p:extLst>
   </p:cSld>
@@ -12976,7 +13447,7 @@
           <p:nvPr/>
         </p:nvPicPr>
         <p:blipFill rotWithShape="1">
-          <a:blip r:embed="rId2">
+          <a:blip r:embed="rId3">
             <a:extLst>
               <a:ext uri="{28A0092B-C50C-407E-A947-70E740481C1C}">
                 <a14:useLocalDpi xmlns:a14="http://schemas.microsoft.com/office/drawing/2010/main" val="0"/>
@@ -13010,90 +13481,6 @@
 </file>
 
 <file path=ppt/slides/slide10.xml><?xml version="1.0" encoding="utf-8"?>
-<p:sld xmlns:a="http://schemas.openxmlformats.org/drawingml/2006/main" xmlns:r="http://schemas.openxmlformats.org/officeDocument/2006/relationships" xmlns:p="http://schemas.openxmlformats.org/presentationml/2006/main">
-  <p:cSld>
-    <p:spTree>
-      <p:nvGrpSpPr>
-        <p:cNvPr id="1" name=""/>
-        <p:cNvGrpSpPr/>
-        <p:nvPr/>
-      </p:nvGrpSpPr>
-      <p:grpSpPr>
-        <a:xfrm>
-          <a:off x="0" y="0"/>
-          <a:ext cx="0" cy="0"/>
-          <a:chOff x="0" y="0"/>
-          <a:chExt cx="0" cy="0"/>
-        </a:xfrm>
-      </p:grpSpPr>
-      <p:sp>
-        <p:nvSpPr>
-          <p:cNvPr id="2" name="Title 1">
-            <a:extLst>
-              <a:ext uri="{FF2B5EF4-FFF2-40B4-BE49-F238E27FC236}">
-                <a16:creationId xmlns:a16="http://schemas.microsoft.com/office/drawing/2014/main" id="{E39C28E2-9194-40CD-BFAE-7389B099D8AF}"/>
-              </a:ext>
-            </a:extLst>
-          </p:cNvPr>
-          <p:cNvSpPr>
-            <a:spLocks noGrp="1"/>
-          </p:cNvSpPr>
-          <p:nvPr>
-            <p:ph type="title"/>
-          </p:nvPr>
-        </p:nvSpPr>
-        <p:spPr/>
-        <p:txBody>
-          <a:bodyPr/>
-          <a:lstStyle/>
-          <a:p>
-            <a:r>
-              <a:rPr lang="es-ES" dirty="0" err="1"/>
-              <a:t>Wordpress</a:t>
-            </a:r>
-            <a:endParaRPr lang="en-US" dirty="0"/>
-          </a:p>
-        </p:txBody>
-      </p:sp>
-      <p:sp>
-        <p:nvSpPr>
-          <p:cNvPr id="3" name="Content Placeholder 2">
-            <a:extLst>
-              <a:ext uri="{FF2B5EF4-FFF2-40B4-BE49-F238E27FC236}">
-                <a16:creationId xmlns:a16="http://schemas.microsoft.com/office/drawing/2014/main" id="{DA79BC87-278A-4F1C-BFDE-928356348413}"/>
-              </a:ext>
-            </a:extLst>
-          </p:cNvPr>
-          <p:cNvSpPr>
-            <a:spLocks noGrp="1"/>
-          </p:cNvSpPr>
-          <p:nvPr>
-            <p:ph idx="1"/>
-          </p:nvPr>
-        </p:nvSpPr>
-        <p:spPr/>
-        <p:txBody>
-          <a:bodyPr/>
-          <a:lstStyle/>
-          <a:p>
-            <a:endParaRPr lang="en-US"/>
-          </a:p>
-        </p:txBody>
-      </p:sp>
-    </p:spTree>
-    <p:extLst>
-      <p:ext uri="{BB962C8B-B14F-4D97-AF65-F5344CB8AC3E}">
-        <p14:creationId xmlns:p14="http://schemas.microsoft.com/office/powerpoint/2010/main" val="3767124708"/>
-      </p:ext>
-    </p:extLst>
-  </p:cSld>
-  <p:clrMapOvr>
-    <a:masterClrMapping/>
-  </p:clrMapOvr>
-</p:sld>
-</file>
-
-<file path=ppt/slides/slide11.xml><?xml version="1.0" encoding="utf-8"?>
 <p:sld xmlns:a="http://schemas.openxmlformats.org/drawingml/2006/main" xmlns:r="http://schemas.openxmlformats.org/officeDocument/2006/relationships" xmlns:p="http://schemas.openxmlformats.org/presentationml/2006/main">
   <p:cSld>
     <p:bg>
@@ -13298,10 +13685,89 @@
   <p:clrMapOvr>
     <a:masterClrMapping/>
   </p:clrMapOvr>
+  <p:timing>
+    <p:tnLst>
+      <p:par>
+        <p:cTn id="1" dur="indefinite" restart="never" nodeType="tmRoot">
+          <p:childTnLst>
+            <p:seq concurrent="1" nextAc="seek">
+              <p:cTn id="2" dur="indefinite" nodeType="mainSeq">
+                <p:childTnLst>
+                  <p:par>
+                    <p:cTn id="3" fill="hold">
+                      <p:stCondLst>
+                        <p:cond delay="indefinite"/>
+                      </p:stCondLst>
+                      <p:childTnLst>
+                        <p:par>
+                          <p:cTn id="4" fill="hold">
+                            <p:stCondLst>
+                              <p:cond delay="0"/>
+                            </p:stCondLst>
+                            <p:childTnLst>
+                              <p:par>
+                                <p:cTn id="5" presetID="1" presetClass="entr" presetSubtype="0" fill="hold" nodeType="clickEffect">
+                                  <p:stCondLst>
+                                    <p:cond delay="0"/>
+                                  </p:stCondLst>
+                                  <p:childTnLst>
+                                    <p:set>
+                                      <p:cBhvr>
+                                        <p:cTn id="6" dur="1" fill="hold">
+                                          <p:stCondLst>
+                                            <p:cond delay="0"/>
+                                          </p:stCondLst>
+                                        </p:cTn>
+                                        <p:tgtEl>
+                                          <p:spTgt spid="3">
+                                            <p:txEl>
+                                              <p:pRg st="1" end="1"/>
+                                            </p:txEl>
+                                          </p:spTgt>
+                                        </p:tgtEl>
+                                        <p:attrNameLst>
+                                          <p:attrName>style.visibility</p:attrName>
+                                        </p:attrNameLst>
+                                      </p:cBhvr>
+                                      <p:to>
+                                        <p:strVal val="visible"/>
+                                      </p:to>
+                                    </p:set>
+                                  </p:childTnLst>
+                                </p:cTn>
+                              </p:par>
+                            </p:childTnLst>
+                          </p:cTn>
+                        </p:par>
+                      </p:childTnLst>
+                    </p:cTn>
+                  </p:par>
+                </p:childTnLst>
+              </p:cTn>
+              <p:prevCondLst>
+                <p:cond evt="onPrev" delay="0">
+                  <p:tgtEl>
+                    <p:sldTgt/>
+                  </p:tgtEl>
+                </p:cond>
+              </p:prevCondLst>
+              <p:nextCondLst>
+                <p:cond evt="onNext" delay="0">
+                  <p:tgtEl>
+                    <p:sldTgt/>
+                  </p:tgtEl>
+                </p:cond>
+              </p:nextCondLst>
+            </p:seq>
+          </p:childTnLst>
+        </p:cTn>
+      </p:par>
+    </p:tnLst>
+  </p:timing>
 </p:sld>
 </file>
 
-<file path=ppt/slides/slide12.xml><?xml version="1.0" encoding="utf-8"?>
+<file path=ppt/slides/slide11.xml><?xml version="1.0" encoding="utf-8"?>
 <p:sld xmlns:a="http://schemas.openxmlformats.org/drawingml/2006/main" xmlns:r="http://schemas.openxmlformats.org/officeDocument/2006/relationships" xmlns:p="http://schemas.openxmlformats.org/presentationml/2006/main">
   <p:cSld>
     <p:spTree>
@@ -13368,7 +13834,7 @@
           <a:bodyPr/>
           <a:lstStyle/>
           <a:p>
-            <a:endParaRPr lang="en-US"/>
+            <a:endParaRPr lang="en-US" dirty="0"/>
           </a:p>
         </p:txBody>
       </p:sp>
@@ -13494,6 +13960,147 @@
   <p:clrMapOvr>
     <a:masterClrMapping/>
   </p:clrMapOvr>
+  <p:timing>
+    <p:tnLst>
+      <p:par>
+        <p:cTn id="1" dur="indefinite" restart="never" nodeType="tmRoot">
+          <p:childTnLst>
+            <p:seq concurrent="1" nextAc="seek">
+              <p:cTn id="2" dur="indefinite" nodeType="mainSeq">
+                <p:childTnLst>
+                  <p:par>
+                    <p:cTn id="3" fill="hold">
+                      <p:stCondLst>
+                        <p:cond delay="indefinite"/>
+                      </p:stCondLst>
+                      <p:childTnLst>
+                        <p:par>
+                          <p:cTn id="4" fill="hold">
+                            <p:stCondLst>
+                              <p:cond delay="0"/>
+                            </p:stCondLst>
+                            <p:childTnLst>
+                              <p:par>
+                                <p:cTn id="5" presetID="1" presetClass="entr" presetSubtype="0" fill="hold" nodeType="clickEffect">
+                                  <p:stCondLst>
+                                    <p:cond delay="0"/>
+                                  </p:stCondLst>
+                                  <p:childTnLst>
+                                    <p:set>
+                                      <p:cBhvr>
+                                        <p:cTn id="6" dur="1" fill="hold">
+                                          <p:stCondLst>
+                                            <p:cond delay="0"/>
+                                          </p:stCondLst>
+                                        </p:cTn>
+                                        <p:tgtEl>
+                                          <p:spTgt spid="3">
+                                            <p:txEl>
+                                              <p:pRg st="1" end="1"/>
+                                            </p:txEl>
+                                          </p:spTgt>
+                                        </p:tgtEl>
+                                        <p:attrNameLst>
+                                          <p:attrName>style.visibility</p:attrName>
+                                        </p:attrNameLst>
+                                      </p:cBhvr>
+                                      <p:to>
+                                        <p:strVal val="visible"/>
+                                      </p:to>
+                                    </p:set>
+                                  </p:childTnLst>
+                                </p:cTn>
+                              </p:par>
+                              <p:par>
+                                <p:cTn id="7" presetID="1" presetClass="entr" presetSubtype="0" fill="hold" nodeType="withEffect">
+                                  <p:stCondLst>
+                                    <p:cond delay="0"/>
+                                  </p:stCondLst>
+                                  <p:childTnLst>
+                                    <p:set>
+                                      <p:cBhvr>
+                                        <p:cTn id="8" dur="1" fill="hold">
+                                          <p:stCondLst>
+                                            <p:cond delay="0"/>
+                                          </p:stCondLst>
+                                        </p:cTn>
+                                        <p:tgtEl>
+                                          <p:spTgt spid="3">
+                                            <p:txEl>
+                                              <p:pRg st="2" end="2"/>
+                                            </p:txEl>
+                                          </p:spTgt>
+                                        </p:tgtEl>
+                                        <p:attrNameLst>
+                                          <p:attrName>style.visibility</p:attrName>
+                                        </p:attrNameLst>
+                                      </p:cBhvr>
+                                      <p:to>
+                                        <p:strVal val="visible"/>
+                                      </p:to>
+                                    </p:set>
+                                  </p:childTnLst>
+                                </p:cTn>
+                              </p:par>
+                              <p:par>
+                                <p:cTn id="9" presetID="1" presetClass="entr" presetSubtype="0" fill="hold" nodeType="withEffect">
+                                  <p:stCondLst>
+                                    <p:cond delay="0"/>
+                                  </p:stCondLst>
+                                  <p:childTnLst>
+                                    <p:set>
+                                      <p:cBhvr>
+                                        <p:cTn id="10" dur="1" fill="hold">
+                                          <p:stCondLst>
+                                            <p:cond delay="0"/>
+                                          </p:stCondLst>
+                                        </p:cTn>
+                                        <p:tgtEl>
+                                          <p:spTgt spid="3">
+                                            <p:txEl>
+                                              <p:pRg st="3" end="3"/>
+                                            </p:txEl>
+                                          </p:spTgt>
+                                        </p:tgtEl>
+                                        <p:attrNameLst>
+                                          <p:attrName>style.visibility</p:attrName>
+                                        </p:attrNameLst>
+                                      </p:cBhvr>
+                                      <p:to>
+                                        <p:strVal val="visible"/>
+                                      </p:to>
+                                    </p:set>
+                                  </p:childTnLst>
+                                </p:cTn>
+                              </p:par>
+                            </p:childTnLst>
+                          </p:cTn>
+                        </p:par>
+                      </p:childTnLst>
+                    </p:cTn>
+                  </p:par>
+                </p:childTnLst>
+              </p:cTn>
+              <p:prevCondLst>
+                <p:cond evt="onPrev" delay="0">
+                  <p:tgtEl>
+                    <p:sldTgt/>
+                  </p:tgtEl>
+                </p:cond>
+              </p:prevCondLst>
+              <p:nextCondLst>
+                <p:cond evt="onNext" delay="0">
+                  <p:tgtEl>
+                    <p:sldTgt/>
+                  </p:tgtEl>
+                </p:cond>
+              </p:nextCondLst>
+            </p:seq>
+          </p:childTnLst>
+        </p:cTn>
+      </p:par>
+    </p:tnLst>
+  </p:timing>
 </p:sld>
 </file>
 
@@ -19314,7 +19921,7 @@
           <p:nvPr/>
         </p:nvPicPr>
         <p:blipFill rotWithShape="1">
-          <a:blip r:embed="rId2"/>
+          <a:blip r:embed="rId3"/>
           <a:srcRect b="49439"/>
           <a:stretch/>
         </p:blipFill>
@@ -19418,7 +20025,7 @@
         </p:blipFill>
         <p:spPr>
           <a:xfrm>
-            <a:off x="3433299" y="1878248"/>
+            <a:off x="1141413" y="1878248"/>
             <a:ext cx="5325401" cy="4361234"/>
           </a:xfrm>
         </p:spPr>
@@ -19437,106 +20044,6 @@
 </file>
 
 <file path=ppt/slides/slide8.xml><?xml version="1.0" encoding="utf-8"?>
-<p:sld xmlns:a="http://schemas.openxmlformats.org/drawingml/2006/main" xmlns:r="http://schemas.openxmlformats.org/officeDocument/2006/relationships" xmlns:p="http://schemas.openxmlformats.org/presentationml/2006/main">
-  <p:cSld>
-    <p:spTree>
-      <p:nvGrpSpPr>
-        <p:cNvPr id="1" name=""/>
-        <p:cNvGrpSpPr/>
-        <p:nvPr/>
-      </p:nvGrpSpPr>
-      <p:grpSpPr>
-        <a:xfrm>
-          <a:off x="0" y="0"/>
-          <a:ext cx="0" cy="0"/>
-          <a:chOff x="0" y="0"/>
-          <a:chExt cx="0" cy="0"/>
-        </a:xfrm>
-      </p:grpSpPr>
-      <p:sp>
-        <p:nvSpPr>
-          <p:cNvPr id="2" name="Title 1">
-            <a:extLst>
-              <a:ext uri="{FF2B5EF4-FFF2-40B4-BE49-F238E27FC236}">
-                <a16:creationId xmlns:a16="http://schemas.microsoft.com/office/drawing/2014/main" id="{66E92816-AC58-4F5A-8689-95C210748170}"/>
-              </a:ext>
-            </a:extLst>
-          </p:cNvPr>
-          <p:cNvSpPr>
-            <a:spLocks noGrp="1"/>
-          </p:cNvSpPr>
-          <p:nvPr>
-            <p:ph type="title"/>
-          </p:nvPr>
-        </p:nvSpPr>
-        <p:spPr/>
-        <p:txBody>
-          <a:bodyPr/>
-          <a:lstStyle/>
-          <a:p>
-            <a:r>
-              <a:rPr lang="es-ES" dirty="0"/>
-              <a:t>Problemas del planteamiento</a:t>
-            </a:r>
-            <a:endParaRPr lang="en-US" dirty="0"/>
-          </a:p>
-        </p:txBody>
-      </p:sp>
-      <p:sp>
-        <p:nvSpPr>
-          <p:cNvPr id="3" name="Content Placeholder 2">
-            <a:extLst>
-              <a:ext uri="{FF2B5EF4-FFF2-40B4-BE49-F238E27FC236}">
-                <a16:creationId xmlns:a16="http://schemas.microsoft.com/office/drawing/2014/main" id="{52C3B2CD-A099-445E-A281-51FEEC1BD46F}"/>
-              </a:ext>
-            </a:extLst>
-          </p:cNvPr>
-          <p:cNvSpPr>
-            <a:spLocks noGrp="1"/>
-          </p:cNvSpPr>
-          <p:nvPr>
-            <p:ph idx="1"/>
-          </p:nvPr>
-        </p:nvSpPr>
-        <p:spPr/>
-        <p:txBody>
-          <a:bodyPr/>
-          <a:lstStyle/>
-          <a:p>
-            <a:r>
-              <a:rPr lang="es-ES" dirty="0"/>
-              <a:t>La tabla mutaba</a:t>
-            </a:r>
-          </a:p>
-          <a:p>
-            <a:r>
-              <a:rPr lang="es-ES" dirty="0"/>
-              <a:t>El XML no era el más adecuado</a:t>
-            </a:r>
-          </a:p>
-          <a:p>
-            <a:r>
-              <a:rPr lang="es-ES" dirty="0"/>
-              <a:t>Estructura de la base de datos</a:t>
-            </a:r>
-            <a:endParaRPr lang="en-US" dirty="0"/>
-          </a:p>
-        </p:txBody>
-      </p:sp>
-    </p:spTree>
-    <p:extLst>
-      <p:ext uri="{BB962C8B-B14F-4D97-AF65-F5344CB8AC3E}">
-        <p14:creationId xmlns:p14="http://schemas.microsoft.com/office/powerpoint/2010/main" val="524027734"/>
-      </p:ext>
-    </p:extLst>
-  </p:cSld>
-  <p:clrMapOvr>
-    <a:masterClrMapping/>
-  </p:clrMapOvr>
-</p:sld>
-</file>
-
-<file path=ppt/slides/slide9.xml><?xml version="1.0" encoding="utf-8"?>
 <p:sld xmlns:a="http://schemas.openxmlformats.org/drawingml/2006/main" xmlns:r="http://schemas.openxmlformats.org/officeDocument/2006/relationships" xmlns:p="http://schemas.openxmlformats.org/presentationml/2006/main">
   <p:cSld>
     <p:spTree>
@@ -19607,10 +20114,302 @@
           </a:p>
         </p:txBody>
       </p:sp>
+      <p:pic>
+        <p:nvPicPr>
+          <p:cNvPr id="4" name="Picture 3">
+            <a:extLst>
+              <a:ext uri="{FF2B5EF4-FFF2-40B4-BE49-F238E27FC236}">
+                <a16:creationId xmlns:a16="http://schemas.microsoft.com/office/drawing/2014/main" id="{9602537A-E76A-4F48-B409-BFA6EA143277}"/>
+              </a:ext>
+            </a:extLst>
+          </p:cNvPr>
+          <p:cNvPicPr>
+            <a:picLocks noChangeAspect="1"/>
+          </p:cNvPicPr>
+          <p:nvPr/>
+        </p:nvPicPr>
+        <p:blipFill>
+          <a:blip r:embed="rId3"/>
+          <a:stretch>
+            <a:fillRect/>
+          </a:stretch>
+        </p:blipFill>
+        <p:spPr>
+          <a:xfrm>
+            <a:off x="2102152" y="1785195"/>
+            <a:ext cx="7984518" cy="4470297"/>
+          </a:xfrm>
+          <a:prstGeom prst="rect">
+            <a:avLst/>
+          </a:prstGeom>
+        </p:spPr>
+      </p:pic>
+      <p:pic>
+        <p:nvPicPr>
+          <p:cNvPr id="5" name="Picture 4">
+            <a:extLst>
+              <a:ext uri="{FF2B5EF4-FFF2-40B4-BE49-F238E27FC236}">
+                <a16:creationId xmlns:a16="http://schemas.microsoft.com/office/drawing/2014/main" id="{429E97B6-2F4E-4722-B00B-8B8B9F2FA8CD}"/>
+              </a:ext>
+            </a:extLst>
+          </p:cNvPr>
+          <p:cNvPicPr>
+            <a:picLocks noChangeAspect="1"/>
+          </p:cNvPicPr>
+          <p:nvPr/>
+        </p:nvPicPr>
+        <p:blipFill>
+          <a:blip r:embed="rId4"/>
+          <a:stretch>
+            <a:fillRect/>
+          </a:stretch>
+        </p:blipFill>
+        <p:spPr>
+          <a:xfrm>
+            <a:off x="3227894" y="3042443"/>
+            <a:ext cx="5733033" cy="1955800"/>
+          </a:xfrm>
+          <a:prstGeom prst="rect">
+            <a:avLst/>
+          </a:prstGeom>
+        </p:spPr>
+      </p:pic>
     </p:spTree>
     <p:extLst>
       <p:ext uri="{BB962C8B-B14F-4D97-AF65-F5344CB8AC3E}">
         <p14:creationId xmlns:p14="http://schemas.microsoft.com/office/powerpoint/2010/main" val="4119176485"/>
+      </p:ext>
+    </p:extLst>
+  </p:cSld>
+  <p:clrMapOvr>
+    <a:masterClrMapping/>
+  </p:clrMapOvr>
+  <p:timing>
+    <p:tnLst>
+      <p:par>
+        <p:cTn id="1" dur="indefinite" restart="never" nodeType="tmRoot">
+          <p:childTnLst>
+            <p:seq concurrent="1" nextAc="seek">
+              <p:cTn id="2" dur="indefinite" nodeType="mainSeq">
+                <p:childTnLst>
+                  <p:par>
+                    <p:cTn id="3" fill="hold">
+                      <p:stCondLst>
+                        <p:cond delay="indefinite"/>
+                      </p:stCondLst>
+                      <p:childTnLst>
+                        <p:par>
+                          <p:cTn id="4" fill="hold">
+                            <p:stCondLst>
+                              <p:cond delay="0"/>
+                            </p:stCondLst>
+                            <p:childTnLst>
+                              <p:par>
+                                <p:cTn id="5" presetID="1" presetClass="exit" presetSubtype="0" fill="hold" nodeType="clickEffect">
+                                  <p:stCondLst>
+                                    <p:cond delay="0"/>
+                                  </p:stCondLst>
+                                  <p:childTnLst>
+                                    <p:set>
+                                      <p:cBhvr>
+                                        <p:cTn id="6" dur="1" fill="hold">
+                                          <p:stCondLst>
+                                            <p:cond delay="0"/>
+                                          </p:stCondLst>
+                                        </p:cTn>
+                                        <p:tgtEl>
+                                          <p:spTgt spid="4"/>
+                                        </p:tgtEl>
+                                        <p:attrNameLst>
+                                          <p:attrName>style.visibility</p:attrName>
+                                        </p:attrNameLst>
+                                      </p:cBhvr>
+                                      <p:to>
+                                        <p:strVal val="hidden"/>
+                                      </p:to>
+                                    </p:set>
+                                  </p:childTnLst>
+                                </p:cTn>
+                              </p:par>
+                              <p:par>
+                                <p:cTn id="7" presetID="2" presetClass="entr" presetSubtype="4" fill="hold" nodeType="withEffect">
+                                  <p:stCondLst>
+                                    <p:cond delay="0"/>
+                                  </p:stCondLst>
+                                  <p:childTnLst>
+                                    <p:set>
+                                      <p:cBhvr>
+                                        <p:cTn id="8" dur="1" fill="hold">
+                                          <p:stCondLst>
+                                            <p:cond delay="0"/>
+                                          </p:stCondLst>
+                                        </p:cTn>
+                                        <p:tgtEl>
+                                          <p:spTgt spid="5"/>
+                                        </p:tgtEl>
+                                        <p:attrNameLst>
+                                          <p:attrName>style.visibility</p:attrName>
+                                        </p:attrNameLst>
+                                      </p:cBhvr>
+                                      <p:to>
+                                        <p:strVal val="visible"/>
+                                      </p:to>
+                                    </p:set>
+                                    <p:anim calcmode="lin" valueType="num">
+                                      <p:cBhvr additive="base">
+                                        <p:cTn id="9" dur="500" fill="hold"/>
+                                        <p:tgtEl>
+                                          <p:spTgt spid="5"/>
+                                        </p:tgtEl>
+                                        <p:attrNameLst>
+                                          <p:attrName>ppt_x</p:attrName>
+                                        </p:attrNameLst>
+                                      </p:cBhvr>
+                                      <p:tavLst>
+                                        <p:tav tm="0">
+                                          <p:val>
+                                            <p:strVal val="#ppt_x"/>
+                                          </p:val>
+                                        </p:tav>
+                                        <p:tav tm="100000">
+                                          <p:val>
+                                            <p:strVal val="#ppt_x"/>
+                                          </p:val>
+                                        </p:tav>
+                                      </p:tavLst>
+                                    </p:anim>
+                                    <p:anim calcmode="lin" valueType="num">
+                                      <p:cBhvr additive="base">
+                                        <p:cTn id="10" dur="500" fill="hold"/>
+                                        <p:tgtEl>
+                                          <p:spTgt spid="5"/>
+                                        </p:tgtEl>
+                                        <p:attrNameLst>
+                                          <p:attrName>ppt_y</p:attrName>
+                                        </p:attrNameLst>
+                                      </p:cBhvr>
+                                      <p:tavLst>
+                                        <p:tav tm="0">
+                                          <p:val>
+                                            <p:strVal val="1+#ppt_h/2"/>
+                                          </p:val>
+                                        </p:tav>
+                                        <p:tav tm="100000">
+                                          <p:val>
+                                            <p:strVal val="#ppt_y"/>
+                                          </p:val>
+                                        </p:tav>
+                                      </p:tavLst>
+                                    </p:anim>
+                                  </p:childTnLst>
+                                </p:cTn>
+                              </p:par>
+                            </p:childTnLst>
+                          </p:cTn>
+                        </p:par>
+                      </p:childTnLst>
+                    </p:cTn>
+                  </p:par>
+                </p:childTnLst>
+              </p:cTn>
+              <p:prevCondLst>
+                <p:cond evt="onPrev" delay="0">
+                  <p:tgtEl>
+                    <p:sldTgt/>
+                  </p:tgtEl>
+                </p:cond>
+              </p:prevCondLst>
+              <p:nextCondLst>
+                <p:cond evt="onNext" delay="0">
+                  <p:tgtEl>
+                    <p:sldTgt/>
+                  </p:tgtEl>
+                </p:cond>
+              </p:nextCondLst>
+            </p:seq>
+          </p:childTnLst>
+        </p:cTn>
+      </p:par>
+    </p:tnLst>
+  </p:timing>
+</p:sld>
+</file>
+
+<file path=ppt/slides/slide9.xml><?xml version="1.0" encoding="utf-8"?>
+<p:sld xmlns:a="http://schemas.openxmlformats.org/drawingml/2006/main" xmlns:r="http://schemas.openxmlformats.org/officeDocument/2006/relationships" xmlns:p="http://schemas.openxmlformats.org/presentationml/2006/main">
+  <p:cSld>
+    <p:spTree>
+      <p:nvGrpSpPr>
+        <p:cNvPr id="1" name=""/>
+        <p:cNvGrpSpPr/>
+        <p:nvPr/>
+      </p:nvGrpSpPr>
+      <p:grpSpPr>
+        <a:xfrm>
+          <a:off x="0" y="0"/>
+          <a:ext cx="0" cy="0"/>
+          <a:chOff x="0" y="0"/>
+          <a:chExt cx="0" cy="0"/>
+        </a:xfrm>
+      </p:grpSpPr>
+      <p:sp>
+        <p:nvSpPr>
+          <p:cNvPr id="2" name="Title 1">
+            <a:extLst>
+              <a:ext uri="{FF2B5EF4-FFF2-40B4-BE49-F238E27FC236}">
+                <a16:creationId xmlns:a16="http://schemas.microsoft.com/office/drawing/2014/main" id="{E39C28E2-9194-40CD-BFAE-7389B099D8AF}"/>
+              </a:ext>
+            </a:extLst>
+          </p:cNvPr>
+          <p:cNvSpPr>
+            <a:spLocks noGrp="1"/>
+          </p:cNvSpPr>
+          <p:nvPr>
+            <p:ph type="title"/>
+          </p:nvPr>
+        </p:nvSpPr>
+        <p:spPr/>
+        <p:txBody>
+          <a:bodyPr/>
+          <a:lstStyle/>
+          <a:p>
+            <a:r>
+              <a:rPr lang="es-ES" dirty="0" err="1"/>
+              <a:t>Wordpress</a:t>
+            </a:r>
+            <a:endParaRPr lang="en-US" dirty="0"/>
+          </a:p>
+        </p:txBody>
+      </p:sp>
+      <p:sp>
+        <p:nvSpPr>
+          <p:cNvPr id="3" name="Content Placeholder 2">
+            <a:extLst>
+              <a:ext uri="{FF2B5EF4-FFF2-40B4-BE49-F238E27FC236}">
+                <a16:creationId xmlns:a16="http://schemas.microsoft.com/office/drawing/2014/main" id="{DA79BC87-278A-4F1C-BFDE-928356348413}"/>
+              </a:ext>
+            </a:extLst>
+          </p:cNvPr>
+          <p:cNvSpPr>
+            <a:spLocks noGrp="1"/>
+          </p:cNvSpPr>
+          <p:nvPr>
+            <p:ph idx="1"/>
+          </p:nvPr>
+        </p:nvSpPr>
+        <p:spPr/>
+        <p:txBody>
+          <a:bodyPr/>
+          <a:lstStyle/>
+          <a:p>
+            <a:endParaRPr lang="en-US"/>
+          </a:p>
+        </p:txBody>
+      </p:sp>
+    </p:spTree>
+    <p:extLst>
+      <p:ext uri="{BB962C8B-B14F-4D97-AF65-F5344CB8AC3E}">
+        <p14:creationId xmlns:p14="http://schemas.microsoft.com/office/powerpoint/2010/main" val="3767124708"/>
       </p:ext>
     </p:extLst>
   </p:cSld>
